--- a/reports/Natural Cycles - Assignment Report - Jeroen Buil.pptx
+++ b/reports/Natural Cycles - Assignment Report - Jeroen Buil.pptx
@@ -148,7 +148,7 @@
       </p:grpSpPr>
       <p:sp>
         <p:nvSpPr>
-          <p:cNvPr id="887342283" name="Header Placeholder 1"/>
+          <p:cNvPr id="639707234" name="Header Placeholder 1"/>
           <p:cNvSpPr>
             <a:spLocks noGrp="1"/>
           </p:cNvSpPr>
@@ -182,7 +182,7 @@
       </p:sp>
       <p:sp>
         <p:nvSpPr>
-          <p:cNvPr id="544905076" name="Date Placeholder 2"/>
+          <p:cNvPr id="1677912674" name="Date Placeholder 2"/>
           <p:cNvSpPr>
             <a:spLocks noGrp="1"/>
           </p:cNvSpPr>
@@ -220,7 +220,7 @@
       </p:sp>
       <p:sp>
         <p:nvSpPr>
-          <p:cNvPr id="16901425" name="Slide Image Placeholder 3"/>
+          <p:cNvPr id="593464996" name="Slide Image Placeholder 3"/>
           <p:cNvSpPr>
             <a:spLocks noChangeAspect="1" noGrp="1" noRot="1"/>
           </p:cNvSpPr>
@@ -256,7 +256,7 @@
       </p:sp>
       <p:sp>
         <p:nvSpPr>
-          <p:cNvPr id="204355641" name="Notes Placeholder 4"/>
+          <p:cNvPr id="1735553210" name="Notes Placeholder 4"/>
           <p:cNvSpPr>
             <a:spLocks noGrp="1"/>
           </p:cNvSpPr>
@@ -330,7 +330,7 @@
       </p:sp>
       <p:sp>
         <p:nvSpPr>
-          <p:cNvPr id="2008946156" name="Footer Placeholder 5"/>
+          <p:cNvPr id="383383786" name="Footer Placeholder 5"/>
           <p:cNvSpPr>
             <a:spLocks noGrp="1"/>
           </p:cNvSpPr>
@@ -364,7 +364,7 @@
       </p:sp>
       <p:sp>
         <p:nvSpPr>
-          <p:cNvPr id="1619853287" name="Slide Number Placeholder 6"/>
+          <p:cNvPr id="983638068" name="Slide Number Placeholder 6"/>
           <p:cNvSpPr>
             <a:spLocks noGrp="1"/>
           </p:cNvSpPr>
@@ -517,7 +517,7 @@
       </p:grpSpPr>
       <p:sp>
         <p:nvSpPr>
-          <p:cNvPr id="120447029" name="Slide Image Placeholder 1"/>
+          <p:cNvPr id="205695033" name="Slide Image Placeholder 1"/>
           <p:cNvSpPr>
             <a:spLocks noChangeAspect="1" noGrp="1" noRot="1"/>
           </p:cNvSpPr>
@@ -534,7 +534,7 @@
       </p:sp>
       <p:sp>
         <p:nvSpPr>
-          <p:cNvPr id="889137198" name="Notes Placeholder 2"/>
+          <p:cNvPr id="1066446428" name="Notes Placeholder 2"/>
           <p:cNvSpPr>
             <a:spLocks noGrp="1"/>
           </p:cNvSpPr>
@@ -559,7 +559,7 @@
       </p:sp>
       <p:sp>
         <p:nvSpPr>
-          <p:cNvPr id="903702218" name="Slide Number Placeholder 3"/>
+          <p:cNvPr id="1784792487" name="Slide Number Placeholder 3"/>
           <p:cNvSpPr>
             <a:spLocks noGrp="1"/>
           </p:cNvSpPr>
@@ -1800,7 +1800,7 @@
       </p:grpSpPr>
       <p:sp>
         <p:nvSpPr>
-          <p:cNvPr id="1876486804" name="Title 1"/>
+          <p:cNvPr id="1342571574" name="Title 1"/>
           <p:cNvSpPr>
             <a:spLocks noGrp="1"/>
           </p:cNvSpPr>
@@ -1835,7 +1835,7 @@
       </p:sp>
       <p:sp>
         <p:nvSpPr>
-          <p:cNvPr id="793120299" name="Subtitle 2"/>
+          <p:cNvPr id="1896747816" name="Subtitle 2"/>
           <p:cNvSpPr>
             <a:spLocks noGrp="1"/>
           </p:cNvSpPr>
@@ -1903,7 +1903,7 @@
       </p:sp>
       <p:sp>
         <p:nvSpPr>
-          <p:cNvPr id="1045929651" name="Date Placeholder 3"/>
+          <p:cNvPr id="821489894" name="Date Placeholder 3"/>
           <p:cNvSpPr>
             <a:spLocks noGrp="1"/>
           </p:cNvSpPr>
@@ -1929,7 +1929,7 @@
       </p:sp>
       <p:sp>
         <p:nvSpPr>
-          <p:cNvPr id="60037219" name="Footer Placeholder 4"/>
+          <p:cNvPr id="1040326216" name="Footer Placeholder 4"/>
           <p:cNvSpPr>
             <a:spLocks noGrp="1"/>
           </p:cNvSpPr>
@@ -1951,7 +1951,7 @@
       </p:sp>
       <p:sp>
         <p:nvSpPr>
-          <p:cNvPr id="857121560" name="Slide Number Placeholder 5"/>
+          <p:cNvPr id="1799631588" name="Slide Number Placeholder 5"/>
           <p:cNvSpPr>
             <a:spLocks noGrp="1"/>
           </p:cNvSpPr>
@@ -2002,7 +2002,7 @@
       </p:grpSpPr>
       <p:sp>
         <p:nvSpPr>
-          <p:cNvPr id="278766004" name="Title 1"/>
+          <p:cNvPr id="909151071" name="Title 1"/>
           <p:cNvSpPr>
             <a:spLocks noGrp="1"/>
           </p:cNvSpPr>
@@ -2028,7 +2028,7 @@
       </p:sp>
       <p:sp>
         <p:nvSpPr>
-          <p:cNvPr id="929221550" name="Vertical Text Placeholder 2"/>
+          <p:cNvPr id="735972001" name="Vertical Text Placeholder 2"/>
           <p:cNvSpPr>
             <a:spLocks noGrp="1"/>
           </p:cNvSpPr>
@@ -2094,7 +2094,7 @@
       </p:sp>
       <p:sp>
         <p:nvSpPr>
-          <p:cNvPr id="1107792039" name="Date Placeholder 3"/>
+          <p:cNvPr id="155629598" name="Date Placeholder 3"/>
           <p:cNvSpPr>
             <a:spLocks noGrp="1"/>
           </p:cNvSpPr>
@@ -2120,7 +2120,7 @@
       </p:sp>
       <p:sp>
         <p:nvSpPr>
-          <p:cNvPr id="1777957079" name="Footer Placeholder 4"/>
+          <p:cNvPr id="402781289" name="Footer Placeholder 4"/>
           <p:cNvSpPr>
             <a:spLocks noGrp="1"/>
           </p:cNvSpPr>
@@ -2142,7 +2142,7 @@
       </p:sp>
       <p:sp>
         <p:nvSpPr>
-          <p:cNvPr id="1049848110" name="Slide Number Placeholder 5"/>
+          <p:cNvPr id="63216115" name="Slide Number Placeholder 5"/>
           <p:cNvSpPr>
             <a:spLocks noGrp="1"/>
           </p:cNvSpPr>
@@ -2193,7 +2193,7 @@
       </p:grpSpPr>
       <p:sp>
         <p:nvSpPr>
-          <p:cNvPr id="194292146" name="Vertical Title 1"/>
+          <p:cNvPr id="370147172" name="Vertical Title 1"/>
           <p:cNvSpPr>
             <a:spLocks noGrp="1"/>
           </p:cNvSpPr>
@@ -2224,7 +2224,7 @@
       </p:sp>
       <p:sp>
         <p:nvSpPr>
-          <p:cNvPr id="1433028487" name="Vertical Text Placeholder 2"/>
+          <p:cNvPr id="751398947" name="Vertical Text Placeholder 2"/>
           <p:cNvSpPr>
             <a:spLocks noGrp="1"/>
           </p:cNvSpPr>
@@ -2295,7 +2295,7 @@
       </p:sp>
       <p:sp>
         <p:nvSpPr>
-          <p:cNvPr id="817993928" name="Date Placeholder 3"/>
+          <p:cNvPr id="1747834350" name="Date Placeholder 3"/>
           <p:cNvSpPr>
             <a:spLocks noGrp="1"/>
           </p:cNvSpPr>
@@ -2321,7 +2321,7 @@
       </p:sp>
       <p:sp>
         <p:nvSpPr>
-          <p:cNvPr id="1954296984" name="Footer Placeholder 4"/>
+          <p:cNvPr id="1929735194" name="Footer Placeholder 4"/>
           <p:cNvSpPr>
             <a:spLocks noGrp="1"/>
           </p:cNvSpPr>
@@ -2343,7 +2343,7 @@
       </p:sp>
       <p:sp>
         <p:nvSpPr>
-          <p:cNvPr id="161568207" name="Slide Number Placeholder 5"/>
+          <p:cNvPr id="281501605" name="Slide Number Placeholder 5"/>
           <p:cNvSpPr>
             <a:spLocks noGrp="1"/>
           </p:cNvSpPr>
@@ -2394,7 +2394,7 @@
       </p:grpSpPr>
       <p:sp>
         <p:nvSpPr>
-          <p:cNvPr id="1670023491" name="Title 1"/>
+          <p:cNvPr id="1832186409" name="Title 1"/>
           <p:cNvSpPr>
             <a:spLocks noGrp="1"/>
           </p:cNvSpPr>
@@ -2420,7 +2420,7 @@
       </p:sp>
       <p:sp>
         <p:nvSpPr>
-          <p:cNvPr id="1443672775" name="Content Placeholder 2"/>
+          <p:cNvPr id="1157076185" name="Content Placeholder 2"/>
           <p:cNvSpPr>
             <a:spLocks noGrp="1"/>
           </p:cNvSpPr>
@@ -2486,7 +2486,7 @@
       </p:sp>
       <p:sp>
         <p:nvSpPr>
-          <p:cNvPr id="452059515" name="Date Placeholder 3"/>
+          <p:cNvPr id="926142532" name="Date Placeholder 3"/>
           <p:cNvSpPr>
             <a:spLocks noGrp="1"/>
           </p:cNvSpPr>
@@ -2512,7 +2512,7 @@
       </p:sp>
       <p:sp>
         <p:nvSpPr>
-          <p:cNvPr id="59352746" name="Footer Placeholder 4"/>
+          <p:cNvPr id="1633925034" name="Footer Placeholder 4"/>
           <p:cNvSpPr>
             <a:spLocks noGrp="1"/>
           </p:cNvSpPr>
@@ -2534,7 +2534,7 @@
       </p:sp>
       <p:sp>
         <p:nvSpPr>
-          <p:cNvPr id="1523189800" name="Slide Number Placeholder 5"/>
+          <p:cNvPr id="1077719219" name="Slide Number Placeholder 5"/>
           <p:cNvSpPr>
             <a:spLocks noGrp="1"/>
           </p:cNvSpPr>
@@ -2585,7 +2585,7 @@
       </p:grpSpPr>
       <p:sp>
         <p:nvSpPr>
-          <p:cNvPr id="331522051" name="Title 1"/>
+          <p:cNvPr id="249394411" name="Title 1"/>
           <p:cNvSpPr>
             <a:spLocks noGrp="1"/>
           </p:cNvSpPr>
@@ -2620,7 +2620,7 @@
       </p:sp>
       <p:sp>
         <p:nvSpPr>
-          <p:cNvPr id="1792211101" name="Text Placeholder 2"/>
+          <p:cNvPr id="1093346641" name="Text Placeholder 2"/>
           <p:cNvSpPr>
             <a:spLocks noGrp="1"/>
           </p:cNvSpPr>
@@ -2742,7 +2742,7 @@
       </p:sp>
       <p:sp>
         <p:nvSpPr>
-          <p:cNvPr id="737894001" name="Date Placeholder 3"/>
+          <p:cNvPr id="106590094" name="Date Placeholder 3"/>
           <p:cNvSpPr>
             <a:spLocks noGrp="1"/>
           </p:cNvSpPr>
@@ -2768,7 +2768,7 @@
       </p:sp>
       <p:sp>
         <p:nvSpPr>
-          <p:cNvPr id="74035802" name="Footer Placeholder 4"/>
+          <p:cNvPr id="587033629" name="Footer Placeholder 4"/>
           <p:cNvSpPr>
             <a:spLocks noGrp="1"/>
           </p:cNvSpPr>
@@ -2790,7 +2790,7 @@
       </p:sp>
       <p:sp>
         <p:nvSpPr>
-          <p:cNvPr id="1445224517" name="Slide Number Placeholder 5"/>
+          <p:cNvPr id="382403844" name="Slide Number Placeholder 5"/>
           <p:cNvSpPr>
             <a:spLocks noGrp="1"/>
           </p:cNvSpPr>
@@ -2841,7 +2841,7 @@
       </p:grpSpPr>
       <p:sp>
         <p:nvSpPr>
-          <p:cNvPr id="62176343" name="Title 1"/>
+          <p:cNvPr id="1186138846" name="Title 1"/>
           <p:cNvSpPr>
             <a:spLocks noGrp="1"/>
           </p:cNvSpPr>
@@ -2867,7 +2867,7 @@
       </p:sp>
       <p:sp>
         <p:nvSpPr>
-          <p:cNvPr id="30768486" name="Content Placeholder 2"/>
+          <p:cNvPr id="649901613" name="Content Placeholder 2"/>
           <p:cNvSpPr>
             <a:spLocks noGrp="1"/>
           </p:cNvSpPr>
@@ -2938,7 +2938,7 @@
       </p:sp>
       <p:sp>
         <p:nvSpPr>
-          <p:cNvPr id="1727630725" name="Content Placeholder 3"/>
+          <p:cNvPr id="146870747" name="Content Placeholder 3"/>
           <p:cNvSpPr>
             <a:spLocks noGrp="1"/>
           </p:cNvSpPr>
@@ -3009,7 +3009,7 @@
       </p:sp>
       <p:sp>
         <p:nvSpPr>
-          <p:cNvPr id="1228600754" name="Date Placeholder 4"/>
+          <p:cNvPr id="1332766991" name="Date Placeholder 4"/>
           <p:cNvSpPr>
             <a:spLocks noGrp="1"/>
           </p:cNvSpPr>
@@ -3035,7 +3035,7 @@
       </p:sp>
       <p:sp>
         <p:nvSpPr>
-          <p:cNvPr id="1536054815" name="Footer Placeholder 5"/>
+          <p:cNvPr id="24809298" name="Footer Placeholder 5"/>
           <p:cNvSpPr>
             <a:spLocks noGrp="1"/>
           </p:cNvSpPr>
@@ -3057,7 +3057,7 @@
       </p:sp>
       <p:sp>
         <p:nvSpPr>
-          <p:cNvPr id="948129598" name="Slide Number Placeholder 6"/>
+          <p:cNvPr id="1665378493" name="Slide Number Placeholder 6"/>
           <p:cNvSpPr>
             <a:spLocks noGrp="1"/>
           </p:cNvSpPr>
@@ -3108,7 +3108,7 @@
       </p:grpSpPr>
       <p:sp>
         <p:nvSpPr>
-          <p:cNvPr id="348199448" name="Title 1"/>
+          <p:cNvPr id="1263372340" name="Title 1"/>
           <p:cNvSpPr>
             <a:spLocks noGrp="1"/>
           </p:cNvSpPr>
@@ -3139,7 +3139,7 @@
       </p:sp>
       <p:sp>
         <p:nvSpPr>
-          <p:cNvPr id="1692404935" name="Text Placeholder 2"/>
+          <p:cNvPr id="769125402" name="Text Placeholder 2"/>
           <p:cNvSpPr>
             <a:spLocks noGrp="1"/>
           </p:cNvSpPr>
@@ -3207,7 +3207,7 @@
       </p:sp>
       <p:sp>
         <p:nvSpPr>
-          <p:cNvPr id="1103593303" name="Content Placeholder 3"/>
+          <p:cNvPr id="1957557949" name="Content Placeholder 3"/>
           <p:cNvSpPr>
             <a:spLocks noGrp="1"/>
           </p:cNvSpPr>
@@ -3278,7 +3278,7 @@
       </p:sp>
       <p:sp>
         <p:nvSpPr>
-          <p:cNvPr id="483348424" name="Text Placeholder 4"/>
+          <p:cNvPr id="371138273" name="Text Placeholder 4"/>
           <p:cNvSpPr>
             <a:spLocks noGrp="1"/>
           </p:cNvSpPr>
@@ -3346,7 +3346,7 @@
       </p:sp>
       <p:sp>
         <p:nvSpPr>
-          <p:cNvPr id="186071806" name="Content Placeholder 5"/>
+          <p:cNvPr id="951096522" name="Content Placeholder 5"/>
           <p:cNvSpPr>
             <a:spLocks noGrp="1"/>
           </p:cNvSpPr>
@@ -3417,7 +3417,7 @@
       </p:sp>
       <p:sp>
         <p:nvSpPr>
-          <p:cNvPr id="1427185115" name="Date Placeholder 6"/>
+          <p:cNvPr id="1222232587" name="Date Placeholder 6"/>
           <p:cNvSpPr>
             <a:spLocks noGrp="1"/>
           </p:cNvSpPr>
@@ -3443,7 +3443,7 @@
       </p:sp>
       <p:sp>
         <p:nvSpPr>
-          <p:cNvPr id="2055915832" name="Footer Placeholder 7"/>
+          <p:cNvPr id="539036354" name="Footer Placeholder 7"/>
           <p:cNvSpPr>
             <a:spLocks noGrp="1"/>
           </p:cNvSpPr>
@@ -3465,7 +3465,7 @@
       </p:sp>
       <p:sp>
         <p:nvSpPr>
-          <p:cNvPr id="943612745" name="Slide Number Placeholder 8"/>
+          <p:cNvPr id="1768790982" name="Slide Number Placeholder 8"/>
           <p:cNvSpPr>
             <a:spLocks noGrp="1"/>
           </p:cNvSpPr>
@@ -3516,7 +3516,7 @@
       </p:grpSpPr>
       <p:sp>
         <p:nvSpPr>
-          <p:cNvPr id="1857420823" name="Title 1"/>
+          <p:cNvPr id="1697067027" name="Title 1"/>
           <p:cNvSpPr>
             <a:spLocks noGrp="1"/>
           </p:cNvSpPr>
@@ -3542,7 +3542,7 @@
       </p:sp>
       <p:sp>
         <p:nvSpPr>
-          <p:cNvPr id="778377120" name="Date Placeholder 2"/>
+          <p:cNvPr id="1357003026" name="Date Placeholder 2"/>
           <p:cNvSpPr>
             <a:spLocks noGrp="1"/>
           </p:cNvSpPr>
@@ -3568,7 +3568,7 @@
       </p:sp>
       <p:sp>
         <p:nvSpPr>
-          <p:cNvPr id="73032550" name="Footer Placeholder 3"/>
+          <p:cNvPr id="1122626274" name="Footer Placeholder 3"/>
           <p:cNvSpPr>
             <a:spLocks noGrp="1"/>
           </p:cNvSpPr>
@@ -3590,7 +3590,7 @@
       </p:sp>
       <p:sp>
         <p:nvSpPr>
-          <p:cNvPr id="1193211344" name="Slide Number Placeholder 4"/>
+          <p:cNvPr id="1522420894" name="Slide Number Placeholder 4"/>
           <p:cNvSpPr>
             <a:spLocks noGrp="1"/>
           </p:cNvSpPr>
@@ -3641,7 +3641,7 @@
       </p:grpSpPr>
       <p:sp>
         <p:nvSpPr>
-          <p:cNvPr id="1067347011" name="Date Placeholder 1"/>
+          <p:cNvPr id="709010437" name="Date Placeholder 1"/>
           <p:cNvSpPr>
             <a:spLocks noGrp="1"/>
           </p:cNvSpPr>
@@ -3667,7 +3667,7 @@
       </p:sp>
       <p:sp>
         <p:nvSpPr>
-          <p:cNvPr id="1796998703" name="Footer Placeholder 2"/>
+          <p:cNvPr id="379791156" name="Footer Placeholder 2"/>
           <p:cNvSpPr>
             <a:spLocks noGrp="1"/>
           </p:cNvSpPr>
@@ -3689,7 +3689,7 @@
       </p:sp>
       <p:sp>
         <p:nvSpPr>
-          <p:cNvPr id="700479043" name="Slide Number Placeholder 3"/>
+          <p:cNvPr id="1334252171" name="Slide Number Placeholder 3"/>
           <p:cNvSpPr>
             <a:spLocks noGrp="1"/>
           </p:cNvSpPr>
@@ -3740,7 +3740,7 @@
       </p:grpSpPr>
       <p:sp>
         <p:nvSpPr>
-          <p:cNvPr id="1861765962" name="Title 1"/>
+          <p:cNvPr id="207088258" name="Title 1"/>
           <p:cNvSpPr>
             <a:spLocks noGrp="1"/>
           </p:cNvSpPr>
@@ -3775,7 +3775,7 @@
       </p:sp>
       <p:sp>
         <p:nvSpPr>
-          <p:cNvPr id="608379241" name="Content Placeholder 2"/>
+          <p:cNvPr id="1349753560" name="Content Placeholder 2"/>
           <p:cNvSpPr>
             <a:spLocks noGrp="1"/>
           </p:cNvSpPr>
@@ -3874,7 +3874,7 @@
       </p:sp>
       <p:sp>
         <p:nvSpPr>
-          <p:cNvPr id="690081395" name="Text Placeholder 3"/>
+          <p:cNvPr id="1125577889" name="Text Placeholder 3"/>
           <p:cNvSpPr>
             <a:spLocks noGrp="1"/>
           </p:cNvSpPr>
@@ -3942,7 +3942,7 @@
       </p:sp>
       <p:sp>
         <p:nvSpPr>
-          <p:cNvPr id="195169496" name="Date Placeholder 4"/>
+          <p:cNvPr id="1586888020" name="Date Placeholder 4"/>
           <p:cNvSpPr>
             <a:spLocks noGrp="1"/>
           </p:cNvSpPr>
@@ -3968,7 +3968,7 @@
       </p:sp>
       <p:sp>
         <p:nvSpPr>
-          <p:cNvPr id="750081816" name="Footer Placeholder 5"/>
+          <p:cNvPr id="1041009387" name="Footer Placeholder 5"/>
           <p:cNvSpPr>
             <a:spLocks noGrp="1"/>
           </p:cNvSpPr>
@@ -3990,7 +3990,7 @@
       </p:sp>
       <p:sp>
         <p:nvSpPr>
-          <p:cNvPr id="199902803" name="Slide Number Placeholder 6"/>
+          <p:cNvPr id="793690728" name="Slide Number Placeholder 6"/>
           <p:cNvSpPr>
             <a:spLocks noGrp="1"/>
           </p:cNvSpPr>
@@ -4041,7 +4041,7 @@
       </p:grpSpPr>
       <p:sp>
         <p:nvSpPr>
-          <p:cNvPr id="1550154822" name="Title 1"/>
+          <p:cNvPr id="987135520" name="Title 1"/>
           <p:cNvSpPr>
             <a:spLocks noGrp="1"/>
           </p:cNvSpPr>
@@ -4076,7 +4076,7 @@
       </p:sp>
       <p:sp>
         <p:nvSpPr>
-          <p:cNvPr id="2106473678" name="Picture Placeholder 2"/>
+          <p:cNvPr id="201047570" name="Picture Placeholder 2"/>
           <p:cNvSpPr>
             <a:spLocks noChangeAspect="1" noGrp="1"/>
           </p:cNvSpPr>
@@ -4144,7 +4144,7 @@
       </p:sp>
       <p:sp>
         <p:nvSpPr>
-          <p:cNvPr id="1321207904" name="Text Placeholder 3"/>
+          <p:cNvPr id="579124144" name="Text Placeholder 3"/>
           <p:cNvSpPr>
             <a:spLocks noGrp="1"/>
           </p:cNvSpPr>
@@ -4212,7 +4212,7 @@
       </p:sp>
       <p:sp>
         <p:nvSpPr>
-          <p:cNvPr id="1774882824" name="Date Placeholder 4"/>
+          <p:cNvPr id="811390353" name="Date Placeholder 4"/>
           <p:cNvSpPr>
             <a:spLocks noGrp="1"/>
           </p:cNvSpPr>
@@ -4238,7 +4238,7 @@
       </p:sp>
       <p:sp>
         <p:nvSpPr>
-          <p:cNvPr id="3357045" name="Footer Placeholder 5"/>
+          <p:cNvPr id="1999060828" name="Footer Placeholder 5"/>
           <p:cNvSpPr>
             <a:spLocks noGrp="1"/>
           </p:cNvSpPr>
@@ -4260,7 +4260,7 @@
       </p:sp>
       <p:sp>
         <p:nvSpPr>
-          <p:cNvPr id="669310866" name="Slide Number Placeholder 6"/>
+          <p:cNvPr id="320442893" name="Slide Number Placeholder 6"/>
           <p:cNvSpPr>
             <a:spLocks noGrp="1"/>
           </p:cNvSpPr>
@@ -4316,7 +4316,7 @@
       </p:grpSpPr>
       <p:sp>
         <p:nvSpPr>
-          <p:cNvPr id="998744197" name="Title Placeholder 1"/>
+          <p:cNvPr id="2019285619" name="Title Placeholder 1"/>
           <p:cNvSpPr>
             <a:spLocks noGrp="1"/>
           </p:cNvSpPr>
@@ -4352,7 +4352,7 @@
       </p:sp>
       <p:sp>
         <p:nvSpPr>
-          <p:cNvPr id="287259378" name="Text Placeholder 2"/>
+          <p:cNvPr id="571481333" name="Text Placeholder 2"/>
           <p:cNvSpPr>
             <a:spLocks noGrp="1"/>
           </p:cNvSpPr>
@@ -4428,7 +4428,7 @@
       </p:sp>
       <p:sp>
         <p:nvSpPr>
-          <p:cNvPr id="2040389911" name="Date Placeholder 3"/>
+          <p:cNvPr id="777171412" name="Date Placeholder 3"/>
           <p:cNvSpPr>
             <a:spLocks noGrp="1"/>
           </p:cNvSpPr>
@@ -4472,7 +4472,7 @@
       </p:sp>
       <p:sp>
         <p:nvSpPr>
-          <p:cNvPr id="215551076" name="Footer Placeholder 4"/>
+          <p:cNvPr id="1586652364" name="Footer Placeholder 4"/>
           <p:cNvSpPr>
             <a:spLocks noGrp="1"/>
           </p:cNvSpPr>
@@ -4512,7 +4512,7 @@
       </p:sp>
       <p:sp>
         <p:nvSpPr>
-          <p:cNvPr id="534521442" name="Slide Number Placeholder 5"/>
+          <p:cNvPr id="1935814656" name="Slide Number Placeholder 5"/>
           <p:cNvSpPr>
             <a:spLocks noGrp="1"/>
           </p:cNvSpPr>
@@ -4872,7 +4872,7 @@
       </p:grpSpPr>
       <p:sp>
         <p:nvSpPr>
-          <p:cNvPr id="1168878536" name="Title 1"/>
+          <p:cNvPr id="10007774" name="Title 1"/>
           <p:cNvSpPr>
             <a:spLocks noGrp="1"/>
           </p:cNvSpPr>
@@ -4898,7 +4898,7 @@
       </p:sp>
       <p:sp>
         <p:nvSpPr>
-          <p:cNvPr id="1161160280" name="Subtitle 2"/>
+          <p:cNvPr id="1488309491" name="Subtitle 2"/>
           <p:cNvSpPr>
             <a:spLocks noGrp="1"/>
           </p:cNvSpPr>
@@ -5225,7 +5225,7 @@
                       </a:pPr>
                       <a:r>
                         <a:rPr sz="1400" b="1"/>
-                        <a:t>Got pregnant within the study within 13 weeks</a:t>
+                        <a:t>Got pregnant within the study within 13 cycles</a:t>
                       </a:r>
                       <a:endParaRPr sz="1400" b="1"/>
                     </a:p>
@@ -5301,7 +5301,7 @@
                       </a:pPr>
                       <a:r>
                         <a:rPr sz="1400"/>
-                        <a:t>Got pregnant within 13 weeks out of all </a:t>
+                        <a:t>Got pregnant within 13 cycles out of all </a:t>
                       </a:r>
                       <a:r>
                         <a:rPr sz="1400" u="sng"/>
@@ -5627,9 +5627,94 @@
           </a:p>
         </p:txBody>
       </p:sp>
+      <p:sp>
+        <p:nvSpPr>
+          <p:cNvPr id="995768280" name="Content Placeholder 2"/>
+          <p:cNvSpPr>
+            <a:spLocks noGrp="1"/>
+          </p:cNvSpPr>
+          <p:nvPr>
+            <p:ph idx="1"/>
+          </p:nvPr>
+        </p:nvSpPr>
+        <p:spPr bwMode="auto">
+          <a:xfrm flipH="0" flipV="0">
+            <a:off x="4824966" y="1514220"/>
+            <a:ext cx="7186083" cy="1213103"/>
+          </a:xfrm>
+        </p:spPr>
+        <p:txBody>
+          <a:bodyPr vertOverflow="overflow" horzOverflow="overflow" vert="horz" wrap="square" lIns="91440" tIns="45720" rIns="91440" bIns="45720" numCol="1" spcCol="0" rtlCol="0" fromWordArt="0" anchor="t" anchorCtr="0" forceAA="0" upright="0" compatLnSpc="0">
+            <a:normAutofit fontScale="85000" lnSpcReduction="3000"/>
+          </a:bodyPr>
+          <a:lstStyle/>
+          <a:p>
+            <a:pPr marL="457200" lvl="1" indent="0" algn="l">
+              <a:buFont typeface="Arial"/>
+              <a:buNone/>
+              <a:defRPr/>
+            </a:pPr>
+            <a:r>
+              <a:rPr b="1" u="sng"/>
+              <a:t>Answer:</a:t>
+            </a:r>
+            <a:endParaRPr/>
+          </a:p>
+          <a:p>
+            <a:pPr lvl="1" algn="l">
+              <a:defRPr/>
+            </a:pPr>
+            <a:r>
+              <a:rPr/>
+              <a:t>Majority of participants (&gt;50%) got pregnant </a:t>
+            </a:r>
+            <a:r>
+              <a:rPr lang="en-GB" sz="2000" b="0" i="0" u="none" strike="noStrike" cap="none" spc="0">
+                <a:solidFill>
+                  <a:schemeClr val="tx1"/>
+                </a:solidFill>
+                <a:latin typeface="Arial"/>
+                <a:ea typeface="Arial"/>
+                <a:cs typeface="Arial"/>
+              </a:rPr>
+              <a:t>≤</a:t>
+            </a:r>
+            <a:r>
+              <a:rPr/>
+              <a:t> 2 cycles</a:t>
+            </a:r>
+            <a:endParaRPr/>
+          </a:p>
+          <a:p>
+            <a:pPr lvl="1" algn="l">
+              <a:defRPr/>
+            </a:pPr>
+            <a:r>
+              <a:rPr/>
+              <a:t>90% did so </a:t>
+            </a:r>
+            <a:r>
+              <a:rPr lang="en-GB" sz="2000" b="0" i="0" u="none" strike="noStrike" cap="none" spc="0">
+                <a:solidFill>
+                  <a:schemeClr val="tx1"/>
+                </a:solidFill>
+                <a:latin typeface="Arial"/>
+                <a:ea typeface="Arial"/>
+                <a:cs typeface="Arial"/>
+              </a:rPr>
+              <a:t>≤ </a:t>
+            </a:r>
+            <a:r>
+              <a:rPr/>
+              <a:t>7 cycles</a:t>
+            </a:r>
+            <a:endParaRPr/>
+          </a:p>
+        </p:txBody>
+      </p:sp>
       <p:pic>
         <p:nvPicPr>
-          <p:cNvPr id="1706846424" name=""/>
+          <p:cNvPr id="1661534957" name=""/>
           <p:cNvPicPr>
             <a:picLocks noChangeAspect="1"/>
           </p:cNvPicPr>
@@ -5640,100 +5725,15 @@
           <a:stretch/>
         </p:blipFill>
         <p:spPr bwMode="auto">
-          <a:xfrm flipH="0" flipV="0">
-            <a:off x="41791" y="2853520"/>
-            <a:ext cx="12108417" cy="3976544"/>
+          <a:xfrm>
+            <a:off x="0" y="2853520"/>
+            <a:ext cx="12191999" cy="4003994"/>
           </a:xfrm>
           <a:prstGeom prst="rect">
             <a:avLst/>
           </a:prstGeom>
         </p:spPr>
       </p:pic>
-      <p:sp>
-        <p:nvSpPr>
-          <p:cNvPr id="995768280" name="Content Placeholder 2"/>
-          <p:cNvSpPr>
-            <a:spLocks noGrp="1"/>
-          </p:cNvSpPr>
-          <p:nvPr>
-            <p:ph idx="1"/>
-          </p:nvPr>
-        </p:nvSpPr>
-        <p:spPr bwMode="auto">
-          <a:xfrm flipH="0" flipV="0">
-            <a:off x="4824966" y="1514220"/>
-            <a:ext cx="7186083" cy="1213103"/>
-          </a:xfrm>
-        </p:spPr>
-        <p:txBody>
-          <a:bodyPr vertOverflow="overflow" horzOverflow="overflow" vert="horz" wrap="square" lIns="91440" tIns="45720" rIns="91440" bIns="45720" numCol="1" spcCol="0" rtlCol="0" fromWordArt="0" anchor="t" anchorCtr="0" forceAA="0" upright="0" compatLnSpc="0">
-            <a:normAutofit fontScale="85000" lnSpcReduction="3000"/>
-          </a:bodyPr>
-          <a:lstStyle/>
-          <a:p>
-            <a:pPr marL="457200" lvl="1" indent="0" algn="l">
-              <a:buFont typeface="Arial"/>
-              <a:buNone/>
-              <a:defRPr/>
-            </a:pPr>
-            <a:r>
-              <a:rPr b="1" u="sng"/>
-              <a:t>Answer:</a:t>
-            </a:r>
-            <a:endParaRPr/>
-          </a:p>
-          <a:p>
-            <a:pPr lvl="1" algn="l">
-              <a:defRPr/>
-            </a:pPr>
-            <a:r>
-              <a:rPr/>
-              <a:t>Majority of participants (&gt;50%) got pregnant </a:t>
-            </a:r>
-            <a:r>
-              <a:rPr lang="en-GB" sz="2000" b="0" i="0" u="none" strike="noStrike" cap="none" spc="0">
-                <a:solidFill>
-                  <a:schemeClr val="tx1"/>
-                </a:solidFill>
-                <a:latin typeface="Arial"/>
-                <a:ea typeface="Arial"/>
-                <a:cs typeface="Arial"/>
-              </a:rPr>
-              <a:t>≤</a:t>
-            </a:r>
-            <a:r>
-              <a:rPr/>
-              <a:t> 2 cycles</a:t>
-            </a:r>
-            <a:endParaRPr/>
-          </a:p>
-          <a:p>
-            <a:pPr lvl="1" algn="l">
-              <a:defRPr/>
-            </a:pPr>
-            <a:r>
-              <a:rPr/>
-              <a:t>90% did so </a:t>
-            </a:r>
-            <a:r>
-              <a:rPr lang="en-GB" sz="2000" b="0" i="0" u="none" strike="noStrike" cap="none" spc="0">
-                <a:solidFill>
-                  <a:schemeClr val="tx1"/>
-                </a:solidFill>
-                <a:latin typeface="Arial"/>
-                <a:ea typeface="Arial"/>
-                <a:cs typeface="Arial"/>
-              </a:rPr>
-              <a:t>≤ </a:t>
-            </a:r>
-            <a:r>
-              <a:rPr/>
-              <a:t>7 cycles</a:t>
-            </a:r>
-            <a:endParaRPr/>
-          </a:p>
-        </p:txBody>
-      </p:sp>
     </p:spTree>
   </p:cSld>
   <p:clrMapOvr>
@@ -6304,8 +6304,14 @@
             </a:pPr>
             <a:r>
               <a:rPr/>
-              <a:t>Exclude country:</a:t>
-            </a:r>
+              <a:t>Exclude country: while country/cultural effects are interesting, but collected data does not cater towards this</a:t>
+            </a:r>
+            <a:endParaRPr/>
+          </a:p>
+          <a:p>
+            <a:pPr>
+              <a:defRPr/>
+            </a:pPr>
             <a:endParaRPr/>
           </a:p>
         </p:txBody>
@@ -6324,8 +6330,8 @@
         </p:blipFill>
         <p:spPr bwMode="auto">
           <a:xfrm flipH="0" flipV="0">
-            <a:off x="3572849" y="1695761"/>
-            <a:ext cx="8385360" cy="5010712"/>
+            <a:off x="5049225" y="2577976"/>
+            <a:ext cx="6908985" cy="4128497"/>
           </a:xfrm>
           <a:prstGeom prst="rect">
             <a:avLst/>
@@ -6459,15 +6465,228 @@
                 <a:solidFill>
                   <a:schemeClr val="tx1"/>
                 </a:solidFill>
+                <a:latin typeface="+mn-lt"/>
+                <a:ea typeface="+mn-ea"/>
+                <a:cs typeface="+mn-cs"/>
+              </a:rPr>
+              <a:t>Two approaches:</a:t>
+            </a:r>
+            <a:endParaRPr sz="2800"/>
+          </a:p>
+          <a:p>
+            <a:pPr lvl="1">
+              <a:defRPr/>
+            </a:pPr>
+            <a:r>
+              <a:rPr lang="en-GB" sz="2800" b="0" i="0" u="none" strike="noStrike" cap="none" spc="0">
+                <a:solidFill>
+                  <a:schemeClr val="tx1"/>
+                </a:solidFill>
+                <a:latin typeface="+mn-lt"/>
+                <a:ea typeface="+mn-ea"/>
+                <a:cs typeface="+mn-cs"/>
+              </a:rPr>
+              <a:t>Non-ML </a:t>
+            </a:r>
+            <a:r>
+              <a:rPr lang="en-GB" sz="2800" b="0" i="0" u="none" strike="noStrike" cap="none" spc="0">
+                <a:solidFill>
+                  <a:schemeClr val="tx1"/>
+                </a:solidFill>
+                <a:latin typeface="+mn-lt"/>
+                <a:ea typeface="+mn-ea"/>
+                <a:cs typeface="+mn-cs"/>
+              </a:rPr>
+              <a:t>   </a:t>
+            </a:r>
+            <a:r>
+              <a:rPr lang="en-GB" sz="2800" b="0" i="0" u="none" strike="noStrike" cap="none" spc="0">
+                <a:solidFill>
+                  <a:schemeClr val="tx1"/>
+                </a:solidFill>
                 <a:latin typeface="Arial"/>
                 <a:ea typeface="Arial"/>
                 <a:cs typeface="Arial"/>
               </a:rPr>
-              <a:t>What trade-offs would you consider?</a:t>
-            </a:r>
-            <a:endParaRPr/>
-          </a:p>
-        </p:txBody>
+              <a:t> </a:t>
+            </a:r>
+            <a:endParaRPr sz="2800"/>
+          </a:p>
+          <a:p>
+            <a:pPr lvl="1">
+              <a:defRPr/>
+            </a:pPr>
+            <a:endParaRPr sz="2800"/>
+          </a:p>
+          <a:p>
+            <a:pPr lvl="0">
+              <a:defRPr/>
+            </a:pPr>
+            <a:r>
+              <a:rPr lang="en-GB" sz="2400" b="1" i="0" u="none" strike="noStrike" cap="none" spc="0">
+                <a:solidFill>
+                  <a:schemeClr val="tx1"/>
+                </a:solidFill>
+                <a:latin typeface="Arial"/>
+                <a:ea typeface="Arial"/>
+                <a:cs typeface="Arial"/>
+              </a:rPr>
+              <a:t>ML:</a:t>
+            </a:r>
+            <a:endParaRPr lang="en-GB" sz="2400" b="1" i="0" u="none" strike="noStrike" cap="none" spc="0">
+              <a:solidFill>
+                <a:schemeClr val="tx1"/>
+              </a:solidFill>
+              <a:latin typeface="Times New Roman"/>
+              <a:cs typeface="Times New Roman"/>
+            </a:endParaRPr>
+          </a:p>
+          <a:p>
+            <a:pPr lvl="0">
+              <a:defRPr/>
+            </a:pPr>
+            <a:endParaRPr sz="2400"/>
+          </a:p>
+          <a:p>
+            <a:pPr lvl="0">
+              <a:defRPr/>
+            </a:pPr>
+            <a:endParaRPr lang="en-GB" sz="2400" b="1" i="0" u="none" strike="noStrike" cap="none" spc="0">
+              <a:solidFill>
+                <a:schemeClr val="tx1"/>
+              </a:solidFill>
+              <a:latin typeface="Times New Roman"/>
+              <a:cs typeface="Times New Roman"/>
+            </a:endParaRPr>
+          </a:p>
+          <a:p>
+            <a:pPr lvl="0">
+              <a:defRPr/>
+            </a:pPr>
+            <a:r>
+              <a:rPr lang="en-GB" sz="2400" b="1" i="0" u="none" strike="noStrike" cap="none" spc="0">
+                <a:solidFill>
+                  <a:schemeClr val="tx1"/>
+                </a:solidFill>
+                <a:latin typeface="Arial"/>
+                <a:ea typeface="Arial"/>
+                <a:cs typeface="Arial"/>
+              </a:rPr>
+              <a:t>Why?</a:t>
+            </a:r>
+            <a:endParaRPr lang="en-GB" sz="2400" b="1" i="0" u="none" strike="noStrike" cap="none" spc="0">
+              <a:solidFill>
+                <a:schemeClr val="tx1"/>
+              </a:solidFill>
+              <a:latin typeface="Times New Roman"/>
+              <a:cs typeface="Times New Roman"/>
+            </a:endParaRPr>
+          </a:p>
+          <a:p>
+            <a:pPr lvl="1">
+              <a:defRPr/>
+            </a:pPr>
+            <a:r>
+              <a:rPr lang="en-GB" sz="2400" b="0" i="0" u="none" strike="noStrike" cap="none" spc="0">
+                <a:solidFill>
+                  <a:schemeClr val="tx1"/>
+                </a:solidFill>
+                <a:latin typeface="+mn-lt"/>
+                <a:ea typeface="+mn-ea"/>
+                <a:cs typeface="+mn-cs"/>
+              </a:rPr>
+              <a:t>Possible to discover complex patterns</a:t>
+            </a:r>
+            <a:endParaRPr lang="en-GB" sz="2400" b="0" i="0" u="none" strike="noStrike" cap="none" spc="0">
+              <a:solidFill>
+                <a:schemeClr val="tx1"/>
+              </a:solidFill>
+              <a:latin typeface="Times New Roman"/>
+              <a:cs typeface="Times New Roman"/>
+            </a:endParaRPr>
+          </a:p>
+          <a:p>
+            <a:pPr lvl="1">
+              <a:defRPr/>
+            </a:pPr>
+            <a:r>
+              <a:rPr lang="en-GB" sz="2400" b="0" i="0" u="none" strike="noStrike" cap="none" spc="0">
+                <a:solidFill>
+                  <a:schemeClr val="tx1"/>
+                </a:solidFill>
+                <a:latin typeface="Arial"/>
+                <a:ea typeface="Arial"/>
+                <a:cs typeface="Arial"/>
+              </a:rPr>
+              <a:t>Gives possibility for (more) accurate predictions</a:t>
+            </a:r>
+            <a:endParaRPr sz="2400"/>
+          </a:p>
+          <a:p>
+            <a:pPr lvl="1">
+              <a:defRPr/>
+            </a:pPr>
+            <a:endParaRPr/>
+          </a:p>
+        </p:txBody>
+      </p:sp>
+      <p:pic>
+        <p:nvPicPr>
+          <p:cNvPr id="976206814" name=""/>
+          <p:cNvPicPr>
+            <a:picLocks noChangeAspect="1"/>
+          </p:cNvPicPr>
+          <p:nvPr/>
+        </p:nvPicPr>
+        <p:blipFill>
+          <a:blip r:embed="rId3"/>
+          <a:srcRect l="0" t="0" r="38250" b="0"/>
+          <a:stretch/>
+        </p:blipFill>
+        <p:spPr bwMode="auto">
+          <a:xfrm flipH="0" flipV="0">
+            <a:off x="6018290" y="1924049"/>
+            <a:ext cx="2278959" cy="2515716"/>
+          </a:xfrm>
+          <a:prstGeom prst="rect">
+            <a:avLst/>
+          </a:prstGeom>
+        </p:spPr>
+      </p:pic>
+      <p:sp>
+        <p:nvSpPr>
+          <p:cNvPr id="2130268052" name=""/>
+          <p:cNvSpPr/>
+          <p:nvPr/>
+        </p:nvSpPr>
+        <p:spPr bwMode="auto">
+          <a:xfrm rot="0" flipH="0" flipV="0">
+            <a:off x="3001349" y="3262312"/>
+            <a:ext cx="2543175" cy="333373"/>
+          </a:xfrm>
+          <a:prstGeom prst="rightArrow">
+            <a:avLst>
+              <a:gd name="adj1" fmla="val 50000"/>
+              <a:gd name="adj2" fmla="val 50000"/>
+            </a:avLst>
+          </a:prstGeom>
+        </p:spPr>
+        <p:style>
+          <a:lnRef idx="2">
+            <a:schemeClr val="accent1">
+              <a:shade val="50000"/>
+            </a:schemeClr>
+          </a:lnRef>
+          <a:fillRef idx="1">
+            <a:schemeClr val="accent1"/>
+          </a:fillRef>
+          <a:effectRef idx="0">
+            <a:schemeClr val="accent1"/>
+          </a:effectRef>
+          <a:fontRef idx="minor">
+            <a:schemeClr val="lt1"/>
+          </a:fontRef>
+        </p:style>
       </p:sp>
     </p:spTree>
   </p:cSld>
@@ -8623,7 +8842,7 @@
         </p:spPr>
         <p:txBody>
           <a:bodyPr vertOverflow="overflow" horzOverflow="overflow" vert="horz" wrap="square" lIns="91440" tIns="45720" rIns="91440" bIns="45720" numCol="1" spcCol="0" rtlCol="0" fromWordArt="0" anchor="t" anchorCtr="0" forceAA="0" upright="0" compatLnSpc="0">
-            <a:normAutofit fontScale="90000" lnSpcReduction="2000"/>
+            <a:normAutofit fontScale="85000" lnSpcReduction="3000"/>
           </a:bodyPr>
           <a:lstStyle/>
           <a:p>
@@ -8789,6 +9008,16 @@
               <a:rPr sz="1200"/>
               <a:t>Cycle regularity</a:t>
             </a:r>
+            <a:endParaRPr sz="1200"/>
+          </a:p>
+          <a:p>
+            <a:pPr lvl="1">
+              <a:defRPr/>
+            </a:pPr>
+            <a:r>
+              <a:rPr sz="1200"/>
+              <a:t>Regular_cycle</a:t>
+            </a:r>
             <a:endParaRPr sz="1800"/>
           </a:p>
           <a:p>
@@ -8817,9 +9046,63 @@
           </a:p>
         </p:txBody>
       </p:sp>
+      <p:sp>
+        <p:nvSpPr>
+          <p:cNvPr id="287212932" name=""/>
+          <p:cNvSpPr txBox="1"/>
+          <p:nvPr/>
+        </p:nvSpPr>
+        <p:spPr bwMode="auto">
+          <a:xfrm rot="0" flipH="0" flipV="0">
+            <a:off x="312613" y="6416386"/>
+            <a:ext cx="6417826" cy="427079"/>
+          </a:xfrm>
+          <a:prstGeom prst="rect">
+            <a:avLst/>
+          </a:prstGeom>
+          <a:noFill/>
+        </p:spPr>
+        <p:txBody>
+          <a:bodyPr vertOverflow="overflow" horzOverflow="overflow" vert="horz" wrap="square" lIns="91440" tIns="45720" rIns="91440" bIns="45720" numCol="1" spcCol="0" rtlCol="0" fromWordArt="0" anchor="t" anchorCtr="0" forceAA="0" upright="0" compatLnSpc="0">
+            <a:spAutoFit/>
+          </a:bodyPr>
+          <a:p>
+            <a:pPr>
+              <a:defRPr/>
+            </a:pPr>
+            <a:r>
+              <a:rPr lang="en-GB" sz="1100" b="0" i="0" u="none" strike="noStrike" cap="none" spc="0">
+                <a:solidFill>
+                  <a:schemeClr val="tx1"/>
+                </a:solidFill>
+                <a:latin typeface="Arial"/>
+                <a:ea typeface="Arial"/>
+                <a:cs typeface="Arial"/>
+              </a:rPr>
+              <a:t>*Polycystic ovary syndrome (PCOS) is characterised by irregular menstrual cycles, higher chance of diabetis type II and difficulty getting pregnant</a:t>
+            </a:r>
+            <a:r>
+              <a:rPr sz="1100"/>
+              <a:t> - </a:t>
+            </a:r>
+            <a:r>
+              <a:rPr lang="en-GB" sz="900" b="0" i="0" u="none" strike="noStrike" cap="none" spc="0">
+                <a:solidFill>
+                  <a:schemeClr val="tx1"/>
+                </a:solidFill>
+                <a:latin typeface="Arial"/>
+                <a:ea typeface="Arial"/>
+                <a:cs typeface="Arial"/>
+              </a:rPr>
+              <a:t>https://en.wikipedia.org/wiki/Polycystic_ovary_syndrome</a:t>
+            </a:r>
+            <a:endParaRPr sz="1100"/>
+          </a:p>
+        </p:txBody>
+      </p:sp>
       <p:pic>
         <p:nvPicPr>
-          <p:cNvPr id="1577861182" name=""/>
+          <p:cNvPr id="13509617" name=""/>
           <p:cNvPicPr>
             <a:picLocks noChangeAspect="1"/>
           </p:cNvPicPr>
@@ -8831,68 +9114,14 @@
         </p:blipFill>
         <p:spPr bwMode="auto">
           <a:xfrm>
-            <a:off x="6962549" y="0"/>
-            <a:ext cx="5163506" cy="6858000"/>
+            <a:off x="7407833" y="0"/>
+            <a:ext cx="4558182" cy="6857999"/>
           </a:xfrm>
           <a:prstGeom prst="rect">
             <a:avLst/>
           </a:prstGeom>
         </p:spPr>
       </p:pic>
-      <p:sp>
-        <p:nvSpPr>
-          <p:cNvPr id="287212932" name=""/>
-          <p:cNvSpPr txBox="1"/>
-          <p:nvPr/>
-        </p:nvSpPr>
-        <p:spPr bwMode="auto">
-          <a:xfrm rot="0" flipH="0" flipV="0">
-            <a:off x="312613" y="6416386"/>
-            <a:ext cx="6417826" cy="427079"/>
-          </a:xfrm>
-          <a:prstGeom prst="rect">
-            <a:avLst/>
-          </a:prstGeom>
-          <a:noFill/>
-        </p:spPr>
-        <p:txBody>
-          <a:bodyPr vertOverflow="overflow" horzOverflow="overflow" vert="horz" wrap="square" lIns="91440" tIns="45720" rIns="91440" bIns="45720" numCol="1" spcCol="0" rtlCol="0" fromWordArt="0" anchor="t" anchorCtr="0" forceAA="0" upright="0" compatLnSpc="0">
-            <a:spAutoFit/>
-          </a:bodyPr>
-          <a:p>
-            <a:pPr>
-              <a:defRPr/>
-            </a:pPr>
-            <a:r>
-              <a:rPr lang="en-GB" sz="1100" b="0" i="0" u="none" strike="noStrike" cap="none" spc="0">
-                <a:solidFill>
-                  <a:schemeClr val="tx1"/>
-                </a:solidFill>
-                <a:latin typeface="Arial"/>
-                <a:ea typeface="Arial"/>
-                <a:cs typeface="Arial"/>
-              </a:rPr>
-              <a:t>*Polycystic ovary syndrome (PCOS) is characterised by irregular menstrual cycles, higher chance of diabetis type II and difficulty getting pregnant</a:t>
-            </a:r>
-            <a:r>
-              <a:rPr sz="1100"/>
-              <a:t> - </a:t>
-            </a:r>
-            <a:r>
-              <a:rPr lang="en-GB" sz="900" b="0" i="0" u="none" strike="noStrike" cap="none" spc="0">
-                <a:solidFill>
-                  <a:schemeClr val="tx1"/>
-                </a:solidFill>
-                <a:latin typeface="Arial"/>
-                <a:ea typeface="Arial"/>
-                <a:cs typeface="Arial"/>
-              </a:rPr>
-              <a:t>https://en.wikipedia.org/wiki/Polycystic_ovary_syndrome</a:t>
-            </a:r>
-            <a:endParaRPr sz="1100"/>
-          </a:p>
-        </p:txBody>
-      </p:sp>
     </p:spTree>
   </p:cSld>
   <p:clrMapOvr>

--- a/reports/Natural Cycles - Assignment Report - Jeroen Buil.pptx
+++ b/reports/Natural Cycles - Assignment Report - Jeroen Buil.pptx
@@ -5,7 +5,7 @@
     <p:sldMasterId id="2147483648" r:id="rId1"/>
   </p:sldMasterIdLst>
   <p:notesMasterIdLst>
-    <p:notesMasterId r:id="rId19"/>
+    <p:notesMasterId r:id="rId24"/>
   </p:notesMasterIdLst>
   <p:sldIdLst>
     <p:sldId id="256" r:id="rId4"/>
@@ -23,6 +23,11 @@
     <p:sldId id="268" r:id="rId16"/>
     <p:sldId id="269" r:id="rId17"/>
     <p:sldId id="270" r:id="rId18"/>
+    <p:sldId id="271" r:id="rId19"/>
+    <p:sldId id="272" r:id="rId20"/>
+    <p:sldId id="273" r:id="rId21"/>
+    <p:sldId id="274" r:id="rId22"/>
+    <p:sldId id="275" r:id="rId23"/>
   </p:sldIdLst>
   <p:sldSz cx="12192000" cy="6858000"/>
   <p:notesSz cx="6858000" cy="9144000"/>
@@ -148,7 +153,7 @@
       </p:grpSpPr>
       <p:sp>
         <p:nvSpPr>
-          <p:cNvPr id="639707234" name="Header Placeholder 1"/>
+          <p:cNvPr id="1531082925" name="Header Placeholder 1"/>
           <p:cNvSpPr>
             <a:spLocks noGrp="1"/>
           </p:cNvSpPr>
@@ -182,7 +187,7 @@
       </p:sp>
       <p:sp>
         <p:nvSpPr>
-          <p:cNvPr id="1677912674" name="Date Placeholder 2"/>
+          <p:cNvPr id="63671201" name="Date Placeholder 2"/>
           <p:cNvSpPr>
             <a:spLocks noGrp="1"/>
           </p:cNvSpPr>
@@ -220,7 +225,7 @@
       </p:sp>
       <p:sp>
         <p:nvSpPr>
-          <p:cNvPr id="593464996" name="Slide Image Placeholder 3"/>
+          <p:cNvPr id="458690095" name="Slide Image Placeholder 3"/>
           <p:cNvSpPr>
             <a:spLocks noChangeAspect="1" noGrp="1" noRot="1"/>
           </p:cNvSpPr>
@@ -256,7 +261,7 @@
       </p:sp>
       <p:sp>
         <p:nvSpPr>
-          <p:cNvPr id="1735553210" name="Notes Placeholder 4"/>
+          <p:cNvPr id="2063304992" name="Notes Placeholder 4"/>
           <p:cNvSpPr>
             <a:spLocks noGrp="1"/>
           </p:cNvSpPr>
@@ -330,7 +335,7 @@
       </p:sp>
       <p:sp>
         <p:nvSpPr>
-          <p:cNvPr id="383383786" name="Footer Placeholder 5"/>
+          <p:cNvPr id="1753018489" name="Footer Placeholder 5"/>
           <p:cNvSpPr>
             <a:spLocks noGrp="1"/>
           </p:cNvSpPr>
@@ -364,7 +369,7 @@
       </p:sp>
       <p:sp>
         <p:nvSpPr>
-          <p:cNvPr id="983638068" name="Slide Number Placeholder 6"/>
+          <p:cNvPr id="730772861" name="Slide Number Placeholder 6"/>
           <p:cNvSpPr>
             <a:spLocks noGrp="1"/>
           </p:cNvSpPr>
@@ -517,7 +522,7 @@
       </p:grpSpPr>
       <p:sp>
         <p:nvSpPr>
-          <p:cNvPr id="205695033" name="Slide Image Placeholder 1"/>
+          <p:cNvPr id="1352885282" name="Slide Image Placeholder 1"/>
           <p:cNvSpPr>
             <a:spLocks noChangeAspect="1" noGrp="1" noRot="1"/>
           </p:cNvSpPr>
@@ -534,7 +539,7 @@
       </p:sp>
       <p:sp>
         <p:nvSpPr>
-          <p:cNvPr id="1066446428" name="Notes Placeholder 2"/>
+          <p:cNvPr id="837829888" name="Notes Placeholder 2"/>
           <p:cNvSpPr>
             <a:spLocks noGrp="1"/>
           </p:cNvSpPr>
@@ -559,7 +564,7 @@
       </p:sp>
       <p:sp>
         <p:nvSpPr>
-          <p:cNvPr id="1784792487" name="Slide Number Placeholder 3"/>
+          <p:cNvPr id="219353513" name="Slide Number Placeholder 3"/>
           <p:cNvSpPr>
             <a:spLocks noGrp="1"/>
           </p:cNvSpPr>
@@ -950,7 +955,7 @@
       </p:grpSpPr>
       <p:sp>
         <p:nvSpPr>
-          <p:cNvPr id="1765164071" name="Slide Image Placeholder 1"/>
+          <p:cNvPr id="2" name="Slide Image Placeholder 1"/>
           <p:cNvSpPr>
             <a:spLocks noChangeAspect="1" noGrp="1" noRot="1"/>
           </p:cNvSpPr>
@@ -962,7 +967,7 @@
       </p:sp>
       <p:sp>
         <p:nvSpPr>
-          <p:cNvPr id="1230754478" name="Notes Placeholder 2"/>
+          <p:cNvPr id="3" name="Notes Placeholder 2"/>
           <p:cNvSpPr>
             <a:spLocks noGrp="1"/>
           </p:cNvSpPr>
@@ -984,7 +989,7 @@
       </p:sp>
       <p:sp>
         <p:nvSpPr>
-          <p:cNvPr id="777196587" name="Slide Number Placeholder 3"/>
+          <p:cNvPr id="4" name="Slide Number Placeholder 3"/>
           <p:cNvSpPr>
             <a:spLocks noGrp="1"/>
           </p:cNvSpPr>
@@ -1000,7 +1005,7 @@
             <a:pPr>
               <a:defRPr/>
             </a:pPr>
-            <a:fld id="{788CEE30-4AD7-0C6A-8200-4F846AE5E26F}" type="slidenum">
+            <a:fld id="{B429C30C-66C7-0D1D-F730-51E33663D45C}" type="slidenum">
               <a:rPr/>
               <a:t/>
             </a:fld>
@@ -1035,6 +1040,91 @@
       </p:grpSpPr>
       <p:sp>
         <p:nvSpPr>
+          <p:cNvPr id="1765164071" name="Slide Image Placeholder 1"/>
+          <p:cNvSpPr>
+            <a:spLocks noChangeAspect="1" noGrp="1" noRot="1"/>
+          </p:cNvSpPr>
+          <p:nvPr>
+            <p:ph type="sldImg"/>
+          </p:nvPr>
+        </p:nvSpPr>
+        <p:spPr bwMode="auto"/>
+      </p:sp>
+      <p:sp>
+        <p:nvSpPr>
+          <p:cNvPr id="1230754478" name="Notes Placeholder 2"/>
+          <p:cNvSpPr>
+            <a:spLocks noGrp="1"/>
+          </p:cNvSpPr>
+          <p:nvPr>
+            <p:ph type="body" idx="1"/>
+          </p:nvPr>
+        </p:nvSpPr>
+        <p:spPr bwMode="auto"/>
+        <p:txBody>
+          <a:bodyPr/>
+          <a:lstStyle/>
+          <a:p>
+            <a:pPr>
+              <a:defRPr/>
+            </a:pPr>
+            <a:endParaRPr/>
+          </a:p>
+        </p:txBody>
+      </p:sp>
+      <p:sp>
+        <p:nvSpPr>
+          <p:cNvPr id="777196587" name="Slide Number Placeholder 3"/>
+          <p:cNvSpPr>
+            <a:spLocks noGrp="1"/>
+          </p:cNvSpPr>
+          <p:nvPr>
+            <p:ph type="sldNum" sz="quarter" idx="10"/>
+          </p:nvPr>
+        </p:nvSpPr>
+        <p:spPr bwMode="auto"/>
+        <p:txBody>
+          <a:bodyPr/>
+          <a:lstStyle/>
+          <a:p>
+            <a:pPr>
+              <a:defRPr/>
+            </a:pPr>
+            <a:fld id="{788CEE30-4AD7-0C6A-8200-4F846AE5E26F}" type="slidenum">
+              <a:rPr/>
+              <a:t/>
+            </a:fld>
+            <a:endParaRPr/>
+          </a:p>
+        </p:txBody>
+      </p:sp>
+    </p:spTree>
+  </p:cSld>
+  <p:clrMapOvr>
+    <a:masterClrMapping/>
+  </p:clrMapOvr>
+</p:notes>
+</file>
+
+<file path=ppt/notesSlides/notesSlide16.xml><?xml version="1.0" encoding="utf-8"?>
+<p:notes xmlns:a="http://schemas.openxmlformats.org/drawingml/2006/main" xmlns:r="http://schemas.openxmlformats.org/officeDocument/2006/relationships" xmlns:p="http://schemas.openxmlformats.org/presentationml/2006/main" xmlns:m="http://schemas.openxmlformats.org/officeDocument/2006/math" xmlns:w="http://schemas.openxmlformats.org/wordprocessingml/2006/main">
+  <p:cSld name="">
+    <p:spTree>
+      <p:nvGrpSpPr>
+        <p:cNvPr id="1" name=""/>
+        <p:cNvGrpSpPr/>
+        <p:nvPr/>
+      </p:nvGrpSpPr>
+      <p:grpSpPr bwMode="auto">
+        <a:xfrm>
+          <a:off x="0" y="0"/>
+          <a:ext cx="0" cy="0"/>
+          <a:chOff x="0" y="0"/>
+          <a:chExt cx="0" cy="0"/>
+        </a:xfrm>
+      </p:grpSpPr>
+      <p:sp>
+        <p:nvSpPr>
           <p:cNvPr id="2" name="Slide Image Placeholder 1"/>
           <p:cNvSpPr>
             <a:spLocks noChangeAspect="1" noGrp="1" noRot="1"/>
@@ -1085,7 +1175,262 @@
             <a:pPr>
               <a:defRPr/>
             </a:pPr>
+            <a:fld id="{04B69D23-90C4-C267-E129-5B0DD52CC5E6}" type="slidenum">
+              <a:rPr/>
+              <a:t/>
+            </a:fld>
+            <a:endParaRPr/>
+          </a:p>
+        </p:txBody>
+      </p:sp>
+    </p:spTree>
+  </p:cSld>
+  <p:clrMapOvr>
+    <a:masterClrMapping/>
+  </p:clrMapOvr>
+</p:notes>
+</file>
+
+<file path=ppt/notesSlides/notesSlide17.xml><?xml version="1.0" encoding="utf-8"?>
+<p:notes xmlns:a="http://schemas.openxmlformats.org/drawingml/2006/main" xmlns:r="http://schemas.openxmlformats.org/officeDocument/2006/relationships" xmlns:p="http://schemas.openxmlformats.org/presentationml/2006/main" xmlns:m="http://schemas.openxmlformats.org/officeDocument/2006/math" xmlns:w="http://schemas.openxmlformats.org/wordprocessingml/2006/main">
+  <p:cSld name="">
+    <p:spTree>
+      <p:nvGrpSpPr>
+        <p:cNvPr id="1" name=""/>
+        <p:cNvGrpSpPr/>
+        <p:nvPr/>
+      </p:nvGrpSpPr>
+      <p:grpSpPr bwMode="auto">
+        <a:xfrm>
+          <a:off x="0" y="0"/>
+          <a:ext cx="0" cy="0"/>
+          <a:chOff x="0" y="0"/>
+          <a:chExt cx="0" cy="0"/>
+        </a:xfrm>
+      </p:grpSpPr>
+      <p:sp>
+        <p:nvSpPr>
+          <p:cNvPr id="2" name="Slide Image Placeholder 1"/>
+          <p:cNvSpPr>
+            <a:spLocks noChangeAspect="1" noGrp="1" noRot="1"/>
+          </p:cNvSpPr>
+          <p:nvPr>
+            <p:ph type="sldImg"/>
+          </p:nvPr>
+        </p:nvSpPr>
+        <p:spPr bwMode="auto"/>
+      </p:sp>
+      <p:sp>
+        <p:nvSpPr>
+          <p:cNvPr id="3" name="Notes Placeholder 2"/>
+          <p:cNvSpPr>
+            <a:spLocks noGrp="1"/>
+          </p:cNvSpPr>
+          <p:nvPr>
+            <p:ph type="body" idx="1"/>
+          </p:nvPr>
+        </p:nvSpPr>
+        <p:spPr bwMode="auto"/>
+        <p:txBody>
+          <a:bodyPr/>
+          <a:lstStyle/>
+          <a:p>
+            <a:pPr>
+              <a:defRPr/>
+            </a:pPr>
+            <a:endParaRPr/>
+          </a:p>
+        </p:txBody>
+      </p:sp>
+      <p:sp>
+        <p:nvSpPr>
+          <p:cNvPr id="4" name="Slide Number Placeholder 3"/>
+          <p:cNvSpPr>
+            <a:spLocks noGrp="1"/>
+          </p:cNvSpPr>
+          <p:nvPr>
+            <p:ph type="sldNum" sz="quarter" idx="10"/>
+          </p:nvPr>
+        </p:nvSpPr>
+        <p:spPr bwMode="auto"/>
+        <p:txBody>
+          <a:bodyPr/>
+          <a:lstStyle/>
+          <a:p>
+            <a:pPr>
+              <a:defRPr/>
+            </a:pPr>
+            <a:fld id="{5B4F7A61-9BF8-53D6-2DCA-1E5CFE09B63C}" type="slidenum">
+              <a:rPr/>
+              <a:t/>
+            </a:fld>
+            <a:endParaRPr/>
+          </a:p>
+        </p:txBody>
+      </p:sp>
+    </p:spTree>
+  </p:cSld>
+  <p:clrMapOvr>
+    <a:masterClrMapping/>
+  </p:clrMapOvr>
+</p:notes>
+</file>
+
+<file path=ppt/notesSlides/notesSlide18.xml><?xml version="1.0" encoding="utf-8"?>
+<p:notes xmlns:a="http://schemas.openxmlformats.org/drawingml/2006/main" xmlns:r="http://schemas.openxmlformats.org/officeDocument/2006/relationships" xmlns:p="http://schemas.openxmlformats.org/presentationml/2006/main" xmlns:m="http://schemas.openxmlformats.org/officeDocument/2006/math" xmlns:w="http://schemas.openxmlformats.org/wordprocessingml/2006/main">
+  <p:cSld name="">
+    <p:spTree>
+      <p:nvGrpSpPr>
+        <p:cNvPr id="1" name=""/>
+        <p:cNvGrpSpPr/>
+        <p:nvPr/>
+      </p:nvGrpSpPr>
+      <p:grpSpPr bwMode="auto">
+        <a:xfrm>
+          <a:off x="0" y="0"/>
+          <a:ext cx="0" cy="0"/>
+          <a:chOff x="0" y="0"/>
+          <a:chExt cx="0" cy="0"/>
+        </a:xfrm>
+      </p:grpSpPr>
+      <p:sp>
+        <p:nvSpPr>
+          <p:cNvPr id="2" name="Slide Image Placeholder 1"/>
+          <p:cNvSpPr>
+            <a:spLocks noChangeAspect="1" noGrp="1" noRot="1"/>
+          </p:cNvSpPr>
+          <p:nvPr>
+            <p:ph type="sldImg"/>
+          </p:nvPr>
+        </p:nvSpPr>
+        <p:spPr bwMode="auto"/>
+      </p:sp>
+      <p:sp>
+        <p:nvSpPr>
+          <p:cNvPr id="3" name="Notes Placeholder 2"/>
+          <p:cNvSpPr>
+            <a:spLocks noGrp="1"/>
+          </p:cNvSpPr>
+          <p:nvPr>
+            <p:ph type="body" idx="1"/>
+          </p:nvPr>
+        </p:nvSpPr>
+        <p:spPr bwMode="auto"/>
+        <p:txBody>
+          <a:bodyPr/>
+          <a:lstStyle/>
+          <a:p>
+            <a:pPr>
+              <a:defRPr/>
+            </a:pPr>
+            <a:endParaRPr/>
+          </a:p>
+        </p:txBody>
+      </p:sp>
+      <p:sp>
+        <p:nvSpPr>
+          <p:cNvPr id="4" name="Slide Number Placeholder 3"/>
+          <p:cNvSpPr>
+            <a:spLocks noGrp="1"/>
+          </p:cNvSpPr>
+          <p:nvPr>
+            <p:ph type="sldNum" sz="quarter" idx="10"/>
+          </p:nvPr>
+        </p:nvSpPr>
+        <p:spPr bwMode="auto"/>
+        <p:txBody>
+          <a:bodyPr/>
+          <a:lstStyle/>
+          <a:p>
+            <a:pPr>
+              <a:defRPr/>
+            </a:pPr>
             <a:fld id="{1E588ED2-1A8C-7863-10E1-29089B8E26DC}" type="slidenum">
+              <a:rPr/>
+              <a:t/>
+            </a:fld>
+            <a:endParaRPr/>
+          </a:p>
+        </p:txBody>
+      </p:sp>
+    </p:spTree>
+  </p:cSld>
+  <p:clrMapOvr>
+    <a:masterClrMapping/>
+  </p:clrMapOvr>
+</p:notes>
+</file>
+
+<file path=ppt/notesSlides/notesSlide19.xml><?xml version="1.0" encoding="utf-8"?>
+<p:notes xmlns:a="http://schemas.openxmlformats.org/drawingml/2006/main" xmlns:r="http://schemas.openxmlformats.org/officeDocument/2006/relationships" xmlns:p="http://schemas.openxmlformats.org/presentationml/2006/main" xmlns:m="http://schemas.openxmlformats.org/officeDocument/2006/math" xmlns:w="http://schemas.openxmlformats.org/wordprocessingml/2006/main">
+  <p:cSld name="">
+    <p:spTree>
+      <p:nvGrpSpPr>
+        <p:cNvPr id="1" name=""/>
+        <p:cNvGrpSpPr/>
+        <p:nvPr/>
+      </p:nvGrpSpPr>
+      <p:grpSpPr bwMode="auto">
+        <a:xfrm>
+          <a:off x="0" y="0"/>
+          <a:ext cx="0" cy="0"/>
+          <a:chOff x="0" y="0"/>
+          <a:chExt cx="0" cy="0"/>
+        </a:xfrm>
+      </p:grpSpPr>
+      <p:sp>
+        <p:nvSpPr>
+          <p:cNvPr id="2" name="Slide Image Placeholder 1"/>
+          <p:cNvSpPr>
+            <a:spLocks noChangeAspect="1" noGrp="1" noRot="1"/>
+          </p:cNvSpPr>
+          <p:nvPr>
+            <p:ph type="sldImg"/>
+          </p:nvPr>
+        </p:nvSpPr>
+        <p:spPr bwMode="auto"/>
+      </p:sp>
+      <p:sp>
+        <p:nvSpPr>
+          <p:cNvPr id="3" name="Notes Placeholder 2"/>
+          <p:cNvSpPr>
+            <a:spLocks noGrp="1"/>
+          </p:cNvSpPr>
+          <p:nvPr>
+            <p:ph type="body" idx="1"/>
+          </p:nvPr>
+        </p:nvSpPr>
+        <p:spPr bwMode="auto"/>
+        <p:txBody>
+          <a:bodyPr/>
+          <a:lstStyle/>
+          <a:p>
+            <a:pPr>
+              <a:defRPr/>
+            </a:pPr>
+            <a:endParaRPr/>
+          </a:p>
+        </p:txBody>
+      </p:sp>
+      <p:sp>
+        <p:nvSpPr>
+          <p:cNvPr id="4" name="Slide Number Placeholder 3"/>
+          <p:cNvSpPr>
+            <a:spLocks noGrp="1"/>
+          </p:cNvSpPr>
+          <p:nvPr>
+            <p:ph type="sldNum" sz="quarter" idx="10"/>
+          </p:nvPr>
+        </p:nvSpPr>
+        <p:spPr bwMode="auto"/>
+        <p:txBody>
+          <a:bodyPr/>
+          <a:lstStyle/>
+          <a:p>
+            <a:pPr>
+              <a:defRPr/>
+            </a:pPr>
+            <a:fld id="{DF69B596-1441-A599-88E6-0260730375F4}" type="slidenum">
               <a:rPr/>
               <a:t/>
             </a:fld>
@@ -1186,6 +1531,91 @@
 </p:notes>
 </file>
 
+<file path=ppt/notesSlides/notesSlide20.xml><?xml version="1.0" encoding="utf-8"?>
+<p:notes xmlns:a="http://schemas.openxmlformats.org/drawingml/2006/main" xmlns:r="http://schemas.openxmlformats.org/officeDocument/2006/relationships" xmlns:p="http://schemas.openxmlformats.org/presentationml/2006/main" xmlns:m="http://schemas.openxmlformats.org/officeDocument/2006/math" xmlns:w="http://schemas.openxmlformats.org/wordprocessingml/2006/main">
+  <p:cSld name="">
+    <p:spTree>
+      <p:nvGrpSpPr>
+        <p:cNvPr id="1" name=""/>
+        <p:cNvGrpSpPr/>
+        <p:nvPr/>
+      </p:nvGrpSpPr>
+      <p:grpSpPr bwMode="auto">
+        <a:xfrm>
+          <a:off x="0" y="0"/>
+          <a:ext cx="0" cy="0"/>
+          <a:chOff x="0" y="0"/>
+          <a:chExt cx="0" cy="0"/>
+        </a:xfrm>
+      </p:grpSpPr>
+      <p:sp>
+        <p:nvSpPr>
+          <p:cNvPr id="1551964618" name="Slide Image Placeholder 1"/>
+          <p:cNvSpPr>
+            <a:spLocks noChangeAspect="1" noGrp="1" noRot="1"/>
+          </p:cNvSpPr>
+          <p:nvPr>
+            <p:ph type="sldImg"/>
+          </p:nvPr>
+        </p:nvSpPr>
+        <p:spPr bwMode="auto"/>
+      </p:sp>
+      <p:sp>
+        <p:nvSpPr>
+          <p:cNvPr id="1053969228" name="Notes Placeholder 2"/>
+          <p:cNvSpPr>
+            <a:spLocks noGrp="1"/>
+          </p:cNvSpPr>
+          <p:nvPr>
+            <p:ph type="body" idx="1"/>
+          </p:nvPr>
+        </p:nvSpPr>
+        <p:spPr bwMode="auto"/>
+        <p:txBody>
+          <a:bodyPr/>
+          <a:lstStyle/>
+          <a:p>
+            <a:pPr>
+              <a:defRPr/>
+            </a:pPr>
+            <a:endParaRPr/>
+          </a:p>
+        </p:txBody>
+      </p:sp>
+      <p:sp>
+        <p:nvSpPr>
+          <p:cNvPr id="1565021372" name="Slide Number Placeholder 3"/>
+          <p:cNvSpPr>
+            <a:spLocks noGrp="1"/>
+          </p:cNvSpPr>
+          <p:nvPr>
+            <p:ph type="sldNum" sz="quarter" idx="10"/>
+          </p:nvPr>
+        </p:nvSpPr>
+        <p:spPr bwMode="auto"/>
+        <p:txBody>
+          <a:bodyPr/>
+          <a:lstStyle/>
+          <a:p>
+            <a:pPr>
+              <a:defRPr/>
+            </a:pPr>
+            <a:fld id="{543BC579-2C33-BB99-A553-C4F5CB3C60F5}" type="slidenum">
+              <a:rPr/>
+              <a:t/>
+            </a:fld>
+            <a:endParaRPr/>
+          </a:p>
+        </p:txBody>
+      </p:sp>
+    </p:spTree>
+  </p:cSld>
+  <p:clrMapOvr>
+    <a:masterClrMapping/>
+  </p:clrMapOvr>
+</p:notes>
+</file>
+
 <file path=ppt/notesSlides/notesSlide3.xml><?xml version="1.0" encoding="utf-8"?>
 <p:notes xmlns:a="http://schemas.openxmlformats.org/drawingml/2006/main" xmlns:r="http://schemas.openxmlformats.org/officeDocument/2006/relationships" xmlns:p="http://schemas.openxmlformats.org/presentationml/2006/main" xmlns:m="http://schemas.openxmlformats.org/officeDocument/2006/math" xmlns:w="http://schemas.openxmlformats.org/wordprocessingml/2006/main">
   <p:cSld name="">
@@ -1800,7 +2230,7 @@
       </p:grpSpPr>
       <p:sp>
         <p:nvSpPr>
-          <p:cNvPr id="1342571574" name="Title 1"/>
+          <p:cNvPr id="1713893488" name="Title 1"/>
           <p:cNvSpPr>
             <a:spLocks noGrp="1"/>
           </p:cNvSpPr>
@@ -1835,7 +2265,7 @@
       </p:sp>
       <p:sp>
         <p:nvSpPr>
-          <p:cNvPr id="1896747816" name="Subtitle 2"/>
+          <p:cNvPr id="862003350" name="Subtitle 2"/>
           <p:cNvSpPr>
             <a:spLocks noGrp="1"/>
           </p:cNvSpPr>
@@ -1903,7 +2333,7 @@
       </p:sp>
       <p:sp>
         <p:nvSpPr>
-          <p:cNvPr id="821489894" name="Date Placeholder 3"/>
+          <p:cNvPr id="25343387" name="Date Placeholder 3"/>
           <p:cNvSpPr>
             <a:spLocks noGrp="1"/>
           </p:cNvSpPr>
@@ -1929,7 +2359,7 @@
       </p:sp>
       <p:sp>
         <p:nvSpPr>
-          <p:cNvPr id="1040326216" name="Footer Placeholder 4"/>
+          <p:cNvPr id="1599381589" name="Footer Placeholder 4"/>
           <p:cNvSpPr>
             <a:spLocks noGrp="1"/>
           </p:cNvSpPr>
@@ -1951,7 +2381,7 @@
       </p:sp>
       <p:sp>
         <p:nvSpPr>
-          <p:cNvPr id="1799631588" name="Slide Number Placeholder 5"/>
+          <p:cNvPr id="893080208" name="Slide Number Placeholder 5"/>
           <p:cNvSpPr>
             <a:spLocks noGrp="1"/>
           </p:cNvSpPr>
@@ -2002,7 +2432,7 @@
       </p:grpSpPr>
       <p:sp>
         <p:nvSpPr>
-          <p:cNvPr id="909151071" name="Title 1"/>
+          <p:cNvPr id="1942448217" name="Title 1"/>
           <p:cNvSpPr>
             <a:spLocks noGrp="1"/>
           </p:cNvSpPr>
@@ -2028,7 +2458,7 @@
       </p:sp>
       <p:sp>
         <p:nvSpPr>
-          <p:cNvPr id="735972001" name="Vertical Text Placeholder 2"/>
+          <p:cNvPr id="1428322519" name="Vertical Text Placeholder 2"/>
           <p:cNvSpPr>
             <a:spLocks noGrp="1"/>
           </p:cNvSpPr>
@@ -2094,7 +2524,7 @@
       </p:sp>
       <p:sp>
         <p:nvSpPr>
-          <p:cNvPr id="155629598" name="Date Placeholder 3"/>
+          <p:cNvPr id="661396715" name="Date Placeholder 3"/>
           <p:cNvSpPr>
             <a:spLocks noGrp="1"/>
           </p:cNvSpPr>
@@ -2120,7 +2550,7 @@
       </p:sp>
       <p:sp>
         <p:nvSpPr>
-          <p:cNvPr id="402781289" name="Footer Placeholder 4"/>
+          <p:cNvPr id="934928683" name="Footer Placeholder 4"/>
           <p:cNvSpPr>
             <a:spLocks noGrp="1"/>
           </p:cNvSpPr>
@@ -2142,7 +2572,7 @@
       </p:sp>
       <p:sp>
         <p:nvSpPr>
-          <p:cNvPr id="63216115" name="Slide Number Placeholder 5"/>
+          <p:cNvPr id="1543056513" name="Slide Number Placeholder 5"/>
           <p:cNvSpPr>
             <a:spLocks noGrp="1"/>
           </p:cNvSpPr>
@@ -2193,7 +2623,7 @@
       </p:grpSpPr>
       <p:sp>
         <p:nvSpPr>
-          <p:cNvPr id="370147172" name="Vertical Title 1"/>
+          <p:cNvPr id="1328374361" name="Vertical Title 1"/>
           <p:cNvSpPr>
             <a:spLocks noGrp="1"/>
           </p:cNvSpPr>
@@ -2224,7 +2654,7 @@
       </p:sp>
       <p:sp>
         <p:nvSpPr>
-          <p:cNvPr id="751398947" name="Vertical Text Placeholder 2"/>
+          <p:cNvPr id="1795077647" name="Vertical Text Placeholder 2"/>
           <p:cNvSpPr>
             <a:spLocks noGrp="1"/>
           </p:cNvSpPr>
@@ -2295,7 +2725,7 @@
       </p:sp>
       <p:sp>
         <p:nvSpPr>
-          <p:cNvPr id="1747834350" name="Date Placeholder 3"/>
+          <p:cNvPr id="789783303" name="Date Placeholder 3"/>
           <p:cNvSpPr>
             <a:spLocks noGrp="1"/>
           </p:cNvSpPr>
@@ -2321,7 +2751,7 @@
       </p:sp>
       <p:sp>
         <p:nvSpPr>
-          <p:cNvPr id="1929735194" name="Footer Placeholder 4"/>
+          <p:cNvPr id="634583110" name="Footer Placeholder 4"/>
           <p:cNvSpPr>
             <a:spLocks noGrp="1"/>
           </p:cNvSpPr>
@@ -2343,7 +2773,7 @@
       </p:sp>
       <p:sp>
         <p:nvSpPr>
-          <p:cNvPr id="281501605" name="Slide Number Placeholder 5"/>
+          <p:cNvPr id="1161140927" name="Slide Number Placeholder 5"/>
           <p:cNvSpPr>
             <a:spLocks noGrp="1"/>
           </p:cNvSpPr>
@@ -2394,7 +2824,7 @@
       </p:grpSpPr>
       <p:sp>
         <p:nvSpPr>
-          <p:cNvPr id="1832186409" name="Title 1"/>
+          <p:cNvPr id="861534449" name="Title 1"/>
           <p:cNvSpPr>
             <a:spLocks noGrp="1"/>
           </p:cNvSpPr>
@@ -2420,7 +2850,7 @@
       </p:sp>
       <p:sp>
         <p:nvSpPr>
-          <p:cNvPr id="1157076185" name="Content Placeholder 2"/>
+          <p:cNvPr id="1392468586" name="Content Placeholder 2"/>
           <p:cNvSpPr>
             <a:spLocks noGrp="1"/>
           </p:cNvSpPr>
@@ -2486,7 +2916,7 @@
       </p:sp>
       <p:sp>
         <p:nvSpPr>
-          <p:cNvPr id="926142532" name="Date Placeholder 3"/>
+          <p:cNvPr id="1664650100" name="Date Placeholder 3"/>
           <p:cNvSpPr>
             <a:spLocks noGrp="1"/>
           </p:cNvSpPr>
@@ -2512,7 +2942,7 @@
       </p:sp>
       <p:sp>
         <p:nvSpPr>
-          <p:cNvPr id="1633925034" name="Footer Placeholder 4"/>
+          <p:cNvPr id="995142357" name="Footer Placeholder 4"/>
           <p:cNvSpPr>
             <a:spLocks noGrp="1"/>
           </p:cNvSpPr>
@@ -2534,7 +2964,7 @@
       </p:sp>
       <p:sp>
         <p:nvSpPr>
-          <p:cNvPr id="1077719219" name="Slide Number Placeholder 5"/>
+          <p:cNvPr id="349366139" name="Slide Number Placeholder 5"/>
           <p:cNvSpPr>
             <a:spLocks noGrp="1"/>
           </p:cNvSpPr>
@@ -2585,7 +3015,7 @@
       </p:grpSpPr>
       <p:sp>
         <p:nvSpPr>
-          <p:cNvPr id="249394411" name="Title 1"/>
+          <p:cNvPr id="1416407987" name="Title 1"/>
           <p:cNvSpPr>
             <a:spLocks noGrp="1"/>
           </p:cNvSpPr>
@@ -2620,7 +3050,7 @@
       </p:sp>
       <p:sp>
         <p:nvSpPr>
-          <p:cNvPr id="1093346641" name="Text Placeholder 2"/>
+          <p:cNvPr id="1101687867" name="Text Placeholder 2"/>
           <p:cNvSpPr>
             <a:spLocks noGrp="1"/>
           </p:cNvSpPr>
@@ -2742,7 +3172,7 @@
       </p:sp>
       <p:sp>
         <p:nvSpPr>
-          <p:cNvPr id="106590094" name="Date Placeholder 3"/>
+          <p:cNvPr id="1758944897" name="Date Placeholder 3"/>
           <p:cNvSpPr>
             <a:spLocks noGrp="1"/>
           </p:cNvSpPr>
@@ -2768,7 +3198,7 @@
       </p:sp>
       <p:sp>
         <p:nvSpPr>
-          <p:cNvPr id="587033629" name="Footer Placeholder 4"/>
+          <p:cNvPr id="1642528097" name="Footer Placeholder 4"/>
           <p:cNvSpPr>
             <a:spLocks noGrp="1"/>
           </p:cNvSpPr>
@@ -2790,7 +3220,7 @@
       </p:sp>
       <p:sp>
         <p:nvSpPr>
-          <p:cNvPr id="382403844" name="Slide Number Placeholder 5"/>
+          <p:cNvPr id="2054267993" name="Slide Number Placeholder 5"/>
           <p:cNvSpPr>
             <a:spLocks noGrp="1"/>
           </p:cNvSpPr>
@@ -2841,7 +3271,7 @@
       </p:grpSpPr>
       <p:sp>
         <p:nvSpPr>
-          <p:cNvPr id="1186138846" name="Title 1"/>
+          <p:cNvPr id="1824426458" name="Title 1"/>
           <p:cNvSpPr>
             <a:spLocks noGrp="1"/>
           </p:cNvSpPr>
@@ -2867,7 +3297,7 @@
       </p:sp>
       <p:sp>
         <p:nvSpPr>
-          <p:cNvPr id="649901613" name="Content Placeholder 2"/>
+          <p:cNvPr id="1063836037" name="Content Placeholder 2"/>
           <p:cNvSpPr>
             <a:spLocks noGrp="1"/>
           </p:cNvSpPr>
@@ -2938,7 +3368,7 @@
       </p:sp>
       <p:sp>
         <p:nvSpPr>
-          <p:cNvPr id="146870747" name="Content Placeholder 3"/>
+          <p:cNvPr id="631109025" name="Content Placeholder 3"/>
           <p:cNvSpPr>
             <a:spLocks noGrp="1"/>
           </p:cNvSpPr>
@@ -3009,7 +3439,7 @@
       </p:sp>
       <p:sp>
         <p:nvSpPr>
-          <p:cNvPr id="1332766991" name="Date Placeholder 4"/>
+          <p:cNvPr id="718264676" name="Date Placeholder 4"/>
           <p:cNvSpPr>
             <a:spLocks noGrp="1"/>
           </p:cNvSpPr>
@@ -3035,7 +3465,7 @@
       </p:sp>
       <p:sp>
         <p:nvSpPr>
-          <p:cNvPr id="24809298" name="Footer Placeholder 5"/>
+          <p:cNvPr id="174589683" name="Footer Placeholder 5"/>
           <p:cNvSpPr>
             <a:spLocks noGrp="1"/>
           </p:cNvSpPr>
@@ -3057,7 +3487,7 @@
       </p:sp>
       <p:sp>
         <p:nvSpPr>
-          <p:cNvPr id="1665378493" name="Slide Number Placeholder 6"/>
+          <p:cNvPr id="1705810684" name="Slide Number Placeholder 6"/>
           <p:cNvSpPr>
             <a:spLocks noGrp="1"/>
           </p:cNvSpPr>
@@ -3108,7 +3538,7 @@
       </p:grpSpPr>
       <p:sp>
         <p:nvSpPr>
-          <p:cNvPr id="1263372340" name="Title 1"/>
+          <p:cNvPr id="113510468" name="Title 1"/>
           <p:cNvSpPr>
             <a:spLocks noGrp="1"/>
           </p:cNvSpPr>
@@ -3139,7 +3569,7 @@
       </p:sp>
       <p:sp>
         <p:nvSpPr>
-          <p:cNvPr id="769125402" name="Text Placeholder 2"/>
+          <p:cNvPr id="685506205" name="Text Placeholder 2"/>
           <p:cNvSpPr>
             <a:spLocks noGrp="1"/>
           </p:cNvSpPr>
@@ -3207,7 +3637,7 @@
       </p:sp>
       <p:sp>
         <p:nvSpPr>
-          <p:cNvPr id="1957557949" name="Content Placeholder 3"/>
+          <p:cNvPr id="431538634" name="Content Placeholder 3"/>
           <p:cNvSpPr>
             <a:spLocks noGrp="1"/>
           </p:cNvSpPr>
@@ -3278,7 +3708,7 @@
       </p:sp>
       <p:sp>
         <p:nvSpPr>
-          <p:cNvPr id="371138273" name="Text Placeholder 4"/>
+          <p:cNvPr id="1956452181" name="Text Placeholder 4"/>
           <p:cNvSpPr>
             <a:spLocks noGrp="1"/>
           </p:cNvSpPr>
@@ -3346,7 +3776,7 @@
       </p:sp>
       <p:sp>
         <p:nvSpPr>
-          <p:cNvPr id="951096522" name="Content Placeholder 5"/>
+          <p:cNvPr id="17467106" name="Content Placeholder 5"/>
           <p:cNvSpPr>
             <a:spLocks noGrp="1"/>
           </p:cNvSpPr>
@@ -3417,7 +3847,7 @@
       </p:sp>
       <p:sp>
         <p:nvSpPr>
-          <p:cNvPr id="1222232587" name="Date Placeholder 6"/>
+          <p:cNvPr id="238729592" name="Date Placeholder 6"/>
           <p:cNvSpPr>
             <a:spLocks noGrp="1"/>
           </p:cNvSpPr>
@@ -3443,7 +3873,7 @@
       </p:sp>
       <p:sp>
         <p:nvSpPr>
-          <p:cNvPr id="539036354" name="Footer Placeholder 7"/>
+          <p:cNvPr id="1941692307" name="Footer Placeholder 7"/>
           <p:cNvSpPr>
             <a:spLocks noGrp="1"/>
           </p:cNvSpPr>
@@ -3465,7 +3895,7 @@
       </p:sp>
       <p:sp>
         <p:nvSpPr>
-          <p:cNvPr id="1768790982" name="Slide Number Placeholder 8"/>
+          <p:cNvPr id="1817800732" name="Slide Number Placeholder 8"/>
           <p:cNvSpPr>
             <a:spLocks noGrp="1"/>
           </p:cNvSpPr>
@@ -3516,7 +3946,7 @@
       </p:grpSpPr>
       <p:sp>
         <p:nvSpPr>
-          <p:cNvPr id="1697067027" name="Title 1"/>
+          <p:cNvPr id="1368161716" name="Title 1"/>
           <p:cNvSpPr>
             <a:spLocks noGrp="1"/>
           </p:cNvSpPr>
@@ -3542,7 +3972,7 @@
       </p:sp>
       <p:sp>
         <p:nvSpPr>
-          <p:cNvPr id="1357003026" name="Date Placeholder 2"/>
+          <p:cNvPr id="1185172387" name="Date Placeholder 2"/>
           <p:cNvSpPr>
             <a:spLocks noGrp="1"/>
           </p:cNvSpPr>
@@ -3568,7 +3998,7 @@
       </p:sp>
       <p:sp>
         <p:nvSpPr>
-          <p:cNvPr id="1122626274" name="Footer Placeholder 3"/>
+          <p:cNvPr id="1522239270" name="Footer Placeholder 3"/>
           <p:cNvSpPr>
             <a:spLocks noGrp="1"/>
           </p:cNvSpPr>
@@ -3590,7 +4020,7 @@
       </p:sp>
       <p:sp>
         <p:nvSpPr>
-          <p:cNvPr id="1522420894" name="Slide Number Placeholder 4"/>
+          <p:cNvPr id="204398188" name="Slide Number Placeholder 4"/>
           <p:cNvSpPr>
             <a:spLocks noGrp="1"/>
           </p:cNvSpPr>
@@ -3641,7 +4071,7 @@
       </p:grpSpPr>
       <p:sp>
         <p:nvSpPr>
-          <p:cNvPr id="709010437" name="Date Placeholder 1"/>
+          <p:cNvPr id="2004242902" name="Date Placeholder 1"/>
           <p:cNvSpPr>
             <a:spLocks noGrp="1"/>
           </p:cNvSpPr>
@@ -3667,7 +4097,7 @@
       </p:sp>
       <p:sp>
         <p:nvSpPr>
-          <p:cNvPr id="379791156" name="Footer Placeholder 2"/>
+          <p:cNvPr id="786422493" name="Footer Placeholder 2"/>
           <p:cNvSpPr>
             <a:spLocks noGrp="1"/>
           </p:cNvSpPr>
@@ -3689,7 +4119,7 @@
       </p:sp>
       <p:sp>
         <p:nvSpPr>
-          <p:cNvPr id="1334252171" name="Slide Number Placeholder 3"/>
+          <p:cNvPr id="169960290" name="Slide Number Placeholder 3"/>
           <p:cNvSpPr>
             <a:spLocks noGrp="1"/>
           </p:cNvSpPr>
@@ -3740,7 +4170,7 @@
       </p:grpSpPr>
       <p:sp>
         <p:nvSpPr>
-          <p:cNvPr id="207088258" name="Title 1"/>
+          <p:cNvPr id="1719136735" name="Title 1"/>
           <p:cNvSpPr>
             <a:spLocks noGrp="1"/>
           </p:cNvSpPr>
@@ -3775,7 +4205,7 @@
       </p:sp>
       <p:sp>
         <p:nvSpPr>
-          <p:cNvPr id="1349753560" name="Content Placeholder 2"/>
+          <p:cNvPr id="179899670" name="Content Placeholder 2"/>
           <p:cNvSpPr>
             <a:spLocks noGrp="1"/>
           </p:cNvSpPr>
@@ -3874,7 +4304,7 @@
       </p:sp>
       <p:sp>
         <p:nvSpPr>
-          <p:cNvPr id="1125577889" name="Text Placeholder 3"/>
+          <p:cNvPr id="105745055" name="Text Placeholder 3"/>
           <p:cNvSpPr>
             <a:spLocks noGrp="1"/>
           </p:cNvSpPr>
@@ -3942,7 +4372,7 @@
       </p:sp>
       <p:sp>
         <p:nvSpPr>
-          <p:cNvPr id="1586888020" name="Date Placeholder 4"/>
+          <p:cNvPr id="1079611017" name="Date Placeholder 4"/>
           <p:cNvSpPr>
             <a:spLocks noGrp="1"/>
           </p:cNvSpPr>
@@ -3968,7 +4398,7 @@
       </p:sp>
       <p:sp>
         <p:nvSpPr>
-          <p:cNvPr id="1041009387" name="Footer Placeholder 5"/>
+          <p:cNvPr id="723568105" name="Footer Placeholder 5"/>
           <p:cNvSpPr>
             <a:spLocks noGrp="1"/>
           </p:cNvSpPr>
@@ -3990,7 +4420,7 @@
       </p:sp>
       <p:sp>
         <p:nvSpPr>
-          <p:cNvPr id="793690728" name="Slide Number Placeholder 6"/>
+          <p:cNvPr id="97672923" name="Slide Number Placeholder 6"/>
           <p:cNvSpPr>
             <a:spLocks noGrp="1"/>
           </p:cNvSpPr>
@@ -4041,7 +4471,7 @@
       </p:grpSpPr>
       <p:sp>
         <p:nvSpPr>
-          <p:cNvPr id="987135520" name="Title 1"/>
+          <p:cNvPr id="151820937" name="Title 1"/>
           <p:cNvSpPr>
             <a:spLocks noGrp="1"/>
           </p:cNvSpPr>
@@ -4076,7 +4506,7 @@
       </p:sp>
       <p:sp>
         <p:nvSpPr>
-          <p:cNvPr id="201047570" name="Picture Placeholder 2"/>
+          <p:cNvPr id="1286952142" name="Picture Placeholder 2"/>
           <p:cNvSpPr>
             <a:spLocks noChangeAspect="1" noGrp="1"/>
           </p:cNvSpPr>
@@ -4144,7 +4574,7 @@
       </p:sp>
       <p:sp>
         <p:nvSpPr>
-          <p:cNvPr id="579124144" name="Text Placeholder 3"/>
+          <p:cNvPr id="273897399" name="Text Placeholder 3"/>
           <p:cNvSpPr>
             <a:spLocks noGrp="1"/>
           </p:cNvSpPr>
@@ -4212,7 +4642,7 @@
       </p:sp>
       <p:sp>
         <p:nvSpPr>
-          <p:cNvPr id="811390353" name="Date Placeholder 4"/>
+          <p:cNvPr id="1955991357" name="Date Placeholder 4"/>
           <p:cNvSpPr>
             <a:spLocks noGrp="1"/>
           </p:cNvSpPr>
@@ -4238,7 +4668,7 @@
       </p:sp>
       <p:sp>
         <p:nvSpPr>
-          <p:cNvPr id="1999060828" name="Footer Placeholder 5"/>
+          <p:cNvPr id="354199897" name="Footer Placeholder 5"/>
           <p:cNvSpPr>
             <a:spLocks noGrp="1"/>
           </p:cNvSpPr>
@@ -4260,7 +4690,7 @@
       </p:sp>
       <p:sp>
         <p:nvSpPr>
-          <p:cNvPr id="320442893" name="Slide Number Placeholder 6"/>
+          <p:cNvPr id="1255026199" name="Slide Number Placeholder 6"/>
           <p:cNvSpPr>
             <a:spLocks noGrp="1"/>
           </p:cNvSpPr>
@@ -4316,7 +4746,7 @@
       </p:grpSpPr>
       <p:sp>
         <p:nvSpPr>
-          <p:cNvPr id="2019285619" name="Title Placeholder 1"/>
+          <p:cNvPr id="110323823" name="Title Placeholder 1"/>
           <p:cNvSpPr>
             <a:spLocks noGrp="1"/>
           </p:cNvSpPr>
@@ -4352,7 +4782,7 @@
       </p:sp>
       <p:sp>
         <p:nvSpPr>
-          <p:cNvPr id="571481333" name="Text Placeholder 2"/>
+          <p:cNvPr id="1900719426" name="Text Placeholder 2"/>
           <p:cNvSpPr>
             <a:spLocks noGrp="1"/>
           </p:cNvSpPr>
@@ -4428,7 +4858,7 @@
       </p:sp>
       <p:sp>
         <p:nvSpPr>
-          <p:cNvPr id="777171412" name="Date Placeholder 3"/>
+          <p:cNvPr id="2121039508" name="Date Placeholder 3"/>
           <p:cNvSpPr>
             <a:spLocks noGrp="1"/>
           </p:cNvSpPr>
@@ -4472,7 +4902,7 @@
       </p:sp>
       <p:sp>
         <p:nvSpPr>
-          <p:cNvPr id="1586652364" name="Footer Placeholder 4"/>
+          <p:cNvPr id="1501123606" name="Footer Placeholder 4"/>
           <p:cNvSpPr>
             <a:spLocks noGrp="1"/>
           </p:cNvSpPr>
@@ -4512,7 +4942,7 @@
       </p:sp>
       <p:sp>
         <p:nvSpPr>
-          <p:cNvPr id="1935814656" name="Slide Number Placeholder 5"/>
+          <p:cNvPr id="799128661" name="Slide Number Placeholder 5"/>
           <p:cNvSpPr>
             <a:spLocks noGrp="1"/>
           </p:cNvSpPr>
@@ -4872,7 +5302,7 @@
       </p:grpSpPr>
       <p:sp>
         <p:nvSpPr>
-          <p:cNvPr id="10007774" name="Title 1"/>
+          <p:cNvPr id="1035695642" name="Title 1"/>
           <p:cNvSpPr>
             <a:spLocks noGrp="1"/>
           </p:cNvSpPr>
@@ -4898,7 +5328,7 @@
       </p:sp>
       <p:sp>
         <p:nvSpPr>
-          <p:cNvPr id="1488309491" name="Subtitle 2"/>
+          <p:cNvPr id="1185863693" name="Subtitle 2"/>
           <p:cNvSpPr>
             <a:spLocks noGrp="1"/>
           </p:cNvSpPr>
@@ -5406,7 +5836,7 @@
       </p:graphicFrame>
       <p:pic>
         <p:nvPicPr>
-          <p:cNvPr id="393106264" name=""/>
+          <p:cNvPr id="1653924354" name=""/>
           <p:cNvPicPr>
             <a:picLocks noChangeAspect="1"/>
           </p:cNvPicPr>
@@ -5418,8 +5848,8 @@
         </p:blipFill>
         <p:spPr bwMode="auto">
           <a:xfrm flipH="0" flipV="0">
-            <a:off x="2621808" y="2741773"/>
-            <a:ext cx="6851358" cy="4075774"/>
+            <a:off x="2410799" y="2750729"/>
+            <a:ext cx="6915150" cy="4113722"/>
           </a:xfrm>
           <a:prstGeom prst="rect">
             <a:avLst/>
@@ -5714,7 +6144,7 @@
       </p:sp>
       <p:pic>
         <p:nvPicPr>
-          <p:cNvPr id="1661534957" name=""/>
+          <p:cNvPr id="569097536" name=""/>
           <p:cNvPicPr>
             <a:picLocks noChangeAspect="1"/>
           </p:cNvPicPr>
@@ -5725,9 +6155,9 @@
           <a:stretch/>
         </p:blipFill>
         <p:spPr bwMode="auto">
-          <a:xfrm>
-            <a:off x="0" y="2853520"/>
-            <a:ext cx="12191999" cy="4003994"/>
+          <a:xfrm flipH="0" flipV="0">
+            <a:off x="25399" y="2727324"/>
+            <a:ext cx="12126574" cy="3982508"/>
           </a:xfrm>
           <a:prstGeom prst="rect">
             <a:avLst/>
@@ -6043,8 +6473,12 @@
               <a:defRPr/>
             </a:pPr>
             <a:r>
+              <a:rPr b="1" u="sng"/>
+              <a:t>Non-ML</a:t>
+            </a:r>
+            <a:r>
               <a:rPr b="1"/>
-              <a:t>Non-ML </a:t>
+              <a:t> </a:t>
             </a:r>
             <a:r>
               <a:rPr/>
@@ -6214,7 +6648,7 @@
       </p:grpSpPr>
       <p:sp>
         <p:nvSpPr>
-          <p:cNvPr id="1958357340" name="Title 1"/>
+          <p:cNvPr id="1433673269" name="Title 1"/>
           <p:cNvSpPr>
             <a:spLocks noGrp="1"/>
           </p:cNvSpPr>
@@ -6227,117 +6661,386 @@
           <a:bodyPr/>
           <a:lstStyle/>
           <a:p>
-            <a:pPr marL="0" marR="0" lvl="0" indent="0" algn="l" defTabSz="914400" rtl="0">
-              <a:lnSpc>
-                <a:spcPct val="90000"/>
-              </a:lnSpc>
-              <a:spcBef>
-                <a:spcPts val="0"/>
-              </a:spcBef>
-              <a:spcAft>
-                <a:spcPts val="0"/>
-              </a:spcAft>
+            <a:pPr>
+              <a:defRPr/>
+            </a:pPr>
+            <a:r>
+              <a:rPr/>
+              <a:t>First more data cleaning needed</a:t>
+            </a:r>
+            <a:endParaRPr/>
+          </a:p>
+        </p:txBody>
+      </p:sp>
+      <p:sp>
+        <p:nvSpPr>
+          <p:cNvPr id="901313802" name="Content Placeholder 2"/>
+          <p:cNvSpPr>
+            <a:spLocks noGrp="1"/>
+          </p:cNvSpPr>
+          <p:nvPr>
+            <p:ph idx="1"/>
+          </p:nvPr>
+        </p:nvSpPr>
+        <p:spPr bwMode="auto">
+          <a:xfrm flipH="0" flipV="0">
+            <a:off x="838199" y="4233333"/>
+            <a:ext cx="10515600" cy="1943629"/>
+          </a:xfrm>
+        </p:spPr>
+        <p:txBody>
+          <a:bodyPr vertOverflow="overflow" horzOverflow="overflow" vert="horz" wrap="square" lIns="91440" tIns="45720" rIns="91440" bIns="45720" numCol="1" spcCol="0" rtlCol="0" fromWordArt="0" anchor="t" anchorCtr="0" forceAA="0" upright="0" compatLnSpc="0">
+            <a:normAutofit/>
+          </a:bodyPr>
+          <a:lstStyle/>
+          <a:p>
+            <a:pPr marL="0" indent="0">
+              <a:buFont typeface="Arial"/>
               <a:buNone/>
-              <a:defRPr lang="en-GB" sz="4400" b="0" i="0" u="none" strike="noStrike" cap="none" spc="0">
+              <a:defRPr/>
+            </a:pPr>
+            <a:r>
+              <a:rPr lang="en-GB" sz="2800" b="1" i="0" u="sng" strike="noStrike" cap="none" spc="0">
                 <a:solidFill>
-                  <a:srgbClr val="000000"/>
-                </a:solidFill>
-                <a:latin typeface="Arial"/>
-                <a:ea typeface="Arial"/>
-                <a:cs typeface="Arial"/>
-              </a:defRPr>
-            </a:pPr>
-            <a:r>
-              <a:rPr lang="en-GB" sz="2800" b="1" i="0" u="none" strike="noStrike" cap="none" spc="0">
-                <a:solidFill>
-                  <a:srgbClr val="000000"/>
+                  <a:schemeClr val="tx1"/>
                 </a:solidFill>
                 <a:latin typeface="Arial"/>
                 <a:ea typeface="Arial"/>
                 <a:cs typeface="Arial"/>
               </a:rPr>
-              <a:t>Q3:</a:t>
-            </a:r>
-            <a:r>
-              <a:rPr lang="en-GB" sz="2800" b="0" i="0" u="none" strike="noStrike" cap="none" spc="0">
+              <a:t>Clean samples:</a:t>
+            </a:r>
+            <a:r>
+              <a:rPr lang="en-GB" sz="2800" b="1" i="0" u="none" strike="noStrike" cap="none" spc="0">
                 <a:solidFill>
-                  <a:srgbClr val="000000"/>
+                  <a:schemeClr val="tx1"/>
                 </a:solidFill>
                 <a:latin typeface="Arial"/>
                 <a:ea typeface="Arial"/>
                 <a:cs typeface="Arial"/>
               </a:rPr>
-              <a:t> </a:t>
+              <a:t> 1121</a:t>
             </a:r>
             <a:r>
               <a:rPr lang="en-GB" sz="2800" b="0" i="0" u="none" strike="noStrike" cap="none" spc="0">
                 <a:solidFill>
-                  <a:srgbClr val="000000"/>
+                  <a:schemeClr val="tx1"/>
                 </a:solidFill>
                 <a:latin typeface="Arial"/>
                 <a:ea typeface="Arial"/>
                 <a:cs typeface="Arial"/>
               </a:rPr>
-              <a:t>What factors impact the time it takes to get pregnant?</a:t>
-            </a:r>
-            <a:endParaRPr sz="2800"/>
-          </a:p>
-        </p:txBody>
-      </p:sp>
-      <p:sp>
-        <p:nvSpPr>
-          <p:cNvPr id="254885853" name="Content Placeholder 2"/>
-          <p:cNvSpPr>
-            <a:spLocks noGrp="1"/>
-          </p:cNvSpPr>
-          <p:nvPr>
-            <p:ph idx="1"/>
-          </p:nvPr>
-        </p:nvSpPr>
-        <p:spPr bwMode="auto"/>
-        <p:txBody>
-          <a:bodyPr/>
-          <a:lstStyle/>
-          <a:p>
-            <a:pPr>
-              <a:defRPr/>
-            </a:pPr>
+              <a:t> (out of</a:t>
+            </a:r>
             <a:r>
               <a:rPr/>
-              <a:t>Exclude country: while country/cultural effects are interesting, but collected data does not cater towards this</a:t>
-            </a:r>
-            <a:endParaRPr/>
-          </a:p>
-          <a:p>
-            <a:pPr>
-              <a:defRPr/>
-            </a:pPr>
-            <a:endParaRPr/>
-          </a:p>
-        </p:txBody>
-      </p:sp>
-      <p:pic>
-        <p:nvPicPr>
-          <p:cNvPr id="1540222781" name=""/>
-          <p:cNvPicPr>
-            <a:picLocks noChangeAspect="1"/>
-          </p:cNvPicPr>
+              <a:t> 1995)</a:t>
+            </a:r>
+            <a:endParaRPr/>
+          </a:p>
+        </p:txBody>
+      </p:sp>
+      <p:graphicFrame>
+        <p:nvGraphicFramePr>
+          <p:cNvPr id="481122543" name=""/>
+          <p:cNvGraphicFramePr>
+            <a:graphicFrameLocks xmlns:a="http://schemas.openxmlformats.org/drawingml/2006/main"/>
+          </p:cNvGraphicFramePr>
           <p:nvPr/>
-        </p:nvPicPr>
-        <p:blipFill>
-          <a:blip r:embed="rId3"/>
-          <a:stretch/>
-        </p:blipFill>
-        <p:spPr bwMode="auto">
-          <a:xfrm flipH="0" flipV="0">
-            <a:off x="5049225" y="2577976"/>
-            <a:ext cx="6908985" cy="4128497"/>
-          </a:xfrm>
-          <a:prstGeom prst="rect">
-            <a:avLst/>
-          </a:prstGeom>
-        </p:spPr>
-      </p:pic>
+        </p:nvGraphicFramePr>
+        <p:xfrm>
+          <a:off x="685799" y="1690687"/>
+          <a:ext cx="10667999" cy="2069167"/>
+        </p:xfrm>
+        <a:graphic>
+          <a:graphicData uri="http://schemas.openxmlformats.org/drawingml/2006/table">
+            <a:tbl>
+              <a:tblPr firstRow="1" firstCol="0" lastRow="0" lastCol="0" bandRow="1" bandCol="0">
+                <a:tableStyleId>{B301B821-A1FF-4177-AEE7-76D212191A09}</a:tableStyleId>
+              </a:tblPr>
+              <a:tblGrid>
+                <a:gridCol w="5327649"/>
+                <a:gridCol w="5327649"/>
+              </a:tblGrid>
+              <a:tr h="269736">
+                <a:tc>
+                  <a:txBody>
+                    <a:bodyPr/>
+                    <a:p>
+                      <a:pPr>
+                        <a:defRPr/>
+                      </a:pPr>
+                      <a:r>
+                        <a:rPr sz="1600"/>
+                        <a:t>Removed:</a:t>
+                      </a:r>
+                      <a:endParaRPr sz="1600"/>
+                    </a:p>
+                  </a:txBody>
+                  <a:tcPr/>
+                </a:tc>
+                <a:tc>
+                  <a:txBody>
+                    <a:bodyPr/>
+                    <a:p>
+                      <a:pPr>
+                        <a:defRPr/>
+                      </a:pPr>
+                      <a:r>
+                        <a:rPr sz="1600"/>
+                        <a:t>Why</a:t>
+                      </a:r>
+                      <a:endParaRPr sz="1600"/>
+                    </a:p>
+                  </a:txBody>
+                  <a:tcPr/>
+                </a:tc>
+              </a:tr>
+              <a:tr h="289425">
+                <a:tc>
+                  <a:txBody>
+                    <a:bodyPr/>
+                    <a:p>
+                      <a:pPr lvl="1">
+                        <a:defRPr/>
+                      </a:pPr>
+                      <a:r>
+                        <a:rPr lang="en-GB" sz="1600" b="0" i="0" u="none" strike="noStrike" cap="none" spc="0">
+                          <a:solidFill>
+                            <a:schemeClr val="dk1"/>
+                          </a:solidFill>
+                          <a:latin typeface="+mn-lt"/>
+                          <a:ea typeface="+mn-ea"/>
+                          <a:cs typeface="+mn-cs"/>
+                        </a:rPr>
+                        <a:t>Non-pregnant participants</a:t>
+                      </a:r>
+                      <a:r>
+                        <a:rPr lang="en-GB" sz="1600" b="0" i="0" u="none" strike="noStrike" cap="none" spc="0">
+                          <a:solidFill>
+                            <a:schemeClr val="dk1"/>
+                          </a:solidFill>
+                          <a:latin typeface="+mn-lt"/>
+                          <a:ea typeface="+mn-ea"/>
+                          <a:cs typeface="+mn-cs"/>
+                        </a:rPr>
+                        <a:t> </a:t>
+                      </a:r>
+                      <a:endParaRPr sz="1600"/>
+                    </a:p>
+                  </a:txBody>
+                  <a:tcPr/>
+                </a:tc>
+                <a:tc>
+                  <a:txBody>
+                    <a:bodyPr/>
+                    <a:p>
+                      <a:pPr>
+                        <a:defRPr/>
+                      </a:pPr>
+                      <a:r>
+                        <a:rPr sz="1600"/>
+                        <a:t>We want to know how quickly, not IF they got pregnant.</a:t>
+                      </a:r>
+                      <a:endParaRPr sz="1600"/>
+                    </a:p>
+                  </a:txBody>
+                  <a:tcPr/>
+                </a:tc>
+              </a:tr>
+              <a:tr h="357674">
+                <a:tc>
+                  <a:txBody>
+                    <a:bodyPr/>
+                    <a:p>
+                      <a:pPr lvl="1">
+                        <a:defRPr/>
+                      </a:pPr>
+                      <a:r>
+                        <a:rPr lang="en-GB" sz="1600" b="0" i="0" u="none" strike="noStrike" cap="none" spc="0">
+                          <a:solidFill>
+                            <a:schemeClr val="tx1"/>
+                          </a:solidFill>
+                          <a:latin typeface="Arial"/>
+                          <a:ea typeface="Arial"/>
+                          <a:cs typeface="Arial"/>
+                        </a:rPr>
+                        <a:t>Pregnant participants with </a:t>
+                      </a:r>
+                      <a:r>
+                        <a:rPr lang="en-GB" sz="1600" b="0" i="0" u="none" strike="noStrike" cap="none" spc="0">
+                          <a:solidFill>
+                            <a:schemeClr val="dk1"/>
+                          </a:solidFill>
+                          <a:latin typeface="+mn-lt"/>
+                          <a:ea typeface="+mn-ea"/>
+                          <a:cs typeface="+mn-cs"/>
+                        </a:rPr>
+                        <a:t>intercourse frequency 0</a:t>
+                      </a:r>
+                      <a:endParaRPr sz="1600"/>
+                    </a:p>
+                  </a:txBody>
+                  <a:tcPr/>
+                </a:tc>
+                <a:tc>
+                  <a:txBody>
+                    <a:bodyPr/>
+                    <a:p>
+                      <a:pPr>
+                        <a:defRPr/>
+                      </a:pPr>
+                      <a:r>
+                        <a:rPr sz="1600"/>
+                        <a:t>Can’t get pregnant without sexual intercourse.</a:t>
+                      </a:r>
+                      <a:endParaRPr sz="1600"/>
+                    </a:p>
+                  </a:txBody>
+                  <a:tcPr/>
+                </a:tc>
+              </a:tr>
+              <a:tr h="269736">
+                <a:tc>
+                  <a:txBody>
+                    <a:bodyPr/>
+                    <a:p>
+                      <a:pPr lvl="1">
+                        <a:defRPr/>
+                      </a:pPr>
+                      <a:r>
+                        <a:rPr lang="en-GB" sz="1600" b="0" i="0" u="none" strike="noStrike" cap="none" spc="0">
+                          <a:solidFill>
+                            <a:schemeClr val="dk1"/>
+                          </a:solidFill>
+                          <a:latin typeface="+mn-lt"/>
+                          <a:ea typeface="+mn-ea"/>
+                          <a:cs typeface="+mn-cs"/>
+                        </a:rPr>
+                        <a:t>BMI &lt; 12</a:t>
+                      </a:r>
+                      <a:endParaRPr sz="1600"/>
+                    </a:p>
+                  </a:txBody>
+                  <a:tcPr/>
+                </a:tc>
+                <a:tc>
+                  <a:txBody>
+                    <a:bodyPr/>
+                    <a:p>
+                      <a:pPr>
+                        <a:defRPr/>
+                      </a:pPr>
+                      <a:r>
+                        <a:rPr lang="en-GB" sz="1600" b="0" i="0" u="none" strike="noStrike" cap="none" spc="0">
+                          <a:solidFill>
+                            <a:schemeClr val="tx1"/>
+                          </a:solidFill>
+                          <a:latin typeface="Arial"/>
+                          <a:ea typeface="Arial"/>
+                          <a:cs typeface="Arial"/>
+                        </a:rPr>
+                        <a:t>Unrealistic value</a:t>
+                      </a:r>
+                      <a:endParaRPr sz="1600"/>
+                    </a:p>
+                  </a:txBody>
+                  <a:tcPr/>
+                </a:tc>
+              </a:tr>
+              <a:tr h="269736">
+                <a:tc>
+                  <a:txBody>
+                    <a:bodyPr/>
+                    <a:p>
+                      <a:pPr lvl="1">
+                        <a:defRPr/>
+                      </a:pPr>
+                      <a:r>
+                        <a:rPr lang="en-GB" sz="1600" b="0" i="0" u="none" strike="noStrike" cap="none" spc="0">
+                          <a:solidFill>
+                            <a:schemeClr val="dk1"/>
+                          </a:solidFill>
+                          <a:latin typeface="+mn-lt"/>
+                          <a:ea typeface="+mn-ea"/>
+                          <a:cs typeface="+mn-cs"/>
+                        </a:rPr>
+                        <a:t>Dedication &gt; 1.00 </a:t>
+                      </a:r>
+                      <a:endParaRPr sz="1600"/>
+                    </a:p>
+                  </a:txBody>
+                  <a:tcPr/>
+                </a:tc>
+                <a:tc>
+                  <a:txBody>
+                    <a:bodyPr/>
+                    <a:p>
+                      <a:pPr>
+                        <a:defRPr/>
+                      </a:pPr>
+                      <a:r>
+                        <a:rPr lang="en-GB" sz="1600" b="0" i="0" u="none" strike="noStrike" cap="none" spc="0">
+                          <a:solidFill>
+                            <a:schemeClr val="dk1"/>
+                          </a:solidFill>
+                          <a:latin typeface="Arial"/>
+                          <a:ea typeface="Arial"/>
+                          <a:cs typeface="Arial"/>
+                        </a:rPr>
+                        <a:t>You can’t log more than 100% of days</a:t>
+                      </a:r>
+                      <a:endParaRPr sz="1600"/>
+                    </a:p>
+                  </a:txBody>
+                  <a:tcPr/>
+                </a:tc>
+              </a:tr>
+              <a:tr h="357674">
+                <a:tc>
+                  <a:txBody>
+                    <a:bodyPr/>
+                    <a:p>
+                      <a:pPr lvl="1">
+                        <a:defRPr/>
+                      </a:pPr>
+                      <a:r>
+                        <a:rPr lang="en-GB" sz="1600" b="0" i="0" u="none" strike="noStrike" cap="none" spc="0">
+                          <a:solidFill>
+                            <a:schemeClr val="dk1"/>
+                          </a:solidFill>
+                          <a:latin typeface="+mn-lt"/>
+                          <a:ea typeface="+mn-ea"/>
+                          <a:cs typeface="+mn-cs"/>
+                        </a:rPr>
+                        <a:t>Remove samples with NaN’s / empty values</a:t>
+                      </a:r>
+                      <a:endParaRPr sz="1600"/>
+                    </a:p>
+                  </a:txBody>
+                  <a:tcPr/>
+                </a:tc>
+                <a:tc>
+                  <a:txBody>
+                    <a:bodyPr/>
+                    <a:p>
+                      <a:pPr>
+                        <a:defRPr/>
+                      </a:pPr>
+                      <a:r>
+                        <a:rPr sz="1600"/>
+                        <a:t>We want to investigate all parameters</a:t>
+                      </a:r>
+                      <a:endParaRPr sz="1600"/>
+                    </a:p>
+                  </a:txBody>
+                  <a:tcPr/>
+                </a:tc>
+              </a:tr>
+            </a:tbl>
+          </a:graphicData>
+        </a:graphic>
+      </p:graphicFrame>
     </p:spTree>
   </p:cSld>
   <p:clrMapOvr>
@@ -6373,6 +7076,855 @@
       </p:grpSpPr>
       <p:sp>
         <p:nvSpPr>
+          <p:cNvPr id="1958357340" name="Title 1"/>
+          <p:cNvSpPr>
+            <a:spLocks noGrp="1"/>
+          </p:cNvSpPr>
+          <p:nvPr>
+            <p:ph type="title"/>
+          </p:nvPr>
+        </p:nvSpPr>
+        <p:spPr bwMode="auto">
+          <a:xfrm flipH="0" flipV="0">
+            <a:off x="933449" y="248708"/>
+            <a:ext cx="10515600" cy="640291"/>
+          </a:xfrm>
+        </p:spPr>
+        <p:txBody>
+          <a:bodyPr/>
+          <a:lstStyle/>
+          <a:p>
+            <a:pPr marL="0" marR="0" lvl="0" indent="0" algn="l" defTabSz="914400" rtl="0">
+              <a:lnSpc>
+                <a:spcPct val="90000"/>
+              </a:lnSpc>
+              <a:spcBef>
+                <a:spcPts val="0"/>
+              </a:spcBef>
+              <a:spcAft>
+                <a:spcPts val="0"/>
+              </a:spcAft>
+              <a:buNone/>
+              <a:defRPr lang="en-GB" sz="4400" b="0" i="0" u="none" strike="noStrike" cap="none" spc="0">
+                <a:solidFill>
+                  <a:srgbClr val="000000"/>
+                </a:solidFill>
+                <a:latin typeface="Arial"/>
+                <a:ea typeface="Arial"/>
+                <a:cs typeface="Arial"/>
+              </a:defRPr>
+            </a:pPr>
+            <a:r>
+              <a:rPr lang="en-GB" sz="2800" b="0" i="0" u="none" strike="noStrike" cap="none" spc="0">
+                <a:solidFill>
+                  <a:srgbClr val="000000"/>
+                </a:solidFill>
+                <a:latin typeface="Arial"/>
+                <a:ea typeface="Arial"/>
+                <a:cs typeface="Arial"/>
+              </a:rPr>
+              <a:t>Simple binning in groups already shows some potential effects</a:t>
+            </a:r>
+            <a:endParaRPr sz="2800"/>
+          </a:p>
+        </p:txBody>
+      </p:sp>
+      <p:pic>
+        <p:nvPicPr>
+          <p:cNvPr id="105255818" name=""/>
+          <p:cNvPicPr>
+            <a:picLocks noChangeAspect="1"/>
+          </p:cNvPicPr>
+          <p:nvPr/>
+        </p:nvPicPr>
+        <p:blipFill>
+          <a:blip r:embed="rId3"/>
+          <a:stretch/>
+        </p:blipFill>
+        <p:spPr bwMode="auto">
+          <a:xfrm flipH="0" flipV="0">
+            <a:off x="1490710" y="888999"/>
+            <a:ext cx="9821012" cy="5979583"/>
+          </a:xfrm>
+          <a:prstGeom prst="rect">
+            <a:avLst/>
+          </a:prstGeom>
+        </p:spPr>
+      </p:pic>
+      <p:sp>
+        <p:nvSpPr>
+          <p:cNvPr id="1907888926" name=""/>
+          <p:cNvSpPr/>
+          <p:nvPr/>
+        </p:nvSpPr>
+        <p:spPr bwMode="auto">
+          <a:xfrm rot="0" flipH="0" flipV="0">
+            <a:off x="1514499" y="920749"/>
+            <a:ext cx="2487083" cy="2487083"/>
+          </a:xfrm>
+          <a:prstGeom prst="flowChartAlternateProcess">
+            <a:avLst/>
+          </a:prstGeom>
+          <a:noFill/>
+          <a:ln w="28575" cap="flat" cmpd="sng" algn="ctr">
+            <a:solidFill>
+              <a:schemeClr val="accent6">
+                <a:lumMod val="50196"/>
+              </a:schemeClr>
+            </a:solidFill>
+            <a:prstDash val="solid"/>
+            <a:miter lim="800000"/>
+          </a:ln>
+        </p:spPr>
+        <p:style>
+          <a:lnRef idx="2">
+            <a:schemeClr val="accent1">
+              <a:shade val="50000"/>
+            </a:schemeClr>
+          </a:lnRef>
+          <a:fillRef idx="1">
+            <a:schemeClr val="accent1"/>
+          </a:fillRef>
+          <a:effectRef idx="0">
+            <a:schemeClr val="accent1"/>
+          </a:effectRef>
+          <a:fontRef idx="minor">
+            <a:schemeClr val="lt1"/>
+          </a:fontRef>
+        </p:style>
+      </p:sp>
+      <p:sp>
+        <p:nvSpPr>
+          <p:cNvPr id="1050077941" name=""/>
+          <p:cNvSpPr/>
+          <p:nvPr/>
+        </p:nvSpPr>
+        <p:spPr bwMode="auto">
+          <a:xfrm rot="0" flipH="0" flipV="0">
+            <a:off x="1427050" y="3767666"/>
+            <a:ext cx="2574532" cy="2709333"/>
+          </a:xfrm>
+          <a:prstGeom prst="flowChartAlternateProcess">
+            <a:avLst/>
+          </a:prstGeom>
+          <a:noFill/>
+          <a:ln w="28575" cap="flat" cmpd="sng" algn="ctr">
+            <a:solidFill>
+              <a:schemeClr val="accent6">
+                <a:lumMod val="50196"/>
+              </a:schemeClr>
+            </a:solidFill>
+            <a:prstDash val="solid"/>
+            <a:miter lim="800000"/>
+          </a:ln>
+        </p:spPr>
+        <p:style>
+          <a:lnRef idx="2">
+            <a:schemeClr val="accent1">
+              <a:shade val="50000"/>
+            </a:schemeClr>
+          </a:lnRef>
+          <a:fillRef idx="1">
+            <a:schemeClr val="accent1"/>
+          </a:fillRef>
+          <a:effectRef idx="0">
+            <a:schemeClr val="accent1"/>
+          </a:effectRef>
+          <a:fontRef idx="minor">
+            <a:schemeClr val="lt1"/>
+          </a:fontRef>
+        </p:style>
+      </p:sp>
+      <p:sp>
+        <p:nvSpPr>
+          <p:cNvPr id="1187886406" name=""/>
+          <p:cNvSpPr/>
+          <p:nvPr/>
+        </p:nvSpPr>
+        <p:spPr bwMode="auto">
+          <a:xfrm rot="0" flipH="0" flipV="0">
+            <a:off x="3914133" y="3767666"/>
+            <a:ext cx="2574532" cy="2709333"/>
+          </a:xfrm>
+          <a:prstGeom prst="flowChartAlternateProcess">
+            <a:avLst/>
+          </a:prstGeom>
+          <a:noFill/>
+          <a:ln w="28575" cap="flat" cmpd="sng" algn="ctr">
+            <a:solidFill>
+              <a:schemeClr val="accent6">
+                <a:lumMod val="50196"/>
+              </a:schemeClr>
+            </a:solidFill>
+            <a:prstDash val="solid"/>
+            <a:miter lim="800000"/>
+          </a:ln>
+        </p:spPr>
+        <p:style>
+          <a:lnRef idx="2">
+            <a:schemeClr val="accent1">
+              <a:shade val="50000"/>
+            </a:schemeClr>
+          </a:lnRef>
+          <a:fillRef idx="1">
+            <a:schemeClr val="accent1"/>
+          </a:fillRef>
+          <a:effectRef idx="0">
+            <a:schemeClr val="accent1"/>
+          </a:effectRef>
+          <a:fontRef idx="minor">
+            <a:schemeClr val="lt1"/>
+          </a:fontRef>
+        </p:style>
+      </p:sp>
+    </p:spTree>
+  </p:cSld>
+  <p:clrMapOvr>
+    <a:masterClrMapping/>
+  </p:clrMapOvr>
+  <mc:AlternateContent xmlns:mc="http://schemas.openxmlformats.org/markup-compatibility/2006">
+    <mc:Choice xmlns:p159="http://schemas.microsoft.com/office/powerpoint/2015/09/main" xmlns:p14="http://schemas.microsoft.com/office/powerpoint/2010/main" Requires="p159">
+      <p:transition p14:dur="2000" advClick="1"/>
+    </mc:Choice>
+    <mc:Fallback>
+      <p:transition advClick="1"/>
+    </mc:Fallback>
+  </mc:AlternateContent>
+</p:sld>
+</file>
+
+<file path=ppt/slides/slide16.xml><?xml version="1.0" encoding="utf-8"?>
+<p:sld xmlns:a="http://schemas.openxmlformats.org/drawingml/2006/main" xmlns:r="http://schemas.openxmlformats.org/officeDocument/2006/relationships" xmlns:p="http://schemas.openxmlformats.org/presentationml/2006/main" xmlns:m="http://schemas.openxmlformats.org/officeDocument/2006/math" xmlns:w="http://schemas.openxmlformats.org/wordprocessingml/2006/main" xmlns:mc="http://schemas.openxmlformats.org/markup-compatibility/2006" showMasterPhAnim="0" showMasterSp="1" show="1">
+  <p:cSld name="">
+    <p:spTree>
+      <p:nvGrpSpPr>
+        <p:cNvPr id="1" name=""/>
+        <p:cNvGrpSpPr/>
+        <p:nvPr/>
+      </p:nvGrpSpPr>
+      <p:grpSpPr bwMode="auto">
+        <a:xfrm>
+          <a:off x="0" y="0"/>
+          <a:ext cx="0" cy="0"/>
+          <a:chOff x="0" y="0"/>
+          <a:chExt cx="0" cy="0"/>
+        </a:xfrm>
+      </p:grpSpPr>
+      <p:sp>
+        <p:nvSpPr>
+          <p:cNvPr id="594793310" name="Title 1"/>
+          <p:cNvSpPr>
+            <a:spLocks noGrp="1"/>
+          </p:cNvSpPr>
+          <p:nvPr>
+            <p:ph type="title"/>
+          </p:nvPr>
+        </p:nvSpPr>
+        <p:spPr bwMode="auto"/>
+        <p:txBody>
+          <a:bodyPr/>
+          <a:lstStyle/>
+          <a:p>
+            <a:pPr>
+              <a:defRPr/>
+            </a:pPr>
+            <a:r>
+              <a:rPr/>
+              <a:t>3 factors show significant (linear) effect</a:t>
+            </a:r>
+            <a:endParaRPr/>
+          </a:p>
+        </p:txBody>
+      </p:sp>
+      <p:pic>
+        <p:nvPicPr>
+          <p:cNvPr id="855637650" name=""/>
+          <p:cNvPicPr>
+            <a:picLocks noChangeAspect="1"/>
+          </p:cNvPicPr>
+          <p:nvPr/>
+        </p:nvPicPr>
+        <p:blipFill>
+          <a:blip r:embed="rId3"/>
+          <a:stretch/>
+        </p:blipFill>
+        <p:spPr bwMode="auto">
+          <a:xfrm flipH="0" flipV="0">
+            <a:off x="5451499" y="1740958"/>
+            <a:ext cx="6683747" cy="4143471"/>
+          </a:xfrm>
+          <a:prstGeom prst="rect">
+            <a:avLst/>
+          </a:prstGeom>
+        </p:spPr>
+      </p:pic>
+      <p:sp>
+        <p:nvSpPr>
+          <p:cNvPr id="378065073" name="Content Placeholder 2"/>
+          <p:cNvSpPr>
+            <a:spLocks noGrp="1"/>
+          </p:cNvSpPr>
+          <p:nvPr>
+            <p:ph idx="1"/>
+          </p:nvPr>
+        </p:nvSpPr>
+        <p:spPr bwMode="auto">
+          <a:xfrm flipH="0" flipV="0">
+            <a:off x="457199" y="1825624"/>
+            <a:ext cx="5745716" cy="4351338"/>
+          </a:xfrm>
+        </p:spPr>
+        <p:txBody>
+          <a:bodyPr/>
+          <a:lstStyle/>
+          <a:p>
+            <a:pPr>
+              <a:defRPr/>
+            </a:pPr>
+            <a:r>
+              <a:rPr sz="2600"/>
+              <a:t>All 3 quick logical:</a:t>
+            </a:r>
+            <a:endParaRPr sz="2600"/>
+          </a:p>
+          <a:p>
+            <a:pPr lvl="1">
+              <a:defRPr/>
+            </a:pPr>
+            <a:r>
+              <a:rPr sz="2200"/>
+              <a:t>Dedication</a:t>
+            </a:r>
+            <a:endParaRPr sz="2600"/>
+          </a:p>
+          <a:p>
+            <a:pPr lvl="2">
+              <a:defRPr/>
+            </a:pPr>
+            <a:r>
+              <a:rPr sz="1800"/>
+              <a:t>Better tracking =&gt; quicker pregnant</a:t>
+            </a:r>
+            <a:endParaRPr sz="2200"/>
+          </a:p>
+          <a:p>
+            <a:pPr lvl="1">
+              <a:defRPr/>
+            </a:pPr>
+            <a:r>
+              <a:rPr sz="2200"/>
+              <a:t>Intercourse frequency</a:t>
+            </a:r>
+            <a:endParaRPr sz="2600"/>
+          </a:p>
+          <a:p>
+            <a:pPr lvl="2">
+              <a:defRPr/>
+            </a:pPr>
+            <a:r>
+              <a:rPr sz="1800"/>
+              <a:t>Regular intercourse =&gt; quicker pregnant</a:t>
+            </a:r>
+            <a:endParaRPr sz="2200"/>
+          </a:p>
+          <a:p>
+            <a:pPr lvl="1">
+              <a:defRPr/>
+            </a:pPr>
+            <a:r>
+              <a:rPr sz="2200"/>
+              <a:t>Age</a:t>
+            </a:r>
+            <a:endParaRPr sz="2600"/>
+          </a:p>
+          <a:p>
+            <a:pPr lvl="2">
+              <a:defRPr/>
+            </a:pPr>
+            <a:r>
+              <a:rPr sz="1800"/>
+              <a:t>Younger =&gt; more fertile =&gt; quicker pregnant</a:t>
+            </a:r>
+            <a:endParaRPr/>
+          </a:p>
+        </p:txBody>
+      </p:sp>
+    </p:spTree>
+  </p:cSld>
+  <p:clrMapOvr>
+    <a:masterClrMapping/>
+  </p:clrMapOvr>
+  <mc:AlternateContent xmlns:mc="http://schemas.openxmlformats.org/markup-compatibility/2006">
+    <mc:Choice xmlns:p159="http://schemas.microsoft.com/office/powerpoint/2015/09/main" xmlns:p14="http://schemas.microsoft.com/office/powerpoint/2010/main" Requires="p159">
+      <p:transition p14:dur="2000" advClick="1"/>
+    </mc:Choice>
+    <mc:Fallback>
+      <p:transition advClick="1"/>
+    </mc:Fallback>
+  </mc:AlternateContent>
+</p:sld>
+</file>
+
+<file path=ppt/slides/slide17.xml><?xml version="1.0" encoding="utf-8"?>
+<p:sld xmlns:a="http://schemas.openxmlformats.org/drawingml/2006/main" xmlns:r="http://schemas.openxmlformats.org/officeDocument/2006/relationships" xmlns:p="http://schemas.openxmlformats.org/presentationml/2006/main" xmlns:m="http://schemas.openxmlformats.org/officeDocument/2006/math" xmlns:w="http://schemas.openxmlformats.org/wordprocessingml/2006/main" xmlns:mc="http://schemas.openxmlformats.org/markup-compatibility/2006" showMasterPhAnim="0" showMasterSp="1" show="1">
+  <p:cSld name="">
+    <p:spTree>
+      <p:nvGrpSpPr>
+        <p:cNvPr id="1" name=""/>
+        <p:cNvGrpSpPr/>
+        <p:nvPr/>
+      </p:nvGrpSpPr>
+      <p:grpSpPr bwMode="auto">
+        <a:xfrm>
+          <a:off x="0" y="0"/>
+          <a:ext cx="0" cy="0"/>
+          <a:chOff x="0" y="0"/>
+          <a:chExt cx="0" cy="0"/>
+        </a:xfrm>
+      </p:grpSpPr>
+      <p:sp>
+        <p:nvSpPr>
+          <p:cNvPr id="578873782" name="Title 1"/>
+          <p:cNvSpPr>
+            <a:spLocks noGrp="1"/>
+          </p:cNvSpPr>
+          <p:nvPr>
+            <p:ph type="title"/>
+          </p:nvPr>
+        </p:nvSpPr>
+        <p:spPr bwMode="auto">
+          <a:xfrm>
+            <a:off x="838199" y="219092"/>
+            <a:ext cx="10515600" cy="1325562"/>
+          </a:xfrm>
+        </p:spPr>
+        <p:txBody>
+          <a:bodyPr vertOverflow="overflow" horzOverflow="overflow" vert="horz" wrap="square" lIns="91440" tIns="45720" rIns="91440" bIns="45720" numCol="1" spcCol="0" rtlCol="0" fromWordArt="0" anchor="ctr" anchorCtr="0" forceAA="0" upright="0" compatLnSpc="0">
+            <a:normAutofit/>
+          </a:bodyPr>
+          <a:lstStyle/>
+          <a:p>
+            <a:pPr>
+              <a:defRPr/>
+            </a:pPr>
+            <a:r>
+              <a:rPr/>
+              <a:t>Note! Also non-linear effects visible</a:t>
+            </a:r>
+            <a:br>
+              <a:rPr/>
+            </a:br>
+            <a:r>
+              <a:rPr lang="en-GB" sz="2800" b="0" i="0" u="none" strike="noStrike" cap="none" spc="0">
+                <a:solidFill>
+                  <a:schemeClr val="tx1"/>
+                </a:solidFill>
+                <a:latin typeface="+mj-lt"/>
+                <a:ea typeface="+mj-ea"/>
+                <a:cs typeface="+mj-cs"/>
+              </a:rPr>
+              <a:t>Limitation of this analysis =&gt; More advanced modelling needed?</a:t>
+            </a:r>
+            <a:endParaRPr sz="4400"/>
+          </a:p>
+        </p:txBody>
+      </p:sp>
+      <p:pic>
+        <p:nvPicPr>
+          <p:cNvPr id="252945293" name=""/>
+          <p:cNvPicPr>
+            <a:picLocks noChangeAspect="1"/>
+          </p:cNvPicPr>
+          <p:nvPr/>
+        </p:nvPicPr>
+        <p:blipFill>
+          <a:blip r:embed="rId3"/>
+          <a:stretch/>
+        </p:blipFill>
+        <p:spPr bwMode="auto">
+          <a:xfrm flipH="0" flipV="0">
+            <a:off x="1535666" y="1390005"/>
+            <a:ext cx="9048749" cy="5509386"/>
+          </a:xfrm>
+          <a:prstGeom prst="rect">
+            <a:avLst/>
+          </a:prstGeom>
+        </p:spPr>
+      </p:pic>
+      <p:grpSp>
+        <p:nvGrpSpPr>
+          <p:cNvPr id="2124178468" name=""/>
+          <p:cNvGrpSpPr/>
+          <p:nvPr/>
+        </p:nvGrpSpPr>
+        <p:grpSpPr bwMode="auto">
+          <a:xfrm>
+            <a:off x="4426049" y="1630800"/>
+            <a:ext cx="5914916" cy="3461349"/>
+            <a:chOff x="0" y="0"/>
+            <a:chExt cx="5914916" cy="3461349"/>
+          </a:xfrm>
+        </p:grpSpPr>
+        <p:sp>
+          <p:nvSpPr>
+            <p:cNvPr id="1834750762" name=""/>
+            <p:cNvSpPr/>
+            <p:nvPr/>
+          </p:nvSpPr>
+          <p:spPr bwMode="auto">
+            <a:xfrm rot="0" flipH="0" flipV="0">
+              <a:off x="2177566" y="0"/>
+              <a:ext cx="1280583" cy="476249"/>
+            </a:xfrm>
+            <a:custGeom>
+              <a:avLst/>
+              <a:gdLst/>
+              <a:ahLst/>
+              <a:cxnLst/>
+              <a:rect l="l" t="t" r="r" b="b"/>
+              <a:pathLst>
+                <a:path w="43200" h="43200" fill="none" stroke="1" extrusionOk="0">
+                  <a:moveTo>
+                    <a:pt x="0" y="0"/>
+                  </a:moveTo>
+                  <a:cubicBezTo>
+                    <a:pt x="1071" y="2879"/>
+                    <a:pt x="2499" y="4799"/>
+                    <a:pt x="3570" y="7679"/>
+                  </a:cubicBezTo>
+                  <a:cubicBezTo>
+                    <a:pt x="4641" y="9600"/>
+                    <a:pt x="6069" y="11520"/>
+                    <a:pt x="7497" y="14400"/>
+                  </a:cubicBezTo>
+                  <a:cubicBezTo>
+                    <a:pt x="9282" y="17279"/>
+                    <a:pt x="10710" y="19199"/>
+                    <a:pt x="12138" y="21119"/>
+                  </a:cubicBezTo>
+                  <a:cubicBezTo>
+                    <a:pt x="13566" y="24000"/>
+                    <a:pt x="14995" y="25920"/>
+                    <a:pt x="16423" y="27840"/>
+                  </a:cubicBezTo>
+                  <a:cubicBezTo>
+                    <a:pt x="17851" y="29760"/>
+                    <a:pt x="19279" y="31679"/>
+                    <a:pt x="20707" y="33599"/>
+                  </a:cubicBezTo>
+                  <a:cubicBezTo>
+                    <a:pt x="22135" y="35519"/>
+                    <a:pt x="23563" y="36480"/>
+                    <a:pt x="24991" y="37440"/>
+                  </a:cubicBezTo>
+                  <a:cubicBezTo>
+                    <a:pt x="26419" y="39360"/>
+                    <a:pt x="27490" y="41280"/>
+                    <a:pt x="28919" y="42240"/>
+                  </a:cubicBezTo>
+                  <a:cubicBezTo>
+                    <a:pt x="30347" y="43200"/>
+                    <a:pt x="31775" y="43200"/>
+                    <a:pt x="33203" y="42240"/>
+                  </a:cubicBezTo>
+                  <a:cubicBezTo>
+                    <a:pt x="34274" y="40320"/>
+                    <a:pt x="35702" y="39360"/>
+                    <a:pt x="37130" y="37440"/>
+                  </a:cubicBezTo>
+                  <a:cubicBezTo>
+                    <a:pt x="38558" y="35519"/>
+                    <a:pt x="39986" y="34559"/>
+                    <a:pt x="41057" y="32639"/>
+                  </a:cubicBezTo>
+                  <a:quadBezTo>
+                    <a:pt x="42128" y="30719"/>
+                    <a:pt x="43200" y="28800"/>
+                  </a:quadBezTo>
+                </a:path>
+              </a:pathLst>
+            </a:custGeom>
+            <a:ln w="57150" cap="flat" cmpd="sng" algn="ctr">
+              <a:solidFill>
+                <a:srgbClr val="FF0000"/>
+              </a:solidFill>
+              <a:prstDash val="solid"/>
+              <a:miter lim="800000"/>
+              <a:tailEnd type="triangle"/>
+            </a:ln>
+          </p:spPr>
+          <p:style>
+            <a:lnRef idx="2">
+              <a:schemeClr val="accent1">
+                <a:shade val="50000"/>
+              </a:schemeClr>
+            </a:lnRef>
+            <a:fillRef idx="1">
+              <a:schemeClr val="accent1"/>
+            </a:fillRef>
+            <a:effectRef idx="0">
+              <a:schemeClr val="accent1"/>
+            </a:effectRef>
+            <a:fontRef idx="minor">
+              <a:schemeClr val="lt1"/>
+            </a:fontRef>
+          </p:style>
+        </p:sp>
+        <p:sp>
+          <p:nvSpPr>
+            <p:cNvPr id="1604712070" name=""/>
+            <p:cNvSpPr/>
+            <p:nvPr/>
+          </p:nvSpPr>
+          <p:spPr bwMode="auto">
+            <a:xfrm rot="0" flipH="0" flipV="0">
+              <a:off x="4464999" y="2752266"/>
+              <a:ext cx="1449916" cy="709083"/>
+            </a:xfrm>
+            <a:custGeom>
+              <a:avLst/>
+              <a:gdLst/>
+              <a:ahLst/>
+              <a:cxnLst/>
+              <a:rect l="l" t="t" r="r" b="b"/>
+              <a:pathLst>
+                <a:path w="43200" h="43200" fill="none" stroke="1" extrusionOk="0">
+                  <a:moveTo>
+                    <a:pt x="315" y="43200"/>
+                  </a:moveTo>
+                  <a:cubicBezTo>
+                    <a:pt x="0" y="40620"/>
+                    <a:pt x="0" y="38041"/>
+                    <a:pt x="0" y="35462"/>
+                  </a:cubicBezTo>
+                  <a:cubicBezTo>
+                    <a:pt x="0" y="32883"/>
+                    <a:pt x="315" y="29659"/>
+                    <a:pt x="630" y="27080"/>
+                  </a:cubicBezTo>
+                  <a:cubicBezTo>
+                    <a:pt x="1261" y="25146"/>
+                    <a:pt x="1891" y="23211"/>
+                    <a:pt x="2522" y="21277"/>
+                  </a:cubicBezTo>
+                  <a:cubicBezTo>
+                    <a:pt x="3153" y="18698"/>
+                    <a:pt x="3783" y="16764"/>
+                    <a:pt x="4729" y="14829"/>
+                  </a:cubicBezTo>
+                  <a:cubicBezTo>
+                    <a:pt x="5675" y="13540"/>
+                    <a:pt x="6621" y="11605"/>
+                    <a:pt x="7567" y="10316"/>
+                  </a:cubicBezTo>
+                  <a:cubicBezTo>
+                    <a:pt x="8513" y="9026"/>
+                    <a:pt x="10090" y="7737"/>
+                    <a:pt x="11667" y="6447"/>
+                  </a:cubicBezTo>
+                  <a:cubicBezTo>
+                    <a:pt x="12928" y="5802"/>
+                    <a:pt x="14189" y="5158"/>
+                    <a:pt x="15451" y="3868"/>
+                  </a:cubicBezTo>
+                  <a:cubicBezTo>
+                    <a:pt x="17027" y="3223"/>
+                    <a:pt x="18289" y="2579"/>
+                    <a:pt x="20181" y="1934"/>
+                  </a:cubicBezTo>
+                  <a:cubicBezTo>
+                    <a:pt x="21757" y="1934"/>
+                    <a:pt x="23334" y="644"/>
+                    <a:pt x="24595" y="644"/>
+                  </a:cubicBezTo>
+                  <a:cubicBezTo>
+                    <a:pt x="25856" y="0"/>
+                    <a:pt x="27748" y="0"/>
+                    <a:pt x="29640" y="0"/>
+                  </a:cubicBezTo>
+                  <a:cubicBezTo>
+                    <a:pt x="31532" y="0"/>
+                    <a:pt x="32794" y="0"/>
+                    <a:pt x="34055" y="0"/>
+                  </a:cubicBezTo>
+                  <a:cubicBezTo>
+                    <a:pt x="36578" y="0"/>
+                    <a:pt x="38785" y="644"/>
+                    <a:pt x="40677" y="644"/>
+                  </a:cubicBezTo>
+                  <a:quadBezTo>
+                    <a:pt x="41938" y="1289"/>
+                    <a:pt x="43200" y="1289"/>
+                  </a:quadBezTo>
+                </a:path>
+              </a:pathLst>
+            </a:custGeom>
+            <a:ln w="57150" cap="flat" cmpd="sng" algn="ctr">
+              <a:solidFill>
+                <a:srgbClr val="FF0000"/>
+              </a:solidFill>
+              <a:prstDash val="solid"/>
+              <a:miter lim="800000"/>
+              <a:tailEnd type="triangle"/>
+            </a:ln>
+          </p:spPr>
+          <p:style>
+            <a:lnRef idx="2">
+              <a:schemeClr val="accent1">
+                <a:shade val="50000"/>
+              </a:schemeClr>
+            </a:lnRef>
+            <a:fillRef idx="1">
+              <a:schemeClr val="accent1"/>
+            </a:fillRef>
+            <a:effectRef idx="0">
+              <a:schemeClr val="accent1"/>
+            </a:effectRef>
+            <a:fontRef idx="minor">
+              <a:schemeClr val="lt1"/>
+            </a:fontRef>
+          </p:style>
+        </p:sp>
+        <p:sp>
+          <p:nvSpPr>
+            <p:cNvPr id="151207450" name=""/>
+            <p:cNvSpPr/>
+            <p:nvPr/>
+          </p:nvSpPr>
+          <p:spPr bwMode="auto">
+            <a:xfrm rot="0" flipH="0" flipV="0">
+              <a:off x="0" y="0"/>
+              <a:ext cx="1195916" cy="433916"/>
+            </a:xfrm>
+            <a:custGeom>
+              <a:avLst/>
+              <a:gdLst/>
+              <a:ahLst/>
+              <a:cxnLst/>
+              <a:rect l="l" t="t" r="r" b="b"/>
+              <a:pathLst>
+                <a:path w="43200" h="43200" fill="none" stroke="1" extrusionOk="0">
+                  <a:moveTo>
+                    <a:pt x="0" y="0"/>
+                  </a:moveTo>
+                  <a:cubicBezTo>
+                    <a:pt x="1146" y="2107"/>
+                    <a:pt x="1911" y="5268"/>
+                    <a:pt x="2676" y="8429"/>
+                  </a:cubicBezTo>
+                  <a:cubicBezTo>
+                    <a:pt x="3440" y="12643"/>
+                    <a:pt x="4587" y="16858"/>
+                    <a:pt x="5352" y="20019"/>
+                  </a:cubicBezTo>
+                  <a:cubicBezTo>
+                    <a:pt x="6116" y="23180"/>
+                    <a:pt x="7263" y="26341"/>
+                    <a:pt x="8410" y="28448"/>
+                  </a:cubicBezTo>
+                  <a:cubicBezTo>
+                    <a:pt x="9939" y="31609"/>
+                    <a:pt x="11851" y="34770"/>
+                    <a:pt x="13380" y="35824"/>
+                  </a:cubicBezTo>
+                  <a:cubicBezTo>
+                    <a:pt x="14527" y="37931"/>
+                    <a:pt x="16438" y="40039"/>
+                    <a:pt x="17968" y="42146"/>
+                  </a:cubicBezTo>
+                  <a:cubicBezTo>
+                    <a:pt x="19497" y="43200"/>
+                    <a:pt x="21026" y="43200"/>
+                    <a:pt x="22555" y="43200"/>
+                  </a:cubicBezTo>
+                  <a:cubicBezTo>
+                    <a:pt x="24849" y="43200"/>
+                    <a:pt x="27143" y="43200"/>
+                    <a:pt x="29819" y="42146"/>
+                  </a:cubicBezTo>
+                  <a:cubicBezTo>
+                    <a:pt x="31348" y="41092"/>
+                    <a:pt x="32877" y="38985"/>
+                    <a:pt x="34024" y="36878"/>
+                  </a:cubicBezTo>
+                  <a:cubicBezTo>
+                    <a:pt x="35171" y="34770"/>
+                    <a:pt x="36318" y="31609"/>
+                    <a:pt x="37847" y="27395"/>
+                  </a:cubicBezTo>
+                  <a:cubicBezTo>
+                    <a:pt x="38994" y="25287"/>
+                    <a:pt x="40523" y="23180"/>
+                    <a:pt x="42053" y="20019"/>
+                  </a:cubicBezTo>
+                  <a:lnTo>
+                    <a:pt x="43200" y="17912"/>
+                  </a:lnTo>
+                </a:path>
+              </a:pathLst>
+            </a:custGeom>
+            <a:ln w="57150" cap="flat" cmpd="sng" algn="ctr">
+              <a:solidFill>
+                <a:srgbClr val="FF0000"/>
+              </a:solidFill>
+              <a:prstDash val="solid"/>
+              <a:miter lim="800000"/>
+              <a:tailEnd type="triangle"/>
+            </a:ln>
+          </p:spPr>
+          <p:style>
+            <a:lnRef idx="2">
+              <a:schemeClr val="accent1">
+                <a:shade val="50000"/>
+              </a:schemeClr>
+            </a:lnRef>
+            <a:fillRef idx="1">
+              <a:schemeClr val="accent1"/>
+            </a:fillRef>
+            <a:effectRef idx="0">
+              <a:schemeClr val="accent1"/>
+            </a:effectRef>
+            <a:fontRef idx="minor">
+              <a:schemeClr val="lt1"/>
+            </a:fontRef>
+          </p:style>
+        </p:sp>
+      </p:grpSp>
+    </p:spTree>
+  </p:cSld>
+  <p:clrMapOvr>
+    <a:masterClrMapping/>
+  </p:clrMapOvr>
+  <mc:AlternateContent xmlns:mc="http://schemas.openxmlformats.org/markup-compatibility/2006">
+    <mc:Choice xmlns:p159="http://schemas.microsoft.com/office/powerpoint/2015/09/main" xmlns:p14="http://schemas.microsoft.com/office/powerpoint/2010/main" Requires="p159">
+      <p:transition p14:dur="2000" advClick="1"/>
+    </mc:Choice>
+    <mc:Fallback>
+      <p:transition advClick="1"/>
+    </mc:Fallback>
+  </mc:AlternateContent>
+</p:sld>
+</file>
+
+<file path=ppt/slides/slide18.xml><?xml version="1.0" encoding="utf-8"?>
+<p:sld xmlns:a="http://schemas.openxmlformats.org/drawingml/2006/main" xmlns:r="http://schemas.openxmlformats.org/officeDocument/2006/relationships" xmlns:p="http://schemas.openxmlformats.org/presentationml/2006/main" xmlns:m="http://schemas.openxmlformats.org/officeDocument/2006/math" xmlns:w="http://schemas.openxmlformats.org/wordprocessingml/2006/main" xmlns:mc="http://schemas.openxmlformats.org/markup-compatibility/2006" showMasterPhAnim="0" showMasterSp="1" show="1">
+  <p:cSld name="">
+    <p:spTree>
+      <p:nvGrpSpPr>
+        <p:cNvPr id="1" name=""/>
+        <p:cNvGrpSpPr/>
+        <p:nvPr/>
+      </p:nvGrpSpPr>
+      <p:grpSpPr bwMode="auto">
+        <a:xfrm>
+          <a:off x="0" y="0"/>
+          <a:ext cx="0" cy="0"/>
+          <a:chOff x="0" y="0"/>
+          <a:chExt cx="0" cy="0"/>
+        </a:xfrm>
+      </p:grpSpPr>
+      <p:sp>
+        <p:nvSpPr>
           <p:cNvPr id="1169009206" name="Title 1"/>
           <p:cNvSpPr>
             <a:spLocks noGrp="1"/>
@@ -6454,14 +8006,16 @@
         </p:nvSpPr>
         <p:spPr bwMode="auto"/>
         <p:txBody>
-          <a:bodyPr/>
-          <a:lstStyle/>
-          <a:p>
-            <a:pPr>
-              <a:defRPr/>
-            </a:pPr>
-            <a:r>
-              <a:rPr lang="en-GB" sz="2800" b="0" i="0" u="none" strike="noStrike" cap="none" spc="0">
+          <a:bodyPr vertOverflow="overflow" horzOverflow="overflow" vert="horz" wrap="square" lIns="91440" tIns="45720" rIns="91440" bIns="45720" numCol="1" spcCol="0" rtlCol="0" fromWordArt="0" anchor="t" anchorCtr="0" forceAA="0" upright="0" compatLnSpc="0">
+            <a:normAutofit/>
+          </a:bodyPr>
+          <a:lstStyle/>
+          <a:p>
+            <a:pPr>
+              <a:defRPr/>
+            </a:pPr>
+            <a:r>
+              <a:rPr lang="en-GB" sz="2700" b="0" i="0" u="none" strike="noStrike" cap="none" spc="0">
                 <a:solidFill>
                   <a:schemeClr val="tx1"/>
                 </a:solidFill>
@@ -6471,36 +8025,20 @@
               </a:rPr>
               <a:t>Two approaches:</a:t>
             </a:r>
-            <a:endParaRPr sz="2800"/>
+            <a:endParaRPr lang="en-GB" sz="2700" b="0" i="0" u="none" strike="noStrike" cap="none" spc="0">
+              <a:solidFill>
+                <a:schemeClr val="tx1"/>
+              </a:solidFill>
+              <a:latin typeface="Times New Roman"/>
+              <a:cs typeface="Times New Roman"/>
+            </a:endParaRPr>
           </a:p>
           <a:p>
             <a:pPr lvl="1">
               <a:defRPr/>
             </a:pPr>
             <a:r>
-              <a:rPr lang="en-GB" sz="2800" b="0" i="0" u="none" strike="noStrike" cap="none" spc="0">
-                <a:solidFill>
-                  <a:schemeClr val="tx1"/>
-                </a:solidFill>
-                <a:latin typeface="+mn-lt"/>
-                <a:ea typeface="+mn-ea"/>
-                <a:cs typeface="+mn-cs"/>
-              </a:rPr>
-              <a:t>Non-ML </a:t>
-            </a:r>
-            <a:r>
-              <a:rPr lang="en-GB" sz="2800" b="0" i="0" u="none" strike="noStrike" cap="none" spc="0">
-                <a:solidFill>
-                  <a:schemeClr val="tx1"/>
-                </a:solidFill>
-                <a:latin typeface="+mn-lt"/>
-                <a:ea typeface="+mn-ea"/>
-                <a:cs typeface="+mn-cs"/>
-              </a:rPr>
-              <a:t>   </a:t>
-            </a:r>
-            <a:r>
-              <a:rPr lang="en-GB" sz="2800" b="0" i="0" u="none" strike="noStrike" cap="none" spc="0">
+              <a:rPr lang="en-GB" sz="2300" b="0" i="0" u="none" strike="noStrike" cap="none" spc="0">
                 <a:solidFill>
                   <a:schemeClr val="tx1"/>
                 </a:solidFill>
@@ -6508,22 +8046,28 @@
                 <a:ea typeface="Arial"/>
                 <a:cs typeface="Arial"/>
               </a:rPr>
-              <a:t> </a:t>
-            </a:r>
-            <a:endParaRPr sz="2800"/>
+              <a:t>Non-ML</a:t>
+            </a:r>
+            <a:endParaRPr lang="en-GB" sz="2300" b="0" i="0" u="none" strike="noStrike" cap="none" spc="0">
+              <a:solidFill>
+                <a:schemeClr val="tx1"/>
+              </a:solidFill>
+              <a:latin typeface="Times New Roman"/>
+              <a:cs typeface="Times New Roman"/>
+            </a:endParaRPr>
           </a:p>
           <a:p>
             <a:pPr lvl="1">
               <a:defRPr/>
             </a:pPr>
-            <a:endParaRPr sz="2800"/>
-          </a:p>
-          <a:p>
-            <a:pPr lvl="0">
-              <a:defRPr/>
-            </a:pPr>
-            <a:r>
-              <a:rPr lang="en-GB" sz="2400" b="1" i="0" u="none" strike="noStrike" cap="none" spc="0">
+            <a:endParaRPr lang="en-GB" sz="2700"/>
+          </a:p>
+          <a:p>
+            <a:pPr lvl="1">
+              <a:defRPr/>
+            </a:pPr>
+            <a:r>
+              <a:rPr lang="en-GB" sz="2300" b="1" i="0" u="sng" strike="noStrike" cap="none" spc="0">
                 <a:solidFill>
                   <a:schemeClr val="tx1"/>
                 </a:solidFill>
@@ -6533,7 +8077,7 @@
               </a:rPr>
               <a:t>ML:</a:t>
             </a:r>
-            <a:endParaRPr lang="en-GB" sz="2400" b="1" i="0" u="none" strike="noStrike" cap="none" spc="0">
+            <a:endParaRPr lang="en-GB" sz="2300" b="0" i="0" u="none" strike="noStrike" cap="none" spc="0">
               <a:solidFill>
                 <a:schemeClr val="tx1"/>
               </a:solidFill>
@@ -6545,13 +8089,7 @@
             <a:pPr lvl="0">
               <a:defRPr/>
             </a:pPr>
-            <a:endParaRPr sz="2400"/>
-          </a:p>
-          <a:p>
-            <a:pPr lvl="0">
-              <a:defRPr/>
-            </a:pPr>
-            <a:endParaRPr lang="en-GB" sz="2400" b="1" i="0" u="none" strike="noStrike" cap="none" spc="0">
+            <a:endParaRPr sz="2700" b="1" i="0" u="none" strike="noStrike" cap="none" spc="0">
               <a:solidFill>
                 <a:schemeClr val="tx1"/>
               </a:solidFill>
@@ -6563,8 +8101,14 @@
             <a:pPr lvl="0">
               <a:defRPr/>
             </a:pPr>
-            <a:r>
-              <a:rPr lang="en-GB" sz="2400" b="1" i="0" u="none" strike="noStrike" cap="none" spc="0">
+            <a:endParaRPr sz="2700"/>
+          </a:p>
+          <a:p>
+            <a:pPr lvl="0">
+              <a:defRPr/>
+            </a:pPr>
+            <a:r>
+              <a:rPr lang="en-GB" sz="2700" b="1" i="0" u="none" strike="noStrike" cap="none" spc="0">
                 <a:solidFill>
                   <a:schemeClr val="tx1"/>
                 </a:solidFill>
@@ -6574,7 +8118,7 @@
               </a:rPr>
               <a:t>Why?</a:t>
             </a:r>
-            <a:endParaRPr lang="en-GB" sz="2400" b="1" i="0" u="none" strike="noStrike" cap="none" spc="0">
+            <a:endParaRPr lang="en-GB" sz="2700" b="1" i="0" u="none" strike="noStrike" cap="none" spc="0">
               <a:solidFill>
                 <a:schemeClr val="tx1"/>
               </a:solidFill>
@@ -6587,30 +8131,7 @@
               <a:defRPr/>
             </a:pPr>
             <a:r>
-              <a:rPr lang="en-GB" sz="2400" b="0" i="0" u="none" strike="noStrike" cap="none" spc="0">
-                <a:solidFill>
-                  <a:schemeClr val="tx1"/>
-                </a:solidFill>
-                <a:latin typeface="+mn-lt"/>
-                <a:ea typeface="+mn-ea"/>
-                <a:cs typeface="+mn-cs"/>
-              </a:rPr>
-              <a:t>Possible to discover complex patterns</a:t>
-            </a:r>
-            <a:endParaRPr lang="en-GB" sz="2400" b="0" i="0" u="none" strike="noStrike" cap="none" spc="0">
-              <a:solidFill>
-                <a:schemeClr val="tx1"/>
-              </a:solidFill>
-              <a:latin typeface="Times New Roman"/>
-              <a:cs typeface="Times New Roman"/>
-            </a:endParaRPr>
-          </a:p>
-          <a:p>
-            <a:pPr lvl="1">
-              <a:defRPr/>
-            </a:pPr>
-            <a:r>
-              <a:rPr lang="en-GB" sz="2400" b="0" i="0" u="none" strike="noStrike" cap="none" spc="0">
+              <a:rPr lang="en-GB" sz="2300" b="0" i="0" u="none" strike="noStrike" cap="none" spc="0">
                 <a:solidFill>
                   <a:schemeClr val="tx1"/>
                 </a:solidFill>
@@ -6618,15 +8139,38 @@
                 <a:ea typeface="Arial"/>
                 <a:cs typeface="Arial"/>
               </a:rPr>
-              <a:t>Gives possibility for (more) accurate predictions</a:t>
-            </a:r>
-            <a:endParaRPr sz="2400"/>
+              <a:t>Easier to to discover complex (non-linear) patterns</a:t>
+            </a:r>
+            <a:endParaRPr lang="en-GB" sz="2300" b="0" i="0" u="none" strike="noStrike" cap="none" spc="0">
+              <a:solidFill>
+                <a:schemeClr val="tx1"/>
+              </a:solidFill>
+              <a:latin typeface="Times New Roman"/>
+              <a:cs typeface="Times New Roman"/>
+            </a:endParaRPr>
           </a:p>
           <a:p>
             <a:pPr lvl="1">
               <a:defRPr/>
             </a:pPr>
-            <a:endParaRPr/>
+            <a:r>
+              <a:rPr lang="en-GB" sz="2300" b="0" i="0" u="none" strike="noStrike" cap="none" spc="0">
+                <a:solidFill>
+                  <a:schemeClr val="tx1"/>
+                </a:solidFill>
+                <a:latin typeface="Arial"/>
+                <a:ea typeface="Arial"/>
+                <a:cs typeface="Arial"/>
+              </a:rPr>
+              <a:t>Potentially could give better predictions</a:t>
+            </a:r>
+            <a:endParaRPr lang="en-GB" sz="2300" b="0" i="0" u="none" strike="noStrike" cap="none" spc="0">
+              <a:solidFill>
+                <a:schemeClr val="tx1"/>
+              </a:solidFill>
+              <a:latin typeface="Times New Roman"/>
+              <a:cs typeface="Times New Roman"/>
+            </a:endParaRPr>
           </a:p>
         </p:txBody>
       </p:sp>
@@ -6645,7 +8189,7 @@
         </p:blipFill>
         <p:spPr bwMode="auto">
           <a:xfrm flipH="0" flipV="0">
-            <a:off x="6018290" y="1924049"/>
+            <a:off x="6272290" y="1825624"/>
             <a:ext cx="2278959" cy="2515716"/>
           </a:xfrm>
           <a:prstGeom prst="rect">
@@ -6661,7 +8205,7 @@
         </p:nvSpPr>
         <p:spPr bwMode="auto">
           <a:xfrm rot="0" flipH="0" flipV="0">
-            <a:off x="3001349" y="3262312"/>
+            <a:off x="3001349" y="3095625"/>
             <a:ext cx="2543175" cy="333373"/>
           </a:xfrm>
           <a:prstGeom prst="rightArrow">
@@ -6687,6 +8231,173 @@
             <a:schemeClr val="lt1"/>
           </a:fontRef>
         </p:style>
+      </p:sp>
+    </p:spTree>
+  </p:cSld>
+  <p:clrMapOvr>
+    <a:masterClrMapping/>
+  </p:clrMapOvr>
+  <mc:AlternateContent xmlns:mc="http://schemas.openxmlformats.org/markup-compatibility/2006">
+    <mc:Choice xmlns:p159="http://schemas.microsoft.com/office/powerpoint/2015/09/main" xmlns:p14="http://schemas.microsoft.com/office/powerpoint/2010/main" Requires="p159">
+      <p:transition p14:dur="2000" advClick="1"/>
+    </mc:Choice>
+    <mc:Fallback>
+      <p:transition advClick="1"/>
+    </mc:Fallback>
+  </mc:AlternateContent>
+</p:sld>
+</file>
+
+<file path=ppt/slides/slide19.xml><?xml version="1.0" encoding="utf-8"?>
+<p:sld xmlns:a="http://schemas.openxmlformats.org/drawingml/2006/main" xmlns:r="http://schemas.openxmlformats.org/officeDocument/2006/relationships" xmlns:p="http://schemas.openxmlformats.org/presentationml/2006/main" xmlns:m="http://schemas.openxmlformats.org/officeDocument/2006/math" xmlns:w="http://schemas.openxmlformats.org/wordprocessingml/2006/main" xmlns:mc="http://schemas.openxmlformats.org/markup-compatibility/2006" showMasterPhAnim="0" showMasterSp="1" show="1">
+  <p:cSld name="">
+    <p:spTree>
+      <p:nvGrpSpPr>
+        <p:cNvPr id="1" name=""/>
+        <p:cNvGrpSpPr/>
+        <p:nvPr/>
+      </p:nvGrpSpPr>
+      <p:grpSpPr bwMode="auto">
+        <a:xfrm>
+          <a:off x="0" y="0"/>
+          <a:ext cx="0" cy="0"/>
+          <a:chOff x="0" y="0"/>
+          <a:chExt cx="0" cy="0"/>
+        </a:xfrm>
+      </p:grpSpPr>
+      <p:sp>
+        <p:nvSpPr>
+          <p:cNvPr id="1526783413" name="Title 1"/>
+          <p:cNvSpPr>
+            <a:spLocks noGrp="1"/>
+          </p:cNvSpPr>
+          <p:nvPr>
+            <p:ph type="title"/>
+          </p:nvPr>
+        </p:nvSpPr>
+        <p:spPr bwMode="auto"/>
+        <p:txBody>
+          <a:bodyPr/>
+          <a:lstStyle/>
+          <a:p>
+            <a:pPr>
+              <a:defRPr/>
+            </a:pPr>
+            <a:r>
+              <a:rPr/>
+              <a:t>Model choice</a:t>
+            </a:r>
+            <a:endParaRPr/>
+          </a:p>
+        </p:txBody>
+      </p:sp>
+      <p:sp>
+        <p:nvSpPr>
+          <p:cNvPr id="639355881" name="Content Placeholder 2"/>
+          <p:cNvSpPr>
+            <a:spLocks noGrp="1"/>
+          </p:cNvSpPr>
+          <p:nvPr>
+            <p:ph idx="1"/>
+          </p:nvPr>
+        </p:nvSpPr>
+        <p:spPr bwMode="auto"/>
+        <p:txBody>
+          <a:bodyPr/>
+          <a:lstStyle/>
+          <a:p>
+            <a:pPr>
+              <a:defRPr/>
+            </a:pPr>
+            <a:r>
+              <a:rPr/>
+              <a:t>When in doubt: </a:t>
+            </a:r>
+            <a:r>
+              <a:rPr b="1"/>
+              <a:t>XGBoost!</a:t>
+            </a:r>
+            <a:endParaRPr/>
+          </a:p>
+          <a:p>
+            <a:pPr lvl="1">
+              <a:lnSpc>
+                <a:spcPct val="114999"/>
+              </a:lnSpc>
+              <a:defRPr/>
+            </a:pPr>
+            <a:r>
+              <a:rPr/>
+              <a:t>Easy implementation</a:t>
+            </a:r>
+            <a:r>
+              <a:rPr/>
+              <a:t> (especially compared to neural networks)</a:t>
+            </a:r>
+            <a:endParaRPr/>
+          </a:p>
+          <a:p>
+            <a:pPr lvl="1">
+              <a:lnSpc>
+                <a:spcPct val="114999"/>
+              </a:lnSpc>
+              <a:defRPr/>
+            </a:pPr>
+            <a:r>
+              <a:rPr/>
+              <a:t>Accepts categorical + numerical data</a:t>
+            </a:r>
+            <a:endParaRPr/>
+          </a:p>
+          <a:p>
+            <a:pPr lvl="1">
+              <a:lnSpc>
+                <a:spcPct val="114999"/>
+              </a:lnSpc>
+              <a:defRPr/>
+            </a:pPr>
+            <a:r>
+              <a:rPr/>
+              <a:t>Allows for classification + regression modeling</a:t>
+            </a:r>
+            <a:endParaRPr/>
+          </a:p>
+          <a:p>
+            <a:pPr lvl="1">
+              <a:lnSpc>
+                <a:spcPct val="114999"/>
+              </a:lnSpc>
+              <a:defRPr/>
+            </a:pPr>
+            <a:r>
+              <a:rPr/>
+              <a:t>Build-in explainability tools (feature importance)</a:t>
+            </a:r>
+            <a:endParaRPr/>
+          </a:p>
+          <a:p>
+            <a:pPr lvl="1">
+              <a:lnSpc>
+                <a:spcPct val="114999"/>
+              </a:lnSpc>
+              <a:defRPr/>
+            </a:pPr>
+            <a:endParaRPr/>
+          </a:p>
+          <a:p>
+            <a:pPr lvl="0">
+              <a:lnSpc>
+                <a:spcPct val="114999"/>
+              </a:lnSpc>
+              <a:defRPr/>
+            </a:pPr>
+            <a:r>
+              <a:rPr/>
+              <a:t>Note: average performance over 5-fold cross validation shown</a:t>
+            </a:r>
+            <a:endParaRPr/>
+          </a:p>
+        </p:txBody>
       </p:sp>
     </p:spTree>
   </p:cSld>
@@ -6925,6 +8636,171 @@
           </a:p>
         </p:txBody>
       </p:sp>
+    </p:spTree>
+  </p:cSld>
+  <p:clrMapOvr>
+    <a:masterClrMapping/>
+  </p:clrMapOvr>
+  <mc:AlternateContent xmlns:mc="http://schemas.openxmlformats.org/markup-compatibility/2006">
+    <mc:Choice xmlns:p159="http://schemas.microsoft.com/office/powerpoint/2015/09/main" xmlns:p14="http://schemas.microsoft.com/office/powerpoint/2010/main" Requires="p159">
+      <p:transition p14:dur="2000" advClick="1"/>
+    </mc:Choice>
+    <mc:Fallback>
+      <p:transition advClick="1"/>
+    </mc:Fallback>
+  </mc:AlternateContent>
+</p:sld>
+</file>
+
+<file path=ppt/slides/slide20.xml><?xml version="1.0" encoding="utf-8"?>
+<p:sld xmlns:a="http://schemas.openxmlformats.org/drawingml/2006/main" xmlns:r="http://schemas.openxmlformats.org/officeDocument/2006/relationships" xmlns:p="http://schemas.openxmlformats.org/presentationml/2006/main" xmlns:m="http://schemas.openxmlformats.org/officeDocument/2006/math" xmlns:w="http://schemas.openxmlformats.org/wordprocessingml/2006/main" xmlns:mc="http://schemas.openxmlformats.org/markup-compatibility/2006" showMasterPhAnim="0" showMasterSp="1" show="1">
+  <p:cSld name="">
+    <p:spTree>
+      <p:nvGrpSpPr>
+        <p:cNvPr id="1" name=""/>
+        <p:cNvGrpSpPr/>
+        <p:nvPr/>
+      </p:nvGrpSpPr>
+      <p:grpSpPr bwMode="auto">
+        <a:xfrm>
+          <a:off x="0" y="0"/>
+          <a:ext cx="0" cy="0"/>
+          <a:chOff x="0" y="0"/>
+          <a:chExt cx="0" cy="0"/>
+        </a:xfrm>
+      </p:grpSpPr>
+      <p:sp>
+        <p:nvSpPr>
+          <p:cNvPr id="559771013" name="Title 1"/>
+          <p:cNvSpPr>
+            <a:spLocks noGrp="1"/>
+          </p:cNvSpPr>
+          <p:nvPr>
+            <p:ph type="title"/>
+          </p:nvPr>
+        </p:nvSpPr>
+        <p:spPr bwMode="auto">
+          <a:xfrm flipH="0" flipV="0">
+            <a:off x="838199" y="365124"/>
+            <a:ext cx="10515600" cy="1105958"/>
+          </a:xfrm>
+        </p:spPr>
+        <p:txBody>
+          <a:bodyPr/>
+          <a:lstStyle/>
+          <a:p>
+            <a:pPr>
+              <a:defRPr/>
+            </a:pPr>
+            <a:r>
+              <a:rPr sz="2800" b="1"/>
+              <a:t>New effects can be observed!</a:t>
+            </a:r>
+            <a:r>
+              <a:rPr sz="2800" b="1"/>
+              <a:t> </a:t>
+            </a:r>
+            <a:r>
+              <a:rPr sz="2800"/>
+              <a:t>(despite poor model performance)</a:t>
+            </a:r>
+            <a:endParaRPr sz="2800"/>
+          </a:p>
+        </p:txBody>
+      </p:sp>
+      <p:sp>
+        <p:nvSpPr>
+          <p:cNvPr id="1966690621" name="Content Placeholder 2"/>
+          <p:cNvSpPr>
+            <a:spLocks noGrp="1"/>
+          </p:cNvSpPr>
+          <p:nvPr>
+            <p:ph idx="1"/>
+          </p:nvPr>
+        </p:nvSpPr>
+        <p:spPr bwMode="auto">
+          <a:xfrm flipH="0" flipV="0">
+            <a:off x="838199" y="1386416"/>
+            <a:ext cx="10515600" cy="963083"/>
+          </a:xfrm>
+        </p:spPr>
+        <p:txBody>
+          <a:bodyPr/>
+          <a:lstStyle/>
+          <a:p>
+            <a:pPr>
+              <a:defRPr/>
+            </a:pPr>
+            <a:r>
+              <a:rPr sz="2400"/>
+              <a:t>Dedication, intercourse frequency and age remain important</a:t>
+            </a:r>
+            <a:r>
+              <a:rPr sz="2400"/>
+              <a:t>!</a:t>
+            </a:r>
+            <a:endParaRPr sz="2400"/>
+          </a:p>
+          <a:p>
+            <a:pPr>
+              <a:defRPr/>
+            </a:pPr>
+            <a:r>
+              <a:rPr sz="2400"/>
+              <a:t>Previous pregnancies, cycle length and BMI, now </a:t>
+            </a:r>
+            <a:r>
+              <a:rPr sz="2400"/>
+              <a:t>show effect</a:t>
+            </a:r>
+            <a:endParaRPr sz="2400"/>
+          </a:p>
+        </p:txBody>
+      </p:sp>
+      <p:pic>
+        <p:nvPicPr>
+          <p:cNvPr id="1534501882" name=""/>
+          <p:cNvPicPr>
+            <a:picLocks noChangeAspect="1"/>
+          </p:cNvPicPr>
+          <p:nvPr/>
+        </p:nvPicPr>
+        <p:blipFill>
+          <a:blip r:embed="rId3"/>
+          <a:stretch/>
+        </p:blipFill>
+        <p:spPr bwMode="auto">
+          <a:xfrm flipH="0" flipV="0">
+            <a:off x="5316226" y="2793999"/>
+            <a:ext cx="6255946" cy="3725332"/>
+          </a:xfrm>
+          <a:prstGeom prst="rect">
+            <a:avLst/>
+          </a:prstGeom>
+        </p:spPr>
+      </p:pic>
+      <p:pic>
+        <p:nvPicPr>
+          <p:cNvPr id="1277377169" name=""/>
+          <p:cNvPicPr>
+            <a:picLocks noChangeAspect="1"/>
+          </p:cNvPicPr>
+          <p:nvPr/>
+        </p:nvPicPr>
+        <p:blipFill>
+          <a:blip r:embed="rId4"/>
+          <a:stretch/>
+        </p:blipFill>
+        <p:spPr bwMode="auto">
+          <a:xfrm flipH="0" flipV="0">
+            <a:off x="981583" y="2455332"/>
+            <a:ext cx="4334643" cy="4328361"/>
+          </a:xfrm>
+          <a:prstGeom prst="rect">
+            <a:avLst/>
+          </a:prstGeom>
+        </p:spPr>
+      </p:pic>
     </p:spTree>
   </p:cSld>
   <p:clrMapOvr>

--- a/reports/Natural Cycles - Assignment Report - Jeroen Buil.pptx
+++ b/reports/Natural Cycles - Assignment Report - Jeroen Buil.pptx
@@ -5,7 +5,7 @@
     <p:sldMasterId id="2147483648" r:id="rId1"/>
   </p:sldMasterIdLst>
   <p:notesMasterIdLst>
-    <p:notesMasterId r:id="rId24"/>
+    <p:notesMasterId r:id="rId27"/>
   </p:notesMasterIdLst>
   <p:sldIdLst>
     <p:sldId id="256" r:id="rId4"/>
@@ -28,6 +28,9 @@
     <p:sldId id="273" r:id="rId21"/>
     <p:sldId id="274" r:id="rId22"/>
     <p:sldId id="275" r:id="rId23"/>
+    <p:sldId id="276" r:id="rId24"/>
+    <p:sldId id="277" r:id="rId25"/>
+    <p:sldId id="278" r:id="rId26"/>
   </p:sldIdLst>
   <p:sldSz cx="12192000" cy="6858000"/>
   <p:notesSz cx="6858000" cy="9144000"/>
@@ -153,7 +156,7 @@
       </p:grpSpPr>
       <p:sp>
         <p:nvSpPr>
-          <p:cNvPr id="1531082925" name="Header Placeholder 1"/>
+          <p:cNvPr id="1131103234" name="Header Placeholder 1"/>
           <p:cNvSpPr>
             <a:spLocks noGrp="1"/>
           </p:cNvSpPr>
@@ -187,7 +190,7 @@
       </p:sp>
       <p:sp>
         <p:nvSpPr>
-          <p:cNvPr id="63671201" name="Date Placeholder 2"/>
+          <p:cNvPr id="233064820" name="Date Placeholder 2"/>
           <p:cNvSpPr>
             <a:spLocks noGrp="1"/>
           </p:cNvSpPr>
@@ -225,7 +228,7 @@
       </p:sp>
       <p:sp>
         <p:nvSpPr>
-          <p:cNvPr id="458690095" name="Slide Image Placeholder 3"/>
+          <p:cNvPr id="1759318155" name="Slide Image Placeholder 3"/>
           <p:cNvSpPr>
             <a:spLocks noChangeAspect="1" noGrp="1" noRot="1"/>
           </p:cNvSpPr>
@@ -261,7 +264,7 @@
       </p:sp>
       <p:sp>
         <p:nvSpPr>
-          <p:cNvPr id="2063304992" name="Notes Placeholder 4"/>
+          <p:cNvPr id="1042278791" name="Notes Placeholder 4"/>
           <p:cNvSpPr>
             <a:spLocks noGrp="1"/>
           </p:cNvSpPr>
@@ -335,7 +338,7 @@
       </p:sp>
       <p:sp>
         <p:nvSpPr>
-          <p:cNvPr id="1753018489" name="Footer Placeholder 5"/>
+          <p:cNvPr id="568926718" name="Footer Placeholder 5"/>
           <p:cNvSpPr>
             <a:spLocks noGrp="1"/>
           </p:cNvSpPr>
@@ -369,7 +372,7 @@
       </p:sp>
       <p:sp>
         <p:nvSpPr>
-          <p:cNvPr id="730772861" name="Slide Number Placeholder 6"/>
+          <p:cNvPr id="1996031224" name="Slide Number Placeholder 6"/>
           <p:cNvSpPr>
             <a:spLocks noGrp="1"/>
           </p:cNvSpPr>
@@ -522,7 +525,7 @@
       </p:grpSpPr>
       <p:sp>
         <p:nvSpPr>
-          <p:cNvPr id="1352885282" name="Slide Image Placeholder 1"/>
+          <p:cNvPr id="481205809" name="Slide Image Placeholder 1"/>
           <p:cNvSpPr>
             <a:spLocks noChangeAspect="1" noGrp="1" noRot="1"/>
           </p:cNvSpPr>
@@ -539,7 +542,7 @@
       </p:sp>
       <p:sp>
         <p:nvSpPr>
-          <p:cNvPr id="837829888" name="Notes Placeholder 2"/>
+          <p:cNvPr id="1164945793" name="Notes Placeholder 2"/>
           <p:cNvSpPr>
             <a:spLocks noGrp="1"/>
           </p:cNvSpPr>
@@ -564,7 +567,7 @@
       </p:sp>
       <p:sp>
         <p:nvSpPr>
-          <p:cNvPr id="219353513" name="Slide Number Placeholder 3"/>
+          <p:cNvPr id="1577359647" name="Slide Number Placeholder 3"/>
           <p:cNvSpPr>
             <a:spLocks noGrp="1"/>
           </p:cNvSpPr>
@@ -1616,6 +1619,261 @@
 </p:notes>
 </file>
 
+<file path=ppt/notesSlides/notesSlide21.xml><?xml version="1.0" encoding="utf-8"?>
+<p:notes xmlns:a="http://schemas.openxmlformats.org/drawingml/2006/main" xmlns:r="http://schemas.openxmlformats.org/officeDocument/2006/relationships" xmlns:p="http://schemas.openxmlformats.org/presentationml/2006/main" xmlns:m="http://schemas.openxmlformats.org/officeDocument/2006/math" xmlns:w="http://schemas.openxmlformats.org/wordprocessingml/2006/main">
+  <p:cSld name="">
+    <p:spTree>
+      <p:nvGrpSpPr>
+        <p:cNvPr id="1" name=""/>
+        <p:cNvGrpSpPr/>
+        <p:nvPr/>
+      </p:nvGrpSpPr>
+      <p:grpSpPr bwMode="auto">
+        <a:xfrm>
+          <a:off x="0" y="0"/>
+          <a:ext cx="0" cy="0"/>
+          <a:chOff x="0" y="0"/>
+          <a:chExt cx="0" cy="0"/>
+        </a:xfrm>
+      </p:grpSpPr>
+      <p:sp>
+        <p:nvSpPr>
+          <p:cNvPr id="2" name="Slide Image Placeholder 1"/>
+          <p:cNvSpPr>
+            <a:spLocks noChangeAspect="1" noGrp="1" noRot="1"/>
+          </p:cNvSpPr>
+          <p:nvPr>
+            <p:ph type="sldImg"/>
+          </p:nvPr>
+        </p:nvSpPr>
+        <p:spPr bwMode="auto"/>
+      </p:sp>
+      <p:sp>
+        <p:nvSpPr>
+          <p:cNvPr id="3" name="Notes Placeholder 2"/>
+          <p:cNvSpPr>
+            <a:spLocks noGrp="1"/>
+          </p:cNvSpPr>
+          <p:nvPr>
+            <p:ph type="body" idx="1"/>
+          </p:nvPr>
+        </p:nvSpPr>
+        <p:spPr bwMode="auto"/>
+        <p:txBody>
+          <a:bodyPr/>
+          <a:lstStyle/>
+          <a:p>
+            <a:pPr>
+              <a:defRPr/>
+            </a:pPr>
+            <a:endParaRPr/>
+          </a:p>
+        </p:txBody>
+      </p:sp>
+      <p:sp>
+        <p:nvSpPr>
+          <p:cNvPr id="4" name="Slide Number Placeholder 3"/>
+          <p:cNvSpPr>
+            <a:spLocks noGrp="1"/>
+          </p:cNvSpPr>
+          <p:nvPr>
+            <p:ph type="sldNum" sz="quarter" idx="10"/>
+          </p:nvPr>
+        </p:nvSpPr>
+        <p:spPr bwMode="auto"/>
+        <p:txBody>
+          <a:bodyPr/>
+          <a:lstStyle/>
+          <a:p>
+            <a:pPr>
+              <a:defRPr/>
+            </a:pPr>
+            <a:fld id="{CFEE39F2-9A1C-644C-D341-67BEBDF7B7B7}" type="slidenum">
+              <a:rPr/>
+              <a:t/>
+            </a:fld>
+            <a:endParaRPr/>
+          </a:p>
+        </p:txBody>
+      </p:sp>
+    </p:spTree>
+  </p:cSld>
+  <p:clrMapOvr>
+    <a:masterClrMapping/>
+  </p:clrMapOvr>
+</p:notes>
+</file>
+
+<file path=ppt/notesSlides/notesSlide22.xml><?xml version="1.0" encoding="utf-8"?>
+<p:notes xmlns:a="http://schemas.openxmlformats.org/drawingml/2006/main" xmlns:r="http://schemas.openxmlformats.org/officeDocument/2006/relationships" xmlns:p="http://schemas.openxmlformats.org/presentationml/2006/main" xmlns:m="http://schemas.openxmlformats.org/officeDocument/2006/math" xmlns:w="http://schemas.openxmlformats.org/wordprocessingml/2006/main">
+  <p:cSld name="">
+    <p:spTree>
+      <p:nvGrpSpPr>
+        <p:cNvPr id="1" name=""/>
+        <p:cNvGrpSpPr/>
+        <p:nvPr/>
+      </p:nvGrpSpPr>
+      <p:grpSpPr bwMode="auto">
+        <a:xfrm>
+          <a:off x="0" y="0"/>
+          <a:ext cx="0" cy="0"/>
+          <a:chOff x="0" y="0"/>
+          <a:chExt cx="0" cy="0"/>
+        </a:xfrm>
+      </p:grpSpPr>
+      <p:sp>
+        <p:nvSpPr>
+          <p:cNvPr id="2" name="Slide Image Placeholder 1"/>
+          <p:cNvSpPr>
+            <a:spLocks noChangeAspect="1" noGrp="1" noRot="1"/>
+          </p:cNvSpPr>
+          <p:nvPr>
+            <p:ph type="sldImg"/>
+          </p:nvPr>
+        </p:nvSpPr>
+        <p:spPr bwMode="auto"/>
+      </p:sp>
+      <p:sp>
+        <p:nvSpPr>
+          <p:cNvPr id="3" name="Notes Placeholder 2"/>
+          <p:cNvSpPr>
+            <a:spLocks noGrp="1"/>
+          </p:cNvSpPr>
+          <p:nvPr>
+            <p:ph type="body" idx="1"/>
+          </p:nvPr>
+        </p:nvSpPr>
+        <p:spPr bwMode="auto"/>
+        <p:txBody>
+          <a:bodyPr/>
+          <a:lstStyle/>
+          <a:p>
+            <a:pPr>
+              <a:defRPr/>
+            </a:pPr>
+            <a:endParaRPr/>
+          </a:p>
+        </p:txBody>
+      </p:sp>
+      <p:sp>
+        <p:nvSpPr>
+          <p:cNvPr id="4" name="Slide Number Placeholder 3"/>
+          <p:cNvSpPr>
+            <a:spLocks noGrp="1"/>
+          </p:cNvSpPr>
+          <p:nvPr>
+            <p:ph type="sldNum" sz="quarter" idx="10"/>
+          </p:nvPr>
+        </p:nvSpPr>
+        <p:spPr bwMode="auto"/>
+        <p:txBody>
+          <a:bodyPr/>
+          <a:lstStyle/>
+          <a:p>
+            <a:pPr>
+              <a:defRPr/>
+            </a:pPr>
+            <a:fld id="{C6CE657A-F133-211A-F899-1EFC1C03EB7D}" type="slidenum">
+              <a:rPr/>
+              <a:t/>
+            </a:fld>
+            <a:endParaRPr/>
+          </a:p>
+        </p:txBody>
+      </p:sp>
+    </p:spTree>
+  </p:cSld>
+  <p:clrMapOvr>
+    <a:masterClrMapping/>
+  </p:clrMapOvr>
+</p:notes>
+</file>
+
+<file path=ppt/notesSlides/notesSlide23.xml><?xml version="1.0" encoding="utf-8"?>
+<p:notes xmlns:a="http://schemas.openxmlformats.org/drawingml/2006/main" xmlns:r="http://schemas.openxmlformats.org/officeDocument/2006/relationships" xmlns:p="http://schemas.openxmlformats.org/presentationml/2006/main" xmlns:m="http://schemas.openxmlformats.org/officeDocument/2006/math" xmlns:w="http://schemas.openxmlformats.org/wordprocessingml/2006/main">
+  <p:cSld name="">
+    <p:spTree>
+      <p:nvGrpSpPr>
+        <p:cNvPr id="1" name=""/>
+        <p:cNvGrpSpPr/>
+        <p:nvPr/>
+      </p:nvGrpSpPr>
+      <p:grpSpPr bwMode="auto">
+        <a:xfrm>
+          <a:off x="0" y="0"/>
+          <a:ext cx="0" cy="0"/>
+          <a:chOff x="0" y="0"/>
+          <a:chExt cx="0" cy="0"/>
+        </a:xfrm>
+      </p:grpSpPr>
+      <p:sp>
+        <p:nvSpPr>
+          <p:cNvPr id="2" name="Slide Image Placeholder 1"/>
+          <p:cNvSpPr>
+            <a:spLocks noChangeAspect="1" noGrp="1" noRot="1"/>
+          </p:cNvSpPr>
+          <p:nvPr>
+            <p:ph type="sldImg"/>
+          </p:nvPr>
+        </p:nvSpPr>
+        <p:spPr bwMode="auto"/>
+      </p:sp>
+      <p:sp>
+        <p:nvSpPr>
+          <p:cNvPr id="3" name="Notes Placeholder 2"/>
+          <p:cNvSpPr>
+            <a:spLocks noGrp="1"/>
+          </p:cNvSpPr>
+          <p:nvPr>
+            <p:ph type="body" idx="1"/>
+          </p:nvPr>
+        </p:nvSpPr>
+        <p:spPr bwMode="auto"/>
+        <p:txBody>
+          <a:bodyPr/>
+          <a:lstStyle/>
+          <a:p>
+            <a:pPr>
+              <a:defRPr/>
+            </a:pPr>
+            <a:endParaRPr/>
+          </a:p>
+        </p:txBody>
+      </p:sp>
+      <p:sp>
+        <p:nvSpPr>
+          <p:cNvPr id="4" name="Slide Number Placeholder 3"/>
+          <p:cNvSpPr>
+            <a:spLocks noGrp="1"/>
+          </p:cNvSpPr>
+          <p:nvPr>
+            <p:ph type="sldNum" sz="quarter" idx="10"/>
+          </p:nvPr>
+        </p:nvSpPr>
+        <p:spPr bwMode="auto"/>
+        <p:txBody>
+          <a:bodyPr/>
+          <a:lstStyle/>
+          <a:p>
+            <a:pPr>
+              <a:defRPr/>
+            </a:pPr>
+            <a:fld id="{4FB6836F-3E40-DC37-8EA7-EEEF8DAF3824}" type="slidenum">
+              <a:rPr/>
+              <a:t/>
+            </a:fld>
+            <a:endParaRPr/>
+          </a:p>
+        </p:txBody>
+      </p:sp>
+    </p:spTree>
+  </p:cSld>
+  <p:clrMapOvr>
+    <a:masterClrMapping/>
+  </p:clrMapOvr>
+</p:notes>
+</file>
+
 <file path=ppt/notesSlides/notesSlide3.xml><?xml version="1.0" encoding="utf-8"?>
 <p:notes xmlns:a="http://schemas.openxmlformats.org/drawingml/2006/main" xmlns:r="http://schemas.openxmlformats.org/officeDocument/2006/relationships" xmlns:p="http://schemas.openxmlformats.org/presentationml/2006/main" xmlns:m="http://schemas.openxmlformats.org/officeDocument/2006/math" xmlns:w="http://schemas.openxmlformats.org/wordprocessingml/2006/main">
   <p:cSld name="">
@@ -2230,7 +2488,7 @@
       </p:grpSpPr>
       <p:sp>
         <p:nvSpPr>
-          <p:cNvPr id="1713893488" name="Title 1"/>
+          <p:cNvPr id="1035521280" name="Title 1"/>
           <p:cNvSpPr>
             <a:spLocks noGrp="1"/>
           </p:cNvSpPr>
@@ -2265,7 +2523,7 @@
       </p:sp>
       <p:sp>
         <p:nvSpPr>
-          <p:cNvPr id="862003350" name="Subtitle 2"/>
+          <p:cNvPr id="103497472" name="Subtitle 2"/>
           <p:cNvSpPr>
             <a:spLocks noGrp="1"/>
           </p:cNvSpPr>
@@ -2333,7 +2591,7 @@
       </p:sp>
       <p:sp>
         <p:nvSpPr>
-          <p:cNvPr id="25343387" name="Date Placeholder 3"/>
+          <p:cNvPr id="1392526429" name="Date Placeholder 3"/>
           <p:cNvSpPr>
             <a:spLocks noGrp="1"/>
           </p:cNvSpPr>
@@ -2359,7 +2617,7 @@
       </p:sp>
       <p:sp>
         <p:nvSpPr>
-          <p:cNvPr id="1599381589" name="Footer Placeholder 4"/>
+          <p:cNvPr id="1144165237" name="Footer Placeholder 4"/>
           <p:cNvSpPr>
             <a:spLocks noGrp="1"/>
           </p:cNvSpPr>
@@ -2381,7 +2639,7 @@
       </p:sp>
       <p:sp>
         <p:nvSpPr>
-          <p:cNvPr id="893080208" name="Slide Number Placeholder 5"/>
+          <p:cNvPr id="1679606334" name="Slide Number Placeholder 5"/>
           <p:cNvSpPr>
             <a:spLocks noGrp="1"/>
           </p:cNvSpPr>
@@ -2432,7 +2690,7 @@
       </p:grpSpPr>
       <p:sp>
         <p:nvSpPr>
-          <p:cNvPr id="1942448217" name="Title 1"/>
+          <p:cNvPr id="1487460846" name="Title 1"/>
           <p:cNvSpPr>
             <a:spLocks noGrp="1"/>
           </p:cNvSpPr>
@@ -2458,7 +2716,7 @@
       </p:sp>
       <p:sp>
         <p:nvSpPr>
-          <p:cNvPr id="1428322519" name="Vertical Text Placeholder 2"/>
+          <p:cNvPr id="896897131" name="Vertical Text Placeholder 2"/>
           <p:cNvSpPr>
             <a:spLocks noGrp="1"/>
           </p:cNvSpPr>
@@ -2524,7 +2782,7 @@
       </p:sp>
       <p:sp>
         <p:nvSpPr>
-          <p:cNvPr id="661396715" name="Date Placeholder 3"/>
+          <p:cNvPr id="429828186" name="Date Placeholder 3"/>
           <p:cNvSpPr>
             <a:spLocks noGrp="1"/>
           </p:cNvSpPr>
@@ -2550,7 +2808,7 @@
       </p:sp>
       <p:sp>
         <p:nvSpPr>
-          <p:cNvPr id="934928683" name="Footer Placeholder 4"/>
+          <p:cNvPr id="1518260976" name="Footer Placeholder 4"/>
           <p:cNvSpPr>
             <a:spLocks noGrp="1"/>
           </p:cNvSpPr>
@@ -2572,7 +2830,7 @@
       </p:sp>
       <p:sp>
         <p:nvSpPr>
-          <p:cNvPr id="1543056513" name="Slide Number Placeholder 5"/>
+          <p:cNvPr id="53747057" name="Slide Number Placeholder 5"/>
           <p:cNvSpPr>
             <a:spLocks noGrp="1"/>
           </p:cNvSpPr>
@@ -2623,7 +2881,7 @@
       </p:grpSpPr>
       <p:sp>
         <p:nvSpPr>
-          <p:cNvPr id="1328374361" name="Vertical Title 1"/>
+          <p:cNvPr id="608188460" name="Vertical Title 1"/>
           <p:cNvSpPr>
             <a:spLocks noGrp="1"/>
           </p:cNvSpPr>
@@ -2654,7 +2912,7 @@
       </p:sp>
       <p:sp>
         <p:nvSpPr>
-          <p:cNvPr id="1795077647" name="Vertical Text Placeholder 2"/>
+          <p:cNvPr id="1838669612" name="Vertical Text Placeholder 2"/>
           <p:cNvSpPr>
             <a:spLocks noGrp="1"/>
           </p:cNvSpPr>
@@ -2725,7 +2983,7 @@
       </p:sp>
       <p:sp>
         <p:nvSpPr>
-          <p:cNvPr id="789783303" name="Date Placeholder 3"/>
+          <p:cNvPr id="1011028183" name="Date Placeholder 3"/>
           <p:cNvSpPr>
             <a:spLocks noGrp="1"/>
           </p:cNvSpPr>
@@ -2751,7 +3009,7 @@
       </p:sp>
       <p:sp>
         <p:nvSpPr>
-          <p:cNvPr id="634583110" name="Footer Placeholder 4"/>
+          <p:cNvPr id="414077866" name="Footer Placeholder 4"/>
           <p:cNvSpPr>
             <a:spLocks noGrp="1"/>
           </p:cNvSpPr>
@@ -2773,7 +3031,7 @@
       </p:sp>
       <p:sp>
         <p:nvSpPr>
-          <p:cNvPr id="1161140927" name="Slide Number Placeholder 5"/>
+          <p:cNvPr id="1084004592" name="Slide Number Placeholder 5"/>
           <p:cNvSpPr>
             <a:spLocks noGrp="1"/>
           </p:cNvSpPr>
@@ -2824,7 +3082,7 @@
       </p:grpSpPr>
       <p:sp>
         <p:nvSpPr>
-          <p:cNvPr id="861534449" name="Title 1"/>
+          <p:cNvPr id="866424280" name="Title 1"/>
           <p:cNvSpPr>
             <a:spLocks noGrp="1"/>
           </p:cNvSpPr>
@@ -2850,7 +3108,7 @@
       </p:sp>
       <p:sp>
         <p:nvSpPr>
-          <p:cNvPr id="1392468586" name="Content Placeholder 2"/>
+          <p:cNvPr id="290840481" name="Content Placeholder 2"/>
           <p:cNvSpPr>
             <a:spLocks noGrp="1"/>
           </p:cNvSpPr>
@@ -2916,7 +3174,7 @@
       </p:sp>
       <p:sp>
         <p:nvSpPr>
-          <p:cNvPr id="1664650100" name="Date Placeholder 3"/>
+          <p:cNvPr id="339599657" name="Date Placeholder 3"/>
           <p:cNvSpPr>
             <a:spLocks noGrp="1"/>
           </p:cNvSpPr>
@@ -2942,7 +3200,7 @@
       </p:sp>
       <p:sp>
         <p:nvSpPr>
-          <p:cNvPr id="995142357" name="Footer Placeholder 4"/>
+          <p:cNvPr id="252669737" name="Footer Placeholder 4"/>
           <p:cNvSpPr>
             <a:spLocks noGrp="1"/>
           </p:cNvSpPr>
@@ -2964,7 +3222,7 @@
       </p:sp>
       <p:sp>
         <p:nvSpPr>
-          <p:cNvPr id="349366139" name="Slide Number Placeholder 5"/>
+          <p:cNvPr id="1431139899" name="Slide Number Placeholder 5"/>
           <p:cNvSpPr>
             <a:spLocks noGrp="1"/>
           </p:cNvSpPr>
@@ -3015,7 +3273,7 @@
       </p:grpSpPr>
       <p:sp>
         <p:nvSpPr>
-          <p:cNvPr id="1416407987" name="Title 1"/>
+          <p:cNvPr id="1178970445" name="Title 1"/>
           <p:cNvSpPr>
             <a:spLocks noGrp="1"/>
           </p:cNvSpPr>
@@ -3050,7 +3308,7 @@
       </p:sp>
       <p:sp>
         <p:nvSpPr>
-          <p:cNvPr id="1101687867" name="Text Placeholder 2"/>
+          <p:cNvPr id="760506764" name="Text Placeholder 2"/>
           <p:cNvSpPr>
             <a:spLocks noGrp="1"/>
           </p:cNvSpPr>
@@ -3172,7 +3430,7 @@
       </p:sp>
       <p:sp>
         <p:nvSpPr>
-          <p:cNvPr id="1758944897" name="Date Placeholder 3"/>
+          <p:cNvPr id="333788419" name="Date Placeholder 3"/>
           <p:cNvSpPr>
             <a:spLocks noGrp="1"/>
           </p:cNvSpPr>
@@ -3198,7 +3456,7 @@
       </p:sp>
       <p:sp>
         <p:nvSpPr>
-          <p:cNvPr id="1642528097" name="Footer Placeholder 4"/>
+          <p:cNvPr id="456106470" name="Footer Placeholder 4"/>
           <p:cNvSpPr>
             <a:spLocks noGrp="1"/>
           </p:cNvSpPr>
@@ -3220,7 +3478,7 @@
       </p:sp>
       <p:sp>
         <p:nvSpPr>
-          <p:cNvPr id="2054267993" name="Slide Number Placeholder 5"/>
+          <p:cNvPr id="1395076405" name="Slide Number Placeholder 5"/>
           <p:cNvSpPr>
             <a:spLocks noGrp="1"/>
           </p:cNvSpPr>
@@ -3271,7 +3529,7 @@
       </p:grpSpPr>
       <p:sp>
         <p:nvSpPr>
-          <p:cNvPr id="1824426458" name="Title 1"/>
+          <p:cNvPr id="1488899726" name="Title 1"/>
           <p:cNvSpPr>
             <a:spLocks noGrp="1"/>
           </p:cNvSpPr>
@@ -3297,7 +3555,7 @@
       </p:sp>
       <p:sp>
         <p:nvSpPr>
-          <p:cNvPr id="1063836037" name="Content Placeholder 2"/>
+          <p:cNvPr id="1708106127" name="Content Placeholder 2"/>
           <p:cNvSpPr>
             <a:spLocks noGrp="1"/>
           </p:cNvSpPr>
@@ -3368,7 +3626,7 @@
       </p:sp>
       <p:sp>
         <p:nvSpPr>
-          <p:cNvPr id="631109025" name="Content Placeholder 3"/>
+          <p:cNvPr id="1515544875" name="Content Placeholder 3"/>
           <p:cNvSpPr>
             <a:spLocks noGrp="1"/>
           </p:cNvSpPr>
@@ -3439,7 +3697,7 @@
       </p:sp>
       <p:sp>
         <p:nvSpPr>
-          <p:cNvPr id="718264676" name="Date Placeholder 4"/>
+          <p:cNvPr id="753898315" name="Date Placeholder 4"/>
           <p:cNvSpPr>
             <a:spLocks noGrp="1"/>
           </p:cNvSpPr>
@@ -3465,7 +3723,7 @@
       </p:sp>
       <p:sp>
         <p:nvSpPr>
-          <p:cNvPr id="174589683" name="Footer Placeholder 5"/>
+          <p:cNvPr id="726201233" name="Footer Placeholder 5"/>
           <p:cNvSpPr>
             <a:spLocks noGrp="1"/>
           </p:cNvSpPr>
@@ -3487,7 +3745,7 @@
       </p:sp>
       <p:sp>
         <p:nvSpPr>
-          <p:cNvPr id="1705810684" name="Slide Number Placeholder 6"/>
+          <p:cNvPr id="264490419" name="Slide Number Placeholder 6"/>
           <p:cNvSpPr>
             <a:spLocks noGrp="1"/>
           </p:cNvSpPr>
@@ -3538,7 +3796,7 @@
       </p:grpSpPr>
       <p:sp>
         <p:nvSpPr>
-          <p:cNvPr id="113510468" name="Title 1"/>
+          <p:cNvPr id="566231685" name="Title 1"/>
           <p:cNvSpPr>
             <a:spLocks noGrp="1"/>
           </p:cNvSpPr>
@@ -3569,7 +3827,7 @@
       </p:sp>
       <p:sp>
         <p:nvSpPr>
-          <p:cNvPr id="685506205" name="Text Placeholder 2"/>
+          <p:cNvPr id="210203279" name="Text Placeholder 2"/>
           <p:cNvSpPr>
             <a:spLocks noGrp="1"/>
           </p:cNvSpPr>
@@ -3637,7 +3895,7 @@
       </p:sp>
       <p:sp>
         <p:nvSpPr>
-          <p:cNvPr id="431538634" name="Content Placeholder 3"/>
+          <p:cNvPr id="572969562" name="Content Placeholder 3"/>
           <p:cNvSpPr>
             <a:spLocks noGrp="1"/>
           </p:cNvSpPr>
@@ -3708,7 +3966,7 @@
       </p:sp>
       <p:sp>
         <p:nvSpPr>
-          <p:cNvPr id="1956452181" name="Text Placeholder 4"/>
+          <p:cNvPr id="280853213" name="Text Placeholder 4"/>
           <p:cNvSpPr>
             <a:spLocks noGrp="1"/>
           </p:cNvSpPr>
@@ -3776,7 +4034,7 @@
       </p:sp>
       <p:sp>
         <p:nvSpPr>
-          <p:cNvPr id="17467106" name="Content Placeholder 5"/>
+          <p:cNvPr id="459031430" name="Content Placeholder 5"/>
           <p:cNvSpPr>
             <a:spLocks noGrp="1"/>
           </p:cNvSpPr>
@@ -3847,7 +4105,7 @@
       </p:sp>
       <p:sp>
         <p:nvSpPr>
-          <p:cNvPr id="238729592" name="Date Placeholder 6"/>
+          <p:cNvPr id="2062670341" name="Date Placeholder 6"/>
           <p:cNvSpPr>
             <a:spLocks noGrp="1"/>
           </p:cNvSpPr>
@@ -3873,7 +4131,7 @@
       </p:sp>
       <p:sp>
         <p:nvSpPr>
-          <p:cNvPr id="1941692307" name="Footer Placeholder 7"/>
+          <p:cNvPr id="101475083" name="Footer Placeholder 7"/>
           <p:cNvSpPr>
             <a:spLocks noGrp="1"/>
           </p:cNvSpPr>
@@ -3895,7 +4153,7 @@
       </p:sp>
       <p:sp>
         <p:nvSpPr>
-          <p:cNvPr id="1817800732" name="Slide Number Placeholder 8"/>
+          <p:cNvPr id="2321702" name="Slide Number Placeholder 8"/>
           <p:cNvSpPr>
             <a:spLocks noGrp="1"/>
           </p:cNvSpPr>
@@ -3946,7 +4204,7 @@
       </p:grpSpPr>
       <p:sp>
         <p:nvSpPr>
-          <p:cNvPr id="1368161716" name="Title 1"/>
+          <p:cNvPr id="1074750941" name="Title 1"/>
           <p:cNvSpPr>
             <a:spLocks noGrp="1"/>
           </p:cNvSpPr>
@@ -3972,7 +4230,7 @@
       </p:sp>
       <p:sp>
         <p:nvSpPr>
-          <p:cNvPr id="1185172387" name="Date Placeholder 2"/>
+          <p:cNvPr id="1174512910" name="Date Placeholder 2"/>
           <p:cNvSpPr>
             <a:spLocks noGrp="1"/>
           </p:cNvSpPr>
@@ -3998,7 +4256,7 @@
       </p:sp>
       <p:sp>
         <p:nvSpPr>
-          <p:cNvPr id="1522239270" name="Footer Placeholder 3"/>
+          <p:cNvPr id="377902354" name="Footer Placeholder 3"/>
           <p:cNvSpPr>
             <a:spLocks noGrp="1"/>
           </p:cNvSpPr>
@@ -4020,7 +4278,7 @@
       </p:sp>
       <p:sp>
         <p:nvSpPr>
-          <p:cNvPr id="204398188" name="Slide Number Placeholder 4"/>
+          <p:cNvPr id="1742018775" name="Slide Number Placeholder 4"/>
           <p:cNvSpPr>
             <a:spLocks noGrp="1"/>
           </p:cNvSpPr>
@@ -4071,7 +4329,7 @@
       </p:grpSpPr>
       <p:sp>
         <p:nvSpPr>
-          <p:cNvPr id="2004242902" name="Date Placeholder 1"/>
+          <p:cNvPr id="507090464" name="Date Placeholder 1"/>
           <p:cNvSpPr>
             <a:spLocks noGrp="1"/>
           </p:cNvSpPr>
@@ -4097,7 +4355,7 @@
       </p:sp>
       <p:sp>
         <p:nvSpPr>
-          <p:cNvPr id="786422493" name="Footer Placeholder 2"/>
+          <p:cNvPr id="913214258" name="Footer Placeholder 2"/>
           <p:cNvSpPr>
             <a:spLocks noGrp="1"/>
           </p:cNvSpPr>
@@ -4119,7 +4377,7 @@
       </p:sp>
       <p:sp>
         <p:nvSpPr>
-          <p:cNvPr id="169960290" name="Slide Number Placeholder 3"/>
+          <p:cNvPr id="1096739101" name="Slide Number Placeholder 3"/>
           <p:cNvSpPr>
             <a:spLocks noGrp="1"/>
           </p:cNvSpPr>
@@ -4170,7 +4428,7 @@
       </p:grpSpPr>
       <p:sp>
         <p:nvSpPr>
-          <p:cNvPr id="1719136735" name="Title 1"/>
+          <p:cNvPr id="67788425" name="Title 1"/>
           <p:cNvSpPr>
             <a:spLocks noGrp="1"/>
           </p:cNvSpPr>
@@ -4205,7 +4463,7 @@
       </p:sp>
       <p:sp>
         <p:nvSpPr>
-          <p:cNvPr id="179899670" name="Content Placeholder 2"/>
+          <p:cNvPr id="1467671246" name="Content Placeholder 2"/>
           <p:cNvSpPr>
             <a:spLocks noGrp="1"/>
           </p:cNvSpPr>
@@ -4304,7 +4562,7 @@
       </p:sp>
       <p:sp>
         <p:nvSpPr>
-          <p:cNvPr id="105745055" name="Text Placeholder 3"/>
+          <p:cNvPr id="233553110" name="Text Placeholder 3"/>
           <p:cNvSpPr>
             <a:spLocks noGrp="1"/>
           </p:cNvSpPr>
@@ -4372,7 +4630,7 @@
       </p:sp>
       <p:sp>
         <p:nvSpPr>
-          <p:cNvPr id="1079611017" name="Date Placeholder 4"/>
+          <p:cNvPr id="1501138980" name="Date Placeholder 4"/>
           <p:cNvSpPr>
             <a:spLocks noGrp="1"/>
           </p:cNvSpPr>
@@ -4398,7 +4656,7 @@
       </p:sp>
       <p:sp>
         <p:nvSpPr>
-          <p:cNvPr id="723568105" name="Footer Placeholder 5"/>
+          <p:cNvPr id="908071346" name="Footer Placeholder 5"/>
           <p:cNvSpPr>
             <a:spLocks noGrp="1"/>
           </p:cNvSpPr>
@@ -4420,7 +4678,7 @@
       </p:sp>
       <p:sp>
         <p:nvSpPr>
-          <p:cNvPr id="97672923" name="Slide Number Placeholder 6"/>
+          <p:cNvPr id="1917998609" name="Slide Number Placeholder 6"/>
           <p:cNvSpPr>
             <a:spLocks noGrp="1"/>
           </p:cNvSpPr>
@@ -4471,7 +4729,7 @@
       </p:grpSpPr>
       <p:sp>
         <p:nvSpPr>
-          <p:cNvPr id="151820937" name="Title 1"/>
+          <p:cNvPr id="1072078145" name="Title 1"/>
           <p:cNvSpPr>
             <a:spLocks noGrp="1"/>
           </p:cNvSpPr>
@@ -4506,7 +4764,7 @@
       </p:sp>
       <p:sp>
         <p:nvSpPr>
-          <p:cNvPr id="1286952142" name="Picture Placeholder 2"/>
+          <p:cNvPr id="2105897219" name="Picture Placeholder 2"/>
           <p:cNvSpPr>
             <a:spLocks noChangeAspect="1" noGrp="1"/>
           </p:cNvSpPr>
@@ -4574,7 +4832,7 @@
       </p:sp>
       <p:sp>
         <p:nvSpPr>
-          <p:cNvPr id="273897399" name="Text Placeholder 3"/>
+          <p:cNvPr id="1823960986" name="Text Placeholder 3"/>
           <p:cNvSpPr>
             <a:spLocks noGrp="1"/>
           </p:cNvSpPr>
@@ -4642,7 +4900,7 @@
       </p:sp>
       <p:sp>
         <p:nvSpPr>
-          <p:cNvPr id="1955991357" name="Date Placeholder 4"/>
+          <p:cNvPr id="336811430" name="Date Placeholder 4"/>
           <p:cNvSpPr>
             <a:spLocks noGrp="1"/>
           </p:cNvSpPr>
@@ -4668,7 +4926,7 @@
       </p:sp>
       <p:sp>
         <p:nvSpPr>
-          <p:cNvPr id="354199897" name="Footer Placeholder 5"/>
+          <p:cNvPr id="1995032398" name="Footer Placeholder 5"/>
           <p:cNvSpPr>
             <a:spLocks noGrp="1"/>
           </p:cNvSpPr>
@@ -4690,7 +4948,7 @@
       </p:sp>
       <p:sp>
         <p:nvSpPr>
-          <p:cNvPr id="1255026199" name="Slide Number Placeholder 6"/>
+          <p:cNvPr id="2042585383" name="Slide Number Placeholder 6"/>
           <p:cNvSpPr>
             <a:spLocks noGrp="1"/>
           </p:cNvSpPr>
@@ -4746,7 +5004,7 @@
       </p:grpSpPr>
       <p:sp>
         <p:nvSpPr>
-          <p:cNvPr id="110323823" name="Title Placeholder 1"/>
+          <p:cNvPr id="436943176" name="Title Placeholder 1"/>
           <p:cNvSpPr>
             <a:spLocks noGrp="1"/>
           </p:cNvSpPr>
@@ -4782,7 +5040,7 @@
       </p:sp>
       <p:sp>
         <p:nvSpPr>
-          <p:cNvPr id="1900719426" name="Text Placeholder 2"/>
+          <p:cNvPr id="526583681" name="Text Placeholder 2"/>
           <p:cNvSpPr>
             <a:spLocks noGrp="1"/>
           </p:cNvSpPr>
@@ -4858,7 +5116,7 @@
       </p:sp>
       <p:sp>
         <p:nvSpPr>
-          <p:cNvPr id="2121039508" name="Date Placeholder 3"/>
+          <p:cNvPr id="450556264" name="Date Placeholder 3"/>
           <p:cNvSpPr>
             <a:spLocks noGrp="1"/>
           </p:cNvSpPr>
@@ -4902,7 +5160,7 @@
       </p:sp>
       <p:sp>
         <p:nvSpPr>
-          <p:cNvPr id="1501123606" name="Footer Placeholder 4"/>
+          <p:cNvPr id="375111201" name="Footer Placeholder 4"/>
           <p:cNvSpPr>
             <a:spLocks noGrp="1"/>
           </p:cNvSpPr>
@@ -4942,7 +5200,7 @@
       </p:sp>
       <p:sp>
         <p:nvSpPr>
-          <p:cNvPr id="799128661" name="Slide Number Placeholder 5"/>
+          <p:cNvPr id="1624200646" name="Slide Number Placeholder 5"/>
           <p:cNvSpPr>
             <a:spLocks noGrp="1"/>
           </p:cNvSpPr>
@@ -5302,7 +5560,7 @@
       </p:grpSpPr>
       <p:sp>
         <p:nvSpPr>
-          <p:cNvPr id="1035695642" name="Title 1"/>
+          <p:cNvPr id="1817838586" name="Title 1"/>
           <p:cNvSpPr>
             <a:spLocks noGrp="1"/>
           </p:cNvSpPr>
@@ -5328,7 +5586,7 @@
       </p:sp>
       <p:sp>
         <p:nvSpPr>
-          <p:cNvPr id="1185863693" name="Subtitle 2"/>
+          <p:cNvPr id="1517767713" name="Subtitle 2"/>
           <p:cNvSpPr>
             <a:spLocks noGrp="1"/>
           </p:cNvSpPr>
@@ -5482,15 +5740,15 @@
               <a:defRPr/>
             </a:pPr>
             <a:r>
-              <a:rPr sz="2800" b="1"/>
+              <a:rPr sz="3000" b="1" u="sng"/>
               <a:t>Q1:</a:t>
             </a:r>
             <a:r>
-              <a:rPr sz="2800"/>
+              <a:rPr sz="3000" u="sng"/>
               <a:t> </a:t>
             </a:r>
             <a:r>
-              <a:rPr lang="en-GB" sz="2800" b="0" i="0" u="none" strike="noStrike" cap="none" spc="0">
+              <a:rPr lang="en-GB" sz="3000" b="0" i="0" u="sng" strike="noStrike" cap="none" spc="0">
                 <a:solidFill>
                   <a:schemeClr val="tx1"/>
                 </a:solidFill>
@@ -5500,7 +5758,7 @@
               </a:rPr>
               <a:t>What is the chance of getting pregnant within 13 cycles?</a:t>
             </a:r>
-            <a:endParaRPr/>
+            <a:endParaRPr sz="3000" u="sng"/>
           </a:p>
         </p:txBody>
       </p:sp>
@@ -5904,21 +6162,52 @@
           <a:bodyPr/>
           <a:lstStyle/>
           <a:p>
-            <a:pPr>
-              <a:defRPr/>
-            </a:pPr>
-            <a:r>
-              <a:rPr sz="2800" b="1"/>
+            <a:pPr marL="0" marR="0" lvl="0" indent="0" algn="l" defTabSz="914400" rtl="0">
+              <a:lnSpc>
+                <a:spcPct val="90000"/>
+              </a:lnSpc>
+              <a:spcBef>
+                <a:spcPts val="0"/>
+              </a:spcBef>
+              <a:spcAft>
+                <a:spcPts val="0"/>
+              </a:spcAft>
+              <a:buNone/>
+              <a:defRPr lang="en-GB" sz="4400" b="0" i="0" u="none" strike="noStrike" cap="none" spc="0">
+                <a:solidFill>
+                  <a:srgbClr val="000000"/>
+                </a:solidFill>
+                <a:latin typeface="Arial"/>
+                <a:ea typeface="Arial"/>
+                <a:cs typeface="Arial"/>
+              </a:defRPr>
+            </a:pPr>
+            <a:r>
+              <a:rPr lang="en-GB" sz="3200" b="1" i="0" u="sng" strike="noStrike" cap="none" spc="0">
+                <a:solidFill>
+                  <a:srgbClr val="000000"/>
+                </a:solidFill>
+                <a:latin typeface="Arial"/>
+                <a:ea typeface="Arial"/>
+                <a:cs typeface="Arial"/>
+              </a:rPr>
               <a:t>Q2:</a:t>
             </a:r>
             <a:r>
-              <a:rPr sz="2800"/>
+              <a:rPr lang="en-GB" sz="3200" b="0" i="0" u="sng" strike="noStrike" cap="none" spc="0">
+                <a:solidFill>
+                  <a:srgbClr val="000000"/>
+                </a:solidFill>
+                <a:latin typeface="Arial"/>
+                <a:ea typeface="Arial"/>
+                <a:cs typeface="Arial"/>
+              </a:rPr>
               <a:t> </a:t>
             </a:r>
             <a:r>
-              <a:rPr lang="en-GB" sz="2800" b="0" i="0" u="none" strike="noStrike" cap="none" spc="0">
+              <a:rPr lang="en-GB" sz="3200" b="0" i="0" u="sng" strike="noStrike" cap="none" spc="0">
                 <a:solidFill>
-                  <a:schemeClr val="tx1"/>
+                  <a:srgbClr val="000000"/>
                 </a:solidFill>
                 <a:latin typeface="Arial"/>
                 <a:ea typeface="Arial"/>
@@ -5926,7 +6215,7 @@
               </a:rPr>
               <a:t>How long does it usually take to get pregnant?</a:t>
             </a:r>
-            <a:endParaRPr sz="3600"/>
+            <a:endParaRPr sz="3200" u="sng"/>
           </a:p>
         </p:txBody>
       </p:sp>
@@ -6216,7 +6505,7 @@
               <a:defRPr/>
             </a:pPr>
             <a:r>
-              <a:rPr lang="en-GB" sz="2800" b="1" i="0" u="none" strike="noStrike" cap="none" spc="0">
+              <a:rPr lang="en-GB" sz="3200" b="1" i="0" u="sng" strike="noStrike" cap="none" spc="0">
                 <a:solidFill>
                   <a:schemeClr val="tx1"/>
                 </a:solidFill>
@@ -6227,7 +6516,7 @@
               <a:t>Q2:</a:t>
             </a:r>
             <a:r>
-              <a:rPr lang="en-GB" sz="2800" b="0" i="0" u="none" strike="noStrike" cap="none" spc="0">
+              <a:rPr lang="en-GB" sz="3200" b="0" i="0" u="sng" strike="noStrike" cap="none" spc="0">
                 <a:solidFill>
                   <a:schemeClr val="tx1"/>
                 </a:solidFill>
@@ -6238,7 +6527,7 @@
               <a:t> </a:t>
             </a:r>
             <a:r>
-              <a:rPr lang="en-GB" sz="2800" b="0" i="0" u="none" strike="noStrike" cap="none" spc="0">
+              <a:rPr lang="en-GB" sz="3200" b="0" i="0" u="sng" strike="noStrike" cap="none" spc="0">
                 <a:solidFill>
                   <a:schemeClr val="tx1"/>
                 </a:solidFill>
@@ -6248,7 +6537,7 @@
               </a:rPr>
               <a:t>How long does it usually take to get pregnant?</a:t>
             </a:r>
-            <a:endParaRPr sz="2800"/>
+            <a:endParaRPr sz="3200" u="sng"/>
           </a:p>
         </p:txBody>
       </p:sp>
@@ -6273,10 +6562,10 @@
               <a:defRPr/>
             </a:pPr>
             <a:r>
-              <a:rPr b="1" u="sng"/>
+              <a:rPr b="1" u="none"/>
               <a:t>Additional remarks:</a:t>
             </a:r>
-            <a:endParaRPr/>
+            <a:endParaRPr u="sng"/>
           </a:p>
           <a:p>
             <a:pPr>
@@ -6400,7 +6689,7 @@
               </a:defRPr>
             </a:pPr>
             <a:r>
-              <a:rPr lang="en-GB" sz="2800" b="1" i="0" u="none" strike="noStrike" cap="none" spc="0">
+              <a:rPr lang="en-GB" sz="3100" b="1" i="0" u="sng" strike="noStrike" cap="none" spc="0">
                 <a:solidFill>
                   <a:srgbClr val="000000"/>
                 </a:solidFill>
@@ -6411,7 +6700,7 @@
               <a:t>Q3:</a:t>
             </a:r>
             <a:r>
-              <a:rPr lang="en-GB" sz="2800" b="0" i="0" u="none" strike="noStrike" cap="none" spc="0">
+              <a:rPr lang="en-GB" sz="3100" b="0" i="0" u="sng" strike="noStrike" cap="none" spc="0">
                 <a:solidFill>
                   <a:srgbClr val="000000"/>
                 </a:solidFill>
@@ -6422,7 +6711,7 @@
               <a:t> </a:t>
             </a:r>
             <a:r>
-              <a:rPr lang="en-GB" sz="2800" b="0" i="0" u="none" strike="noStrike" cap="none" spc="0">
+              <a:rPr lang="en-GB" sz="3100" b="0" i="0" u="sng" strike="noStrike" cap="none" spc="0">
                 <a:solidFill>
                   <a:srgbClr val="000000"/>
                 </a:solidFill>
@@ -6432,7 +6721,7 @@
               </a:rPr>
               <a:t>What factors impact the time it takes to get pregnant?</a:t>
             </a:r>
-            <a:endParaRPr sz="2800"/>
+            <a:endParaRPr sz="3100" u="sng"/>
           </a:p>
         </p:txBody>
       </p:sp>
@@ -7123,7 +7412,7 @@
                 <a:ea typeface="Arial"/>
                 <a:cs typeface="Arial"/>
               </a:rPr>
-              <a:t>Simple binning in groups already shows some potential effects</a:t>
+              <a:t>Simple binning in groups already shows obvious effects</a:t>
             </a:r>
             <a:endParaRPr sz="2800"/>
           </a:p>
@@ -7329,8 +7618,8 @@
               <a:defRPr/>
             </a:pPr>
             <a:r>
-              <a:rPr/>
-              <a:t>3 factors show significant (linear) effect</a:t>
+              <a:rPr sz="3400"/>
+              <a:t>Statistical analysis confirms significant (linear) effect</a:t>
             </a:r>
             <a:endParaRPr/>
           </a:p>
@@ -7383,7 +7672,7 @@
             </a:pPr>
             <a:r>
               <a:rPr sz="2600"/>
-              <a:t>All 3 quick logical:</a:t>
+              <a:t>All 3 seem quite logical:</a:t>
             </a:r>
             <a:endParaRPr sz="2600"/>
           </a:p>
@@ -7392,7 +7681,7 @@
               <a:defRPr/>
             </a:pPr>
             <a:r>
-              <a:rPr sz="2200"/>
+              <a:rPr sz="2200" b="1"/>
               <a:t>Dedication</a:t>
             </a:r>
             <a:endParaRPr sz="2600"/>
@@ -7412,7 +7701,7 @@
               <a:defRPr/>
             </a:pPr>
             <a:r>
-              <a:rPr sz="2200"/>
+              <a:rPr sz="2200" b="1"/>
               <a:t>Intercourse frequency</a:t>
             </a:r>
             <a:endParaRPr sz="2600"/>
@@ -7432,7 +7721,7 @@
               <a:defRPr/>
             </a:pPr>
             <a:r>
-              <a:rPr sz="2200"/>
+              <a:rPr sz="2200" b="1"/>
               <a:t>Age</a:t>
             </a:r>
             <a:endParaRPr sz="2600"/>
@@ -7508,14 +7797,14 @@
               <a:defRPr/>
             </a:pPr>
             <a:r>
-              <a:rPr/>
+              <a:rPr sz="3600"/>
               <a:t>Note! Also non-linear effects visible</a:t>
             </a:r>
             <a:br>
-              <a:rPr/>
+              <a:rPr sz="3600"/>
             </a:br>
             <a:r>
-              <a:rPr lang="en-GB" sz="2800" b="0" i="0" u="none" strike="noStrike" cap="none" spc="0">
+              <a:rPr lang="en-GB" sz="2600" b="0" i="0" u="none" strike="noStrike" cap="none" spc="0">
                 <a:solidFill>
                   <a:schemeClr val="tx1"/>
                 </a:solidFill>
@@ -7523,9 +7812,9 @@
                 <a:ea typeface="+mj-ea"/>
                 <a:cs typeface="+mj-cs"/>
               </a:rPr>
-              <a:t>Limitation of this analysis =&gt; More advanced modelling needed?</a:t>
-            </a:r>
-            <a:endParaRPr sz="4400"/>
+              <a:t>Limitation of linear analysis =&gt; More advanced modelling needed?</a:t>
+            </a:r>
+            <a:endParaRPr sz="3600"/>
           </a:p>
         </p:txBody>
       </p:sp>
@@ -8693,18 +8982,10 @@
               <a:defRPr/>
             </a:pPr>
             <a:r>
-              <a:rPr sz="2800" b="1"/>
-              <a:t>New effects can be observed!</a:t>
-            </a:r>
-            <a:r>
-              <a:rPr sz="2800" b="1"/>
-              <a:t> </a:t>
-            </a:r>
-            <a:r>
-              <a:rPr sz="2800"/>
-              <a:t>(despite poor model performance)</a:t>
-            </a:r>
-            <a:endParaRPr sz="2800"/>
+              <a:rPr sz="3600" b="0"/>
+              <a:t>Poor performance XGBoost regression model...</a:t>
+            </a:r>
+            <a:endParaRPr sz="3600"/>
           </a:p>
         </p:txBody>
       </p:sp>
@@ -8720,8 +9001,8 @@
         </p:nvSpPr>
         <p:spPr bwMode="auto">
           <a:xfrm flipH="0" flipV="0">
-            <a:off x="838199" y="1386416"/>
-            <a:ext cx="10515600" cy="963083"/>
+            <a:off x="5927749" y="1386416"/>
+            <a:ext cx="5426049" cy="963083"/>
           </a:xfrm>
         </p:spPr>
         <p:txBody>
@@ -8733,25 +9014,7 @@
             </a:pPr>
             <a:r>
               <a:rPr sz="2400"/>
-              <a:t>Dedication, intercourse frequency and age remain important</a:t>
-            </a:r>
-            <a:r>
-              <a:rPr sz="2400"/>
-              <a:t>!</a:t>
-            </a:r>
-            <a:endParaRPr sz="2400"/>
-          </a:p>
-          <a:p>
-            <a:pPr>
-              <a:defRPr/>
-            </a:pPr>
-            <a:r>
-              <a:rPr sz="2400"/>
-              <a:t>Previous pregnancies, cycle length and BMI, now </a:t>
-            </a:r>
-            <a:r>
-              <a:rPr sz="2400"/>
-              <a:t>show effect</a:t>
+              <a:t>Likely due to data imbalance:</a:t>
             </a:r>
             <a:endParaRPr sz="2400"/>
           </a:p>
@@ -8759,7 +9022,7 @@
       </p:sp>
       <p:pic>
         <p:nvPicPr>
-          <p:cNvPr id="1534501882" name=""/>
+          <p:cNvPr id="1277377169" name=""/>
           <p:cNvPicPr>
             <a:picLocks noChangeAspect="1"/>
           </p:cNvPicPr>
@@ -8771,8 +9034,284 @@
         </p:blipFill>
         <p:spPr bwMode="auto">
           <a:xfrm flipH="0" flipV="0">
-            <a:off x="5316226" y="2793999"/>
-            <a:ext cx="6255946" cy="3725332"/>
+            <a:off x="144286" y="1619249"/>
+            <a:ext cx="5171939" cy="5164444"/>
+          </a:xfrm>
+          <a:prstGeom prst="rect">
+            <a:avLst/>
+          </a:prstGeom>
+        </p:spPr>
+      </p:pic>
+      <p:grpSp>
+        <p:nvGrpSpPr>
+          <p:cNvPr id="255243829" name=""/>
+          <p:cNvGrpSpPr/>
+          <p:nvPr/>
+        </p:nvGrpSpPr>
+        <p:grpSpPr bwMode="auto">
+          <a:xfrm>
+            <a:off x="6552166" y="1979083"/>
+            <a:ext cx="4000500" cy="4741333"/>
+            <a:chOff x="0" y="0"/>
+            <a:chExt cx="4000500" cy="4741333"/>
+          </a:xfrm>
+        </p:grpSpPr>
+        <p:pic>
+          <p:nvPicPr>
+            <p:cNvPr id="953156073" name=""/>
+            <p:cNvPicPr>
+              <a:picLocks noChangeAspect="1"/>
+            </p:cNvPicPr>
+            <p:nvPr/>
+          </p:nvPicPr>
+          <p:blipFill>
+            <a:blip r:embed="rId4"/>
+            <a:srcRect l="0" t="0" r="67123" b="0"/>
+            <a:stretch/>
+          </p:blipFill>
+          <p:spPr bwMode="auto">
+            <a:xfrm flipH="0" flipV="0">
+              <a:off x="13733" y="649176"/>
+              <a:ext cx="3986766" cy="3982507"/>
+            </a:xfrm>
+            <a:prstGeom prst="rect">
+              <a:avLst/>
+            </a:prstGeom>
+          </p:spPr>
+        </p:pic>
+        <p:sp>
+          <p:nvSpPr>
+            <p:cNvPr id="1145932431" name=""/>
+            <p:cNvSpPr/>
+            <p:nvPr/>
+          </p:nvSpPr>
+          <p:spPr bwMode="auto">
+            <a:xfrm rot="0" flipH="0" flipV="0">
+              <a:off x="0" y="0"/>
+              <a:ext cx="1460499" cy="4741333"/>
+            </a:xfrm>
+            <a:prstGeom prst="flowChartAlternateProcess">
+              <a:avLst/>
+            </a:prstGeom>
+            <a:noFill/>
+            <a:ln w="38099" cap="flat" cmpd="sng" algn="ctr">
+              <a:solidFill>
+                <a:srgbClr val="C00000"/>
+              </a:solidFill>
+              <a:prstDash val="solid"/>
+              <a:miter lim="800000"/>
+            </a:ln>
+          </p:spPr>
+          <p:style>
+            <a:lnRef idx="2">
+              <a:schemeClr val="accent1">
+                <a:shade val="50000"/>
+              </a:schemeClr>
+            </a:lnRef>
+            <a:fillRef idx="1">
+              <a:schemeClr val="accent1"/>
+            </a:fillRef>
+            <a:effectRef idx="0">
+              <a:schemeClr val="accent1"/>
+            </a:effectRef>
+            <a:fontRef idx="minor">
+              <a:schemeClr val="lt1"/>
+            </a:fontRef>
+          </p:style>
+        </p:sp>
+        <p:sp>
+          <p:nvSpPr>
+            <p:cNvPr id="1368464202" name=""/>
+            <p:cNvSpPr txBox="1"/>
+            <p:nvPr/>
+          </p:nvSpPr>
+          <p:spPr bwMode="auto">
+            <a:xfrm rot="0" flipH="0" flipV="0">
+              <a:off x="13733" y="50196"/>
+              <a:ext cx="1579076" cy="640440"/>
+            </a:xfrm>
+            <a:prstGeom prst="rect">
+              <a:avLst/>
+            </a:prstGeom>
+            <a:noFill/>
+          </p:spPr>
+          <p:txBody>
+            <a:bodyPr vertOverflow="overflow" horzOverflow="overflow" vert="horz" wrap="square" lIns="91440" tIns="45720" rIns="91440" bIns="45720" numCol="1" spcCol="0" rtlCol="0" fromWordArt="0" anchor="t" anchorCtr="0" forceAA="0" upright="0" compatLnSpc="0">
+              <a:spAutoFit/>
+            </a:bodyPr>
+            <a:p>
+              <a:pPr>
+                <a:defRPr/>
+              </a:pPr>
+              <a:r>
+                <a:rPr b="1">
+                  <a:solidFill>
+                    <a:srgbClr val="C00000"/>
+                  </a:solidFill>
+                </a:rPr>
+                <a:t>Majority of </a:t>
+              </a:r>
+              <a:r>
+                <a:rPr b="1">
+                  <a:solidFill>
+                    <a:srgbClr val="C00000"/>
+                  </a:solidFill>
+                </a:rPr>
+                <a:t>data </a:t>
+              </a:r>
+              <a:r>
+                <a:rPr b="1">
+                  <a:solidFill>
+                    <a:srgbClr val="C00000"/>
+                  </a:solidFill>
+                </a:rPr>
+                <a:t>points</a:t>
+              </a:r>
+              <a:endParaRPr b="1">
+                <a:solidFill>
+                  <a:srgbClr val="C00000"/>
+                </a:solidFill>
+              </a:endParaRPr>
+            </a:p>
+          </p:txBody>
+        </p:sp>
+      </p:grpSp>
+    </p:spTree>
+  </p:cSld>
+  <p:clrMapOvr>
+    <a:masterClrMapping/>
+  </p:clrMapOvr>
+  <mc:AlternateContent xmlns:mc="http://schemas.openxmlformats.org/markup-compatibility/2006">
+    <mc:Choice xmlns:p159="http://schemas.microsoft.com/office/powerpoint/2015/09/main" xmlns:p14="http://schemas.microsoft.com/office/powerpoint/2010/main" Requires="p159">
+      <p:transition p14:dur="2000" advClick="1"/>
+    </mc:Choice>
+    <mc:Fallback>
+      <p:transition advClick="1"/>
+    </mc:Fallback>
+  </mc:AlternateContent>
+</p:sld>
+</file>
+
+<file path=ppt/slides/slide21.xml><?xml version="1.0" encoding="utf-8"?>
+<p:sld xmlns:a="http://schemas.openxmlformats.org/drawingml/2006/main" xmlns:r="http://schemas.openxmlformats.org/officeDocument/2006/relationships" xmlns:p="http://schemas.openxmlformats.org/presentationml/2006/main" xmlns:m="http://schemas.openxmlformats.org/officeDocument/2006/math" xmlns:w="http://schemas.openxmlformats.org/wordprocessingml/2006/main" xmlns:mc="http://schemas.openxmlformats.org/markup-compatibility/2006" showMasterPhAnim="0" showMasterSp="1" show="1">
+  <p:cSld name="">
+    <p:spTree>
+      <p:nvGrpSpPr>
+        <p:cNvPr id="1" name=""/>
+        <p:cNvGrpSpPr/>
+        <p:nvPr/>
+      </p:nvGrpSpPr>
+      <p:grpSpPr bwMode="auto">
+        <a:xfrm>
+          <a:off x="0" y="0"/>
+          <a:ext cx="0" cy="0"/>
+          <a:chOff x="0" y="0"/>
+          <a:chExt cx="0" cy="0"/>
+        </a:xfrm>
+      </p:grpSpPr>
+      <p:sp>
+        <p:nvSpPr>
+          <p:cNvPr id="171699351" name="Title 1"/>
+          <p:cNvSpPr>
+            <a:spLocks noGrp="1"/>
+          </p:cNvSpPr>
+          <p:nvPr>
+            <p:ph type="title"/>
+          </p:nvPr>
+        </p:nvSpPr>
+        <p:spPr bwMode="auto"/>
+        <p:txBody>
+          <a:bodyPr/>
+          <a:lstStyle/>
+          <a:p>
+            <a:pPr>
+              <a:defRPr/>
+            </a:pPr>
+            <a:r>
+              <a:rPr/>
+              <a:t>Solution: bin, balance and classify!</a:t>
+            </a:r>
+            <a:endParaRPr/>
+          </a:p>
+        </p:txBody>
+      </p:sp>
+      <p:sp>
+        <p:nvSpPr>
+          <p:cNvPr id="66693217" name="Content Placeholder 2"/>
+          <p:cNvSpPr>
+            <a:spLocks noGrp="1"/>
+          </p:cNvSpPr>
+          <p:nvPr>
+            <p:ph idx="1"/>
+          </p:nvPr>
+        </p:nvSpPr>
+        <p:spPr bwMode="auto">
+          <a:xfrm flipH="0" flipV="0">
+            <a:off x="106916" y="1640416"/>
+            <a:ext cx="5989083" cy="1328208"/>
+          </a:xfrm>
+        </p:spPr>
+        <p:txBody>
+          <a:bodyPr/>
+          <a:lstStyle/>
+          <a:p>
+            <a:pPr marL="807165" lvl="1" indent="-349965">
+              <a:buFont typeface="Arial"/>
+              <a:buAutoNum type="arabicPeriod"/>
+              <a:defRPr/>
+            </a:pPr>
+            <a:r>
+              <a:rPr sz="2000"/>
+              <a:t>Group conception times into 3 bins</a:t>
+            </a:r>
+            <a:endParaRPr sz="2000"/>
+          </a:p>
+          <a:p>
+            <a:pPr marL="807165" lvl="1" indent="-349965">
+              <a:buFont typeface="Arial"/>
+              <a:buAutoNum type="arabicPeriod"/>
+              <a:defRPr/>
+            </a:pPr>
+            <a:r>
+              <a:rPr sz="2000"/>
+              <a:t>Rebalance classes</a:t>
+            </a:r>
+            <a:endParaRPr sz="2000"/>
+          </a:p>
+          <a:p>
+            <a:pPr marL="807165" lvl="1" indent="-349965">
+              <a:buFont typeface="Arial"/>
+              <a:buAutoNum type="arabicPeriod"/>
+              <a:defRPr/>
+            </a:pPr>
+            <a:r>
+              <a:rPr sz="2000" b="0"/>
+              <a:t>Classification now gives </a:t>
+            </a:r>
+            <a:r>
+              <a:rPr sz="2000" b="1"/>
+              <a:t>~79% accuracy</a:t>
+            </a:r>
+            <a:endParaRPr/>
+          </a:p>
+        </p:txBody>
+      </p:sp>
+      <p:pic>
+        <p:nvPicPr>
+          <p:cNvPr id="783997526" name=""/>
+          <p:cNvPicPr>
+            <a:picLocks noChangeAspect="1"/>
+          </p:cNvPicPr>
+          <p:nvPr/>
+        </p:nvPicPr>
+        <p:blipFill>
+          <a:blip r:embed="rId3"/>
+          <a:stretch/>
+        </p:blipFill>
+        <p:spPr bwMode="auto">
+          <a:xfrm flipH="0" flipV="0">
+            <a:off x="280428" y="2968624"/>
+            <a:ext cx="5642058" cy="3757083"/>
           </a:xfrm>
           <a:prstGeom prst="rect">
             <a:avLst/>
@@ -8781,7 +9320,7 @@
       </p:pic>
       <p:pic>
         <p:nvPicPr>
-          <p:cNvPr id="1277377169" name=""/>
+          <p:cNvPr id="2063600970" name=""/>
           <p:cNvPicPr>
             <a:picLocks noChangeAspect="1"/>
           </p:cNvPicPr>
@@ -8793,14 +9332,312 @@
         </p:blipFill>
         <p:spPr bwMode="auto">
           <a:xfrm flipH="0" flipV="0">
-            <a:off x="981583" y="2455332"/>
-            <a:ext cx="4334643" cy="4328361"/>
+            <a:off x="5922487" y="1825624"/>
+            <a:ext cx="6280011" cy="4900083"/>
           </a:xfrm>
           <a:prstGeom prst="rect">
             <a:avLst/>
           </a:prstGeom>
         </p:spPr>
       </p:pic>
+    </p:spTree>
+  </p:cSld>
+  <p:clrMapOvr>
+    <a:masterClrMapping/>
+  </p:clrMapOvr>
+  <mc:AlternateContent xmlns:mc="http://schemas.openxmlformats.org/markup-compatibility/2006">
+    <mc:Choice xmlns:p159="http://schemas.microsoft.com/office/powerpoint/2015/09/main" xmlns:p14="http://schemas.microsoft.com/office/powerpoint/2010/main" Requires="p159">
+      <p:transition p14:dur="2000" advClick="1"/>
+    </mc:Choice>
+    <mc:Fallback>
+      <p:transition advClick="1"/>
+    </mc:Fallback>
+  </mc:AlternateContent>
+</p:sld>
+</file>
+
+<file path=ppt/slides/slide22.xml><?xml version="1.0" encoding="utf-8"?>
+<p:sld xmlns:a="http://schemas.openxmlformats.org/drawingml/2006/main" xmlns:r="http://schemas.openxmlformats.org/officeDocument/2006/relationships" xmlns:p="http://schemas.openxmlformats.org/presentationml/2006/main" xmlns:m="http://schemas.openxmlformats.org/officeDocument/2006/math" xmlns:w="http://schemas.openxmlformats.org/wordprocessingml/2006/main" xmlns:mc="http://schemas.openxmlformats.org/markup-compatibility/2006" showMasterPhAnim="0" showMasterSp="1" show="1">
+  <p:cSld name="">
+    <p:spTree>
+      <p:nvGrpSpPr>
+        <p:cNvPr id="1" name=""/>
+        <p:cNvGrpSpPr/>
+        <p:nvPr/>
+      </p:nvGrpSpPr>
+      <p:grpSpPr bwMode="auto">
+        <a:xfrm>
+          <a:off x="0" y="0"/>
+          <a:ext cx="0" cy="0"/>
+          <a:chOff x="0" y="0"/>
+          <a:chExt cx="0" cy="0"/>
+        </a:xfrm>
+      </p:grpSpPr>
+      <p:sp>
+        <p:nvSpPr>
+          <p:cNvPr id="1265077369" name="Title 1"/>
+          <p:cNvSpPr>
+            <a:spLocks noGrp="1"/>
+          </p:cNvSpPr>
+          <p:nvPr>
+            <p:ph type="title"/>
+          </p:nvPr>
+        </p:nvSpPr>
+        <p:spPr bwMode="auto"/>
+        <p:txBody>
+          <a:bodyPr/>
+          <a:lstStyle/>
+          <a:p>
+            <a:pPr>
+              <a:defRPr/>
+            </a:pPr>
+            <a:r>
+              <a:rPr/>
+              <a:t>New effects can be observed that influence conception time</a:t>
+            </a:r>
+            <a:endParaRPr/>
+          </a:p>
+        </p:txBody>
+      </p:sp>
+      <p:pic>
+        <p:nvPicPr>
+          <p:cNvPr id="1552496808" name=""/>
+          <p:cNvPicPr>
+            <a:picLocks noChangeAspect="1"/>
+          </p:cNvPicPr>
+          <p:nvPr>
+            <p:ph sz="half" idx="2"/>
+          </p:nvPr>
+        </p:nvPicPr>
+        <p:blipFill>
+          <a:blip r:embed="rId3"/>
+          <a:stretch/>
+        </p:blipFill>
+        <p:spPr bwMode="auto">
+          <a:xfrm rot="0" flipH="0" flipV="0">
+            <a:off x="2023533" y="1801663"/>
+            <a:ext cx="7343799" cy="4858461"/>
+          </a:xfrm>
+          <a:prstGeom prst="rect">
+            <a:avLst/>
+          </a:prstGeom>
+        </p:spPr>
+      </p:pic>
+    </p:spTree>
+  </p:cSld>
+  <p:clrMapOvr>
+    <a:masterClrMapping/>
+  </p:clrMapOvr>
+  <mc:AlternateContent xmlns:mc="http://schemas.openxmlformats.org/markup-compatibility/2006">
+    <mc:Choice xmlns:p159="http://schemas.microsoft.com/office/powerpoint/2015/09/main" xmlns:p14="http://schemas.microsoft.com/office/powerpoint/2010/main" Requires="p159">
+      <p:transition p14:dur="2000" advClick="1"/>
+    </mc:Choice>
+    <mc:Fallback>
+      <p:transition advClick="1"/>
+    </mc:Fallback>
+  </mc:AlternateContent>
+</p:sld>
+</file>
+
+<file path=ppt/slides/slide23.xml><?xml version="1.0" encoding="utf-8"?>
+<p:sld xmlns:a="http://schemas.openxmlformats.org/drawingml/2006/main" xmlns:r="http://schemas.openxmlformats.org/officeDocument/2006/relationships" xmlns:p="http://schemas.openxmlformats.org/presentationml/2006/main" xmlns:m="http://schemas.openxmlformats.org/officeDocument/2006/math" xmlns:w="http://schemas.openxmlformats.org/wordprocessingml/2006/main" xmlns:mc="http://schemas.openxmlformats.org/markup-compatibility/2006" showMasterPhAnim="0" showMasterSp="1" show="1">
+  <p:cSld name="">
+    <p:spTree>
+      <p:nvGrpSpPr>
+        <p:cNvPr id="1" name=""/>
+        <p:cNvGrpSpPr/>
+        <p:nvPr/>
+      </p:nvGrpSpPr>
+      <p:grpSpPr bwMode="auto">
+        <a:xfrm>
+          <a:off x="0" y="0"/>
+          <a:ext cx="0" cy="0"/>
+          <a:chOff x="0" y="0"/>
+          <a:chExt cx="0" cy="0"/>
+        </a:xfrm>
+      </p:grpSpPr>
+      <p:sp>
+        <p:nvSpPr>
+          <p:cNvPr id="1442325239" name="Title 1"/>
+          <p:cNvSpPr>
+            <a:spLocks noGrp="1"/>
+          </p:cNvSpPr>
+          <p:nvPr>
+            <p:ph type="title"/>
+          </p:nvPr>
+        </p:nvSpPr>
+        <p:spPr bwMode="auto"/>
+        <p:txBody>
+          <a:bodyPr/>
+          <a:lstStyle/>
+          <a:p>
+            <a:pPr>
+              <a:defRPr/>
+            </a:pPr>
+            <a:r>
+              <a:rPr/>
+              <a:t>Conclusion</a:t>
+            </a:r>
+            <a:endParaRPr/>
+          </a:p>
+        </p:txBody>
+      </p:sp>
+      <p:sp>
+        <p:nvSpPr>
+          <p:cNvPr id="482751319" name="Content Placeholder 2"/>
+          <p:cNvSpPr>
+            <a:spLocks noGrp="1"/>
+          </p:cNvSpPr>
+          <p:nvPr>
+            <p:ph idx="1"/>
+          </p:nvPr>
+        </p:nvSpPr>
+        <p:spPr bwMode="auto"/>
+        <p:txBody>
+          <a:bodyPr vertOverflow="overflow" horzOverflow="overflow" vert="horz" wrap="square" lIns="91440" tIns="45720" rIns="91440" bIns="45720" numCol="1" spcCol="0" rtlCol="0" fromWordArt="0" anchor="t" anchorCtr="0" forceAA="0" upright="0" compatLnSpc="0">
+            <a:normAutofit fontScale="85000" lnSpcReduction="3000"/>
+          </a:bodyPr>
+          <a:lstStyle/>
+          <a:p>
+            <a:pPr>
+              <a:defRPr/>
+            </a:pPr>
+            <a:r>
+              <a:rPr/>
+              <a:t>ML techniques require (more) tweaking to get working</a:t>
+            </a:r>
+            <a:endParaRPr/>
+          </a:p>
+          <a:p>
+            <a:pPr lvl="1">
+              <a:defRPr/>
+            </a:pPr>
+            <a:r>
+              <a:rPr/>
+              <a:t>But can reveal more influencing factors </a:t>
+            </a:r>
+            <a:endParaRPr/>
+          </a:p>
+          <a:p>
+            <a:pPr>
+              <a:defRPr/>
+            </a:pPr>
+            <a:endParaRPr/>
+          </a:p>
+          <a:p>
+            <a:pPr>
+              <a:defRPr/>
+            </a:pPr>
+            <a:r>
+              <a:rPr/>
+              <a:t>Factors affecting conception time (in order of importance):</a:t>
+            </a:r>
+            <a:endParaRPr/>
+          </a:p>
+          <a:p>
+            <a:pPr marL="794073" lvl="1" indent="-394023">
+              <a:buFont typeface="Arial"/>
+              <a:buAutoNum type="arabicPeriod"/>
+              <a:defRPr/>
+            </a:pPr>
+            <a:r>
+              <a:rPr/>
+              <a:t>Nr of previous pregnancies</a:t>
+            </a:r>
+            <a:endParaRPr/>
+          </a:p>
+          <a:p>
+            <a:pPr marL="794073" lvl="1" indent="-394023">
+              <a:buFont typeface="Arial"/>
+              <a:buAutoNum type="arabicPeriod"/>
+              <a:defRPr/>
+            </a:pPr>
+            <a:r>
+              <a:rPr/>
+              <a:t>Cycle regularity and average length</a:t>
+            </a:r>
+            <a:endParaRPr/>
+          </a:p>
+          <a:p>
+            <a:pPr marL="794073" lvl="1" indent="-394023">
+              <a:buFont typeface="Arial"/>
+              <a:buAutoNum type="arabicPeriod"/>
+              <a:defRPr/>
+            </a:pPr>
+            <a:r>
+              <a:rPr/>
+              <a:t>Sleeping patterns</a:t>
+            </a:r>
+            <a:endParaRPr/>
+          </a:p>
+          <a:p>
+            <a:pPr marL="794073" lvl="1" indent="-394023">
+              <a:buFont typeface="Arial"/>
+              <a:buAutoNum type="arabicPeriod"/>
+              <a:defRPr/>
+            </a:pPr>
+            <a:r>
+              <a:rPr/>
+              <a:t>Dedication to logging data on Natural Cycles</a:t>
+            </a:r>
+            <a:endParaRPr/>
+          </a:p>
+          <a:p>
+            <a:pPr marL="794073" lvl="1" indent="-394023">
+              <a:buFont typeface="Arial"/>
+              <a:buAutoNum type="arabicPeriod"/>
+              <a:defRPr/>
+            </a:pPr>
+            <a:r>
+              <a:rPr/>
+              <a:t>Intercourse frequency</a:t>
+            </a:r>
+            <a:endParaRPr/>
+          </a:p>
+          <a:p>
+            <a:pPr marL="794073" lvl="1" indent="-394023">
+              <a:buFont typeface="Arial"/>
+              <a:buAutoNum type="arabicPeriod"/>
+              <a:defRPr/>
+            </a:pPr>
+            <a:r>
+              <a:rPr/>
+              <a:t>Physical condition: Age + BMI</a:t>
+            </a:r>
+            <a:endParaRPr/>
+          </a:p>
+          <a:p>
+            <a:pPr marL="794073" lvl="1" indent="-394023">
+              <a:buFont typeface="Arial"/>
+              <a:buAutoNum type="arabicPeriod"/>
+              <a:defRPr/>
+            </a:pPr>
+            <a:endParaRPr/>
+          </a:p>
+          <a:p>
+            <a:pPr lvl="0">
+              <a:defRPr/>
+            </a:pPr>
+            <a:r>
+              <a:rPr/>
+              <a:t>(Further investigation needed </a:t>
+            </a:r>
+            <a:r>
+              <a:rPr b="1"/>
+              <a:t>HOW</a:t>
+            </a:r>
+            <a:r>
+              <a:rPr/>
+              <a:t> these affect conception time</a:t>
+            </a:r>
+            <a:r>
+              <a:rPr/>
+              <a:t>)</a:t>
+            </a:r>
+            <a:endParaRPr/>
+          </a:p>
+        </p:txBody>
+      </p:sp>
     </p:spTree>
   </p:cSld>
   <p:clrMapOvr>

--- a/reports/Natural Cycles - Assignment Report - Jeroen Buil.pptx
+++ b/reports/Natural Cycles - Assignment Report - Jeroen Buil.pptx
@@ -156,7 +156,7 @@
       </p:grpSpPr>
       <p:sp>
         <p:nvSpPr>
-          <p:cNvPr id="1131103234" name="Header Placeholder 1"/>
+          <p:cNvPr id="1981618040" name="Header Placeholder 1"/>
           <p:cNvSpPr>
             <a:spLocks noGrp="1"/>
           </p:cNvSpPr>
@@ -190,7 +190,7 @@
       </p:sp>
       <p:sp>
         <p:nvSpPr>
-          <p:cNvPr id="233064820" name="Date Placeholder 2"/>
+          <p:cNvPr id="441656087" name="Date Placeholder 2"/>
           <p:cNvSpPr>
             <a:spLocks noGrp="1"/>
           </p:cNvSpPr>
@@ -228,7 +228,7 @@
       </p:sp>
       <p:sp>
         <p:nvSpPr>
-          <p:cNvPr id="1759318155" name="Slide Image Placeholder 3"/>
+          <p:cNvPr id="725248672" name="Slide Image Placeholder 3"/>
           <p:cNvSpPr>
             <a:spLocks noChangeAspect="1" noGrp="1" noRot="1"/>
           </p:cNvSpPr>
@@ -264,7 +264,7 @@
       </p:sp>
       <p:sp>
         <p:nvSpPr>
-          <p:cNvPr id="1042278791" name="Notes Placeholder 4"/>
+          <p:cNvPr id="739459307" name="Notes Placeholder 4"/>
           <p:cNvSpPr>
             <a:spLocks noGrp="1"/>
           </p:cNvSpPr>
@@ -338,7 +338,7 @@
       </p:sp>
       <p:sp>
         <p:nvSpPr>
-          <p:cNvPr id="568926718" name="Footer Placeholder 5"/>
+          <p:cNvPr id="144194535" name="Footer Placeholder 5"/>
           <p:cNvSpPr>
             <a:spLocks noGrp="1"/>
           </p:cNvSpPr>
@@ -372,7 +372,7 @@
       </p:sp>
       <p:sp>
         <p:nvSpPr>
-          <p:cNvPr id="1996031224" name="Slide Number Placeholder 6"/>
+          <p:cNvPr id="328660244" name="Slide Number Placeholder 6"/>
           <p:cNvSpPr>
             <a:spLocks noGrp="1"/>
           </p:cNvSpPr>
@@ -525,7 +525,7 @@
       </p:grpSpPr>
       <p:sp>
         <p:nvSpPr>
-          <p:cNvPr id="481205809" name="Slide Image Placeholder 1"/>
+          <p:cNvPr id="2079681953" name="Slide Image Placeholder 1"/>
           <p:cNvSpPr>
             <a:spLocks noChangeAspect="1" noGrp="1" noRot="1"/>
           </p:cNvSpPr>
@@ -542,7 +542,7 @@
       </p:sp>
       <p:sp>
         <p:nvSpPr>
-          <p:cNvPr id="1164945793" name="Notes Placeholder 2"/>
+          <p:cNvPr id="1195710761" name="Notes Placeholder 2"/>
           <p:cNvSpPr>
             <a:spLocks noGrp="1"/>
           </p:cNvSpPr>
@@ -567,7 +567,7 @@
       </p:sp>
       <p:sp>
         <p:nvSpPr>
-          <p:cNvPr id="1577359647" name="Slide Number Placeholder 3"/>
+          <p:cNvPr id="138048713" name="Slide Number Placeholder 3"/>
           <p:cNvSpPr>
             <a:spLocks noGrp="1"/>
           </p:cNvSpPr>
@@ -618,7 +618,7 @@
       </p:grpSpPr>
       <p:sp>
         <p:nvSpPr>
-          <p:cNvPr id="2" name="Slide Image Placeholder 1"/>
+          <p:cNvPr id="774573204" name="Slide Image Placeholder 1"/>
           <p:cNvSpPr>
             <a:spLocks noChangeAspect="1" noGrp="1" noRot="1"/>
           </p:cNvSpPr>
@@ -630,7 +630,7 @@
       </p:sp>
       <p:sp>
         <p:nvSpPr>
-          <p:cNvPr id="3" name="Notes Placeholder 2"/>
+          <p:cNvPr id="1572301145" name="Notes Placeholder 2"/>
           <p:cNvSpPr>
             <a:spLocks noGrp="1"/>
           </p:cNvSpPr>
@@ -652,7 +652,7 @@
       </p:sp>
       <p:sp>
         <p:nvSpPr>
-          <p:cNvPr id="4" name="Slide Number Placeholder 3"/>
+          <p:cNvPr id="2080599615" name="Slide Number Placeholder 3"/>
           <p:cNvSpPr>
             <a:spLocks noGrp="1"/>
           </p:cNvSpPr>
@@ -703,7 +703,7 @@
       </p:grpSpPr>
       <p:sp>
         <p:nvSpPr>
-          <p:cNvPr id="2" name="Slide Image Placeholder 1"/>
+          <p:cNvPr id="404140279" name="Slide Image Placeholder 1"/>
           <p:cNvSpPr>
             <a:spLocks noChangeAspect="1" noGrp="1" noRot="1"/>
           </p:cNvSpPr>
@@ -715,7 +715,7 @@
       </p:sp>
       <p:sp>
         <p:nvSpPr>
-          <p:cNvPr id="3" name="Notes Placeholder 2"/>
+          <p:cNvPr id="465253887" name="Notes Placeholder 2"/>
           <p:cNvSpPr>
             <a:spLocks noGrp="1"/>
           </p:cNvSpPr>
@@ -737,7 +737,7 @@
       </p:sp>
       <p:sp>
         <p:nvSpPr>
-          <p:cNvPr id="4" name="Slide Number Placeholder 3"/>
+          <p:cNvPr id="222350625" name="Slide Number Placeholder 3"/>
           <p:cNvSpPr>
             <a:spLocks noGrp="1"/>
           </p:cNvSpPr>
@@ -788,7 +788,7 @@
       </p:grpSpPr>
       <p:sp>
         <p:nvSpPr>
-          <p:cNvPr id="2" name="Slide Image Placeholder 1"/>
+          <p:cNvPr id="1451611729" name="Slide Image Placeholder 1"/>
           <p:cNvSpPr>
             <a:spLocks noChangeAspect="1" noGrp="1" noRot="1"/>
           </p:cNvSpPr>
@@ -800,7 +800,7 @@
       </p:sp>
       <p:sp>
         <p:nvSpPr>
-          <p:cNvPr id="3" name="Notes Placeholder 2"/>
+          <p:cNvPr id="169126697" name="Notes Placeholder 2"/>
           <p:cNvSpPr>
             <a:spLocks noGrp="1"/>
           </p:cNvSpPr>
@@ -822,7 +822,7 @@
       </p:sp>
       <p:sp>
         <p:nvSpPr>
-          <p:cNvPr id="4" name="Slide Number Placeholder 3"/>
+          <p:cNvPr id="338252044" name="Slide Number Placeholder 3"/>
           <p:cNvSpPr>
             <a:spLocks noGrp="1"/>
           </p:cNvSpPr>
@@ -873,7 +873,7 @@
       </p:grpSpPr>
       <p:sp>
         <p:nvSpPr>
-          <p:cNvPr id="2" name="Slide Image Placeholder 1"/>
+          <p:cNvPr id="1150210331" name="Slide Image Placeholder 1"/>
           <p:cNvSpPr>
             <a:spLocks noChangeAspect="1" noGrp="1" noRot="1"/>
           </p:cNvSpPr>
@@ -885,7 +885,7 @@
       </p:sp>
       <p:sp>
         <p:nvSpPr>
-          <p:cNvPr id="3" name="Notes Placeholder 2"/>
+          <p:cNvPr id="1485313920" name="Notes Placeholder 2"/>
           <p:cNvSpPr>
             <a:spLocks noGrp="1"/>
           </p:cNvSpPr>
@@ -907,7 +907,7 @@
       </p:sp>
       <p:sp>
         <p:nvSpPr>
-          <p:cNvPr id="4" name="Slide Number Placeholder 3"/>
+          <p:cNvPr id="1905744118" name="Slide Number Placeholder 3"/>
           <p:cNvSpPr>
             <a:spLocks noGrp="1"/>
           </p:cNvSpPr>
@@ -958,7 +958,7 @@
       </p:grpSpPr>
       <p:sp>
         <p:nvSpPr>
-          <p:cNvPr id="2" name="Slide Image Placeholder 1"/>
+          <p:cNvPr id="134115062" name="Slide Image Placeholder 1"/>
           <p:cNvSpPr>
             <a:spLocks noChangeAspect="1" noGrp="1" noRot="1"/>
           </p:cNvSpPr>
@@ -970,7 +970,7 @@
       </p:sp>
       <p:sp>
         <p:nvSpPr>
-          <p:cNvPr id="3" name="Notes Placeholder 2"/>
+          <p:cNvPr id="1711650986" name="Notes Placeholder 2"/>
           <p:cNvSpPr>
             <a:spLocks noGrp="1"/>
           </p:cNvSpPr>
@@ -992,7 +992,7 @@
       </p:sp>
       <p:sp>
         <p:nvSpPr>
-          <p:cNvPr id="4" name="Slide Number Placeholder 3"/>
+          <p:cNvPr id="1735331378" name="Slide Number Placeholder 3"/>
           <p:cNvSpPr>
             <a:spLocks noGrp="1"/>
           </p:cNvSpPr>
@@ -1043,7 +1043,7 @@
       </p:grpSpPr>
       <p:sp>
         <p:nvSpPr>
-          <p:cNvPr id="1765164071" name="Slide Image Placeholder 1"/>
+          <p:cNvPr id="781239808" name="Slide Image Placeholder 1"/>
           <p:cNvSpPr>
             <a:spLocks noChangeAspect="1" noGrp="1" noRot="1"/>
           </p:cNvSpPr>
@@ -1055,7 +1055,7 @@
       </p:sp>
       <p:sp>
         <p:nvSpPr>
-          <p:cNvPr id="1230754478" name="Notes Placeholder 2"/>
+          <p:cNvPr id="1477811462" name="Notes Placeholder 2"/>
           <p:cNvSpPr>
             <a:spLocks noGrp="1"/>
           </p:cNvSpPr>
@@ -1077,7 +1077,7 @@
       </p:sp>
       <p:sp>
         <p:nvSpPr>
-          <p:cNvPr id="777196587" name="Slide Number Placeholder 3"/>
+          <p:cNvPr id="1168799273" name="Slide Number Placeholder 3"/>
           <p:cNvSpPr>
             <a:spLocks noGrp="1"/>
           </p:cNvSpPr>
@@ -1128,7 +1128,7 @@
       </p:grpSpPr>
       <p:sp>
         <p:nvSpPr>
-          <p:cNvPr id="2" name="Slide Image Placeholder 1"/>
+          <p:cNvPr id="193467642" name="Slide Image Placeholder 1"/>
           <p:cNvSpPr>
             <a:spLocks noChangeAspect="1" noGrp="1" noRot="1"/>
           </p:cNvSpPr>
@@ -1140,7 +1140,7 @@
       </p:sp>
       <p:sp>
         <p:nvSpPr>
-          <p:cNvPr id="3" name="Notes Placeholder 2"/>
+          <p:cNvPr id="178588828" name="Notes Placeholder 2"/>
           <p:cNvSpPr>
             <a:spLocks noGrp="1"/>
           </p:cNvSpPr>
@@ -1162,7 +1162,7 @@
       </p:sp>
       <p:sp>
         <p:nvSpPr>
-          <p:cNvPr id="4" name="Slide Number Placeholder 3"/>
+          <p:cNvPr id="2136501895" name="Slide Number Placeholder 3"/>
           <p:cNvSpPr>
             <a:spLocks noGrp="1"/>
           </p:cNvSpPr>
@@ -1213,7 +1213,7 @@
       </p:grpSpPr>
       <p:sp>
         <p:nvSpPr>
-          <p:cNvPr id="2" name="Slide Image Placeholder 1"/>
+          <p:cNvPr id="2120088134" name="Slide Image Placeholder 1"/>
           <p:cNvSpPr>
             <a:spLocks noChangeAspect="1" noGrp="1" noRot="1"/>
           </p:cNvSpPr>
@@ -1225,7 +1225,7 @@
       </p:sp>
       <p:sp>
         <p:nvSpPr>
-          <p:cNvPr id="3" name="Notes Placeholder 2"/>
+          <p:cNvPr id="1492323813" name="Notes Placeholder 2"/>
           <p:cNvSpPr>
             <a:spLocks noGrp="1"/>
           </p:cNvSpPr>
@@ -1247,7 +1247,7 @@
       </p:sp>
       <p:sp>
         <p:nvSpPr>
-          <p:cNvPr id="4" name="Slide Number Placeholder 3"/>
+          <p:cNvPr id="1285691970" name="Slide Number Placeholder 3"/>
           <p:cNvSpPr>
             <a:spLocks noGrp="1"/>
           </p:cNvSpPr>
@@ -1298,7 +1298,7 @@
       </p:grpSpPr>
       <p:sp>
         <p:nvSpPr>
-          <p:cNvPr id="2" name="Slide Image Placeholder 1"/>
+          <p:cNvPr id="497827759" name="Slide Image Placeholder 1"/>
           <p:cNvSpPr>
             <a:spLocks noChangeAspect="1" noGrp="1" noRot="1"/>
           </p:cNvSpPr>
@@ -1310,7 +1310,7 @@
       </p:sp>
       <p:sp>
         <p:nvSpPr>
-          <p:cNvPr id="3" name="Notes Placeholder 2"/>
+          <p:cNvPr id="275070354" name="Notes Placeholder 2"/>
           <p:cNvSpPr>
             <a:spLocks noGrp="1"/>
           </p:cNvSpPr>
@@ -1332,7 +1332,7 @@
       </p:sp>
       <p:sp>
         <p:nvSpPr>
-          <p:cNvPr id="4" name="Slide Number Placeholder 3"/>
+          <p:cNvPr id="626537247" name="Slide Number Placeholder 3"/>
           <p:cNvSpPr>
             <a:spLocks noGrp="1"/>
           </p:cNvSpPr>
@@ -1383,7 +1383,7 @@
       </p:grpSpPr>
       <p:sp>
         <p:nvSpPr>
-          <p:cNvPr id="2" name="Slide Image Placeholder 1"/>
+          <p:cNvPr id="336738764" name="Slide Image Placeholder 1"/>
           <p:cNvSpPr>
             <a:spLocks noChangeAspect="1" noGrp="1" noRot="1"/>
           </p:cNvSpPr>
@@ -1395,7 +1395,7 @@
       </p:sp>
       <p:sp>
         <p:nvSpPr>
-          <p:cNvPr id="3" name="Notes Placeholder 2"/>
+          <p:cNvPr id="1087921055" name="Notes Placeholder 2"/>
           <p:cNvSpPr>
             <a:spLocks noGrp="1"/>
           </p:cNvSpPr>
@@ -1417,7 +1417,7 @@
       </p:sp>
       <p:sp>
         <p:nvSpPr>
-          <p:cNvPr id="4" name="Slide Number Placeholder 3"/>
+          <p:cNvPr id="2079894608" name="Slide Number Placeholder 3"/>
           <p:cNvSpPr>
             <a:spLocks noGrp="1"/>
           </p:cNvSpPr>
@@ -1468,7 +1468,7 @@
       </p:grpSpPr>
       <p:sp>
         <p:nvSpPr>
-          <p:cNvPr id="2" name="Slide Image Placeholder 1"/>
+          <p:cNvPr id="1766692931" name="Slide Image Placeholder 1"/>
           <p:cNvSpPr>
             <a:spLocks noChangeAspect="1" noGrp="1" noRot="1"/>
           </p:cNvSpPr>
@@ -1480,7 +1480,7 @@
       </p:sp>
       <p:sp>
         <p:nvSpPr>
-          <p:cNvPr id="3" name="Notes Placeholder 2"/>
+          <p:cNvPr id="310979754" name="Notes Placeholder 2"/>
           <p:cNvSpPr>
             <a:spLocks noGrp="1"/>
           </p:cNvSpPr>
@@ -1502,7 +1502,7 @@
       </p:sp>
       <p:sp>
         <p:nvSpPr>
-          <p:cNvPr id="4" name="Slide Number Placeholder 3"/>
+          <p:cNvPr id="263743935" name="Slide Number Placeholder 3"/>
           <p:cNvSpPr>
             <a:spLocks noGrp="1"/>
           </p:cNvSpPr>
@@ -1553,7 +1553,7 @@
       </p:grpSpPr>
       <p:sp>
         <p:nvSpPr>
-          <p:cNvPr id="1551964618" name="Slide Image Placeholder 1"/>
+          <p:cNvPr id="827324019" name="Slide Image Placeholder 1"/>
           <p:cNvSpPr>
             <a:spLocks noChangeAspect="1" noGrp="1" noRot="1"/>
           </p:cNvSpPr>
@@ -1565,7 +1565,7 @@
       </p:sp>
       <p:sp>
         <p:nvSpPr>
-          <p:cNvPr id="1053969228" name="Notes Placeholder 2"/>
+          <p:cNvPr id="456433345" name="Notes Placeholder 2"/>
           <p:cNvSpPr>
             <a:spLocks noGrp="1"/>
           </p:cNvSpPr>
@@ -1587,7 +1587,7 @@
       </p:sp>
       <p:sp>
         <p:nvSpPr>
-          <p:cNvPr id="1565021372" name="Slide Number Placeholder 3"/>
+          <p:cNvPr id="1202795244" name="Slide Number Placeholder 3"/>
           <p:cNvSpPr>
             <a:spLocks noGrp="1"/>
           </p:cNvSpPr>
@@ -1638,7 +1638,7 @@
       </p:grpSpPr>
       <p:sp>
         <p:nvSpPr>
-          <p:cNvPr id="2" name="Slide Image Placeholder 1"/>
+          <p:cNvPr id="473538928" name="Slide Image Placeholder 1"/>
           <p:cNvSpPr>
             <a:spLocks noChangeAspect="1" noGrp="1" noRot="1"/>
           </p:cNvSpPr>
@@ -1650,7 +1650,7 @@
       </p:sp>
       <p:sp>
         <p:nvSpPr>
-          <p:cNvPr id="3" name="Notes Placeholder 2"/>
+          <p:cNvPr id="465781998" name="Notes Placeholder 2"/>
           <p:cNvSpPr>
             <a:spLocks noGrp="1"/>
           </p:cNvSpPr>
@@ -1672,7 +1672,7 @@
       </p:sp>
       <p:sp>
         <p:nvSpPr>
-          <p:cNvPr id="4" name="Slide Number Placeholder 3"/>
+          <p:cNvPr id="1804876458" name="Slide Number Placeholder 3"/>
           <p:cNvSpPr>
             <a:spLocks noGrp="1"/>
           </p:cNvSpPr>
@@ -1723,7 +1723,7 @@
       </p:grpSpPr>
       <p:sp>
         <p:nvSpPr>
-          <p:cNvPr id="2" name="Slide Image Placeholder 1"/>
+          <p:cNvPr id="1212053507" name="Slide Image Placeholder 1"/>
           <p:cNvSpPr>
             <a:spLocks noChangeAspect="1" noGrp="1" noRot="1"/>
           </p:cNvSpPr>
@@ -1735,7 +1735,7 @@
       </p:sp>
       <p:sp>
         <p:nvSpPr>
-          <p:cNvPr id="3" name="Notes Placeholder 2"/>
+          <p:cNvPr id="1022298646" name="Notes Placeholder 2"/>
           <p:cNvSpPr>
             <a:spLocks noGrp="1"/>
           </p:cNvSpPr>
@@ -1757,7 +1757,7 @@
       </p:sp>
       <p:sp>
         <p:nvSpPr>
-          <p:cNvPr id="4" name="Slide Number Placeholder 3"/>
+          <p:cNvPr id="2009928179" name="Slide Number Placeholder 3"/>
           <p:cNvSpPr>
             <a:spLocks noGrp="1"/>
           </p:cNvSpPr>
@@ -1808,7 +1808,7 @@
       </p:grpSpPr>
       <p:sp>
         <p:nvSpPr>
-          <p:cNvPr id="2" name="Slide Image Placeholder 1"/>
+          <p:cNvPr id="1280200859" name="Slide Image Placeholder 1"/>
           <p:cNvSpPr>
             <a:spLocks noChangeAspect="1" noGrp="1" noRot="1"/>
           </p:cNvSpPr>
@@ -1820,7 +1820,7 @@
       </p:sp>
       <p:sp>
         <p:nvSpPr>
-          <p:cNvPr id="3" name="Notes Placeholder 2"/>
+          <p:cNvPr id="1567883874" name="Notes Placeholder 2"/>
           <p:cNvSpPr>
             <a:spLocks noGrp="1"/>
           </p:cNvSpPr>
@@ -1842,7 +1842,7 @@
       </p:sp>
       <p:sp>
         <p:nvSpPr>
-          <p:cNvPr id="4" name="Slide Number Placeholder 3"/>
+          <p:cNvPr id="2102664508" name="Slide Number Placeholder 3"/>
           <p:cNvSpPr>
             <a:spLocks noGrp="1"/>
           </p:cNvSpPr>
@@ -1893,7 +1893,7 @@
       </p:grpSpPr>
       <p:sp>
         <p:nvSpPr>
-          <p:cNvPr id="1166773019" name="Slide Image Placeholder 1"/>
+          <p:cNvPr id="43151386" name="Slide Image Placeholder 1"/>
           <p:cNvSpPr>
             <a:spLocks noChangeAspect="1" noGrp="1" noRot="1"/>
           </p:cNvSpPr>
@@ -1905,7 +1905,7 @@
       </p:sp>
       <p:sp>
         <p:nvSpPr>
-          <p:cNvPr id="1604087987" name="Notes Placeholder 2"/>
+          <p:cNvPr id="843186529" name="Notes Placeholder 2"/>
           <p:cNvSpPr>
             <a:spLocks noGrp="1"/>
           </p:cNvSpPr>
@@ -1927,7 +1927,7 @@
       </p:sp>
       <p:sp>
         <p:nvSpPr>
-          <p:cNvPr id="754320439" name="Slide Number Placeholder 3"/>
+          <p:cNvPr id="1526815563" name="Slide Number Placeholder 3"/>
           <p:cNvSpPr>
             <a:spLocks noGrp="1"/>
           </p:cNvSpPr>
@@ -1978,7 +1978,7 @@
       </p:grpSpPr>
       <p:sp>
         <p:nvSpPr>
-          <p:cNvPr id="2" name="Slide Image Placeholder 1"/>
+          <p:cNvPr id="1610611900" name="Slide Image Placeholder 1"/>
           <p:cNvSpPr>
             <a:spLocks noChangeAspect="1" noGrp="1" noRot="1"/>
           </p:cNvSpPr>
@@ -1990,7 +1990,7 @@
       </p:sp>
       <p:sp>
         <p:nvSpPr>
-          <p:cNvPr id="3" name="Notes Placeholder 2"/>
+          <p:cNvPr id="1797747995" name="Notes Placeholder 2"/>
           <p:cNvSpPr>
             <a:spLocks noGrp="1"/>
           </p:cNvSpPr>
@@ -2012,7 +2012,7 @@
       </p:sp>
       <p:sp>
         <p:nvSpPr>
-          <p:cNvPr id="4" name="Slide Number Placeholder 3"/>
+          <p:cNvPr id="349430892" name="Slide Number Placeholder 3"/>
           <p:cNvSpPr>
             <a:spLocks noGrp="1"/>
           </p:cNvSpPr>
@@ -2063,7 +2063,7 @@
       </p:grpSpPr>
       <p:sp>
         <p:nvSpPr>
-          <p:cNvPr id="2" name="Slide Image Placeholder 1"/>
+          <p:cNvPr id="1498555556" name="Slide Image Placeholder 1"/>
           <p:cNvSpPr>
             <a:spLocks noChangeAspect="1" noGrp="1" noRot="1"/>
           </p:cNvSpPr>
@@ -2075,7 +2075,7 @@
       </p:sp>
       <p:sp>
         <p:nvSpPr>
-          <p:cNvPr id="3" name="Notes Placeholder 2"/>
+          <p:cNvPr id="1486040825" name="Notes Placeholder 2"/>
           <p:cNvSpPr>
             <a:spLocks noGrp="1"/>
           </p:cNvSpPr>
@@ -2097,7 +2097,7 @@
       </p:sp>
       <p:sp>
         <p:nvSpPr>
-          <p:cNvPr id="4" name="Slide Number Placeholder 3"/>
+          <p:cNvPr id="850668143" name="Slide Number Placeholder 3"/>
           <p:cNvSpPr>
             <a:spLocks noGrp="1"/>
           </p:cNvSpPr>
@@ -2148,7 +2148,7 @@
       </p:grpSpPr>
       <p:sp>
         <p:nvSpPr>
-          <p:cNvPr id="2" name="Slide Image Placeholder 1"/>
+          <p:cNvPr id="1702365777" name="Slide Image Placeholder 1"/>
           <p:cNvSpPr>
             <a:spLocks noChangeAspect="1" noGrp="1" noRot="1"/>
           </p:cNvSpPr>
@@ -2160,7 +2160,7 @@
       </p:sp>
       <p:sp>
         <p:nvSpPr>
-          <p:cNvPr id="3" name="Notes Placeholder 2"/>
+          <p:cNvPr id="136990943" name="Notes Placeholder 2"/>
           <p:cNvSpPr>
             <a:spLocks noGrp="1"/>
           </p:cNvSpPr>
@@ -2182,7 +2182,7 @@
       </p:sp>
       <p:sp>
         <p:nvSpPr>
-          <p:cNvPr id="4" name="Slide Number Placeholder 3"/>
+          <p:cNvPr id="25377182" name="Slide Number Placeholder 3"/>
           <p:cNvSpPr>
             <a:spLocks noGrp="1"/>
           </p:cNvSpPr>
@@ -2233,7 +2233,7 @@
       </p:grpSpPr>
       <p:sp>
         <p:nvSpPr>
-          <p:cNvPr id="2" name="Slide Image Placeholder 1"/>
+          <p:cNvPr id="572132078" name="Slide Image Placeholder 1"/>
           <p:cNvSpPr>
             <a:spLocks noChangeAspect="1" noGrp="1" noRot="1"/>
           </p:cNvSpPr>
@@ -2245,7 +2245,7 @@
       </p:sp>
       <p:sp>
         <p:nvSpPr>
-          <p:cNvPr id="3" name="Notes Placeholder 2"/>
+          <p:cNvPr id="967318414" name="Notes Placeholder 2"/>
           <p:cNvSpPr>
             <a:spLocks noGrp="1"/>
           </p:cNvSpPr>
@@ -2267,7 +2267,7 @@
       </p:sp>
       <p:sp>
         <p:nvSpPr>
-          <p:cNvPr id="4" name="Slide Number Placeholder 3"/>
+          <p:cNvPr id="745903863" name="Slide Number Placeholder 3"/>
           <p:cNvSpPr>
             <a:spLocks noGrp="1"/>
           </p:cNvSpPr>
@@ -2318,7 +2318,7 @@
       </p:grpSpPr>
       <p:sp>
         <p:nvSpPr>
-          <p:cNvPr id="2" name="Slide Image Placeholder 1"/>
+          <p:cNvPr id="562750102" name="Slide Image Placeholder 1"/>
           <p:cNvSpPr>
             <a:spLocks noChangeAspect="1" noGrp="1" noRot="1"/>
           </p:cNvSpPr>
@@ -2330,7 +2330,7 @@
       </p:sp>
       <p:sp>
         <p:nvSpPr>
-          <p:cNvPr id="3" name="Notes Placeholder 2"/>
+          <p:cNvPr id="1470251329" name="Notes Placeholder 2"/>
           <p:cNvSpPr>
             <a:spLocks noGrp="1"/>
           </p:cNvSpPr>
@@ -2352,7 +2352,7 @@
       </p:sp>
       <p:sp>
         <p:nvSpPr>
-          <p:cNvPr id="4" name="Slide Number Placeholder 3"/>
+          <p:cNvPr id="952489174" name="Slide Number Placeholder 3"/>
           <p:cNvSpPr>
             <a:spLocks noGrp="1"/>
           </p:cNvSpPr>
@@ -2403,7 +2403,7 @@
       </p:grpSpPr>
       <p:sp>
         <p:nvSpPr>
-          <p:cNvPr id="2" name="Slide Image Placeholder 1"/>
+          <p:cNvPr id="762168519" name="Slide Image Placeholder 1"/>
           <p:cNvSpPr>
             <a:spLocks noChangeAspect="1" noGrp="1" noRot="1"/>
           </p:cNvSpPr>
@@ -2415,7 +2415,7 @@
       </p:sp>
       <p:sp>
         <p:nvSpPr>
-          <p:cNvPr id="3" name="Notes Placeholder 2"/>
+          <p:cNvPr id="438163810" name="Notes Placeholder 2"/>
           <p:cNvSpPr>
             <a:spLocks noGrp="1"/>
           </p:cNvSpPr>
@@ -2437,7 +2437,7 @@
       </p:sp>
       <p:sp>
         <p:nvSpPr>
-          <p:cNvPr id="4" name="Slide Number Placeholder 3"/>
+          <p:cNvPr id="982579496" name="Slide Number Placeholder 3"/>
           <p:cNvSpPr>
             <a:spLocks noGrp="1"/>
           </p:cNvSpPr>
@@ -2488,7 +2488,7 @@
       </p:grpSpPr>
       <p:sp>
         <p:nvSpPr>
-          <p:cNvPr id="1035521280" name="Title 1"/>
+          <p:cNvPr id="289909226" name="Title 1"/>
           <p:cNvSpPr>
             <a:spLocks noGrp="1"/>
           </p:cNvSpPr>
@@ -2523,7 +2523,7 @@
       </p:sp>
       <p:sp>
         <p:nvSpPr>
-          <p:cNvPr id="103497472" name="Subtitle 2"/>
+          <p:cNvPr id="1690017962" name="Subtitle 2"/>
           <p:cNvSpPr>
             <a:spLocks noGrp="1"/>
           </p:cNvSpPr>
@@ -2591,7 +2591,7 @@
       </p:sp>
       <p:sp>
         <p:nvSpPr>
-          <p:cNvPr id="1392526429" name="Date Placeholder 3"/>
+          <p:cNvPr id="1871128229" name="Date Placeholder 3"/>
           <p:cNvSpPr>
             <a:spLocks noGrp="1"/>
           </p:cNvSpPr>
@@ -2617,7 +2617,7 @@
       </p:sp>
       <p:sp>
         <p:nvSpPr>
-          <p:cNvPr id="1144165237" name="Footer Placeholder 4"/>
+          <p:cNvPr id="850722834" name="Footer Placeholder 4"/>
           <p:cNvSpPr>
             <a:spLocks noGrp="1"/>
           </p:cNvSpPr>
@@ -2639,7 +2639,7 @@
       </p:sp>
       <p:sp>
         <p:nvSpPr>
-          <p:cNvPr id="1679606334" name="Slide Number Placeholder 5"/>
+          <p:cNvPr id="1182840682" name="Slide Number Placeholder 5"/>
           <p:cNvSpPr>
             <a:spLocks noGrp="1"/>
           </p:cNvSpPr>
@@ -2690,7 +2690,7 @@
       </p:grpSpPr>
       <p:sp>
         <p:nvSpPr>
-          <p:cNvPr id="1487460846" name="Title 1"/>
+          <p:cNvPr id="1812161396" name="Title 1"/>
           <p:cNvSpPr>
             <a:spLocks noGrp="1"/>
           </p:cNvSpPr>
@@ -2716,7 +2716,7 @@
       </p:sp>
       <p:sp>
         <p:nvSpPr>
-          <p:cNvPr id="896897131" name="Vertical Text Placeholder 2"/>
+          <p:cNvPr id="1943220117" name="Vertical Text Placeholder 2"/>
           <p:cNvSpPr>
             <a:spLocks noGrp="1"/>
           </p:cNvSpPr>
@@ -2782,7 +2782,7 @@
       </p:sp>
       <p:sp>
         <p:nvSpPr>
-          <p:cNvPr id="429828186" name="Date Placeholder 3"/>
+          <p:cNvPr id="1804548533" name="Date Placeholder 3"/>
           <p:cNvSpPr>
             <a:spLocks noGrp="1"/>
           </p:cNvSpPr>
@@ -2808,7 +2808,7 @@
       </p:sp>
       <p:sp>
         <p:nvSpPr>
-          <p:cNvPr id="1518260976" name="Footer Placeholder 4"/>
+          <p:cNvPr id="2106650060" name="Footer Placeholder 4"/>
           <p:cNvSpPr>
             <a:spLocks noGrp="1"/>
           </p:cNvSpPr>
@@ -2830,7 +2830,7 @@
       </p:sp>
       <p:sp>
         <p:nvSpPr>
-          <p:cNvPr id="53747057" name="Slide Number Placeholder 5"/>
+          <p:cNvPr id="1046370981" name="Slide Number Placeholder 5"/>
           <p:cNvSpPr>
             <a:spLocks noGrp="1"/>
           </p:cNvSpPr>
@@ -2881,7 +2881,7 @@
       </p:grpSpPr>
       <p:sp>
         <p:nvSpPr>
-          <p:cNvPr id="608188460" name="Vertical Title 1"/>
+          <p:cNvPr id="1904977087" name="Vertical Title 1"/>
           <p:cNvSpPr>
             <a:spLocks noGrp="1"/>
           </p:cNvSpPr>
@@ -2912,7 +2912,7 @@
       </p:sp>
       <p:sp>
         <p:nvSpPr>
-          <p:cNvPr id="1838669612" name="Vertical Text Placeholder 2"/>
+          <p:cNvPr id="1536254632" name="Vertical Text Placeholder 2"/>
           <p:cNvSpPr>
             <a:spLocks noGrp="1"/>
           </p:cNvSpPr>
@@ -2983,7 +2983,7 @@
       </p:sp>
       <p:sp>
         <p:nvSpPr>
-          <p:cNvPr id="1011028183" name="Date Placeholder 3"/>
+          <p:cNvPr id="810624232" name="Date Placeholder 3"/>
           <p:cNvSpPr>
             <a:spLocks noGrp="1"/>
           </p:cNvSpPr>
@@ -3009,7 +3009,7 @@
       </p:sp>
       <p:sp>
         <p:nvSpPr>
-          <p:cNvPr id="414077866" name="Footer Placeholder 4"/>
+          <p:cNvPr id="1464108123" name="Footer Placeholder 4"/>
           <p:cNvSpPr>
             <a:spLocks noGrp="1"/>
           </p:cNvSpPr>
@@ -3031,7 +3031,7 @@
       </p:sp>
       <p:sp>
         <p:nvSpPr>
-          <p:cNvPr id="1084004592" name="Slide Number Placeholder 5"/>
+          <p:cNvPr id="204506309" name="Slide Number Placeholder 5"/>
           <p:cNvSpPr>
             <a:spLocks noGrp="1"/>
           </p:cNvSpPr>
@@ -3082,7 +3082,7 @@
       </p:grpSpPr>
       <p:sp>
         <p:nvSpPr>
-          <p:cNvPr id="866424280" name="Title 1"/>
+          <p:cNvPr id="315978359" name="Title 1"/>
           <p:cNvSpPr>
             <a:spLocks noGrp="1"/>
           </p:cNvSpPr>
@@ -3108,7 +3108,7 @@
       </p:sp>
       <p:sp>
         <p:nvSpPr>
-          <p:cNvPr id="290840481" name="Content Placeholder 2"/>
+          <p:cNvPr id="1596393054" name="Content Placeholder 2"/>
           <p:cNvSpPr>
             <a:spLocks noGrp="1"/>
           </p:cNvSpPr>
@@ -3174,7 +3174,7 @@
       </p:sp>
       <p:sp>
         <p:nvSpPr>
-          <p:cNvPr id="339599657" name="Date Placeholder 3"/>
+          <p:cNvPr id="2009096853" name="Date Placeholder 3"/>
           <p:cNvSpPr>
             <a:spLocks noGrp="1"/>
           </p:cNvSpPr>
@@ -3200,7 +3200,7 @@
       </p:sp>
       <p:sp>
         <p:nvSpPr>
-          <p:cNvPr id="252669737" name="Footer Placeholder 4"/>
+          <p:cNvPr id="606567235" name="Footer Placeholder 4"/>
           <p:cNvSpPr>
             <a:spLocks noGrp="1"/>
           </p:cNvSpPr>
@@ -3222,7 +3222,7 @@
       </p:sp>
       <p:sp>
         <p:nvSpPr>
-          <p:cNvPr id="1431139899" name="Slide Number Placeholder 5"/>
+          <p:cNvPr id="1647713872" name="Slide Number Placeholder 5"/>
           <p:cNvSpPr>
             <a:spLocks noGrp="1"/>
           </p:cNvSpPr>
@@ -3273,7 +3273,7 @@
       </p:grpSpPr>
       <p:sp>
         <p:nvSpPr>
-          <p:cNvPr id="1178970445" name="Title 1"/>
+          <p:cNvPr id="2105832314" name="Title 1"/>
           <p:cNvSpPr>
             <a:spLocks noGrp="1"/>
           </p:cNvSpPr>
@@ -3308,7 +3308,7 @@
       </p:sp>
       <p:sp>
         <p:nvSpPr>
-          <p:cNvPr id="760506764" name="Text Placeholder 2"/>
+          <p:cNvPr id="451068740" name="Text Placeholder 2"/>
           <p:cNvSpPr>
             <a:spLocks noGrp="1"/>
           </p:cNvSpPr>
@@ -3430,7 +3430,7 @@
       </p:sp>
       <p:sp>
         <p:nvSpPr>
-          <p:cNvPr id="333788419" name="Date Placeholder 3"/>
+          <p:cNvPr id="1758865405" name="Date Placeholder 3"/>
           <p:cNvSpPr>
             <a:spLocks noGrp="1"/>
           </p:cNvSpPr>
@@ -3456,7 +3456,7 @@
       </p:sp>
       <p:sp>
         <p:nvSpPr>
-          <p:cNvPr id="456106470" name="Footer Placeholder 4"/>
+          <p:cNvPr id="1934423224" name="Footer Placeholder 4"/>
           <p:cNvSpPr>
             <a:spLocks noGrp="1"/>
           </p:cNvSpPr>
@@ -3478,7 +3478,7 @@
       </p:sp>
       <p:sp>
         <p:nvSpPr>
-          <p:cNvPr id="1395076405" name="Slide Number Placeholder 5"/>
+          <p:cNvPr id="1154846129" name="Slide Number Placeholder 5"/>
           <p:cNvSpPr>
             <a:spLocks noGrp="1"/>
           </p:cNvSpPr>
@@ -3529,7 +3529,7 @@
       </p:grpSpPr>
       <p:sp>
         <p:nvSpPr>
-          <p:cNvPr id="1488899726" name="Title 1"/>
+          <p:cNvPr id="1809606354" name="Title 1"/>
           <p:cNvSpPr>
             <a:spLocks noGrp="1"/>
           </p:cNvSpPr>
@@ -3555,7 +3555,7 @@
       </p:sp>
       <p:sp>
         <p:nvSpPr>
-          <p:cNvPr id="1708106127" name="Content Placeholder 2"/>
+          <p:cNvPr id="1450511860" name="Content Placeholder 2"/>
           <p:cNvSpPr>
             <a:spLocks noGrp="1"/>
           </p:cNvSpPr>
@@ -3626,7 +3626,7 @@
       </p:sp>
       <p:sp>
         <p:nvSpPr>
-          <p:cNvPr id="1515544875" name="Content Placeholder 3"/>
+          <p:cNvPr id="287545924" name="Content Placeholder 3"/>
           <p:cNvSpPr>
             <a:spLocks noGrp="1"/>
           </p:cNvSpPr>
@@ -3697,7 +3697,7 @@
       </p:sp>
       <p:sp>
         <p:nvSpPr>
-          <p:cNvPr id="753898315" name="Date Placeholder 4"/>
+          <p:cNvPr id="2076487038" name="Date Placeholder 4"/>
           <p:cNvSpPr>
             <a:spLocks noGrp="1"/>
           </p:cNvSpPr>
@@ -3723,7 +3723,7 @@
       </p:sp>
       <p:sp>
         <p:nvSpPr>
-          <p:cNvPr id="726201233" name="Footer Placeholder 5"/>
+          <p:cNvPr id="1388836136" name="Footer Placeholder 5"/>
           <p:cNvSpPr>
             <a:spLocks noGrp="1"/>
           </p:cNvSpPr>
@@ -3745,7 +3745,7 @@
       </p:sp>
       <p:sp>
         <p:nvSpPr>
-          <p:cNvPr id="264490419" name="Slide Number Placeholder 6"/>
+          <p:cNvPr id="2141793065" name="Slide Number Placeholder 6"/>
           <p:cNvSpPr>
             <a:spLocks noGrp="1"/>
           </p:cNvSpPr>
@@ -3796,7 +3796,7 @@
       </p:grpSpPr>
       <p:sp>
         <p:nvSpPr>
-          <p:cNvPr id="566231685" name="Title 1"/>
+          <p:cNvPr id="973459148" name="Title 1"/>
           <p:cNvSpPr>
             <a:spLocks noGrp="1"/>
           </p:cNvSpPr>
@@ -3827,7 +3827,7 @@
       </p:sp>
       <p:sp>
         <p:nvSpPr>
-          <p:cNvPr id="210203279" name="Text Placeholder 2"/>
+          <p:cNvPr id="869480652" name="Text Placeholder 2"/>
           <p:cNvSpPr>
             <a:spLocks noGrp="1"/>
           </p:cNvSpPr>
@@ -3895,7 +3895,7 @@
       </p:sp>
       <p:sp>
         <p:nvSpPr>
-          <p:cNvPr id="572969562" name="Content Placeholder 3"/>
+          <p:cNvPr id="1318941658" name="Content Placeholder 3"/>
           <p:cNvSpPr>
             <a:spLocks noGrp="1"/>
           </p:cNvSpPr>
@@ -3966,7 +3966,7 @@
       </p:sp>
       <p:sp>
         <p:nvSpPr>
-          <p:cNvPr id="280853213" name="Text Placeholder 4"/>
+          <p:cNvPr id="938954510" name="Text Placeholder 4"/>
           <p:cNvSpPr>
             <a:spLocks noGrp="1"/>
           </p:cNvSpPr>
@@ -4034,7 +4034,7 @@
       </p:sp>
       <p:sp>
         <p:nvSpPr>
-          <p:cNvPr id="459031430" name="Content Placeholder 5"/>
+          <p:cNvPr id="1145981606" name="Content Placeholder 5"/>
           <p:cNvSpPr>
             <a:spLocks noGrp="1"/>
           </p:cNvSpPr>
@@ -4105,7 +4105,7 @@
       </p:sp>
       <p:sp>
         <p:nvSpPr>
-          <p:cNvPr id="2062670341" name="Date Placeholder 6"/>
+          <p:cNvPr id="1307709983" name="Date Placeholder 6"/>
           <p:cNvSpPr>
             <a:spLocks noGrp="1"/>
           </p:cNvSpPr>
@@ -4131,7 +4131,7 @@
       </p:sp>
       <p:sp>
         <p:nvSpPr>
-          <p:cNvPr id="101475083" name="Footer Placeholder 7"/>
+          <p:cNvPr id="1204073537" name="Footer Placeholder 7"/>
           <p:cNvSpPr>
             <a:spLocks noGrp="1"/>
           </p:cNvSpPr>
@@ -4153,7 +4153,7 @@
       </p:sp>
       <p:sp>
         <p:nvSpPr>
-          <p:cNvPr id="2321702" name="Slide Number Placeholder 8"/>
+          <p:cNvPr id="610500966" name="Slide Number Placeholder 8"/>
           <p:cNvSpPr>
             <a:spLocks noGrp="1"/>
           </p:cNvSpPr>
@@ -4204,7 +4204,7 @@
       </p:grpSpPr>
       <p:sp>
         <p:nvSpPr>
-          <p:cNvPr id="1074750941" name="Title 1"/>
+          <p:cNvPr id="226841353" name="Title 1"/>
           <p:cNvSpPr>
             <a:spLocks noGrp="1"/>
           </p:cNvSpPr>
@@ -4230,7 +4230,7 @@
       </p:sp>
       <p:sp>
         <p:nvSpPr>
-          <p:cNvPr id="1174512910" name="Date Placeholder 2"/>
+          <p:cNvPr id="9746436" name="Date Placeholder 2"/>
           <p:cNvSpPr>
             <a:spLocks noGrp="1"/>
           </p:cNvSpPr>
@@ -4256,7 +4256,7 @@
       </p:sp>
       <p:sp>
         <p:nvSpPr>
-          <p:cNvPr id="377902354" name="Footer Placeholder 3"/>
+          <p:cNvPr id="1258118729" name="Footer Placeholder 3"/>
           <p:cNvSpPr>
             <a:spLocks noGrp="1"/>
           </p:cNvSpPr>
@@ -4278,7 +4278,7 @@
       </p:sp>
       <p:sp>
         <p:nvSpPr>
-          <p:cNvPr id="1742018775" name="Slide Number Placeholder 4"/>
+          <p:cNvPr id="213827689" name="Slide Number Placeholder 4"/>
           <p:cNvSpPr>
             <a:spLocks noGrp="1"/>
           </p:cNvSpPr>
@@ -4329,7 +4329,7 @@
       </p:grpSpPr>
       <p:sp>
         <p:nvSpPr>
-          <p:cNvPr id="507090464" name="Date Placeholder 1"/>
+          <p:cNvPr id="1862969442" name="Date Placeholder 1"/>
           <p:cNvSpPr>
             <a:spLocks noGrp="1"/>
           </p:cNvSpPr>
@@ -4355,7 +4355,7 @@
       </p:sp>
       <p:sp>
         <p:nvSpPr>
-          <p:cNvPr id="913214258" name="Footer Placeholder 2"/>
+          <p:cNvPr id="484338808" name="Footer Placeholder 2"/>
           <p:cNvSpPr>
             <a:spLocks noGrp="1"/>
           </p:cNvSpPr>
@@ -4377,7 +4377,7 @@
       </p:sp>
       <p:sp>
         <p:nvSpPr>
-          <p:cNvPr id="1096739101" name="Slide Number Placeholder 3"/>
+          <p:cNvPr id="423140805" name="Slide Number Placeholder 3"/>
           <p:cNvSpPr>
             <a:spLocks noGrp="1"/>
           </p:cNvSpPr>
@@ -4428,7 +4428,7 @@
       </p:grpSpPr>
       <p:sp>
         <p:nvSpPr>
-          <p:cNvPr id="67788425" name="Title 1"/>
+          <p:cNvPr id="1883752839" name="Title 1"/>
           <p:cNvSpPr>
             <a:spLocks noGrp="1"/>
           </p:cNvSpPr>
@@ -4463,7 +4463,7 @@
       </p:sp>
       <p:sp>
         <p:nvSpPr>
-          <p:cNvPr id="1467671246" name="Content Placeholder 2"/>
+          <p:cNvPr id="401999427" name="Content Placeholder 2"/>
           <p:cNvSpPr>
             <a:spLocks noGrp="1"/>
           </p:cNvSpPr>
@@ -4562,7 +4562,7 @@
       </p:sp>
       <p:sp>
         <p:nvSpPr>
-          <p:cNvPr id="233553110" name="Text Placeholder 3"/>
+          <p:cNvPr id="615175992" name="Text Placeholder 3"/>
           <p:cNvSpPr>
             <a:spLocks noGrp="1"/>
           </p:cNvSpPr>
@@ -4630,7 +4630,7 @@
       </p:sp>
       <p:sp>
         <p:nvSpPr>
-          <p:cNvPr id="1501138980" name="Date Placeholder 4"/>
+          <p:cNvPr id="1487626482" name="Date Placeholder 4"/>
           <p:cNvSpPr>
             <a:spLocks noGrp="1"/>
           </p:cNvSpPr>
@@ -4656,7 +4656,7 @@
       </p:sp>
       <p:sp>
         <p:nvSpPr>
-          <p:cNvPr id="908071346" name="Footer Placeholder 5"/>
+          <p:cNvPr id="1882283563" name="Footer Placeholder 5"/>
           <p:cNvSpPr>
             <a:spLocks noGrp="1"/>
           </p:cNvSpPr>
@@ -4678,7 +4678,7 @@
       </p:sp>
       <p:sp>
         <p:nvSpPr>
-          <p:cNvPr id="1917998609" name="Slide Number Placeholder 6"/>
+          <p:cNvPr id="325570300" name="Slide Number Placeholder 6"/>
           <p:cNvSpPr>
             <a:spLocks noGrp="1"/>
           </p:cNvSpPr>
@@ -4729,7 +4729,7 @@
       </p:grpSpPr>
       <p:sp>
         <p:nvSpPr>
-          <p:cNvPr id="1072078145" name="Title 1"/>
+          <p:cNvPr id="188778896" name="Title 1"/>
           <p:cNvSpPr>
             <a:spLocks noGrp="1"/>
           </p:cNvSpPr>
@@ -4764,7 +4764,7 @@
       </p:sp>
       <p:sp>
         <p:nvSpPr>
-          <p:cNvPr id="2105897219" name="Picture Placeholder 2"/>
+          <p:cNvPr id="327386191" name="Picture Placeholder 2"/>
           <p:cNvSpPr>
             <a:spLocks noChangeAspect="1" noGrp="1"/>
           </p:cNvSpPr>
@@ -4832,7 +4832,7 @@
       </p:sp>
       <p:sp>
         <p:nvSpPr>
-          <p:cNvPr id="1823960986" name="Text Placeholder 3"/>
+          <p:cNvPr id="1996268972" name="Text Placeholder 3"/>
           <p:cNvSpPr>
             <a:spLocks noGrp="1"/>
           </p:cNvSpPr>
@@ -4900,7 +4900,7 @@
       </p:sp>
       <p:sp>
         <p:nvSpPr>
-          <p:cNvPr id="336811430" name="Date Placeholder 4"/>
+          <p:cNvPr id="524422752" name="Date Placeholder 4"/>
           <p:cNvSpPr>
             <a:spLocks noGrp="1"/>
           </p:cNvSpPr>
@@ -4926,7 +4926,7 @@
       </p:sp>
       <p:sp>
         <p:nvSpPr>
-          <p:cNvPr id="1995032398" name="Footer Placeholder 5"/>
+          <p:cNvPr id="2067604158" name="Footer Placeholder 5"/>
           <p:cNvSpPr>
             <a:spLocks noGrp="1"/>
           </p:cNvSpPr>
@@ -4948,7 +4948,7 @@
       </p:sp>
       <p:sp>
         <p:nvSpPr>
-          <p:cNvPr id="2042585383" name="Slide Number Placeholder 6"/>
+          <p:cNvPr id="1971338498" name="Slide Number Placeholder 6"/>
           <p:cNvSpPr>
             <a:spLocks noGrp="1"/>
           </p:cNvSpPr>
@@ -5004,7 +5004,7 @@
       </p:grpSpPr>
       <p:sp>
         <p:nvSpPr>
-          <p:cNvPr id="436943176" name="Title Placeholder 1"/>
+          <p:cNvPr id="241947088" name="Title Placeholder 1"/>
           <p:cNvSpPr>
             <a:spLocks noGrp="1"/>
           </p:cNvSpPr>
@@ -5040,7 +5040,7 @@
       </p:sp>
       <p:sp>
         <p:nvSpPr>
-          <p:cNvPr id="526583681" name="Text Placeholder 2"/>
+          <p:cNvPr id="323314226" name="Text Placeholder 2"/>
           <p:cNvSpPr>
             <a:spLocks noGrp="1"/>
           </p:cNvSpPr>
@@ -5116,7 +5116,7 @@
       </p:sp>
       <p:sp>
         <p:nvSpPr>
-          <p:cNvPr id="450556264" name="Date Placeholder 3"/>
+          <p:cNvPr id="1651911247" name="Date Placeholder 3"/>
           <p:cNvSpPr>
             <a:spLocks noGrp="1"/>
           </p:cNvSpPr>
@@ -5160,7 +5160,7 @@
       </p:sp>
       <p:sp>
         <p:nvSpPr>
-          <p:cNvPr id="375111201" name="Footer Placeholder 4"/>
+          <p:cNvPr id="259218036" name="Footer Placeholder 4"/>
           <p:cNvSpPr>
             <a:spLocks noGrp="1"/>
           </p:cNvSpPr>
@@ -5200,7 +5200,7 @@
       </p:sp>
       <p:sp>
         <p:nvSpPr>
-          <p:cNvPr id="1624200646" name="Slide Number Placeholder 5"/>
+          <p:cNvPr id="1718501954" name="Slide Number Placeholder 5"/>
           <p:cNvSpPr>
             <a:spLocks noGrp="1"/>
           </p:cNvSpPr>
@@ -5560,7 +5560,7 @@
       </p:grpSpPr>
       <p:sp>
         <p:nvSpPr>
-          <p:cNvPr id="1817838586" name="Title 1"/>
+          <p:cNvPr id="1267199755" name="Title 1"/>
           <p:cNvSpPr>
             <a:spLocks noGrp="1"/>
           </p:cNvSpPr>
@@ -5586,7 +5586,7 @@
       </p:sp>
       <p:sp>
         <p:nvSpPr>
-          <p:cNvPr id="1517767713" name="Subtitle 2"/>
+          <p:cNvPr id="769142353" name="Subtitle 2"/>
           <p:cNvSpPr>
             <a:spLocks noGrp="1"/>
           </p:cNvSpPr>
@@ -5594,7 +5594,12 @@
             <p:ph type="subTitle" idx="1"/>
           </p:nvPr>
         </p:nvSpPr>
-        <p:spPr bwMode="auto"/>
+        <p:spPr bwMode="auto">
+          <a:xfrm>
+            <a:off x="1523999" y="3740943"/>
+            <a:ext cx="9144000" cy="1655761"/>
+          </a:xfrm>
+        </p:spPr>
         <p:txBody>
           <a:bodyPr vertOverflow="overflow" horzOverflow="overflow" vert="horz" wrap="square" lIns="91440" tIns="45720" rIns="91440" bIns="45720" numCol="1" spcCol="0" rtlCol="0" fromWordArt="0" anchor="t" anchorCtr="0" forceAA="0" upright="0" compatLnSpc="0">
             <a:normAutofit/>
@@ -5610,7 +5615,7 @@
             </a:r>
             <a:r>
               <a:rPr lang="en-GB"/>
-              <a:t> Report for </a:t>
+              <a:t> for </a:t>
             </a:r>
             <a:r>
               <a:rPr lang="en-GB"/>
@@ -5633,16 +5638,16 @@
               <a:defRPr/>
             </a:pPr>
             <a:r>
-              <a:rPr lang="en-GB"/>
+              <a:rPr lang="en-GB" b="1"/>
               <a:t>Jeroen Buil</a:t>
             </a:r>
-            <a:endParaRPr lang="en-GB"/>
+            <a:endParaRPr b="1"/>
           </a:p>
         </p:txBody>
       </p:sp>
       <p:pic>
         <p:nvPicPr>
-          <p:cNvPr id="2115047692" name=""/>
+          <p:cNvPr id="100318154" name=""/>
           <p:cNvPicPr>
             <a:picLocks noChangeAspect="1"/>
           </p:cNvPicPr>
@@ -5654,7 +5659,7 @@
         </p:blipFill>
         <p:spPr bwMode="auto">
           <a:xfrm flipH="0" flipV="0">
-            <a:off x="219074" y="107462"/>
+            <a:off x="219074" y="107461"/>
             <a:ext cx="2029799" cy="2029799"/>
           </a:xfrm>
           <a:prstGeom prst="flowChartAlternateProcess">
@@ -5662,32 +5667,6 @@
           </a:prstGeom>
         </p:spPr>
       </p:pic>
-      <p:sp>
-        <p:nvSpPr>
-          <p:cNvPr id="1534023942" name="Slide Number Placeholder 5"/>
-          <p:cNvSpPr>
-            <a:spLocks noGrp="1"/>
-          </p:cNvSpPr>
-          <p:nvPr>
-            <p:ph type="sldNum" sz="quarter" idx="12"/>
-          </p:nvPr>
-        </p:nvSpPr>
-        <p:spPr bwMode="auto"/>
-        <p:txBody>
-          <a:bodyPr/>
-          <a:lstStyle/>
-          <a:p>
-            <a:pPr>
-              <a:defRPr/>
-            </a:pPr>
-            <a:fld id="{DB9D9740-B25B-BF5B-87C8-B0C2890EAF80}" type="slidenum">
-              <a:rPr lang="en-GB"/>
-              <a:t/>
-            </a:fld>
-            <a:endParaRPr/>
-          </a:p>
-        </p:txBody>
-      </p:sp>
     </p:spTree>
   </p:cSld>
   <p:clrMapOvr>
@@ -5723,7 +5702,7 @@
       </p:grpSpPr>
       <p:sp>
         <p:nvSpPr>
-          <p:cNvPr id="1097046342" name="Title 1"/>
+          <p:cNvPr id="1762315501" name="Title 1"/>
           <p:cNvSpPr>
             <a:spLocks noGrp="1"/>
           </p:cNvSpPr>
@@ -5764,14 +5743,14 @@
       </p:sp>
       <p:graphicFrame>
         <p:nvGraphicFramePr>
-          <p:cNvPr id="1582094519" name=""/>
+          <p:cNvPr id="211956688" name=""/>
           <p:cNvGraphicFramePr>
             <a:graphicFrameLocks xmlns:a="http://schemas.openxmlformats.org/drawingml/2006/main"/>
           </p:cNvGraphicFramePr>
           <p:nvPr/>
         </p:nvGraphicFramePr>
         <p:xfrm>
-          <a:off x="550333" y="1415521"/>
+          <a:off x="550333" y="1415520"/>
           <a:ext cx="11091333" cy="1268533"/>
         </p:xfrm>
         <a:graphic>
@@ -6094,7 +6073,7 @@
       </p:graphicFrame>
       <p:pic>
         <p:nvPicPr>
-          <p:cNvPr id="1653924354" name=""/>
+          <p:cNvPr id="1439058873" name=""/>
           <p:cNvPicPr>
             <a:picLocks noChangeAspect="1"/>
           </p:cNvPicPr>
@@ -6106,14 +6085,40 @@
         </p:blipFill>
         <p:spPr bwMode="auto">
           <a:xfrm flipH="0" flipV="0">
-            <a:off x="2410799" y="2750729"/>
-            <a:ext cx="6915150" cy="4113722"/>
+            <a:off x="1779083" y="2786731"/>
+            <a:ext cx="8148592" cy="4028934"/>
           </a:xfrm>
           <a:prstGeom prst="rect">
             <a:avLst/>
           </a:prstGeom>
         </p:spPr>
       </p:pic>
+      <p:sp>
+        <p:nvSpPr>
+          <p:cNvPr id="2034902224" name="Slide Number Placeholder 5"/>
+          <p:cNvSpPr>
+            <a:spLocks noGrp="1"/>
+          </p:cNvSpPr>
+          <p:nvPr>
+            <p:ph type="sldNum" sz="quarter" idx="12"/>
+          </p:nvPr>
+        </p:nvSpPr>
+        <p:spPr bwMode="auto"/>
+        <p:txBody>
+          <a:bodyPr/>
+          <a:lstStyle/>
+          <a:p>
+            <a:pPr>
+              <a:defRPr/>
+            </a:pPr>
+            <a:fld id="{B15C9149-304B-9FD0-2CFE-421B1836A337}" type="slidenum">
+              <a:rPr lang="en-GB"/>
+              <a:t/>
+            </a:fld>
+            <a:endParaRPr/>
+          </a:p>
+        </p:txBody>
+      </p:sp>
     </p:spTree>
   </p:cSld>
   <p:clrMapOvr>
@@ -6149,7 +6154,7 @@
       </p:grpSpPr>
       <p:sp>
         <p:nvSpPr>
-          <p:cNvPr id="274276350" name="Title 1"/>
+          <p:cNvPr id="1143258444" name="Title 1"/>
           <p:cNvSpPr>
             <a:spLocks noGrp="1"/>
           </p:cNvSpPr>
@@ -6221,7 +6226,7 @@
       </p:sp>
       <p:sp>
         <p:nvSpPr>
-          <p:cNvPr id="1678899134" name="Content Placeholder 2"/>
+          <p:cNvPr id="716998796" name="Content Placeholder 2"/>
           <p:cNvSpPr>
             <a:spLocks noGrp="1"/>
           </p:cNvSpPr>
@@ -6348,7 +6353,7 @@
       </p:sp>
       <p:sp>
         <p:nvSpPr>
-          <p:cNvPr id="995768280" name="Content Placeholder 2"/>
+          <p:cNvPr id="141710560" name="Content Placeholder 2"/>
           <p:cNvSpPr>
             <a:spLocks noGrp="1"/>
           </p:cNvSpPr>
@@ -6433,7 +6438,7 @@
       </p:sp>
       <p:pic>
         <p:nvPicPr>
-          <p:cNvPr id="569097536" name=""/>
+          <p:cNvPr id="29288963" name=""/>
           <p:cNvPicPr>
             <a:picLocks noChangeAspect="1"/>
           </p:cNvPicPr>
@@ -6445,14 +6450,40 @@
         </p:blipFill>
         <p:spPr bwMode="auto">
           <a:xfrm flipH="0" flipV="0">
-            <a:off x="25399" y="2727324"/>
-            <a:ext cx="12126574" cy="3982508"/>
+            <a:off x="656165" y="2765004"/>
+            <a:ext cx="10370583" cy="4075843"/>
           </a:xfrm>
           <a:prstGeom prst="rect">
             <a:avLst/>
           </a:prstGeom>
         </p:spPr>
       </p:pic>
+      <p:sp>
+        <p:nvSpPr>
+          <p:cNvPr id="633197536" name="Slide Number Placeholder 5"/>
+          <p:cNvSpPr>
+            <a:spLocks noGrp="1"/>
+          </p:cNvSpPr>
+          <p:nvPr>
+            <p:ph type="sldNum" sz="quarter" idx="12"/>
+          </p:nvPr>
+        </p:nvSpPr>
+        <p:spPr bwMode="auto"/>
+        <p:txBody>
+          <a:bodyPr/>
+          <a:lstStyle/>
+          <a:p>
+            <a:pPr>
+              <a:defRPr/>
+            </a:pPr>
+            <a:fld id="{CD84E863-8F2C-E267-4F28-C9CE09171109}" type="slidenum">
+              <a:rPr lang="en-GB"/>
+              <a:t/>
+            </a:fld>
+            <a:endParaRPr/>
+          </a:p>
+        </p:txBody>
+      </p:sp>
     </p:spTree>
   </p:cSld>
   <p:clrMapOvr>
@@ -6488,7 +6519,7 @@
       </p:grpSpPr>
       <p:sp>
         <p:nvSpPr>
-          <p:cNvPr id="2007681981" name="Title 1"/>
+          <p:cNvPr id="145588437" name="Title 1"/>
           <p:cNvSpPr>
             <a:spLocks noGrp="1"/>
           </p:cNvSpPr>
@@ -6543,7 +6574,7 @@
       </p:sp>
       <p:sp>
         <p:nvSpPr>
-          <p:cNvPr id="759834582" name="Content Placeholder 2"/>
+          <p:cNvPr id="568060823" name="Content Placeholder 2"/>
           <p:cNvSpPr>
             <a:spLocks noGrp="1"/>
           </p:cNvSpPr>
@@ -6616,6 +6647,32 @@
             <a:pPr lvl="1">
               <a:defRPr/>
             </a:pPr>
+            <a:endParaRPr/>
+          </a:p>
+        </p:txBody>
+      </p:sp>
+      <p:sp>
+        <p:nvSpPr>
+          <p:cNvPr id="2066830801" name="Slide Number Placeholder 5"/>
+          <p:cNvSpPr>
+            <a:spLocks noGrp="1"/>
+          </p:cNvSpPr>
+          <p:nvPr>
+            <p:ph type="sldNum" sz="quarter" idx="12"/>
+          </p:nvPr>
+        </p:nvSpPr>
+        <p:spPr bwMode="auto"/>
+        <p:txBody>
+          <a:bodyPr/>
+          <a:lstStyle/>
+          <a:p>
+            <a:pPr>
+              <a:defRPr/>
+            </a:pPr>
+            <a:fld id="{32B90B47-EC0D-FE9C-E788-630D89C65C30}" type="slidenum">
+              <a:rPr lang="en-GB"/>
+              <a:t/>
+            </a:fld>
             <a:endParaRPr/>
           </a:p>
         </p:txBody>
@@ -6655,7 +6712,7 @@
       </p:grpSpPr>
       <p:sp>
         <p:nvSpPr>
-          <p:cNvPr id="32859501" name="Title 1"/>
+          <p:cNvPr id="1952663720" name="Title 1"/>
           <p:cNvSpPr>
             <a:spLocks noGrp="1"/>
           </p:cNvSpPr>
@@ -6727,7 +6784,7 @@
       </p:sp>
       <p:sp>
         <p:nvSpPr>
-          <p:cNvPr id="970081329" name="Content Placeholder 2"/>
+          <p:cNvPr id="1738969834" name="Content Placeholder 2"/>
           <p:cNvSpPr>
             <a:spLocks noGrp="1"/>
           </p:cNvSpPr>
@@ -6735,7 +6792,12 @@
             <p:ph idx="1"/>
           </p:nvPr>
         </p:nvSpPr>
-        <p:spPr bwMode="auto"/>
+        <p:spPr bwMode="auto">
+          <a:xfrm flipH="0" flipV="0">
+            <a:off x="838198" y="1825624"/>
+            <a:ext cx="10515600" cy="4429125"/>
+          </a:xfrm>
+        </p:spPr>
         <p:txBody>
           <a:bodyPr vertOverflow="overflow" horzOverflow="overflow" vert="horz" wrap="square" lIns="91440" tIns="45720" rIns="91440" bIns="45720" numCol="1" spcCol="0" rtlCol="0" fromWordArt="0" anchor="t" anchorCtr="0" forceAA="0" upright="0" compatLnSpc="0">
             <a:normAutofit fontScale="95000" lnSpcReduction="1000"/>
@@ -6829,7 +6891,7 @@
             </a:pPr>
             <a:r>
               <a:rPr/>
-              <a:t>Many categorical variables are unbalanced =&gt; limits sample size</a:t>
+              <a:t>Many categorical variables are unbalanced, can cause bias</a:t>
             </a:r>
             <a:endParaRPr/>
           </a:p>
@@ -6839,7 +6901,7 @@
             </a:pPr>
             <a:r>
               <a:rPr/>
-              <a:t>Helps greatly with explainability!</a:t>
+              <a:t>Simpler method =&gt; easier interpretable results</a:t>
             </a:r>
             <a:endParaRPr/>
           </a:p>
@@ -6847,7 +6909,7 @@
       </p:sp>
       <p:pic>
         <p:nvPicPr>
-          <p:cNvPr id="1801278322" name=""/>
+          <p:cNvPr id="441197239" name=""/>
           <p:cNvPicPr>
             <a:picLocks noChangeAspect="1"/>
           </p:cNvPicPr>
@@ -6869,13 +6931,13 @@
       </p:pic>
       <p:sp>
         <p:nvSpPr>
-          <p:cNvPr id="2069584553" name=""/>
+          <p:cNvPr id="30622142" name=""/>
           <p:cNvSpPr/>
           <p:nvPr/>
         </p:nvSpPr>
         <p:spPr bwMode="auto">
           <a:xfrm rot="0" flipH="0" flipV="0">
-            <a:off x="3001349" y="2646981"/>
+            <a:off x="3001348" y="2646981"/>
             <a:ext cx="2543175" cy="333374"/>
           </a:xfrm>
           <a:prstGeom prst="rightArrow">
@@ -6901,6 +6963,32 @@
             <a:schemeClr val="lt1"/>
           </a:fontRef>
         </p:style>
+      </p:sp>
+      <p:sp>
+        <p:nvSpPr>
+          <p:cNvPr id="2081984144" name="Slide Number Placeholder 5"/>
+          <p:cNvSpPr>
+            <a:spLocks noGrp="1"/>
+          </p:cNvSpPr>
+          <p:nvPr>
+            <p:ph type="sldNum" sz="quarter" idx="12"/>
+          </p:nvPr>
+        </p:nvSpPr>
+        <p:spPr bwMode="auto"/>
+        <p:txBody>
+          <a:bodyPr/>
+          <a:lstStyle/>
+          <a:p>
+            <a:pPr>
+              <a:defRPr/>
+            </a:pPr>
+            <a:fld id="{C8190A6C-1714-44A8-F64D-CE14E1959CA2}" type="slidenum">
+              <a:rPr lang="en-GB"/>
+              <a:t/>
+            </a:fld>
+            <a:endParaRPr/>
+          </a:p>
+        </p:txBody>
       </p:sp>
     </p:spTree>
   </p:cSld>
@@ -6937,7 +7025,7 @@
       </p:grpSpPr>
       <p:sp>
         <p:nvSpPr>
-          <p:cNvPr id="1433673269" name="Title 1"/>
+          <p:cNvPr id="528813040" name="Title 1"/>
           <p:cNvSpPr>
             <a:spLocks noGrp="1"/>
           </p:cNvSpPr>
@@ -6963,7 +7051,7 @@
       </p:sp>
       <p:sp>
         <p:nvSpPr>
-          <p:cNvPr id="901313802" name="Content Placeholder 2"/>
+          <p:cNvPr id="41953045" name="Content Placeholder 2"/>
           <p:cNvSpPr>
             <a:spLocks noGrp="1"/>
           </p:cNvSpPr>
@@ -6973,7 +7061,7 @@
         </p:nvSpPr>
         <p:spPr bwMode="auto">
           <a:xfrm flipH="0" flipV="0">
-            <a:off x="838199" y="4233333"/>
+            <a:off x="838198" y="4233333"/>
             <a:ext cx="10515600" cy="1943629"/>
           </a:xfrm>
         </p:spPr>
@@ -7031,7 +7119,7 @@
       </p:sp>
       <p:graphicFrame>
         <p:nvGraphicFramePr>
-          <p:cNvPr id="481122543" name=""/>
+          <p:cNvPr id="529510488" name=""/>
           <p:cNvGraphicFramePr>
             <a:graphicFrameLocks xmlns:a="http://schemas.openxmlformats.org/drawingml/2006/main"/>
           </p:cNvGraphicFramePr>
@@ -7061,12 +7149,18 @@
                       </a:pPr>
                       <a:r>
                         <a:rPr sz="1600"/>
-                        <a:t>Removed:</a:t>
+                        <a:t>Removed “outliers”</a:t>
                       </a:r>
                       <a:endParaRPr sz="1600"/>
                     </a:p>
                   </a:txBody>
-                  <a:tcPr/>
+                  <a:tcPr>
+                    <a:lnR w="12699" algn="ctr">
+                      <a:solidFill>
+                        <a:srgbClr val="000000"/>
+                      </a:solidFill>
+                    </a:lnR>
+                  </a:tcPr>
                 </a:tc>
                 <a:tc>
                   <a:txBody>
@@ -7082,7 +7176,13 @@
                       <a:endParaRPr sz="1600"/>
                     </a:p>
                   </a:txBody>
-                  <a:tcPr/>
+                  <a:tcPr>
+                    <a:lnL w="12699" algn="ctr">
+                      <a:solidFill>
+                        <a:srgbClr val="000000"/>
+                      </a:solidFill>
+                    </a:lnL>
+                  </a:tcPr>
                 </a:tc>
               </a:tr>
               <a:tr h="289425">
@@ -7118,7 +7218,13 @@
                       <a:endParaRPr sz="1600"/>
                     </a:p>
                   </a:txBody>
-                  <a:tcPr/>
+                  <a:tcPr>
+                    <a:lnR w="12699" algn="ctr">
+                      <a:solidFill>
+                        <a:srgbClr val="000000"/>
+                      </a:solidFill>
+                    </a:lnR>
+                  </a:tcPr>
                 </a:tc>
                 <a:tc>
                   <a:txBody>
@@ -7134,7 +7240,13 @@
                       <a:endParaRPr sz="1600"/>
                     </a:p>
                   </a:txBody>
-                  <a:tcPr/>
+                  <a:tcPr>
+                    <a:lnL w="12699" algn="ctr">
+                      <a:solidFill>
+                        <a:srgbClr val="000000"/>
+                      </a:solidFill>
+                    </a:lnL>
+                  </a:tcPr>
                 </a:tc>
               </a:tr>
               <a:tr h="357674">
@@ -7170,7 +7282,13 @@
                       <a:endParaRPr sz="1600"/>
                     </a:p>
                   </a:txBody>
-                  <a:tcPr/>
+                  <a:tcPr>
+                    <a:lnR w="12699" algn="ctr">
+                      <a:solidFill>
+                        <a:srgbClr val="000000"/>
+                      </a:solidFill>
+                    </a:lnR>
+                  </a:tcPr>
                 </a:tc>
                 <a:tc>
                   <a:txBody>
@@ -7186,7 +7304,13 @@
                       <a:endParaRPr sz="1600"/>
                     </a:p>
                   </a:txBody>
-                  <a:tcPr/>
+                  <a:tcPr>
+                    <a:lnL w="12699" algn="ctr">
+                      <a:solidFill>
+                        <a:srgbClr val="000000"/>
+                      </a:solidFill>
+                    </a:lnL>
+                  </a:tcPr>
                 </a:tc>
               </a:tr>
               <a:tr h="269736">
@@ -7211,7 +7335,13 @@
                       <a:endParaRPr sz="1600"/>
                     </a:p>
                   </a:txBody>
-                  <a:tcPr/>
+                  <a:tcPr>
+                    <a:lnR w="12699" algn="ctr">
+                      <a:solidFill>
+                        <a:srgbClr val="000000"/>
+                      </a:solidFill>
+                    </a:lnR>
+                  </a:tcPr>
                 </a:tc>
                 <a:tc>
                   <a:txBody>
@@ -7234,7 +7364,13 @@
                       <a:endParaRPr sz="1600"/>
                     </a:p>
                   </a:txBody>
-                  <a:tcPr/>
+                  <a:tcPr>
+                    <a:lnL w="12699" algn="ctr">
+                      <a:solidFill>
+                        <a:srgbClr val="000000"/>
+                      </a:solidFill>
+                    </a:lnL>
+                  </a:tcPr>
                 </a:tc>
               </a:tr>
               <a:tr h="269736">
@@ -7259,7 +7395,13 @@
                       <a:endParaRPr sz="1600"/>
                     </a:p>
                   </a:txBody>
-                  <a:tcPr/>
+                  <a:tcPr>
+                    <a:lnR w="12699" algn="ctr">
+                      <a:solidFill>
+                        <a:srgbClr val="000000"/>
+                      </a:solidFill>
+                    </a:lnR>
+                  </a:tcPr>
                 </a:tc>
                 <a:tc>
                   <a:txBody>
@@ -7282,7 +7424,13 @@
                       <a:endParaRPr sz="1600"/>
                     </a:p>
                   </a:txBody>
-                  <a:tcPr/>
+                  <a:tcPr>
+                    <a:lnL w="12699" algn="ctr">
+                      <a:solidFill>
+                        <a:srgbClr val="000000"/>
+                      </a:solidFill>
+                    </a:lnL>
+                  </a:tcPr>
                 </a:tc>
               </a:tr>
               <a:tr h="357674">
@@ -7307,7 +7455,13 @@
                       <a:endParaRPr sz="1600"/>
                     </a:p>
                   </a:txBody>
-                  <a:tcPr/>
+                  <a:tcPr>
+                    <a:lnR w="12699" algn="ctr">
+                      <a:solidFill>
+                        <a:srgbClr val="000000"/>
+                      </a:solidFill>
+                    </a:lnR>
+                  </a:tcPr>
                 </a:tc>
                 <a:tc>
                   <a:txBody>
@@ -7323,13 +7477,45 @@
                       <a:endParaRPr sz="1600"/>
                     </a:p>
                   </a:txBody>
-                  <a:tcPr/>
+                  <a:tcPr>
+                    <a:lnL w="12699" algn="ctr">
+                      <a:solidFill>
+                        <a:srgbClr val="000000"/>
+                      </a:solidFill>
+                    </a:lnL>
+                  </a:tcPr>
                 </a:tc>
               </a:tr>
             </a:tbl>
           </a:graphicData>
         </a:graphic>
       </p:graphicFrame>
+      <p:sp>
+        <p:nvSpPr>
+          <p:cNvPr id="1334733759" name="Slide Number Placeholder 5"/>
+          <p:cNvSpPr>
+            <a:spLocks noGrp="1"/>
+          </p:cNvSpPr>
+          <p:nvPr>
+            <p:ph type="sldNum" sz="quarter" idx="12"/>
+          </p:nvPr>
+        </p:nvSpPr>
+        <p:spPr bwMode="auto"/>
+        <p:txBody>
+          <a:bodyPr/>
+          <a:lstStyle/>
+          <a:p>
+            <a:pPr>
+              <a:defRPr/>
+            </a:pPr>
+            <a:fld id="{8D9B6FA5-03BF-7C5E-DDDE-5D0D181AB787}" type="slidenum">
+              <a:rPr lang="en-GB"/>
+              <a:t/>
+            </a:fld>
+            <a:endParaRPr/>
+          </a:p>
+        </p:txBody>
+      </p:sp>
     </p:spTree>
   </p:cSld>
   <p:clrMapOvr>
@@ -7365,7 +7551,7 @@
       </p:grpSpPr>
       <p:sp>
         <p:nvSpPr>
-          <p:cNvPr id="1958357340" name="Title 1"/>
+          <p:cNvPr id="915909883" name="Title 1"/>
           <p:cNvSpPr>
             <a:spLocks noGrp="1"/>
           </p:cNvSpPr>
@@ -7375,7 +7561,7 @@
         </p:nvSpPr>
         <p:spPr bwMode="auto">
           <a:xfrm flipH="0" flipV="0">
-            <a:off x="933449" y="248708"/>
+            <a:off x="933449" y="248707"/>
             <a:ext cx="10515600" cy="640291"/>
           </a:xfrm>
         </p:spPr>
@@ -7418,528 +7604,91 @@
           </a:p>
         </p:txBody>
       </p:sp>
-      <p:pic>
-        <p:nvPicPr>
-          <p:cNvPr id="105255818" name=""/>
-          <p:cNvPicPr>
-            <a:picLocks noChangeAspect="1"/>
-          </p:cNvPicPr>
-          <p:nvPr/>
-        </p:nvPicPr>
-        <p:blipFill>
-          <a:blip r:embed="rId3"/>
-          <a:stretch/>
-        </p:blipFill>
-        <p:spPr bwMode="auto">
-          <a:xfrm flipH="0" flipV="0">
-            <a:off x="1490710" y="888999"/>
-            <a:ext cx="9821012" cy="5979583"/>
-          </a:xfrm>
-          <a:prstGeom prst="rect">
-            <a:avLst/>
-          </a:prstGeom>
-        </p:spPr>
-      </p:pic>
-      <p:sp>
-        <p:nvSpPr>
-          <p:cNvPr id="1907888926" name=""/>
-          <p:cNvSpPr/>
-          <p:nvPr/>
-        </p:nvSpPr>
-        <p:spPr bwMode="auto">
-          <a:xfrm rot="0" flipH="0" flipV="0">
-            <a:off x="1514499" y="920749"/>
-            <a:ext cx="2487083" cy="2487083"/>
-          </a:xfrm>
-          <a:prstGeom prst="flowChartAlternateProcess">
-            <a:avLst/>
-          </a:prstGeom>
-          <a:noFill/>
-          <a:ln w="28575" cap="flat" cmpd="sng" algn="ctr">
-            <a:solidFill>
-              <a:schemeClr val="accent6">
-                <a:lumMod val="50196"/>
-              </a:schemeClr>
-            </a:solidFill>
-            <a:prstDash val="solid"/>
-            <a:miter lim="800000"/>
-          </a:ln>
-        </p:spPr>
-        <p:style>
-          <a:lnRef idx="2">
-            <a:schemeClr val="accent1">
-              <a:shade val="50000"/>
-            </a:schemeClr>
-          </a:lnRef>
-          <a:fillRef idx="1">
-            <a:schemeClr val="accent1"/>
-          </a:fillRef>
-          <a:effectRef idx="0">
-            <a:schemeClr val="accent1"/>
-          </a:effectRef>
-          <a:fontRef idx="minor">
-            <a:schemeClr val="lt1"/>
-          </a:fontRef>
-        </p:style>
-      </p:sp>
-      <p:sp>
-        <p:nvSpPr>
-          <p:cNvPr id="1050077941" name=""/>
-          <p:cNvSpPr/>
-          <p:nvPr/>
-        </p:nvSpPr>
-        <p:spPr bwMode="auto">
-          <a:xfrm rot="0" flipH="0" flipV="0">
-            <a:off x="1427050" y="3767666"/>
-            <a:ext cx="2574532" cy="2709333"/>
-          </a:xfrm>
-          <a:prstGeom prst="flowChartAlternateProcess">
-            <a:avLst/>
-          </a:prstGeom>
-          <a:noFill/>
-          <a:ln w="28575" cap="flat" cmpd="sng" algn="ctr">
-            <a:solidFill>
-              <a:schemeClr val="accent6">
-                <a:lumMod val="50196"/>
-              </a:schemeClr>
-            </a:solidFill>
-            <a:prstDash val="solid"/>
-            <a:miter lim="800000"/>
-          </a:ln>
-        </p:spPr>
-        <p:style>
-          <a:lnRef idx="2">
-            <a:schemeClr val="accent1">
-              <a:shade val="50000"/>
-            </a:schemeClr>
-          </a:lnRef>
-          <a:fillRef idx="1">
-            <a:schemeClr val="accent1"/>
-          </a:fillRef>
-          <a:effectRef idx="0">
-            <a:schemeClr val="accent1"/>
-          </a:effectRef>
-          <a:fontRef idx="minor">
-            <a:schemeClr val="lt1"/>
-          </a:fontRef>
-        </p:style>
-      </p:sp>
-      <p:sp>
-        <p:nvSpPr>
-          <p:cNvPr id="1187886406" name=""/>
-          <p:cNvSpPr/>
-          <p:nvPr/>
-        </p:nvSpPr>
-        <p:spPr bwMode="auto">
-          <a:xfrm rot="0" flipH="0" flipV="0">
-            <a:off x="3914133" y="3767666"/>
-            <a:ext cx="2574532" cy="2709333"/>
-          </a:xfrm>
-          <a:prstGeom prst="flowChartAlternateProcess">
-            <a:avLst/>
-          </a:prstGeom>
-          <a:noFill/>
-          <a:ln w="28575" cap="flat" cmpd="sng" algn="ctr">
-            <a:solidFill>
-              <a:schemeClr val="accent6">
-                <a:lumMod val="50196"/>
-              </a:schemeClr>
-            </a:solidFill>
-            <a:prstDash val="solid"/>
-            <a:miter lim="800000"/>
-          </a:ln>
-        </p:spPr>
-        <p:style>
-          <a:lnRef idx="2">
-            <a:schemeClr val="accent1">
-              <a:shade val="50000"/>
-            </a:schemeClr>
-          </a:lnRef>
-          <a:fillRef idx="1">
-            <a:schemeClr val="accent1"/>
-          </a:fillRef>
-          <a:effectRef idx="0">
-            <a:schemeClr val="accent1"/>
-          </a:effectRef>
-          <a:fontRef idx="minor">
-            <a:schemeClr val="lt1"/>
-          </a:fontRef>
-        </p:style>
-      </p:sp>
-    </p:spTree>
-  </p:cSld>
-  <p:clrMapOvr>
-    <a:masterClrMapping/>
-  </p:clrMapOvr>
-  <mc:AlternateContent xmlns:mc="http://schemas.openxmlformats.org/markup-compatibility/2006">
-    <mc:Choice xmlns:p159="http://schemas.microsoft.com/office/powerpoint/2015/09/main" xmlns:p14="http://schemas.microsoft.com/office/powerpoint/2010/main" Requires="p159">
-      <p:transition p14:dur="2000" advClick="1"/>
-    </mc:Choice>
-    <mc:Fallback>
-      <p:transition advClick="1"/>
-    </mc:Fallback>
-  </mc:AlternateContent>
-</p:sld>
-</file>
-
-<file path=ppt/slides/slide16.xml><?xml version="1.0" encoding="utf-8"?>
-<p:sld xmlns:a="http://schemas.openxmlformats.org/drawingml/2006/main" xmlns:r="http://schemas.openxmlformats.org/officeDocument/2006/relationships" xmlns:p="http://schemas.openxmlformats.org/presentationml/2006/main" xmlns:m="http://schemas.openxmlformats.org/officeDocument/2006/math" xmlns:w="http://schemas.openxmlformats.org/wordprocessingml/2006/main" xmlns:mc="http://schemas.openxmlformats.org/markup-compatibility/2006" showMasterPhAnim="0" showMasterSp="1" show="1">
-  <p:cSld name="">
-    <p:spTree>
-      <p:nvGrpSpPr>
-        <p:cNvPr id="1" name=""/>
-        <p:cNvGrpSpPr/>
-        <p:nvPr/>
-      </p:nvGrpSpPr>
-      <p:grpSpPr bwMode="auto">
-        <a:xfrm>
-          <a:off x="0" y="0"/>
-          <a:ext cx="0" cy="0"/>
-          <a:chOff x="0" y="0"/>
-          <a:chExt cx="0" cy="0"/>
-        </a:xfrm>
-      </p:grpSpPr>
-      <p:sp>
-        <p:nvSpPr>
-          <p:cNvPr id="594793310" name="Title 1"/>
-          <p:cNvSpPr>
-            <a:spLocks noGrp="1"/>
-          </p:cNvSpPr>
-          <p:nvPr>
-            <p:ph type="title"/>
-          </p:nvPr>
-        </p:nvSpPr>
-        <p:spPr bwMode="auto"/>
-        <p:txBody>
-          <a:bodyPr/>
-          <a:lstStyle/>
-          <a:p>
-            <a:pPr>
-              <a:defRPr/>
-            </a:pPr>
-            <a:r>
-              <a:rPr sz="3400"/>
-              <a:t>Statistical analysis confirms significant (linear) effect</a:t>
-            </a:r>
-            <a:endParaRPr/>
-          </a:p>
-        </p:txBody>
-      </p:sp>
-      <p:pic>
-        <p:nvPicPr>
-          <p:cNvPr id="855637650" name=""/>
-          <p:cNvPicPr>
-            <a:picLocks noChangeAspect="1"/>
-          </p:cNvPicPr>
-          <p:nvPr/>
-        </p:nvPicPr>
-        <p:blipFill>
-          <a:blip r:embed="rId3"/>
-          <a:stretch/>
-        </p:blipFill>
-        <p:spPr bwMode="auto">
-          <a:xfrm flipH="0" flipV="0">
-            <a:off x="5451499" y="1740958"/>
-            <a:ext cx="6683747" cy="4143471"/>
-          </a:xfrm>
-          <a:prstGeom prst="rect">
-            <a:avLst/>
-          </a:prstGeom>
-        </p:spPr>
-      </p:pic>
-      <p:sp>
-        <p:nvSpPr>
-          <p:cNvPr id="378065073" name="Content Placeholder 2"/>
-          <p:cNvSpPr>
-            <a:spLocks noGrp="1"/>
-          </p:cNvSpPr>
-          <p:nvPr>
-            <p:ph idx="1"/>
-          </p:nvPr>
-        </p:nvSpPr>
-        <p:spPr bwMode="auto">
-          <a:xfrm flipH="0" flipV="0">
-            <a:off x="457199" y="1825624"/>
-            <a:ext cx="5745716" cy="4351338"/>
-          </a:xfrm>
-        </p:spPr>
-        <p:txBody>
-          <a:bodyPr/>
-          <a:lstStyle/>
-          <a:p>
-            <a:pPr>
-              <a:defRPr/>
-            </a:pPr>
-            <a:r>
-              <a:rPr sz="2600"/>
-              <a:t>All 3 seem quite logical:</a:t>
-            </a:r>
-            <a:endParaRPr sz="2600"/>
-          </a:p>
-          <a:p>
-            <a:pPr lvl="1">
-              <a:defRPr/>
-            </a:pPr>
-            <a:r>
-              <a:rPr sz="2200" b="1"/>
-              <a:t>Dedication</a:t>
-            </a:r>
-            <a:endParaRPr sz="2600"/>
-          </a:p>
-          <a:p>
-            <a:pPr lvl="2">
-              <a:defRPr/>
-            </a:pPr>
-            <a:r>
-              <a:rPr sz="1800"/>
-              <a:t>Better tracking =&gt; quicker pregnant</a:t>
-            </a:r>
-            <a:endParaRPr sz="2200"/>
-          </a:p>
-          <a:p>
-            <a:pPr lvl="1">
-              <a:defRPr/>
-            </a:pPr>
-            <a:r>
-              <a:rPr sz="2200" b="1"/>
-              <a:t>Intercourse frequency</a:t>
-            </a:r>
-            <a:endParaRPr sz="2600"/>
-          </a:p>
-          <a:p>
-            <a:pPr lvl="2">
-              <a:defRPr/>
-            </a:pPr>
-            <a:r>
-              <a:rPr sz="1800"/>
-              <a:t>Regular intercourse =&gt; quicker pregnant</a:t>
-            </a:r>
-            <a:endParaRPr sz="2200"/>
-          </a:p>
-          <a:p>
-            <a:pPr lvl="1">
-              <a:defRPr/>
-            </a:pPr>
-            <a:r>
-              <a:rPr sz="2200" b="1"/>
-              <a:t>Age</a:t>
-            </a:r>
-            <a:endParaRPr sz="2600"/>
-          </a:p>
-          <a:p>
-            <a:pPr lvl="2">
-              <a:defRPr/>
-            </a:pPr>
-            <a:r>
-              <a:rPr sz="1800"/>
-              <a:t>Younger =&gt; more fertile =&gt; quicker pregnant</a:t>
-            </a:r>
-            <a:endParaRPr/>
-          </a:p>
-        </p:txBody>
-      </p:sp>
-    </p:spTree>
-  </p:cSld>
-  <p:clrMapOvr>
-    <a:masterClrMapping/>
-  </p:clrMapOvr>
-  <mc:AlternateContent xmlns:mc="http://schemas.openxmlformats.org/markup-compatibility/2006">
-    <mc:Choice xmlns:p159="http://schemas.microsoft.com/office/powerpoint/2015/09/main" xmlns:p14="http://schemas.microsoft.com/office/powerpoint/2010/main" Requires="p159">
-      <p:transition p14:dur="2000" advClick="1"/>
-    </mc:Choice>
-    <mc:Fallback>
-      <p:transition advClick="1"/>
-    </mc:Fallback>
-  </mc:AlternateContent>
-</p:sld>
-</file>
-
-<file path=ppt/slides/slide17.xml><?xml version="1.0" encoding="utf-8"?>
-<p:sld xmlns:a="http://schemas.openxmlformats.org/drawingml/2006/main" xmlns:r="http://schemas.openxmlformats.org/officeDocument/2006/relationships" xmlns:p="http://schemas.openxmlformats.org/presentationml/2006/main" xmlns:m="http://schemas.openxmlformats.org/officeDocument/2006/math" xmlns:w="http://schemas.openxmlformats.org/wordprocessingml/2006/main" xmlns:mc="http://schemas.openxmlformats.org/markup-compatibility/2006" showMasterPhAnim="0" showMasterSp="1" show="1">
-  <p:cSld name="">
-    <p:spTree>
-      <p:nvGrpSpPr>
-        <p:cNvPr id="1" name=""/>
-        <p:cNvGrpSpPr/>
-        <p:nvPr/>
-      </p:nvGrpSpPr>
-      <p:grpSpPr bwMode="auto">
-        <a:xfrm>
-          <a:off x="0" y="0"/>
-          <a:ext cx="0" cy="0"/>
-          <a:chOff x="0" y="0"/>
-          <a:chExt cx="0" cy="0"/>
-        </a:xfrm>
-      </p:grpSpPr>
-      <p:sp>
-        <p:nvSpPr>
-          <p:cNvPr id="578873782" name="Title 1"/>
-          <p:cNvSpPr>
-            <a:spLocks noGrp="1"/>
-          </p:cNvSpPr>
-          <p:nvPr>
-            <p:ph type="title"/>
-          </p:nvPr>
-        </p:nvSpPr>
-        <p:spPr bwMode="auto">
-          <a:xfrm>
-            <a:off x="838199" y="219092"/>
-            <a:ext cx="10515600" cy="1325562"/>
-          </a:xfrm>
-        </p:spPr>
-        <p:txBody>
-          <a:bodyPr vertOverflow="overflow" horzOverflow="overflow" vert="horz" wrap="square" lIns="91440" tIns="45720" rIns="91440" bIns="45720" numCol="1" spcCol="0" rtlCol="0" fromWordArt="0" anchor="ctr" anchorCtr="0" forceAA="0" upright="0" compatLnSpc="0">
-            <a:normAutofit/>
-          </a:bodyPr>
-          <a:lstStyle/>
-          <a:p>
-            <a:pPr>
-              <a:defRPr/>
-            </a:pPr>
-            <a:r>
-              <a:rPr sz="3600"/>
-              <a:t>Note! Also non-linear effects visible</a:t>
-            </a:r>
-            <a:br>
-              <a:rPr sz="3600"/>
-            </a:br>
-            <a:r>
-              <a:rPr lang="en-GB" sz="2600" b="0" i="0" u="none" strike="noStrike" cap="none" spc="0">
-                <a:solidFill>
-                  <a:schemeClr val="tx1"/>
-                </a:solidFill>
-                <a:latin typeface="+mj-lt"/>
-                <a:ea typeface="+mj-ea"/>
-                <a:cs typeface="+mj-cs"/>
-              </a:rPr>
-              <a:t>Limitation of linear analysis =&gt; More advanced modelling needed?</a:t>
-            </a:r>
-            <a:endParaRPr sz="3600"/>
-          </a:p>
-        </p:txBody>
-      </p:sp>
-      <p:pic>
-        <p:nvPicPr>
-          <p:cNvPr id="252945293" name=""/>
-          <p:cNvPicPr>
-            <a:picLocks noChangeAspect="1"/>
-          </p:cNvPicPr>
-          <p:nvPr/>
-        </p:nvPicPr>
-        <p:blipFill>
-          <a:blip r:embed="rId3"/>
-          <a:stretch/>
-        </p:blipFill>
-        <p:spPr bwMode="auto">
-          <a:xfrm flipH="0" flipV="0">
-            <a:off x="1535666" y="1390005"/>
-            <a:ext cx="9048749" cy="5509386"/>
-          </a:xfrm>
-          <a:prstGeom prst="rect">
-            <a:avLst/>
-          </a:prstGeom>
-        </p:spPr>
-      </p:pic>
+      <p:sp>
+        <p:nvSpPr>
+          <p:cNvPr id="1472409001" name="Slide Number Placeholder 5"/>
+          <p:cNvSpPr>
+            <a:spLocks noGrp="1"/>
+          </p:cNvSpPr>
+          <p:nvPr>
+            <p:ph type="sldNum" sz="quarter" idx="12"/>
+          </p:nvPr>
+        </p:nvSpPr>
+        <p:spPr bwMode="auto"/>
+        <p:txBody>
+          <a:bodyPr/>
+          <a:lstStyle/>
+          <a:p>
+            <a:pPr>
+              <a:defRPr/>
+            </a:pPr>
+            <a:fld id="{A4E514E4-12ED-30E9-4555-621A0D16660C}" type="slidenum">
+              <a:rPr lang="en-GB"/>
+              <a:t/>
+            </a:fld>
+            <a:endParaRPr/>
+          </a:p>
+        </p:txBody>
+      </p:sp>
       <p:grpSp>
         <p:nvGrpSpPr>
-          <p:cNvPr id="2124178468" name=""/>
+          <p:cNvPr id="224935222" name=""/>
           <p:cNvGrpSpPr/>
           <p:nvPr/>
         </p:nvGrpSpPr>
         <p:grpSpPr bwMode="auto">
           <a:xfrm>
-            <a:off x="4426049" y="1630800"/>
-            <a:ext cx="5914916" cy="3461349"/>
+            <a:off x="1237018" y="867833"/>
+            <a:ext cx="9864737" cy="5979583"/>
             <a:chOff x="0" y="0"/>
-            <a:chExt cx="5914916" cy="3461349"/>
+            <a:chExt cx="9864737" cy="5979583"/>
           </a:xfrm>
         </p:grpSpPr>
+        <p:pic>
+          <p:nvPicPr>
+            <p:cNvPr id="105255818" name=""/>
+            <p:cNvPicPr>
+              <a:picLocks noChangeAspect="1"/>
+            </p:cNvPicPr>
+            <p:nvPr/>
+          </p:nvPicPr>
+          <p:blipFill>
+            <a:blip r:embed="rId3"/>
+            <a:stretch/>
+          </p:blipFill>
+          <p:spPr bwMode="auto">
+            <a:xfrm flipH="0" flipV="0">
+              <a:off x="43724" y="0"/>
+              <a:ext cx="9821012" cy="5979583"/>
+            </a:xfrm>
+            <a:prstGeom prst="rect">
+              <a:avLst/>
+            </a:prstGeom>
+          </p:spPr>
+        </p:pic>
         <p:sp>
           <p:nvSpPr>
-            <p:cNvPr id="1834750762" name=""/>
+            <p:cNvPr id="1907888926" name=""/>
             <p:cNvSpPr/>
             <p:nvPr/>
           </p:nvSpPr>
           <p:spPr bwMode="auto">
             <a:xfrm rot="0" flipH="0" flipV="0">
-              <a:off x="2177566" y="0"/>
-              <a:ext cx="1280583" cy="476249"/>
+              <a:off x="43724" y="0"/>
+              <a:ext cx="2413922" cy="2487083"/>
             </a:xfrm>
-            <a:custGeom>
+            <a:prstGeom prst="flowChartAlternateProcess">
               <a:avLst/>
-              <a:gdLst/>
-              <a:ahLst/>
-              <a:cxnLst/>
-              <a:rect l="l" t="t" r="r" b="b"/>
-              <a:pathLst>
-                <a:path w="43200" h="43200" fill="none" stroke="1" extrusionOk="0">
-                  <a:moveTo>
-                    <a:pt x="0" y="0"/>
-                  </a:moveTo>
-                  <a:cubicBezTo>
-                    <a:pt x="1071" y="2879"/>
-                    <a:pt x="2499" y="4799"/>
-                    <a:pt x="3570" y="7679"/>
-                  </a:cubicBezTo>
-                  <a:cubicBezTo>
-                    <a:pt x="4641" y="9600"/>
-                    <a:pt x="6069" y="11520"/>
-                    <a:pt x="7497" y="14400"/>
-                  </a:cubicBezTo>
-                  <a:cubicBezTo>
-                    <a:pt x="9282" y="17279"/>
-                    <a:pt x="10710" y="19199"/>
-                    <a:pt x="12138" y="21119"/>
-                  </a:cubicBezTo>
-                  <a:cubicBezTo>
-                    <a:pt x="13566" y="24000"/>
-                    <a:pt x="14995" y="25920"/>
-                    <a:pt x="16423" y="27840"/>
-                  </a:cubicBezTo>
-                  <a:cubicBezTo>
-                    <a:pt x="17851" y="29760"/>
-                    <a:pt x="19279" y="31679"/>
-                    <a:pt x="20707" y="33599"/>
-                  </a:cubicBezTo>
-                  <a:cubicBezTo>
-                    <a:pt x="22135" y="35519"/>
-                    <a:pt x="23563" y="36480"/>
-                    <a:pt x="24991" y="37440"/>
-                  </a:cubicBezTo>
-                  <a:cubicBezTo>
-                    <a:pt x="26419" y="39360"/>
-                    <a:pt x="27490" y="41280"/>
-                    <a:pt x="28919" y="42240"/>
-                  </a:cubicBezTo>
-                  <a:cubicBezTo>
-                    <a:pt x="30347" y="43200"/>
-                    <a:pt x="31775" y="43200"/>
-                    <a:pt x="33203" y="42240"/>
-                  </a:cubicBezTo>
-                  <a:cubicBezTo>
-                    <a:pt x="34274" y="40320"/>
-                    <a:pt x="35702" y="39360"/>
-                    <a:pt x="37130" y="37440"/>
-                  </a:cubicBezTo>
-                  <a:cubicBezTo>
-                    <a:pt x="38558" y="35519"/>
-                    <a:pt x="39986" y="34559"/>
-                    <a:pt x="41057" y="32639"/>
-                  </a:cubicBezTo>
-                  <a:quadBezTo>
-                    <a:pt x="42128" y="30719"/>
-                    <a:pt x="43200" y="28800"/>
-                  </a:quadBezTo>
-                </a:path>
-              </a:pathLst>
-            </a:custGeom>
-            <a:ln w="57150" cap="flat" cmpd="sng" algn="ctr">
+            </a:prstGeom>
+            <a:noFill/>
+            <a:ln w="28575" cap="flat" cmpd="sng" algn="ctr">
               <a:solidFill>
-                <a:srgbClr val="FF0000"/>
+                <a:schemeClr val="accent6">
+                  <a:lumMod val="50196"/>
+                </a:schemeClr>
               </a:solidFill>
               <a:prstDash val="solid"/>
               <a:miter lim="800000"/>
-              <a:tailEnd type="triangle"/>
             </a:ln>
           </p:spPr>
           <p:style>
@@ -7961,100 +7710,27 @@
         </p:sp>
         <p:sp>
           <p:nvSpPr>
-            <p:cNvPr id="1604712070" name=""/>
+            <p:cNvPr id="1050077941" name=""/>
             <p:cNvSpPr/>
             <p:nvPr/>
           </p:nvSpPr>
           <p:spPr bwMode="auto">
             <a:xfrm rot="0" flipH="0" flipV="0">
-              <a:off x="4464999" y="2752266"/>
-              <a:ext cx="1449916" cy="709083"/>
+              <a:off x="0" y="2614083"/>
+              <a:ext cx="2457647" cy="2821516"/>
             </a:xfrm>
-            <a:custGeom>
+            <a:prstGeom prst="flowChartAlternateProcess">
               <a:avLst/>
-              <a:gdLst/>
-              <a:ahLst/>
-              <a:cxnLst/>
-              <a:rect l="l" t="t" r="r" b="b"/>
-              <a:pathLst>
-                <a:path w="43200" h="43200" fill="none" stroke="1" extrusionOk="0">
-                  <a:moveTo>
-                    <a:pt x="315" y="43200"/>
-                  </a:moveTo>
-                  <a:cubicBezTo>
-                    <a:pt x="0" y="40620"/>
-                    <a:pt x="0" y="38041"/>
-                    <a:pt x="0" y="35462"/>
-                  </a:cubicBezTo>
-                  <a:cubicBezTo>
-                    <a:pt x="0" y="32883"/>
-                    <a:pt x="315" y="29659"/>
-                    <a:pt x="630" y="27080"/>
-                  </a:cubicBezTo>
-                  <a:cubicBezTo>
-                    <a:pt x="1261" y="25146"/>
-                    <a:pt x="1891" y="23211"/>
-                    <a:pt x="2522" y="21277"/>
-                  </a:cubicBezTo>
-                  <a:cubicBezTo>
-                    <a:pt x="3153" y="18698"/>
-                    <a:pt x="3783" y="16764"/>
-                    <a:pt x="4729" y="14829"/>
-                  </a:cubicBezTo>
-                  <a:cubicBezTo>
-                    <a:pt x="5675" y="13540"/>
-                    <a:pt x="6621" y="11605"/>
-                    <a:pt x="7567" y="10316"/>
-                  </a:cubicBezTo>
-                  <a:cubicBezTo>
-                    <a:pt x="8513" y="9026"/>
-                    <a:pt x="10090" y="7737"/>
-                    <a:pt x="11667" y="6447"/>
-                  </a:cubicBezTo>
-                  <a:cubicBezTo>
-                    <a:pt x="12928" y="5802"/>
-                    <a:pt x="14189" y="5158"/>
-                    <a:pt x="15451" y="3868"/>
-                  </a:cubicBezTo>
-                  <a:cubicBezTo>
-                    <a:pt x="17027" y="3223"/>
-                    <a:pt x="18289" y="2579"/>
-                    <a:pt x="20181" y="1934"/>
-                  </a:cubicBezTo>
-                  <a:cubicBezTo>
-                    <a:pt x="21757" y="1934"/>
-                    <a:pt x="23334" y="644"/>
-                    <a:pt x="24595" y="644"/>
-                  </a:cubicBezTo>
-                  <a:cubicBezTo>
-                    <a:pt x="25856" y="0"/>
-                    <a:pt x="27748" y="0"/>
-                    <a:pt x="29640" y="0"/>
-                  </a:cubicBezTo>
-                  <a:cubicBezTo>
-                    <a:pt x="31532" y="0"/>
-                    <a:pt x="32794" y="0"/>
-                    <a:pt x="34055" y="0"/>
-                  </a:cubicBezTo>
-                  <a:cubicBezTo>
-                    <a:pt x="36578" y="0"/>
-                    <a:pt x="38785" y="644"/>
-                    <a:pt x="40677" y="644"/>
-                  </a:cubicBezTo>
-                  <a:quadBezTo>
-                    <a:pt x="41938" y="1289"/>
-                    <a:pt x="43200" y="1289"/>
-                  </a:quadBezTo>
-                </a:path>
-              </a:pathLst>
-            </a:custGeom>
-            <a:ln w="57150" cap="flat" cmpd="sng" algn="ctr">
+            </a:prstGeom>
+            <a:noFill/>
+            <a:ln w="28575" cap="flat" cmpd="sng" algn="ctr">
               <a:solidFill>
-                <a:srgbClr val="FF0000"/>
+                <a:schemeClr val="accent6">
+                  <a:lumMod val="50196"/>
+                </a:schemeClr>
               </a:solidFill>
               <a:prstDash val="solid"/>
               <a:miter lim="800000"/>
-              <a:tailEnd type="triangle"/>
             </a:ln>
           </p:spPr>
           <p:style>
@@ -8076,89 +7752,171 @@
         </p:sp>
         <p:sp>
           <p:nvSpPr>
-            <p:cNvPr id="151207450" name=""/>
+            <p:cNvPr id="1187886406" name=""/>
             <p:cNvSpPr/>
             <p:nvPr/>
           </p:nvSpPr>
           <p:spPr bwMode="auto">
             <a:xfrm rot="0" flipH="0" flipV="0">
-              <a:off x="0" y="0"/>
-              <a:ext cx="1195916" cy="433916"/>
+              <a:off x="2574532" y="2614083"/>
+              <a:ext cx="2487083" cy="2821516"/>
             </a:xfrm>
-            <a:custGeom>
+            <a:prstGeom prst="flowChartAlternateProcess">
               <a:avLst/>
-              <a:gdLst/>
-              <a:ahLst/>
-              <a:cxnLst/>
-              <a:rect l="l" t="t" r="r" b="b"/>
-              <a:pathLst>
-                <a:path w="43200" h="43200" fill="none" stroke="1" extrusionOk="0">
-                  <a:moveTo>
-                    <a:pt x="0" y="0"/>
-                  </a:moveTo>
-                  <a:cubicBezTo>
-                    <a:pt x="1146" y="2107"/>
-                    <a:pt x="1911" y="5268"/>
-                    <a:pt x="2676" y="8429"/>
-                  </a:cubicBezTo>
-                  <a:cubicBezTo>
-                    <a:pt x="3440" y="12643"/>
-                    <a:pt x="4587" y="16858"/>
-                    <a:pt x="5352" y="20019"/>
-                  </a:cubicBezTo>
-                  <a:cubicBezTo>
-                    <a:pt x="6116" y="23180"/>
-                    <a:pt x="7263" y="26341"/>
-                    <a:pt x="8410" y="28448"/>
-                  </a:cubicBezTo>
-                  <a:cubicBezTo>
-                    <a:pt x="9939" y="31609"/>
-                    <a:pt x="11851" y="34770"/>
-                    <a:pt x="13380" y="35824"/>
-                  </a:cubicBezTo>
-                  <a:cubicBezTo>
-                    <a:pt x="14527" y="37931"/>
-                    <a:pt x="16438" y="40039"/>
-                    <a:pt x="17968" y="42146"/>
-                  </a:cubicBezTo>
-                  <a:cubicBezTo>
-                    <a:pt x="19497" y="43200"/>
-                    <a:pt x="21026" y="43200"/>
-                    <a:pt x="22555" y="43200"/>
-                  </a:cubicBezTo>
-                  <a:cubicBezTo>
-                    <a:pt x="24849" y="43200"/>
-                    <a:pt x="27143" y="43200"/>
-                    <a:pt x="29819" y="42146"/>
-                  </a:cubicBezTo>
-                  <a:cubicBezTo>
-                    <a:pt x="31348" y="41092"/>
-                    <a:pt x="32877" y="38985"/>
-                    <a:pt x="34024" y="36878"/>
-                  </a:cubicBezTo>
-                  <a:cubicBezTo>
-                    <a:pt x="35171" y="34770"/>
-                    <a:pt x="36318" y="31609"/>
-                    <a:pt x="37847" y="27395"/>
-                  </a:cubicBezTo>
-                  <a:cubicBezTo>
-                    <a:pt x="38994" y="25287"/>
-                    <a:pt x="40523" y="23180"/>
-                    <a:pt x="42053" y="20019"/>
-                  </a:cubicBezTo>
-                  <a:lnTo>
-                    <a:pt x="43200" y="17912"/>
-                  </a:lnTo>
-                </a:path>
-              </a:pathLst>
-            </a:custGeom>
-            <a:ln w="57150" cap="flat" cmpd="sng" algn="ctr">
+            </a:prstGeom>
+            <a:noFill/>
+            <a:ln w="28575" cap="flat" cmpd="sng" algn="ctr">
               <a:solidFill>
-                <a:srgbClr val="FF0000"/>
+                <a:schemeClr val="accent6">
+                  <a:lumMod val="50196"/>
+                </a:schemeClr>
               </a:solidFill>
               <a:prstDash val="solid"/>
               <a:miter lim="800000"/>
-              <a:tailEnd type="triangle"/>
+            </a:ln>
+          </p:spPr>
+          <p:style>
+            <a:lnRef idx="2">
+              <a:schemeClr val="accent1">
+                <a:shade val="50000"/>
+              </a:schemeClr>
+            </a:lnRef>
+            <a:fillRef idx="1">
+              <a:schemeClr val="accent1"/>
+            </a:fillRef>
+            <a:effectRef idx="0">
+              <a:schemeClr val="accent1"/>
+            </a:effectRef>
+            <a:fontRef idx="minor">
+              <a:schemeClr val="lt1"/>
+            </a:fontRef>
+          </p:style>
+        </p:sp>
+        <p:sp>
+          <p:nvSpPr>
+            <p:cNvPr id="1979411789" name=""/>
+            <p:cNvSpPr/>
+            <p:nvPr/>
+          </p:nvSpPr>
+          <p:spPr bwMode="auto">
+            <a:xfrm rot="20699978" flipH="0" flipV="0">
+              <a:off x="615686" y="368994"/>
+              <a:ext cx="1269999" cy="158749"/>
+            </a:xfrm>
+            <a:prstGeom prst="rightArrow">
+              <a:avLst>
+                <a:gd name="adj1" fmla="val 50000"/>
+                <a:gd name="adj2" fmla="val 50000"/>
+              </a:avLst>
+            </a:prstGeom>
+            <a:solidFill>
+              <a:srgbClr val="FF0000"/>
+            </a:solidFill>
+            <a:ln w="12700" cap="flat" cmpd="sng" algn="ctr">
+              <a:solidFill>
+                <a:srgbClr val="C00000"/>
+              </a:solidFill>
+              <a:prstDash val="solid"/>
+              <a:miter lim="800000"/>
+            </a:ln>
+          </p:spPr>
+          <p:style>
+            <a:lnRef idx="2">
+              <a:schemeClr val="accent1">
+                <a:shade val="50000"/>
+              </a:schemeClr>
+            </a:lnRef>
+            <a:fillRef idx="1">
+              <a:schemeClr val="accent1"/>
+            </a:fillRef>
+            <a:effectRef idx="0">
+              <a:schemeClr val="accent1"/>
+            </a:effectRef>
+            <a:fontRef idx="minor">
+              <a:schemeClr val="lt1"/>
+            </a:fontRef>
+          </p:style>
+          <p:txBody>
+            <a:bodyPr/>
+            <a:p>
+              <a:pPr>
+                <a:defRPr/>
+              </a:pPr>
+              <a:endParaRPr/>
+            </a:p>
+          </p:txBody>
+        </p:sp>
+        <p:sp>
+          <p:nvSpPr>
+            <p:cNvPr id="510424635" name=""/>
+            <p:cNvSpPr/>
+            <p:nvPr/>
+          </p:nvSpPr>
+          <p:spPr bwMode="auto">
+            <a:xfrm rot="1699759" flipH="0" flipV="0">
+              <a:off x="828339" y="3046728"/>
+              <a:ext cx="1286268" cy="158749"/>
+            </a:xfrm>
+            <a:prstGeom prst="rightArrow">
+              <a:avLst>
+                <a:gd name="adj1" fmla="val 50000"/>
+                <a:gd name="adj2" fmla="val 50000"/>
+              </a:avLst>
+            </a:prstGeom>
+            <a:solidFill>
+              <a:srgbClr val="FF0000"/>
+            </a:solidFill>
+            <a:ln w="12700" cap="flat" cmpd="sng" algn="ctr">
+              <a:solidFill>
+                <a:srgbClr val="C00000"/>
+              </a:solidFill>
+              <a:prstDash val="solid"/>
+              <a:miter lim="800000"/>
+            </a:ln>
+          </p:spPr>
+          <p:style>
+            <a:lnRef idx="2">
+              <a:schemeClr val="accent1">
+                <a:shade val="50000"/>
+              </a:schemeClr>
+            </a:lnRef>
+            <a:fillRef idx="1">
+              <a:schemeClr val="accent1"/>
+            </a:fillRef>
+            <a:effectRef idx="0">
+              <a:schemeClr val="accent1"/>
+            </a:effectRef>
+            <a:fontRef idx="minor">
+              <a:schemeClr val="lt1"/>
+            </a:fontRef>
+          </p:style>
+        </p:sp>
+        <p:sp>
+          <p:nvSpPr>
+            <p:cNvPr id="575366444" name=""/>
+            <p:cNvSpPr/>
+            <p:nvPr/>
+          </p:nvSpPr>
+          <p:spPr bwMode="auto">
+            <a:xfrm rot="1699759" flipH="0" flipV="0">
+              <a:off x="3296697" y="3095761"/>
+              <a:ext cx="1492917" cy="158749"/>
+            </a:xfrm>
+            <a:prstGeom prst="rightArrow">
+              <a:avLst>
+                <a:gd name="adj1" fmla="val 50000"/>
+                <a:gd name="adj2" fmla="val 50000"/>
+              </a:avLst>
+            </a:prstGeom>
+            <a:solidFill>
+              <a:srgbClr val="FF0000"/>
+            </a:solidFill>
+            <a:ln w="12700" cap="flat" cmpd="sng" algn="ctr">
+              <a:solidFill>
+                <a:srgbClr val="C00000"/>
+              </a:solidFill>
+              <a:prstDash val="solid"/>
+              <a:miter lim="800000"/>
             </a:ln>
           </p:spPr>
           <p:style>
@@ -8195,6 +7953,717 @@
 </p:sld>
 </file>
 
+<file path=ppt/slides/slide16.xml><?xml version="1.0" encoding="utf-8"?>
+<p:sld xmlns:a="http://schemas.openxmlformats.org/drawingml/2006/main" xmlns:r="http://schemas.openxmlformats.org/officeDocument/2006/relationships" xmlns:p="http://schemas.openxmlformats.org/presentationml/2006/main" xmlns:m="http://schemas.openxmlformats.org/officeDocument/2006/math" xmlns:w="http://schemas.openxmlformats.org/wordprocessingml/2006/main" xmlns:mc="http://schemas.openxmlformats.org/markup-compatibility/2006" showMasterPhAnim="0" showMasterSp="1" show="1">
+  <p:cSld name="">
+    <p:spTree>
+      <p:nvGrpSpPr>
+        <p:cNvPr id="1" name=""/>
+        <p:cNvGrpSpPr/>
+        <p:nvPr/>
+      </p:nvGrpSpPr>
+      <p:grpSpPr bwMode="auto">
+        <a:xfrm>
+          <a:off x="0" y="0"/>
+          <a:ext cx="0" cy="0"/>
+          <a:chOff x="0" y="0"/>
+          <a:chExt cx="0" cy="0"/>
+        </a:xfrm>
+      </p:grpSpPr>
+      <p:sp>
+        <p:nvSpPr>
+          <p:cNvPr id="802749335" name="Title 1"/>
+          <p:cNvSpPr>
+            <a:spLocks noGrp="1"/>
+          </p:cNvSpPr>
+          <p:nvPr>
+            <p:ph type="title"/>
+          </p:nvPr>
+        </p:nvSpPr>
+        <p:spPr bwMode="auto"/>
+        <p:txBody>
+          <a:bodyPr/>
+          <a:lstStyle/>
+          <a:p>
+            <a:pPr>
+              <a:defRPr/>
+            </a:pPr>
+            <a:r>
+              <a:rPr sz="3400"/>
+              <a:t>Statistical analysis confirms (linear) effect</a:t>
+            </a:r>
+            <a:endParaRPr/>
+          </a:p>
+        </p:txBody>
+      </p:sp>
+      <p:pic>
+        <p:nvPicPr>
+          <p:cNvPr id="186445267" name=""/>
+          <p:cNvPicPr>
+            <a:picLocks noChangeAspect="1"/>
+          </p:cNvPicPr>
+          <p:nvPr/>
+        </p:nvPicPr>
+        <p:blipFill>
+          <a:blip r:embed="rId3"/>
+          <a:stretch/>
+        </p:blipFill>
+        <p:spPr bwMode="auto">
+          <a:xfrm flipH="0" flipV="0">
+            <a:off x="5451499" y="1740958"/>
+            <a:ext cx="6683747" cy="4143471"/>
+          </a:xfrm>
+          <a:prstGeom prst="rect">
+            <a:avLst/>
+          </a:prstGeom>
+        </p:spPr>
+      </p:pic>
+      <p:sp>
+        <p:nvSpPr>
+          <p:cNvPr id="1771330219" name="Content Placeholder 2"/>
+          <p:cNvSpPr>
+            <a:spLocks noGrp="1"/>
+          </p:cNvSpPr>
+          <p:nvPr>
+            <p:ph idx="1"/>
+          </p:nvPr>
+        </p:nvSpPr>
+        <p:spPr bwMode="auto">
+          <a:xfrm flipH="0" flipV="0">
+            <a:off x="457199" y="1825624"/>
+            <a:ext cx="5745716" cy="4351338"/>
+          </a:xfrm>
+        </p:spPr>
+        <p:txBody>
+          <a:bodyPr/>
+          <a:lstStyle/>
+          <a:p>
+            <a:pPr>
+              <a:defRPr/>
+            </a:pPr>
+            <a:r>
+              <a:rPr sz="2600"/>
+              <a:t>All 3 seem quite logical:</a:t>
+            </a:r>
+            <a:endParaRPr sz="2600"/>
+          </a:p>
+          <a:p>
+            <a:pPr lvl="1">
+              <a:defRPr/>
+            </a:pPr>
+            <a:r>
+              <a:rPr sz="2200" b="1"/>
+              <a:t>Dedication</a:t>
+            </a:r>
+            <a:endParaRPr sz="2600"/>
+          </a:p>
+          <a:p>
+            <a:pPr lvl="2">
+              <a:defRPr/>
+            </a:pPr>
+            <a:r>
+              <a:rPr sz="1800"/>
+              <a:t>Better tracking =&gt; quicker pregnant</a:t>
+            </a:r>
+            <a:endParaRPr sz="2200"/>
+          </a:p>
+          <a:p>
+            <a:pPr lvl="1">
+              <a:defRPr/>
+            </a:pPr>
+            <a:r>
+              <a:rPr sz="2200" b="1"/>
+              <a:t>Intercourse frequency</a:t>
+            </a:r>
+            <a:endParaRPr sz="2600"/>
+          </a:p>
+          <a:p>
+            <a:pPr lvl="2">
+              <a:defRPr/>
+            </a:pPr>
+            <a:r>
+              <a:rPr sz="1800"/>
+              <a:t>Regular intercourse =&gt; quicker pregnant</a:t>
+            </a:r>
+            <a:endParaRPr sz="2200"/>
+          </a:p>
+          <a:p>
+            <a:pPr lvl="1">
+              <a:defRPr/>
+            </a:pPr>
+            <a:r>
+              <a:rPr sz="2200" b="1"/>
+              <a:t>Age</a:t>
+            </a:r>
+            <a:endParaRPr sz="2600"/>
+          </a:p>
+          <a:p>
+            <a:pPr lvl="2">
+              <a:defRPr/>
+            </a:pPr>
+            <a:r>
+              <a:rPr sz="1800"/>
+              <a:t>Younger =&gt; more fertile =&gt; quicker pregnant</a:t>
+            </a:r>
+            <a:endParaRPr/>
+          </a:p>
+        </p:txBody>
+      </p:sp>
+      <p:sp>
+        <p:nvSpPr>
+          <p:cNvPr id="1551218878" name="Slide Number Placeholder 5"/>
+          <p:cNvSpPr>
+            <a:spLocks noGrp="1"/>
+          </p:cNvSpPr>
+          <p:nvPr>
+            <p:ph type="sldNum" sz="quarter" idx="12"/>
+          </p:nvPr>
+        </p:nvSpPr>
+        <p:spPr bwMode="auto"/>
+        <p:txBody>
+          <a:bodyPr/>
+          <a:lstStyle/>
+          <a:p>
+            <a:pPr>
+              <a:defRPr/>
+            </a:pPr>
+            <a:fld id="{4CDDFCCF-1F73-F50F-56FF-720C7DFA2984}" type="slidenum">
+              <a:rPr lang="en-GB"/>
+              <a:t/>
+            </a:fld>
+            <a:endParaRPr/>
+          </a:p>
+        </p:txBody>
+      </p:sp>
+    </p:spTree>
+  </p:cSld>
+  <p:clrMapOvr>
+    <a:masterClrMapping/>
+  </p:clrMapOvr>
+  <mc:AlternateContent xmlns:mc="http://schemas.openxmlformats.org/markup-compatibility/2006">
+    <mc:Choice xmlns:p159="http://schemas.microsoft.com/office/powerpoint/2015/09/main" xmlns:p14="http://schemas.microsoft.com/office/powerpoint/2010/main" Requires="p159">
+      <p:transition p14:dur="2000" advClick="1"/>
+    </mc:Choice>
+    <mc:Fallback>
+      <p:transition advClick="1"/>
+    </mc:Fallback>
+  </mc:AlternateContent>
+</p:sld>
+</file>
+
+<file path=ppt/slides/slide17.xml><?xml version="1.0" encoding="utf-8"?>
+<p:sld xmlns:a="http://schemas.openxmlformats.org/drawingml/2006/main" xmlns:r="http://schemas.openxmlformats.org/officeDocument/2006/relationships" xmlns:p="http://schemas.openxmlformats.org/presentationml/2006/main" xmlns:m="http://schemas.openxmlformats.org/officeDocument/2006/math" xmlns:w="http://schemas.openxmlformats.org/wordprocessingml/2006/main" xmlns:mc="http://schemas.openxmlformats.org/markup-compatibility/2006" showMasterPhAnim="0" showMasterSp="1" show="1">
+  <p:cSld name="">
+    <p:spTree>
+      <p:nvGrpSpPr>
+        <p:cNvPr id="1" name=""/>
+        <p:cNvGrpSpPr/>
+        <p:nvPr/>
+      </p:nvGrpSpPr>
+      <p:grpSpPr bwMode="auto">
+        <a:xfrm>
+          <a:off x="0" y="0"/>
+          <a:ext cx="0" cy="0"/>
+          <a:chOff x="0" y="0"/>
+          <a:chExt cx="0" cy="0"/>
+        </a:xfrm>
+      </p:grpSpPr>
+      <p:sp>
+        <p:nvSpPr>
+          <p:cNvPr id="228734359" name="Title 1"/>
+          <p:cNvSpPr>
+            <a:spLocks noGrp="1"/>
+          </p:cNvSpPr>
+          <p:nvPr>
+            <p:ph type="title"/>
+          </p:nvPr>
+        </p:nvSpPr>
+        <p:spPr bwMode="auto">
+          <a:xfrm>
+            <a:off x="838198" y="219091"/>
+            <a:ext cx="10515600" cy="1325562"/>
+          </a:xfrm>
+        </p:spPr>
+        <p:txBody>
+          <a:bodyPr vertOverflow="overflow" horzOverflow="overflow" vert="horz" wrap="square" lIns="91440" tIns="45720" rIns="91440" bIns="45720" numCol="1" spcCol="0" rtlCol="0" fromWordArt="0" anchor="ctr" anchorCtr="0" forceAA="0" upright="0" compatLnSpc="0">
+            <a:normAutofit/>
+          </a:bodyPr>
+          <a:lstStyle/>
+          <a:p>
+            <a:pPr>
+              <a:defRPr/>
+            </a:pPr>
+            <a:r>
+              <a:rPr sz="3600"/>
+              <a:t>Also non-linear effects visible</a:t>
+            </a:r>
+            <a:br>
+              <a:rPr sz="3600"/>
+            </a:br>
+            <a:r>
+              <a:rPr lang="en-GB" sz="2600" b="0" i="0" u="none" strike="noStrike" cap="none" spc="0">
+                <a:solidFill>
+                  <a:schemeClr val="tx1"/>
+                </a:solidFill>
+                <a:latin typeface="+mj-lt"/>
+                <a:ea typeface="+mj-ea"/>
+                <a:cs typeface="+mj-cs"/>
+              </a:rPr>
+              <a:t>Limitation of linear analysis =&gt; </a:t>
+            </a:r>
+            <a:r>
+              <a:rPr lang="en-GB" sz="2600" b="0" i="0" u="sng" strike="noStrike" cap="none" spc="0">
+                <a:solidFill>
+                  <a:schemeClr val="tx1"/>
+                </a:solidFill>
+                <a:latin typeface="Arial"/>
+                <a:ea typeface="Arial"/>
+                <a:cs typeface="Arial"/>
+              </a:rPr>
+              <a:t>More advanced modelling needed</a:t>
+            </a:r>
+            <a:r>
+              <a:rPr lang="en-GB" sz="2600" b="0" i="0" u="none" strike="noStrike" cap="none" spc="0">
+                <a:solidFill>
+                  <a:schemeClr val="tx1"/>
+                </a:solidFill>
+                <a:latin typeface="Arial"/>
+                <a:ea typeface="Arial"/>
+                <a:cs typeface="Arial"/>
+              </a:rPr>
+              <a:t>?</a:t>
+            </a:r>
+            <a:endParaRPr sz="3600"/>
+          </a:p>
+        </p:txBody>
+      </p:sp>
+      <p:sp>
+        <p:nvSpPr>
+          <p:cNvPr id="235715282" name="Slide Number Placeholder 5"/>
+          <p:cNvSpPr>
+            <a:spLocks noGrp="1"/>
+          </p:cNvSpPr>
+          <p:nvPr>
+            <p:ph type="sldNum" sz="quarter" idx="12"/>
+          </p:nvPr>
+        </p:nvSpPr>
+        <p:spPr bwMode="auto"/>
+        <p:txBody>
+          <a:bodyPr/>
+          <a:lstStyle/>
+          <a:p>
+            <a:pPr>
+              <a:defRPr/>
+            </a:pPr>
+            <a:fld id="{3164C57D-E7E8-64A5-1E75-B5C699B10045}" type="slidenum">
+              <a:rPr lang="en-GB"/>
+              <a:t/>
+            </a:fld>
+            <a:endParaRPr/>
+          </a:p>
+        </p:txBody>
+      </p:sp>
+      <p:grpSp>
+        <p:nvGrpSpPr>
+          <p:cNvPr id="1032186282" name=""/>
+          <p:cNvGrpSpPr/>
+          <p:nvPr/>
+        </p:nvGrpSpPr>
+        <p:grpSpPr bwMode="auto">
+          <a:xfrm>
+            <a:off x="1535666" y="1337088"/>
+            <a:ext cx="9048749" cy="5509386"/>
+            <a:chOff x="0" y="0"/>
+            <a:chExt cx="9048749" cy="5509386"/>
+          </a:xfrm>
+        </p:grpSpPr>
+        <p:pic>
+          <p:nvPicPr>
+            <p:cNvPr id="252945293" name=""/>
+            <p:cNvPicPr>
+              <a:picLocks noChangeAspect="1"/>
+            </p:cNvPicPr>
+            <p:nvPr/>
+          </p:nvPicPr>
+          <p:blipFill>
+            <a:blip r:embed="rId3"/>
+            <a:stretch/>
+          </p:blipFill>
+          <p:spPr bwMode="auto">
+            <a:xfrm flipH="0" flipV="0">
+              <a:off x="0" y="0"/>
+              <a:ext cx="9048749" cy="5509386"/>
+            </a:xfrm>
+            <a:prstGeom prst="rect">
+              <a:avLst/>
+            </a:prstGeom>
+          </p:spPr>
+        </p:pic>
+        <p:grpSp>
+          <p:nvGrpSpPr>
+            <p:cNvPr id="2124178468" name=""/>
+            <p:cNvGrpSpPr/>
+            <p:nvPr/>
+          </p:nvGrpSpPr>
+          <p:grpSpPr bwMode="auto">
+            <a:xfrm>
+              <a:off x="2890383" y="293711"/>
+              <a:ext cx="5914916" cy="3461349"/>
+              <a:chOff x="0" y="0"/>
+              <a:chExt cx="5914916" cy="3461349"/>
+            </a:xfrm>
+          </p:grpSpPr>
+          <p:sp>
+            <p:nvSpPr>
+              <p:cNvPr id="1834750762" name=""/>
+              <p:cNvSpPr/>
+              <p:nvPr/>
+            </p:nvSpPr>
+            <p:spPr bwMode="auto">
+              <a:xfrm rot="0" flipH="0" flipV="0">
+                <a:off x="2177566" y="238124"/>
+                <a:ext cx="1280583" cy="476249"/>
+              </a:xfrm>
+              <a:custGeom>
+                <a:avLst/>
+                <a:gdLst/>
+                <a:ahLst/>
+                <a:cxnLst/>
+                <a:rect l="l" t="t" r="r" b="b"/>
+                <a:pathLst>
+                  <a:path w="43200" h="43200" fill="none" stroke="1" extrusionOk="0">
+                    <a:moveTo>
+                      <a:pt x="0" y="0"/>
+                    </a:moveTo>
+                    <a:cubicBezTo>
+                      <a:pt x="1071" y="2879"/>
+                      <a:pt x="2499" y="4799"/>
+                      <a:pt x="3570" y="7679"/>
+                    </a:cubicBezTo>
+                    <a:cubicBezTo>
+                      <a:pt x="4641" y="9600"/>
+                      <a:pt x="6069" y="11520"/>
+                      <a:pt x="7497" y="14400"/>
+                    </a:cubicBezTo>
+                    <a:cubicBezTo>
+                      <a:pt x="9282" y="17279"/>
+                      <a:pt x="10710" y="19199"/>
+                      <a:pt x="12138" y="21119"/>
+                    </a:cubicBezTo>
+                    <a:cubicBezTo>
+                      <a:pt x="13566" y="24000"/>
+                      <a:pt x="14995" y="25920"/>
+                      <a:pt x="16423" y="27840"/>
+                    </a:cubicBezTo>
+                    <a:cubicBezTo>
+                      <a:pt x="17851" y="29760"/>
+                      <a:pt x="19279" y="31679"/>
+                      <a:pt x="20707" y="33599"/>
+                    </a:cubicBezTo>
+                    <a:cubicBezTo>
+                      <a:pt x="22135" y="35519"/>
+                      <a:pt x="23563" y="36480"/>
+                      <a:pt x="24991" y="37440"/>
+                    </a:cubicBezTo>
+                    <a:cubicBezTo>
+                      <a:pt x="26419" y="39360"/>
+                      <a:pt x="27490" y="41280"/>
+                      <a:pt x="28919" y="42240"/>
+                    </a:cubicBezTo>
+                    <a:cubicBezTo>
+                      <a:pt x="30347" y="43200"/>
+                      <a:pt x="31775" y="43200"/>
+                      <a:pt x="33203" y="42240"/>
+                    </a:cubicBezTo>
+                    <a:cubicBezTo>
+                      <a:pt x="34274" y="40320"/>
+                      <a:pt x="35702" y="39360"/>
+                      <a:pt x="37130" y="37440"/>
+                    </a:cubicBezTo>
+                    <a:cubicBezTo>
+                      <a:pt x="38558" y="35519"/>
+                      <a:pt x="39986" y="34559"/>
+                      <a:pt x="41057" y="32639"/>
+                    </a:cubicBezTo>
+                    <a:quadBezTo>
+                      <a:pt x="42128" y="30719"/>
+                      <a:pt x="43200" y="28800"/>
+                    </a:quadBezTo>
+                  </a:path>
+                </a:pathLst>
+              </a:custGeom>
+              <a:ln w="57150" cap="flat" cmpd="sng" algn="ctr">
+                <a:solidFill>
+                  <a:srgbClr val="FF0000"/>
+                </a:solidFill>
+                <a:prstDash val="solid"/>
+                <a:miter lim="800000"/>
+                <a:tailEnd type="triangle"/>
+              </a:ln>
+            </p:spPr>
+            <p:style>
+              <a:lnRef idx="2">
+                <a:schemeClr val="accent1">
+                  <a:shade val="50000"/>
+                </a:schemeClr>
+              </a:lnRef>
+              <a:fillRef idx="1">
+                <a:schemeClr val="accent1"/>
+              </a:fillRef>
+              <a:effectRef idx="0">
+                <a:schemeClr val="accent1"/>
+              </a:effectRef>
+              <a:fontRef idx="minor">
+                <a:schemeClr val="lt1"/>
+              </a:fontRef>
+            </p:style>
+            <p:txBody>
+              <a:bodyPr/>
+              <a:p>
+                <a:pPr>
+                  <a:defRPr/>
+                </a:pPr>
+                <a:endParaRPr/>
+              </a:p>
+            </p:txBody>
+          </p:sp>
+          <p:sp>
+            <p:nvSpPr>
+              <p:cNvPr id="1604712070" name=""/>
+              <p:cNvSpPr/>
+              <p:nvPr/>
+            </p:nvSpPr>
+            <p:spPr bwMode="auto">
+              <a:xfrm rot="0" flipH="0" flipV="0">
+                <a:off x="4464999" y="2752266"/>
+                <a:ext cx="1449916" cy="709083"/>
+              </a:xfrm>
+              <a:custGeom>
+                <a:avLst/>
+                <a:gdLst/>
+                <a:ahLst/>
+                <a:cxnLst/>
+                <a:rect l="l" t="t" r="r" b="b"/>
+                <a:pathLst>
+                  <a:path w="43200" h="43200" fill="none" stroke="1" extrusionOk="0">
+                    <a:moveTo>
+                      <a:pt x="315" y="43200"/>
+                    </a:moveTo>
+                    <a:cubicBezTo>
+                      <a:pt x="0" y="40620"/>
+                      <a:pt x="0" y="38041"/>
+                      <a:pt x="0" y="35462"/>
+                    </a:cubicBezTo>
+                    <a:cubicBezTo>
+                      <a:pt x="0" y="32883"/>
+                      <a:pt x="315" y="29659"/>
+                      <a:pt x="630" y="27080"/>
+                    </a:cubicBezTo>
+                    <a:cubicBezTo>
+                      <a:pt x="1261" y="25146"/>
+                      <a:pt x="1891" y="23211"/>
+                      <a:pt x="2522" y="21277"/>
+                    </a:cubicBezTo>
+                    <a:cubicBezTo>
+                      <a:pt x="3153" y="18698"/>
+                      <a:pt x="3783" y="16764"/>
+                      <a:pt x="4729" y="14829"/>
+                    </a:cubicBezTo>
+                    <a:cubicBezTo>
+                      <a:pt x="5675" y="13540"/>
+                      <a:pt x="6621" y="11605"/>
+                      <a:pt x="7567" y="10316"/>
+                    </a:cubicBezTo>
+                    <a:cubicBezTo>
+                      <a:pt x="8513" y="9026"/>
+                      <a:pt x="10090" y="7737"/>
+                      <a:pt x="11667" y="6447"/>
+                    </a:cubicBezTo>
+                    <a:cubicBezTo>
+                      <a:pt x="12928" y="5802"/>
+                      <a:pt x="14189" y="5158"/>
+                      <a:pt x="15451" y="3868"/>
+                    </a:cubicBezTo>
+                    <a:cubicBezTo>
+                      <a:pt x="17027" y="3223"/>
+                      <a:pt x="18289" y="2579"/>
+                      <a:pt x="20181" y="1934"/>
+                    </a:cubicBezTo>
+                    <a:cubicBezTo>
+                      <a:pt x="21757" y="1934"/>
+                      <a:pt x="23334" y="644"/>
+                      <a:pt x="24595" y="644"/>
+                    </a:cubicBezTo>
+                    <a:cubicBezTo>
+                      <a:pt x="25856" y="0"/>
+                      <a:pt x="27748" y="0"/>
+                      <a:pt x="29640" y="0"/>
+                    </a:cubicBezTo>
+                    <a:cubicBezTo>
+                      <a:pt x="31532" y="0"/>
+                      <a:pt x="32794" y="0"/>
+                      <a:pt x="34055" y="0"/>
+                    </a:cubicBezTo>
+                    <a:cubicBezTo>
+                      <a:pt x="36578" y="0"/>
+                      <a:pt x="38785" y="644"/>
+                      <a:pt x="40677" y="644"/>
+                    </a:cubicBezTo>
+                    <a:quadBezTo>
+                      <a:pt x="41938" y="1289"/>
+                      <a:pt x="43200" y="1289"/>
+                    </a:quadBezTo>
+                  </a:path>
+                </a:pathLst>
+              </a:custGeom>
+              <a:ln w="57150" cap="flat" cmpd="sng" algn="ctr">
+                <a:solidFill>
+                  <a:srgbClr val="FF0000"/>
+                </a:solidFill>
+                <a:prstDash val="solid"/>
+                <a:miter lim="800000"/>
+                <a:tailEnd type="triangle"/>
+              </a:ln>
+            </p:spPr>
+            <p:style>
+              <a:lnRef idx="2">
+                <a:schemeClr val="accent1">
+                  <a:shade val="50000"/>
+                </a:schemeClr>
+              </a:lnRef>
+              <a:fillRef idx="1">
+                <a:schemeClr val="accent1"/>
+              </a:fillRef>
+              <a:effectRef idx="0">
+                <a:schemeClr val="accent1"/>
+              </a:effectRef>
+              <a:fontRef idx="minor">
+                <a:schemeClr val="lt1"/>
+              </a:fontRef>
+            </p:style>
+          </p:sp>
+          <p:sp>
+            <p:nvSpPr>
+              <p:cNvPr id="151207450" name=""/>
+              <p:cNvSpPr/>
+              <p:nvPr/>
+            </p:nvSpPr>
+            <p:spPr bwMode="auto">
+              <a:xfrm rot="0" flipH="0" flipV="0">
+                <a:off x="0" y="0"/>
+                <a:ext cx="1195916" cy="380033"/>
+              </a:xfrm>
+              <a:custGeom>
+                <a:avLst/>
+                <a:gdLst/>
+                <a:ahLst/>
+                <a:cxnLst/>
+                <a:rect l="l" t="t" r="r" b="b"/>
+                <a:pathLst>
+                  <a:path w="43200" h="43200" fill="none" stroke="1" extrusionOk="0">
+                    <a:moveTo>
+                      <a:pt x="0" y="0"/>
+                    </a:moveTo>
+                    <a:cubicBezTo>
+                      <a:pt x="1146" y="2107"/>
+                      <a:pt x="1911" y="5268"/>
+                      <a:pt x="2676" y="8429"/>
+                    </a:cubicBezTo>
+                    <a:cubicBezTo>
+                      <a:pt x="3440" y="12643"/>
+                      <a:pt x="4587" y="16858"/>
+                      <a:pt x="5352" y="20019"/>
+                    </a:cubicBezTo>
+                    <a:cubicBezTo>
+                      <a:pt x="6116" y="23180"/>
+                      <a:pt x="7263" y="26341"/>
+                      <a:pt x="8410" y="28448"/>
+                    </a:cubicBezTo>
+                    <a:cubicBezTo>
+                      <a:pt x="9939" y="31609"/>
+                      <a:pt x="11851" y="34770"/>
+                      <a:pt x="13380" y="35824"/>
+                    </a:cubicBezTo>
+                    <a:cubicBezTo>
+                      <a:pt x="14527" y="37931"/>
+                      <a:pt x="16438" y="40039"/>
+                      <a:pt x="17968" y="42146"/>
+                    </a:cubicBezTo>
+                    <a:cubicBezTo>
+                      <a:pt x="19497" y="43200"/>
+                      <a:pt x="21026" y="43200"/>
+                      <a:pt x="22555" y="43200"/>
+                    </a:cubicBezTo>
+                    <a:cubicBezTo>
+                      <a:pt x="24849" y="43200"/>
+                      <a:pt x="27143" y="43200"/>
+                      <a:pt x="29819" y="42146"/>
+                    </a:cubicBezTo>
+                    <a:cubicBezTo>
+                      <a:pt x="31348" y="41092"/>
+                      <a:pt x="32877" y="38985"/>
+                      <a:pt x="34024" y="36878"/>
+                    </a:cubicBezTo>
+                    <a:cubicBezTo>
+                      <a:pt x="35171" y="34770"/>
+                      <a:pt x="36318" y="31609"/>
+                      <a:pt x="37847" y="27395"/>
+                    </a:cubicBezTo>
+                    <a:cubicBezTo>
+                      <a:pt x="38994" y="25287"/>
+                      <a:pt x="40523" y="23180"/>
+                      <a:pt x="42053" y="20019"/>
+                    </a:cubicBezTo>
+                    <a:lnTo>
+                      <a:pt x="43200" y="17912"/>
+                    </a:lnTo>
+                  </a:path>
+                </a:pathLst>
+              </a:custGeom>
+              <a:ln w="57150" cap="flat" cmpd="sng" algn="ctr">
+                <a:solidFill>
+                  <a:srgbClr val="FF0000"/>
+                </a:solidFill>
+                <a:prstDash val="solid"/>
+                <a:miter lim="800000"/>
+                <a:tailEnd type="triangle"/>
+              </a:ln>
+            </p:spPr>
+            <p:style>
+              <a:lnRef idx="2">
+                <a:schemeClr val="accent1">
+                  <a:shade val="50000"/>
+                </a:schemeClr>
+              </a:lnRef>
+              <a:fillRef idx="1">
+                <a:schemeClr val="accent1"/>
+              </a:fillRef>
+              <a:effectRef idx="0">
+                <a:schemeClr val="accent1"/>
+              </a:effectRef>
+              <a:fontRef idx="minor">
+                <a:schemeClr val="lt1"/>
+              </a:fontRef>
+            </p:style>
+          </p:sp>
+        </p:grpSp>
+      </p:grpSp>
+    </p:spTree>
+  </p:cSld>
+  <p:clrMapOvr>
+    <a:masterClrMapping/>
+  </p:clrMapOvr>
+  <mc:AlternateContent xmlns:mc="http://schemas.openxmlformats.org/markup-compatibility/2006">
+    <mc:Choice xmlns:p159="http://schemas.microsoft.com/office/powerpoint/2015/09/main" xmlns:p14="http://schemas.microsoft.com/office/powerpoint/2010/main" Requires="p159">
+      <p:transition p14:dur="2000" advClick="1"/>
+    </mc:Choice>
+    <mc:Fallback>
+      <p:transition advClick="1"/>
+    </mc:Fallback>
+  </mc:AlternateContent>
+</p:sld>
+</file>
+
 <file path=ppt/slides/slide18.xml><?xml version="1.0" encoding="utf-8"?>
 <p:sld xmlns:a="http://schemas.openxmlformats.org/drawingml/2006/main" xmlns:r="http://schemas.openxmlformats.org/officeDocument/2006/relationships" xmlns:p="http://schemas.openxmlformats.org/presentationml/2006/main" xmlns:m="http://schemas.openxmlformats.org/officeDocument/2006/math" xmlns:w="http://schemas.openxmlformats.org/wordprocessingml/2006/main" xmlns:mc="http://schemas.openxmlformats.org/markup-compatibility/2006" showMasterPhAnim="0" showMasterSp="1" show="1">
   <p:cSld name="">
@@ -8214,7 +8683,7 @@
       </p:grpSpPr>
       <p:sp>
         <p:nvSpPr>
-          <p:cNvPr id="1169009206" name="Title 1"/>
+          <p:cNvPr id="1653544524" name="Title 1"/>
           <p:cNvSpPr>
             <a:spLocks noGrp="1"/>
           </p:cNvSpPr>
@@ -8233,15 +8702,15 @@
               <a:defRPr/>
             </a:pPr>
             <a:r>
-              <a:rPr sz="2600" b="1"/>
+              <a:rPr sz="2700" b="1" u="sng"/>
               <a:t>Q4:</a:t>
             </a:r>
             <a:r>
-              <a:rPr sz="2600" b="0"/>
+              <a:rPr sz="2700" b="0" u="sng"/>
               <a:t> </a:t>
             </a:r>
             <a:r>
-              <a:rPr lang="en-GB" sz="2600" b="0" i="0" u="none" strike="noStrike" cap="none" spc="0">
+              <a:rPr lang="en-GB" sz="2700" b="0" i="0" u="sng" strike="noStrike" cap="none" spc="0">
                 <a:solidFill>
                   <a:schemeClr val="tx1"/>
                 </a:solidFill>
@@ -8252,7 +8721,7 @@
               <a:t>How would your approach change if you were to use different techniques (e.g., ML or non-ML</a:t>
             </a:r>
             <a:r>
-              <a:rPr lang="en-GB" sz="2600" b="0" i="0" u="none" strike="noStrike" cap="none" spc="0">
+              <a:rPr lang="en-GB" sz="2700" b="0" i="0" u="sng" strike="noStrike" cap="none" spc="0">
                 <a:solidFill>
                   <a:schemeClr val="tx1"/>
                 </a:solidFill>
@@ -8263,7 +8732,7 @@
               <a:t> </a:t>
             </a:r>
             <a:r>
-              <a:rPr lang="en-GB" sz="2600" b="0" i="0" u="none" strike="noStrike" cap="none" spc="0">
+              <a:rPr lang="en-GB" sz="2700" b="0" i="0" u="sng" strike="noStrike" cap="none" spc="0">
                 <a:solidFill>
                   <a:schemeClr val="tx1"/>
                 </a:solidFill>
@@ -8285,7 +8754,7 @@
       </p:sp>
       <p:sp>
         <p:nvSpPr>
-          <p:cNvPr id="926738855" name="Content Placeholder 2"/>
+          <p:cNvPr id="676337979" name="Content Placeholder 2"/>
           <p:cNvSpPr>
             <a:spLocks noGrp="1"/>
           </p:cNvSpPr>
@@ -8428,7 +8897,7 @@
                 <a:ea typeface="Arial"/>
                 <a:cs typeface="Arial"/>
               </a:rPr>
-              <a:t>Easier to to discover complex (non-linear) patterns</a:t>
+              <a:t>Easier to to investigate complex (non-linear) patterns</a:t>
             </a:r>
             <a:endParaRPr lang="en-GB" sz="2300" b="0" i="0" u="none" strike="noStrike" cap="none" spc="0">
               <a:solidFill>
@@ -8451,7 +8920,7 @@
                 <a:ea typeface="Arial"/>
                 <a:cs typeface="Arial"/>
               </a:rPr>
-              <a:t>Potentially could give better predictions</a:t>
+              <a:t>Resulting model (potentially) useable for predicting conception time</a:t>
             </a:r>
             <a:endParaRPr lang="en-GB" sz="2300" b="0" i="0" u="none" strike="noStrike" cap="none" spc="0">
               <a:solidFill>
@@ -8465,7 +8934,7 @@
       </p:sp>
       <p:pic>
         <p:nvPicPr>
-          <p:cNvPr id="976206814" name=""/>
+          <p:cNvPr id="1528116213" name=""/>
           <p:cNvPicPr>
             <a:picLocks noChangeAspect="1"/>
           </p:cNvPicPr>
@@ -8488,13 +8957,13 @@
       </p:pic>
       <p:sp>
         <p:nvSpPr>
-          <p:cNvPr id="2130268052" name=""/>
+          <p:cNvPr id="2029754011" name=""/>
           <p:cNvSpPr/>
           <p:nvPr/>
         </p:nvSpPr>
         <p:spPr bwMode="auto">
           <a:xfrm rot="0" flipH="0" flipV="0">
-            <a:off x="3001349" y="3095625"/>
+            <a:off x="3001348" y="3095625"/>
             <a:ext cx="2543175" cy="333373"/>
           </a:xfrm>
           <a:prstGeom prst="rightArrow">
@@ -8520,6 +8989,32 @@
             <a:schemeClr val="lt1"/>
           </a:fontRef>
         </p:style>
+      </p:sp>
+      <p:sp>
+        <p:nvSpPr>
+          <p:cNvPr id="400479550" name="Slide Number Placeholder 5"/>
+          <p:cNvSpPr>
+            <a:spLocks noGrp="1"/>
+          </p:cNvSpPr>
+          <p:nvPr>
+            <p:ph type="sldNum" sz="quarter" idx="12"/>
+          </p:nvPr>
+        </p:nvSpPr>
+        <p:spPr bwMode="auto"/>
+        <p:txBody>
+          <a:bodyPr/>
+          <a:lstStyle/>
+          <a:p>
+            <a:pPr>
+              <a:defRPr/>
+            </a:pPr>
+            <a:fld id="{1ACB5B01-5435-B093-BC71-3134D43C6245}" type="slidenum">
+              <a:rPr lang="en-GB"/>
+              <a:t/>
+            </a:fld>
+            <a:endParaRPr/>
+          </a:p>
+        </p:txBody>
       </p:sp>
     </p:spTree>
   </p:cSld>
@@ -8556,7 +9051,7 @@
       </p:grpSpPr>
       <p:sp>
         <p:nvSpPr>
-          <p:cNvPr id="1526783413" name="Title 1"/>
+          <p:cNvPr id="809266998" name="Title 1"/>
           <p:cNvSpPr>
             <a:spLocks noGrp="1"/>
           </p:cNvSpPr>
@@ -8582,7 +9077,7 @@
       </p:sp>
       <p:sp>
         <p:nvSpPr>
-          <p:cNvPr id="639355881" name="Content Placeholder 2"/>
+          <p:cNvPr id="70828546" name="Content Placeholder 2"/>
           <p:cNvSpPr>
             <a:spLocks noGrp="1"/>
           </p:cNvSpPr>
@@ -8596,6 +9091,9 @@
           <a:lstStyle/>
           <a:p>
             <a:pPr>
+              <a:lnSpc>
+                <a:spcPct val="150000"/>
+              </a:lnSpc>
               <a:defRPr/>
             </a:pPr>
             <a:r>
@@ -8682,12 +9180,65 @@
             </a:pPr>
             <a:r>
               <a:rPr/>
-              <a:t>Note: average performance over 5-fold cross validation shown</a:t>
-            </a:r>
-            <a:endParaRPr/>
-          </a:p>
-        </p:txBody>
-      </p:sp>
+              <a:t>Note: </a:t>
+            </a:r>
+            <a:r>
+              <a:rPr sz="2700"/>
+              <a:t>average performance over 5-fold cross validation is shown</a:t>
+            </a:r>
+            <a:endParaRPr/>
+          </a:p>
+        </p:txBody>
+      </p:sp>
+      <p:sp>
+        <p:nvSpPr>
+          <p:cNvPr id="1440339018" name="Slide Number Placeholder 5"/>
+          <p:cNvSpPr>
+            <a:spLocks noGrp="1"/>
+          </p:cNvSpPr>
+          <p:nvPr>
+            <p:ph type="sldNum" sz="quarter" idx="12"/>
+          </p:nvPr>
+        </p:nvSpPr>
+        <p:spPr bwMode="auto"/>
+        <p:txBody>
+          <a:bodyPr/>
+          <a:lstStyle/>
+          <a:p>
+            <a:pPr>
+              <a:defRPr/>
+            </a:pPr>
+            <a:fld id="{51AEB988-0F21-2847-A817-944795898345}" type="slidenum">
+              <a:rPr lang="en-GB"/>
+              <a:t/>
+            </a:fld>
+            <a:endParaRPr/>
+          </a:p>
+        </p:txBody>
+      </p:sp>
+      <p:pic>
+        <p:nvPicPr>
+          <p:cNvPr id="1312736654" name=""/>
+          <p:cNvPicPr>
+            <a:picLocks noChangeAspect="1"/>
+          </p:cNvPicPr>
+          <p:nvPr/>
+        </p:nvPicPr>
+        <p:blipFill>
+          <a:blip r:embed="rId3"/>
+          <a:srcRect l="20540" t="34166" r="18965" b="31944"/>
+          <a:stretch/>
+        </p:blipFill>
+        <p:spPr bwMode="auto">
+          <a:xfrm flipH="0" flipV="0">
+            <a:off x="7463366" y="243416"/>
+            <a:ext cx="4148666" cy="1291166"/>
+          </a:xfrm>
+          <a:prstGeom prst="rect">
+            <a:avLst/>
+          </a:prstGeom>
+        </p:spPr>
+      </p:pic>
     </p:spTree>
   </p:cSld>
   <p:clrMapOvr>
@@ -8723,7 +9274,7 @@
       </p:grpSpPr>
       <p:sp>
         <p:nvSpPr>
-          <p:cNvPr id="2064447422" name="Title 1"/>
+          <p:cNvPr id="536774379" name="Title 1"/>
           <p:cNvSpPr>
             <a:spLocks noGrp="1"/>
           </p:cNvSpPr>
@@ -8749,7 +9300,7 @@
       </p:sp>
       <p:sp>
         <p:nvSpPr>
-          <p:cNvPr id="1778312718" name="Content Placeholder 2"/>
+          <p:cNvPr id="1285736497" name="Content Placeholder 2"/>
           <p:cNvSpPr>
             <a:spLocks noGrp="1"/>
           </p:cNvSpPr>
@@ -8765,12 +9316,28 @@
           <a:lstStyle/>
           <a:p>
             <a:pPr>
-              <a:defRPr/>
-            </a:pPr>
-            <a:r>
-              <a:rPr sz="2200"/>
+              <a:lnSpc>
+                <a:spcPct val="200000"/>
+              </a:lnSpc>
+              <a:defRPr/>
+            </a:pPr>
+            <a:r>
+              <a:rPr sz="2200" b="1"/>
               <a:t>Introduction</a:t>
             </a:r>
+            <a:endParaRPr sz="2200" b="1"/>
+          </a:p>
+          <a:p>
+            <a:pPr>
+              <a:lnSpc>
+                <a:spcPct val="200000"/>
+              </a:lnSpc>
+              <a:defRPr/>
+            </a:pPr>
+            <a:r>
+              <a:rPr sz="2200" b="1"/>
+              <a:t>Exploratory Data Analysis</a:t>
+            </a:r>
             <a:endParaRPr sz="2200"/>
           </a:p>
           <a:p>
@@ -8778,17 +9345,7 @@
               <a:defRPr/>
             </a:pPr>
             <a:r>
-              <a:rPr sz="2200"/>
-              <a:t>Exploratory Data Analysis</a:t>
-            </a:r>
-            <a:endParaRPr sz="2200"/>
-          </a:p>
-          <a:p>
-            <a:pPr>
-              <a:defRPr/>
-            </a:pPr>
-            <a:r>
-              <a:rPr sz="2200"/>
+              <a:rPr sz="2200" b="1"/>
               <a:t>Questions:</a:t>
             </a:r>
             <a:endParaRPr sz="2200"/>
@@ -8800,7 +9357,7 @@
               <a:defRPr/>
             </a:pPr>
             <a:r>
-              <a:rPr lang="en-GB" sz="2200" b="0" i="0" u="none" strike="noStrike" cap="none" spc="0">
+              <a:rPr lang="en-GB" sz="2200" b="0" i="1" u="none" strike="noStrike" cap="none" spc="0">
                 <a:solidFill>
                   <a:schemeClr val="tx1"/>
                 </a:solidFill>
@@ -8810,7 +9367,7 @@
               </a:rPr>
               <a:t>What is the chance of getting pregnant within 13 cycles?</a:t>
             </a:r>
-            <a:endParaRPr sz="2200" b="0" i="0" u="none" strike="noStrike" cap="none" spc="0">
+            <a:endParaRPr sz="2200" b="0" i="1" u="none" strike="noStrike" cap="none" spc="0">
               <a:solidFill>
                 <a:schemeClr val="tx1"/>
               </a:solidFill>
@@ -8826,7 +9383,7 @@
               <a:defRPr/>
             </a:pPr>
             <a:r>
-              <a:rPr lang="en-GB" sz="2200" b="0" i="0" u="none" strike="noStrike" cap="none" spc="0">
+              <a:rPr lang="en-GB" sz="2200" b="0" i="1" u="none" strike="noStrike" cap="none" spc="0">
                 <a:solidFill>
                   <a:schemeClr val="tx1"/>
                 </a:solidFill>
@@ -8836,7 +9393,7 @@
               </a:rPr>
               <a:t>How long does it usually take to get pregnant?</a:t>
             </a:r>
-            <a:endParaRPr sz="2200" b="0" i="0" u="none" strike="noStrike" cap="none" spc="0">
+            <a:endParaRPr sz="2200" b="0" i="1" u="none" strike="noStrike" cap="none" spc="0">
               <a:solidFill>
                 <a:schemeClr val="tx1"/>
               </a:solidFill>
@@ -8852,7 +9409,7 @@
               <a:defRPr/>
             </a:pPr>
             <a:r>
-              <a:rPr lang="en-GB" sz="2200" b="0" i="0" u="none" strike="noStrike" cap="none" spc="0">
+              <a:rPr lang="en-GB" sz="2200" b="0" i="1" u="none" strike="noStrike" cap="none" spc="0">
                 <a:solidFill>
                   <a:schemeClr val="tx1"/>
                 </a:solidFill>
@@ -8862,7 +9419,7 @@
               </a:rPr>
               <a:t>What factors impact the time it takes to get pregnant?</a:t>
             </a:r>
-            <a:endParaRPr sz="2200" b="0" i="0" u="none" strike="noStrike" cap="none" spc="0">
+            <a:endParaRPr sz="2200" b="0" i="1" u="none" strike="noStrike" cap="none" spc="0">
               <a:solidFill>
                 <a:schemeClr val="tx1"/>
               </a:solidFill>
@@ -8878,7 +9435,7 @@
               <a:defRPr/>
             </a:pPr>
             <a:r>
-              <a:rPr lang="en-GB" sz="2200" b="0" i="0" u="none" strike="noStrike" cap="none" spc="0">
+              <a:rPr lang="en-GB" sz="2200" b="0" i="1" u="none" strike="noStrike" cap="none" spc="0">
                 <a:solidFill>
                   <a:schemeClr val="tx1"/>
                 </a:solidFill>
@@ -8889,7 +9446,7 @@
               <a:t>ML vs non-ML</a:t>
             </a:r>
             <a:r>
-              <a:rPr lang="en-GB" sz="2200" b="0" i="0" u="none" strike="noStrike" cap="none" spc="0">
+              <a:rPr lang="en-GB" sz="2200" b="0" i="1" u="none" strike="noStrike" cap="none" spc="0">
                 <a:solidFill>
                   <a:schemeClr val="tx1"/>
                 </a:solidFill>
@@ -8899,7 +9456,7 @@
               <a:t> </a:t>
             </a:r>
             <a:r>
-              <a:rPr lang="en-GB" sz="2200" b="0" i="0" u="none" strike="noStrike" cap="none" spc="0">
+              <a:rPr lang="en-GB" sz="2200" b="0" i="1" u="none" strike="noStrike" cap="none" spc="0">
                 <a:solidFill>
                   <a:schemeClr val="tx1"/>
                 </a:solidFill>
@@ -8921,6 +9478,32 @@
             <a:pPr>
               <a:defRPr/>
             </a:pPr>
+            <a:endParaRPr/>
+          </a:p>
+        </p:txBody>
+      </p:sp>
+      <p:sp>
+        <p:nvSpPr>
+          <p:cNvPr id="1983857654" name="Slide Number Placeholder 5"/>
+          <p:cNvSpPr>
+            <a:spLocks noGrp="1"/>
+          </p:cNvSpPr>
+          <p:nvPr>
+            <p:ph type="sldNum" sz="quarter" idx="12"/>
+          </p:nvPr>
+        </p:nvSpPr>
+        <p:spPr bwMode="auto"/>
+        <p:txBody>
+          <a:bodyPr/>
+          <a:lstStyle/>
+          <a:p>
+            <a:pPr>
+              <a:defRPr/>
+            </a:pPr>
+            <a:fld id="{46402F81-D994-B184-C4F3-8AA6DFC343BA}" type="slidenum">
+              <a:rPr lang="en-GB"/>
+              <a:t/>
+            </a:fld>
             <a:endParaRPr/>
           </a:p>
         </p:txBody>
@@ -8958,71 +9541,9 @@
           <a:chExt cx="0" cy="0"/>
         </a:xfrm>
       </p:grpSpPr>
-      <p:sp>
-        <p:nvSpPr>
-          <p:cNvPr id="559771013" name="Title 1"/>
-          <p:cNvSpPr>
-            <a:spLocks noGrp="1"/>
-          </p:cNvSpPr>
-          <p:nvPr>
-            <p:ph type="title"/>
-          </p:nvPr>
-        </p:nvSpPr>
-        <p:spPr bwMode="auto">
-          <a:xfrm flipH="0" flipV="0">
-            <a:off x="838199" y="365124"/>
-            <a:ext cx="10515600" cy="1105958"/>
-          </a:xfrm>
-        </p:spPr>
-        <p:txBody>
-          <a:bodyPr/>
-          <a:lstStyle/>
-          <a:p>
-            <a:pPr>
-              <a:defRPr/>
-            </a:pPr>
-            <a:r>
-              <a:rPr sz="3600" b="0"/>
-              <a:t>Poor performance XGBoost regression model...</a:t>
-            </a:r>
-            <a:endParaRPr sz="3600"/>
-          </a:p>
-        </p:txBody>
-      </p:sp>
-      <p:sp>
-        <p:nvSpPr>
-          <p:cNvPr id="1966690621" name="Content Placeholder 2"/>
-          <p:cNvSpPr>
-            <a:spLocks noGrp="1"/>
-          </p:cNvSpPr>
-          <p:nvPr>
-            <p:ph idx="1"/>
-          </p:nvPr>
-        </p:nvSpPr>
-        <p:spPr bwMode="auto">
-          <a:xfrm flipH="0" flipV="0">
-            <a:off x="5927749" y="1386416"/>
-            <a:ext cx="5426049" cy="963083"/>
-          </a:xfrm>
-        </p:spPr>
-        <p:txBody>
-          <a:bodyPr/>
-          <a:lstStyle/>
-          <a:p>
-            <a:pPr>
-              <a:defRPr/>
-            </a:pPr>
-            <a:r>
-              <a:rPr sz="2400"/>
-              <a:t>Likely due to data imbalance:</a:t>
-            </a:r>
-            <a:endParaRPr sz="2400"/>
-          </a:p>
-        </p:txBody>
-      </p:sp>
       <p:pic>
         <p:nvPicPr>
-          <p:cNvPr id="1277377169" name=""/>
+          <p:cNvPr id="1791423389" name=""/>
           <p:cNvPicPr>
             <a:picLocks noChangeAspect="1"/>
           </p:cNvPicPr>
@@ -9030,11 +9551,100 @@
         </p:nvPicPr>
         <p:blipFill>
           <a:blip r:embed="rId3"/>
+          <a:srcRect l="70234" t="0" r="0" b="0"/>
           <a:stretch/>
         </p:blipFill>
         <p:spPr bwMode="auto">
           <a:xfrm flipH="0" flipV="0">
-            <a:off x="144286" y="1619249"/>
+            <a:off x="6826274" y="2029279"/>
+            <a:ext cx="3628999" cy="4791696"/>
+          </a:xfrm>
+          <a:prstGeom prst="rect">
+            <a:avLst/>
+          </a:prstGeom>
+        </p:spPr>
+      </p:pic>
+      <p:sp>
+        <p:nvSpPr>
+          <p:cNvPr id="144868505" name="Title 1"/>
+          <p:cNvSpPr>
+            <a:spLocks noGrp="1"/>
+          </p:cNvSpPr>
+          <p:nvPr>
+            <p:ph type="title"/>
+          </p:nvPr>
+        </p:nvSpPr>
+        <p:spPr bwMode="auto">
+          <a:xfrm flipH="0" flipV="0">
+            <a:off x="838198" y="365124"/>
+            <a:ext cx="10515600" cy="1105958"/>
+          </a:xfrm>
+        </p:spPr>
+        <p:txBody>
+          <a:bodyPr/>
+          <a:lstStyle/>
+          <a:p>
+            <a:pPr>
+              <a:defRPr/>
+            </a:pPr>
+            <a:r>
+              <a:rPr sz="3600" b="0"/>
+              <a:t>Poor performance XGBoost regression model...</a:t>
+            </a:r>
+            <a:endParaRPr sz="3600"/>
+          </a:p>
+        </p:txBody>
+      </p:sp>
+      <p:sp>
+        <p:nvSpPr>
+          <p:cNvPr id="1270983680" name="Content Placeholder 2"/>
+          <p:cNvSpPr>
+            <a:spLocks noGrp="1"/>
+          </p:cNvSpPr>
+          <p:nvPr>
+            <p:ph idx="1"/>
+          </p:nvPr>
+        </p:nvSpPr>
+        <p:spPr bwMode="auto">
+          <a:xfrm flipH="0" flipV="0">
+            <a:off x="6095999" y="1471083"/>
+            <a:ext cx="5426049" cy="963083"/>
+          </a:xfrm>
+        </p:spPr>
+        <p:txBody>
+          <a:bodyPr/>
+          <a:lstStyle/>
+          <a:p>
+            <a:pPr>
+              <a:defRPr/>
+            </a:pPr>
+            <a:r>
+              <a:rPr sz="2400"/>
+              <a:t>Likely due to </a:t>
+            </a:r>
+            <a:r>
+              <a:rPr sz="2400" b="1"/>
+              <a:t>data imbalance</a:t>
+            </a:r>
+            <a:endParaRPr sz="2400"/>
+          </a:p>
+        </p:txBody>
+      </p:sp>
+      <p:pic>
+        <p:nvPicPr>
+          <p:cNvPr id="208100064" name=""/>
+          <p:cNvPicPr>
+            <a:picLocks noChangeAspect="1"/>
+          </p:cNvPicPr>
+          <p:nvPr/>
+        </p:nvPicPr>
+        <p:blipFill>
+          <a:blip r:embed="rId4"/>
+          <a:stretch/>
+        </p:blipFill>
+        <p:spPr bwMode="auto">
+          <a:xfrm flipH="0" flipV="0">
+            <a:off x="228953" y="1619249"/>
             <a:ext cx="5171939" cy="5164444"/>
           </a:xfrm>
           <a:prstGeom prst="rect">
@@ -9042,140 +9652,165 @@
           </a:prstGeom>
         </p:spPr>
       </p:pic>
-      <p:grpSp>
-        <p:nvGrpSpPr>
-          <p:cNvPr id="255243829" name=""/>
-          <p:cNvGrpSpPr/>
+      <p:sp>
+        <p:nvSpPr>
+          <p:cNvPr id="2109607220" name=""/>
+          <p:cNvSpPr/>
           <p:nvPr/>
-        </p:nvGrpSpPr>
-        <p:grpSpPr bwMode="auto">
-          <a:xfrm>
-            <a:off x="6552166" y="1979083"/>
-            <a:ext cx="4000500" cy="4741333"/>
-            <a:chOff x="0" y="0"/>
-            <a:chExt cx="4000500" cy="4741333"/>
+        </p:nvSpPr>
+        <p:spPr bwMode="auto">
+          <a:xfrm rot="0" flipH="0" flipV="0">
+            <a:off x="7102499" y="2656416"/>
+            <a:ext cx="698499" cy="3386666"/>
           </a:xfrm>
-        </p:grpSpPr>
-        <p:pic>
-          <p:nvPicPr>
-            <p:cNvPr id="953156073" name=""/>
-            <p:cNvPicPr>
-              <a:picLocks noChangeAspect="1"/>
-            </p:cNvPicPr>
-            <p:nvPr/>
-          </p:nvPicPr>
-          <p:blipFill>
-            <a:blip r:embed="rId4"/>
-            <a:srcRect l="0" t="0" r="67123" b="0"/>
-            <a:stretch/>
-          </p:blipFill>
-          <p:spPr bwMode="auto">
-            <a:xfrm flipH="0" flipV="0">
-              <a:off x="13733" y="649176"/>
-              <a:ext cx="3986766" cy="3982507"/>
-            </a:xfrm>
-            <a:prstGeom prst="rect">
-              <a:avLst/>
-            </a:prstGeom>
-          </p:spPr>
-        </p:pic>
-        <p:sp>
-          <p:nvSpPr>
-            <p:cNvPr id="1145932431" name=""/>
-            <p:cNvSpPr/>
-            <p:nvPr/>
-          </p:nvSpPr>
-          <p:spPr bwMode="auto">
-            <a:xfrm rot="0" flipH="0" flipV="0">
-              <a:off x="0" y="0"/>
-              <a:ext cx="1460499" cy="4741333"/>
-            </a:xfrm>
-            <a:prstGeom prst="flowChartAlternateProcess">
-              <a:avLst/>
-            </a:prstGeom>
-            <a:noFill/>
-            <a:ln w="38099" cap="flat" cmpd="sng" algn="ctr">
+          <a:prstGeom prst="flowChartAlternateProcess">
+            <a:avLst/>
+          </a:prstGeom>
+          <a:noFill/>
+          <a:ln w="38099" cap="flat" cmpd="sng" algn="ctr">
+            <a:solidFill>
+              <a:srgbClr val="C00000"/>
+            </a:solidFill>
+            <a:prstDash val="sysDot"/>
+            <a:miter lim="800000"/>
+          </a:ln>
+        </p:spPr>
+        <p:style>
+          <a:lnRef idx="2">
+            <a:schemeClr val="accent1">
+              <a:shade val="50000"/>
+            </a:schemeClr>
+          </a:lnRef>
+          <a:fillRef idx="1">
+            <a:schemeClr val="accent1"/>
+          </a:fillRef>
+          <a:effectRef idx="0">
+            <a:schemeClr val="accent1"/>
+          </a:effectRef>
+          <a:fontRef idx="minor">
+            <a:schemeClr val="lt1"/>
+          </a:fontRef>
+        </p:style>
+      </p:sp>
+      <p:sp>
+        <p:nvSpPr>
+          <p:cNvPr id="1189849558" name=""/>
+          <p:cNvSpPr txBox="1"/>
+          <p:nvPr/>
+        </p:nvSpPr>
+        <p:spPr bwMode="auto">
+          <a:xfrm rot="0" flipH="0" flipV="0">
+            <a:off x="7956507" y="2709333"/>
+            <a:ext cx="2968196" cy="640440"/>
+          </a:xfrm>
+          <a:prstGeom prst="rect">
+            <a:avLst/>
+          </a:prstGeom>
+          <a:noFill/>
+        </p:spPr>
+        <p:txBody>
+          <a:bodyPr vertOverflow="overflow" horzOverflow="overflow" vert="horz" wrap="square" lIns="91440" tIns="45720" rIns="91440" bIns="45720" numCol="1" spcCol="0" rtlCol="0" fromWordArt="0" anchor="t" anchorCtr="0" forceAA="0" upright="0" compatLnSpc="0">
+            <a:spAutoFit/>
+          </a:bodyPr>
+          <a:p>
+            <a:pPr>
+              <a:defRPr/>
+            </a:pPr>
+            <a:r>
+              <a:rPr b="1">
+                <a:solidFill>
+                  <a:srgbClr val="C00000"/>
+                </a:solidFill>
+              </a:rPr>
+              <a:t>Majority of conceptions within 3 cycles</a:t>
+            </a:r>
+            <a:r>
+              <a:rPr b="1">
+                <a:solidFill>
+                  <a:srgbClr val="C00000"/>
+                </a:solidFill>
+              </a:rPr>
+              <a:t>...</a:t>
+            </a:r>
+            <a:endParaRPr b="1">
               <a:solidFill>
                 <a:srgbClr val="C00000"/>
               </a:solidFill>
-              <a:prstDash val="solid"/>
-              <a:miter lim="800000"/>
-            </a:ln>
-          </p:spPr>
-          <p:style>
-            <a:lnRef idx="2">
-              <a:schemeClr val="accent1">
-                <a:shade val="50000"/>
-              </a:schemeClr>
-            </a:lnRef>
-            <a:fillRef idx="1">
-              <a:schemeClr val="accent1"/>
-            </a:fillRef>
-            <a:effectRef idx="0">
-              <a:schemeClr val="accent1"/>
-            </a:effectRef>
-            <a:fontRef idx="minor">
-              <a:schemeClr val="lt1"/>
-            </a:fontRef>
-          </p:style>
-        </p:sp>
-        <p:sp>
-          <p:nvSpPr>
-            <p:cNvPr id="1368464202" name=""/>
-            <p:cNvSpPr txBox="1"/>
-            <p:nvPr/>
-          </p:nvSpPr>
-          <p:spPr bwMode="auto">
-            <a:xfrm rot="0" flipH="0" flipV="0">
-              <a:off x="13733" y="50196"/>
-              <a:ext cx="1579076" cy="640440"/>
-            </a:xfrm>
-            <a:prstGeom prst="rect">
-              <a:avLst/>
-            </a:prstGeom>
-            <a:noFill/>
-          </p:spPr>
-          <p:txBody>
-            <a:bodyPr vertOverflow="overflow" horzOverflow="overflow" vert="horz" wrap="square" lIns="91440" tIns="45720" rIns="91440" bIns="45720" numCol="1" spcCol="0" rtlCol="0" fromWordArt="0" anchor="t" anchorCtr="0" forceAA="0" upright="0" compatLnSpc="0">
-              <a:spAutoFit/>
-            </a:bodyPr>
-            <a:p>
-              <a:pPr>
-                <a:defRPr/>
-              </a:pPr>
-              <a:r>
-                <a:rPr b="1">
-                  <a:solidFill>
-                    <a:srgbClr val="C00000"/>
-                  </a:solidFill>
-                </a:rPr>
-                <a:t>Majority of </a:t>
-              </a:r>
-              <a:r>
-                <a:rPr b="1">
-                  <a:solidFill>
-                    <a:srgbClr val="C00000"/>
-                  </a:solidFill>
-                </a:rPr>
-                <a:t>data </a:t>
-              </a:r>
-              <a:r>
-                <a:rPr b="1">
-                  <a:solidFill>
-                    <a:srgbClr val="C00000"/>
-                  </a:solidFill>
-                </a:rPr>
-                <a:t>points</a:t>
-              </a:r>
-              <a:endParaRPr b="1">
-                <a:solidFill>
-                  <a:srgbClr val="C00000"/>
-                </a:solidFill>
-              </a:endParaRPr>
-            </a:p>
-          </p:txBody>
-        </p:sp>
-      </p:grpSp>
+            </a:endParaRPr>
+          </a:p>
+        </p:txBody>
+      </p:sp>
+      <p:sp>
+        <p:nvSpPr>
+          <p:cNvPr id="1843477135" name="Slide Number Placeholder 5"/>
+          <p:cNvSpPr>
+            <a:spLocks noGrp="1"/>
+          </p:cNvSpPr>
+          <p:nvPr>
+            <p:ph type="sldNum" sz="quarter" idx="12"/>
+          </p:nvPr>
+        </p:nvSpPr>
+        <p:spPr bwMode="auto"/>
+        <p:txBody>
+          <a:bodyPr/>
+          <a:lstStyle/>
+          <a:p>
+            <a:pPr>
+              <a:defRPr/>
+            </a:pPr>
+            <a:fld id="{5F2D3DD4-AA57-793F-10CE-CC834EEC46E4}" type="slidenum">
+              <a:rPr lang="en-GB"/>
+              <a:t/>
+            </a:fld>
+            <a:endParaRPr/>
+          </a:p>
+        </p:txBody>
+      </p:sp>
+      <p:sp>
+        <p:nvSpPr>
+          <p:cNvPr id="94746828" name=""/>
+          <p:cNvSpPr/>
+          <p:nvPr/>
+        </p:nvSpPr>
+        <p:spPr bwMode="auto">
+          <a:xfrm rot="0" flipH="0" flipV="0">
+            <a:off x="1969583" y="2084916"/>
+            <a:ext cx="920749" cy="317499"/>
+          </a:xfrm>
+          <a:prstGeom prst="leftArrow">
+            <a:avLst>
+              <a:gd name="adj1" fmla="val 50000"/>
+              <a:gd name="adj2" fmla="val 50000"/>
+            </a:avLst>
+          </a:prstGeom>
+          <a:solidFill>
+            <a:srgbClr val="C00000"/>
+          </a:solidFill>
+          <a:ln w="12700" cap="flat" cmpd="sng" algn="ctr">
+            <a:solidFill>
+              <a:srgbClr val="C00000"/>
+            </a:solidFill>
+            <a:prstDash val="solid"/>
+            <a:miter lim="800000"/>
+          </a:ln>
+        </p:spPr>
+        <p:style>
+          <a:lnRef idx="2">
+            <a:schemeClr val="accent1">
+              <a:shade val="50000"/>
+            </a:schemeClr>
+          </a:lnRef>
+          <a:fillRef idx="1">
+            <a:schemeClr val="accent1"/>
+          </a:fillRef>
+          <a:effectRef idx="0">
+            <a:schemeClr val="accent1"/>
+          </a:effectRef>
+          <a:fontRef idx="minor">
+            <a:schemeClr val="lt1"/>
+          </a:fontRef>
+        </p:style>
+      </p:sp>
     </p:spTree>
   </p:cSld>
   <p:clrMapOvr>
@@ -9209,96 +9844,9 @@
           <a:chExt cx="0" cy="0"/>
         </a:xfrm>
       </p:grpSpPr>
-      <p:sp>
-        <p:nvSpPr>
-          <p:cNvPr id="171699351" name="Title 1"/>
-          <p:cNvSpPr>
-            <a:spLocks noGrp="1"/>
-          </p:cNvSpPr>
-          <p:nvPr>
-            <p:ph type="title"/>
-          </p:nvPr>
-        </p:nvSpPr>
-        <p:spPr bwMode="auto"/>
-        <p:txBody>
-          <a:bodyPr/>
-          <a:lstStyle/>
-          <a:p>
-            <a:pPr>
-              <a:defRPr/>
-            </a:pPr>
-            <a:r>
-              <a:rPr/>
-              <a:t>Solution: bin, balance and classify!</a:t>
-            </a:r>
-            <a:endParaRPr/>
-          </a:p>
-        </p:txBody>
-      </p:sp>
-      <p:sp>
-        <p:nvSpPr>
-          <p:cNvPr id="66693217" name="Content Placeholder 2"/>
-          <p:cNvSpPr>
-            <a:spLocks noGrp="1"/>
-          </p:cNvSpPr>
-          <p:nvPr>
-            <p:ph idx="1"/>
-          </p:nvPr>
-        </p:nvSpPr>
-        <p:spPr bwMode="auto">
-          <a:xfrm flipH="0" flipV="0">
-            <a:off x="106916" y="1640416"/>
-            <a:ext cx="5989083" cy="1328208"/>
-          </a:xfrm>
-        </p:spPr>
-        <p:txBody>
-          <a:bodyPr/>
-          <a:lstStyle/>
-          <a:p>
-            <a:pPr marL="807165" lvl="1" indent="-349965">
-              <a:buFont typeface="Arial"/>
-              <a:buAutoNum type="arabicPeriod"/>
-              <a:defRPr/>
-            </a:pPr>
-            <a:r>
-              <a:rPr sz="2000"/>
-              <a:t>Group conception times into 3 bins</a:t>
-            </a:r>
-            <a:endParaRPr sz="2000"/>
-          </a:p>
-          <a:p>
-            <a:pPr marL="807165" lvl="1" indent="-349965">
-              <a:buFont typeface="Arial"/>
-              <a:buAutoNum type="arabicPeriod"/>
-              <a:defRPr/>
-            </a:pPr>
-            <a:r>
-              <a:rPr sz="2000"/>
-              <a:t>Rebalance classes</a:t>
-            </a:r>
-            <a:endParaRPr sz="2000"/>
-          </a:p>
-          <a:p>
-            <a:pPr marL="807165" lvl="1" indent="-349965">
-              <a:buFont typeface="Arial"/>
-              <a:buAutoNum type="arabicPeriod"/>
-              <a:defRPr/>
-            </a:pPr>
-            <a:r>
-              <a:rPr sz="2000" b="0"/>
-              <a:t>Classification now gives </a:t>
-            </a:r>
-            <a:r>
-              <a:rPr sz="2000" b="1"/>
-              <a:t>~79% accuracy</a:t>
-            </a:r>
-            <a:endParaRPr/>
-          </a:p>
-        </p:txBody>
-      </p:sp>
       <p:pic>
         <p:nvPicPr>
-          <p:cNvPr id="783997526" name=""/>
+          <p:cNvPr id="519129531" name=""/>
           <p:cNvPicPr>
             <a:picLocks noChangeAspect="1"/>
           </p:cNvPicPr>
@@ -9310,17 +9858,130 @@
         </p:blipFill>
         <p:spPr bwMode="auto">
           <a:xfrm flipH="0" flipV="0">
-            <a:off x="280428" y="2968624"/>
-            <a:ext cx="5642058" cy="3757083"/>
+            <a:off x="5526286" y="1640416"/>
+            <a:ext cx="6634749" cy="5196416"/>
           </a:xfrm>
           <a:prstGeom prst="rect">
             <a:avLst/>
           </a:prstGeom>
         </p:spPr>
       </p:pic>
+      <p:sp>
+        <p:nvSpPr>
+          <p:cNvPr id="348903176" name="Title 1"/>
+          <p:cNvSpPr>
+            <a:spLocks noGrp="1"/>
+          </p:cNvSpPr>
+          <p:nvPr>
+            <p:ph type="title"/>
+          </p:nvPr>
+        </p:nvSpPr>
+        <p:spPr bwMode="auto"/>
+        <p:txBody>
+          <a:bodyPr/>
+          <a:lstStyle/>
+          <a:p>
+            <a:pPr>
+              <a:defRPr/>
+            </a:pPr>
+            <a:r>
+              <a:rPr/>
+              <a:t>Solution: bin, balance and classify!</a:t>
+            </a:r>
+            <a:endParaRPr/>
+          </a:p>
+        </p:txBody>
+      </p:sp>
+      <p:sp>
+        <p:nvSpPr>
+          <p:cNvPr id="658685929" name="Content Placeholder 2"/>
+          <p:cNvSpPr>
+            <a:spLocks noGrp="1"/>
+          </p:cNvSpPr>
+          <p:nvPr>
+            <p:ph idx="1"/>
+          </p:nvPr>
+        </p:nvSpPr>
+        <p:spPr bwMode="auto">
+          <a:xfrm flipH="0" flipV="0">
+            <a:off x="106916" y="1640416"/>
+            <a:ext cx="5989083" cy="1328208"/>
+          </a:xfrm>
+        </p:spPr>
+        <p:txBody>
+          <a:bodyPr/>
+          <a:lstStyle/>
+          <a:p>
+            <a:pPr marL="807165" lvl="1" indent="-349965">
+              <a:buFont typeface="Arial"/>
+              <a:buAutoNum type="arabicPeriod"/>
+              <a:defRPr/>
+            </a:pPr>
+            <a:r>
+              <a:rPr sz="2000"/>
+              <a:t>Group conception times into 3 bins</a:t>
+            </a:r>
+            <a:endParaRPr sz="2000"/>
+          </a:p>
+          <a:p>
+            <a:pPr marL="807165" lvl="1" indent="-349965">
+              <a:buFont typeface="Arial"/>
+              <a:buAutoNum type="arabicPeriod"/>
+              <a:defRPr/>
+            </a:pPr>
+            <a:r>
+              <a:rPr sz="2000"/>
+              <a:t>Rebalance classes</a:t>
+            </a:r>
+            <a:endParaRPr sz="2000"/>
+          </a:p>
+          <a:p>
+            <a:pPr marL="807165" lvl="1" indent="-349965">
+              <a:buFont typeface="Arial"/>
+              <a:buAutoNum type="arabicPeriod"/>
+              <a:defRPr/>
+            </a:pPr>
+            <a:r>
+              <a:rPr sz="2000" b="0"/>
+              <a:t>Classification now gives </a:t>
+            </a:r>
+            <a:r>
+              <a:rPr sz="2000" b="1"/>
+              <a:t>~79% accuracy</a:t>
+            </a:r>
+            <a:endParaRPr/>
+          </a:p>
+        </p:txBody>
+      </p:sp>
+      <p:sp>
+        <p:nvSpPr>
+          <p:cNvPr id="1161974947" name="Slide Number Placeholder 6"/>
+          <p:cNvSpPr>
+            <a:spLocks noGrp="1"/>
+          </p:cNvSpPr>
+          <p:nvPr>
+            <p:ph type="sldNum" sz="quarter" idx="12"/>
+          </p:nvPr>
+        </p:nvSpPr>
+        <p:spPr bwMode="auto"/>
+        <p:txBody>
+          <a:bodyPr/>
+          <a:lstStyle/>
+          <a:p>
+            <a:pPr>
+              <a:defRPr/>
+            </a:pPr>
+            <a:fld id="{E65EB8B8-05D7-7938-62BD-9D5CA0B1C19D}" type="slidenum">
+              <a:rPr lang="en-GB"/>
+              <a:t/>
+            </a:fld>
+            <a:endParaRPr/>
+          </a:p>
+        </p:txBody>
+      </p:sp>
       <p:pic>
         <p:nvPicPr>
-          <p:cNvPr id="2063600970" name=""/>
+          <p:cNvPr id="571060427" name=""/>
           <p:cNvPicPr>
             <a:picLocks noChangeAspect="1"/>
           </p:cNvPicPr>
@@ -9332,8 +9993,8 @@
         </p:blipFill>
         <p:spPr bwMode="auto">
           <a:xfrm flipH="0" flipV="0">
-            <a:off x="5922487" y="1825624"/>
-            <a:ext cx="6280011" cy="4900083"/>
+            <a:off x="106916" y="3333749"/>
+            <a:ext cx="5897931" cy="2836291"/>
           </a:xfrm>
           <a:prstGeom prst="rect">
             <a:avLst/>
@@ -9375,7 +10036,7 @@
       </p:grpSpPr>
       <p:sp>
         <p:nvSpPr>
-          <p:cNvPr id="1265077369" name="Title 1"/>
+          <p:cNvPr id="940810245" name="Title 1"/>
           <p:cNvSpPr>
             <a:spLocks noGrp="1"/>
           </p:cNvSpPr>
@@ -9392,31 +10053,55 @@
               <a:defRPr/>
             </a:pPr>
             <a:r>
-              <a:rPr/>
-              <a:t>New effects can be observed that influence conception time</a:t>
-            </a:r>
+              <a:rPr sz="2800"/>
+              <a:t>Feature importance shows new effects affecting conception time</a:t>
+            </a:r>
+            <a:endParaRPr sz="3600"/>
+          </a:p>
+        </p:txBody>
+      </p:sp>
+      <p:sp>
+        <p:nvSpPr>
+          <p:cNvPr id="562958798" name="Slide Number Placeholder 6"/>
+          <p:cNvSpPr>
+            <a:spLocks noGrp="1"/>
+          </p:cNvSpPr>
+          <p:nvPr>
+            <p:ph type="sldNum" sz="quarter" idx="12"/>
+          </p:nvPr>
+        </p:nvSpPr>
+        <p:spPr bwMode="auto"/>
+        <p:txBody>
+          <a:bodyPr/>
+          <a:lstStyle/>
+          <a:p>
+            <a:pPr>
+              <a:defRPr/>
+            </a:pPr>
+            <a:fld id="{EA02A7AC-7FEB-5792-B14F-DEF530C711D2}" type="slidenum">
+              <a:rPr lang="en-GB"/>
+              <a:t/>
+            </a:fld>
             <a:endParaRPr/>
           </a:p>
         </p:txBody>
       </p:sp>
       <p:pic>
         <p:nvPicPr>
-          <p:cNvPr id="1552496808" name=""/>
+          <p:cNvPr id="1130555252" name=""/>
           <p:cNvPicPr>
             <a:picLocks noChangeAspect="1"/>
           </p:cNvPicPr>
-          <p:nvPr>
-            <p:ph sz="half" idx="2"/>
-          </p:nvPr>
+          <p:nvPr/>
         </p:nvPicPr>
         <p:blipFill>
           <a:blip r:embed="rId3"/>
           <a:stretch/>
         </p:blipFill>
         <p:spPr bwMode="auto">
-          <a:xfrm rot="0" flipH="0" flipV="0">
-            <a:off x="2023533" y="1801663"/>
-            <a:ext cx="7343799" cy="4858461"/>
+          <a:xfrm flipH="0" flipV="0">
+            <a:off x="1753194" y="1690687"/>
+            <a:ext cx="8285043" cy="5030786"/>
           </a:xfrm>
           <a:prstGeom prst="rect">
             <a:avLst/>
@@ -9458,7 +10143,7 @@
       </p:grpSpPr>
       <p:sp>
         <p:nvSpPr>
-          <p:cNvPr id="1442325239" name="Title 1"/>
+          <p:cNvPr id="1844315144" name="Title 1"/>
           <p:cNvSpPr>
             <a:spLocks noGrp="1"/>
           </p:cNvSpPr>
@@ -9484,7 +10169,7 @@
       </p:sp>
       <p:sp>
         <p:nvSpPr>
-          <p:cNvPr id="482751319" name="Content Placeholder 2"/>
+          <p:cNvPr id="363631938" name="Content Placeholder 2"/>
           <p:cNvSpPr>
             <a:spLocks noGrp="1"/>
           </p:cNvSpPr>
@@ -9634,6 +10319,32 @@
               <a:rPr/>
               <a:t>)</a:t>
             </a:r>
+            <a:endParaRPr/>
+          </a:p>
+        </p:txBody>
+      </p:sp>
+      <p:sp>
+        <p:nvSpPr>
+          <p:cNvPr id="1502465783" name="Slide Number Placeholder 5"/>
+          <p:cNvSpPr>
+            <a:spLocks noGrp="1"/>
+          </p:cNvSpPr>
+          <p:nvPr>
+            <p:ph type="sldNum" sz="quarter" idx="12"/>
+          </p:nvPr>
+        </p:nvSpPr>
+        <p:spPr bwMode="auto"/>
+        <p:txBody>
+          <a:bodyPr/>
+          <a:lstStyle/>
+          <a:p>
+            <a:pPr>
+              <a:defRPr/>
+            </a:pPr>
+            <a:fld id="{7700ABD5-120E-CAF7-EA30-3E455CB70FC7}" type="slidenum">
+              <a:rPr lang="en-GB"/>
+              <a:t/>
+            </a:fld>
             <a:endParaRPr/>
           </a:p>
         </p:txBody>
@@ -9673,7 +10384,7 @@
       </p:grpSpPr>
       <p:sp>
         <p:nvSpPr>
-          <p:cNvPr id="151729367" name="Text Placeholder 1"/>
+          <p:cNvPr id="870779898" name="Text Placeholder 1"/>
           <p:cNvSpPr>
             <a:spLocks noGrp="1"/>
           </p:cNvSpPr>
@@ -9714,15 +10425,19 @@
             </a:r>
             <a:r>
               <a:rPr lang="en-US" sz="2150"/>
-              <a:t>/ Project Lead</a:t>
-            </a:r>
-            <a:endParaRPr/>
-          </a:p>
-        </p:txBody>
-      </p:sp>
-      <p:sp>
-        <p:nvSpPr>
-          <p:cNvPr id="234809991" name="Title 2"/>
+              <a:t>/ </a:t>
+            </a:r>
+            <a:r>
+              <a:rPr lang="en-GB" sz="2150"/>
+              <a:t>Biomedical Engineer</a:t>
+            </a:r>
+            <a:endParaRPr/>
+          </a:p>
+        </p:txBody>
+      </p:sp>
+      <p:sp>
+        <p:nvSpPr>
+          <p:cNvPr id="706325171" name="Title 2"/>
           <p:cNvSpPr>
             <a:spLocks noGrp="1"/>
           </p:cNvSpPr>
@@ -9757,7 +10472,7 @@
       </p:sp>
       <p:sp>
         <p:nvSpPr>
-          <p:cNvPr id="261599644" name="Slide Number Placeholder 3"/>
+          <p:cNvPr id="610109637" name="Slide Number Placeholder 3"/>
           <p:cNvSpPr>
             <a:spLocks noGrp="1"/>
           </p:cNvSpPr>
@@ -9783,7 +10498,7 @@
       </p:sp>
       <p:pic>
         <p:nvPicPr>
-          <p:cNvPr id="140992887" name="Picture 53" descr="A person in a suit smiling&#10;&#10;Description automatically generated"/>
+          <p:cNvPr id="2103351538" name="Picture 53" descr="A person in a suit smiling&#10;&#10;Description automatically generated"/>
           <p:cNvPicPr>
             <a:picLocks noChangeAspect="1"/>
           </p:cNvPicPr>
@@ -9796,7 +10511,7 @@
         <p:spPr bwMode="auto">
           <a:xfrm>
             <a:off x="10060463" y="155792"/>
-            <a:ext cx="1970254" cy="1970254"/>
+            <a:ext cx="1970253" cy="1970253"/>
           </a:xfrm>
           <a:prstGeom prst="round2DiagRect">
             <a:avLst>
@@ -9821,16 +10536,16 @@
       </p:pic>
       <p:grpSp>
         <p:nvGrpSpPr>
-          <p:cNvPr id="2106917238" name="Group 7"/>
+          <p:cNvPr id="452303925" name="Group 7"/>
           <p:cNvGrpSpPr/>
           <p:nvPr/>
         </p:nvGrpSpPr>
         <p:grpSpPr bwMode="auto">
           <a:xfrm>
-            <a:off x="1571204" y="2391931"/>
-            <a:ext cx="8502257" cy="2730506"/>
+            <a:off x="1571203" y="2391930"/>
+            <a:ext cx="8502255" cy="2730504"/>
             <a:chOff x="0" y="0"/>
-            <a:chExt cx="8502257" cy="2730506"/>
+            <a:chExt cx="8502255" cy="2730504"/>
           </a:xfrm>
         </p:grpSpPr>
         <p:grpSp>
@@ -9842,9 +10557,9 @@
           <p:grpSpPr bwMode="auto">
             <a:xfrm>
               <a:off x="0" y="0"/>
-              <a:ext cx="8502257" cy="2730506"/>
+              <a:ext cx="8502255" cy="2730504"/>
               <a:chOff x="0" y="0"/>
-              <a:chExt cx="8502257" cy="2730506"/>
+              <a:chExt cx="8502255" cy="2730504"/>
             </a:xfrm>
           </p:grpSpPr>
           <p:grpSp>
@@ -9856,9 +10571,9 @@
             <p:grpSpPr bwMode="auto">
               <a:xfrm>
                 <a:off x="0" y="0"/>
-                <a:ext cx="8502257" cy="2714595"/>
+                <a:ext cx="8502255" cy="2714594"/>
                 <a:chOff x="0" y="0"/>
-                <a:chExt cx="8502257" cy="2714595"/>
+                <a:chExt cx="8502255" cy="2714594"/>
               </a:xfrm>
             </p:grpSpPr>
             <p:grpSp>
@@ -9869,10 +10584,10 @@
               </p:nvGrpSpPr>
               <p:grpSpPr bwMode="auto">
                 <a:xfrm>
-                  <a:off x="6826084" y="1210586"/>
-                  <a:ext cx="1633842" cy="1343914"/>
+                  <a:off x="6826083" y="1210585"/>
+                  <a:ext cx="1633842" cy="1343913"/>
                   <a:chOff x="0" y="0"/>
-                  <a:chExt cx="1633842" cy="1343914"/>
+                  <a:chExt cx="1633842" cy="1343913"/>
                 </a:xfrm>
               </p:grpSpPr>
               <p:pic>
@@ -9898,7 +10613,7 @@
                 <p:spPr bwMode="auto">
                   <a:xfrm>
                     <a:off x="0" y="0"/>
-                    <a:ext cx="1633842" cy="1343914"/>
+                    <a:ext cx="1633842" cy="1343913"/>
                   </a:xfrm>
                   <a:prstGeom prst="rect">
                     <a:avLst/>
@@ -9913,10 +10628,10 @@
                 </p:nvGrpSpPr>
                 <p:grpSpPr bwMode="auto">
                   <a:xfrm>
-                    <a:off x="399804" y="256876"/>
-                    <a:ext cx="818024" cy="640952"/>
+                    <a:off x="399803" y="256875"/>
+                    <a:ext cx="818022" cy="640951"/>
                     <a:chOff x="0" y="0"/>
-                    <a:chExt cx="818024" cy="640952"/>
+                    <a:chExt cx="818022" cy="640951"/>
                   </a:xfrm>
                 </p:grpSpPr>
                 <p:pic>
@@ -9939,7 +10654,7 @@
                   </p:blipFill>
                   <p:spPr bwMode="auto">
                     <a:xfrm>
-                      <a:off x="587935" y="49946"/>
+                      <a:off x="587934" y="49945"/>
                       <a:ext cx="230088" cy="189260"/>
                     </a:xfrm>
                     <a:prstGeom prst="rect">
@@ -9967,7 +10682,7 @@
                   </p:blipFill>
                   <p:spPr bwMode="auto">
                     <a:xfrm>
-                      <a:off x="63626" y="349111"/>
+                      <a:off x="63625" y="349110"/>
                       <a:ext cx="168157" cy="138319"/>
                     </a:xfrm>
                     <a:prstGeom prst="rect">
@@ -9983,7 +10698,7 @@
                   </p:nvSpPr>
                   <p:spPr bwMode="auto">
                     <a:xfrm flipH="1">
-                      <a:off x="147705" y="250162"/>
+                      <a:off x="147704" y="250161"/>
                       <a:ext cx="538687" cy="283133"/>
                     </a:xfrm>
                     <a:custGeom>
@@ -10152,7 +10867,7 @@
                   </p:blipFill>
                   <p:spPr bwMode="auto">
                     <a:xfrm>
-                      <a:off x="279586" y="142357"/>
+                      <a:off x="279585" y="142356"/>
                       <a:ext cx="251354" cy="206751"/>
                     </a:xfrm>
                     <a:prstGeom prst="rect">
@@ -10217,8 +10932,8 @@
                     <p:nvPr/>
                   </p:nvSpPr>
                   <p:spPr bwMode="auto">
-                    <a:xfrm rot="5399978">
-                      <a:off x="359053" y="317256"/>
+                    <a:xfrm rot="5399977">
+                      <a:off x="359052" y="317255"/>
                       <a:ext cx="31114" cy="616278"/>
                     </a:xfrm>
                     <a:prstGeom prst="rect">
@@ -10270,7 +10985,7 @@
               </p:nvSpPr>
               <p:spPr bwMode="auto">
                 <a:xfrm>
-                  <a:off x="2176151" y="1673646"/>
+                  <a:off x="2176150" y="1673645"/>
                   <a:ext cx="1036980" cy="505140"/>
                 </a:xfrm>
                 <a:prstGeom prst="rightArrow">
@@ -10323,7 +11038,7 @@
               </p:nvSpPr>
               <p:spPr bwMode="auto">
                 <a:xfrm>
-                  <a:off x="32278" y="760609"/>
+                  <a:off x="32277" y="760608"/>
                   <a:ext cx="1784235" cy="379656"/>
                 </a:xfrm>
                 <a:prstGeom prst="rect">
@@ -10360,7 +11075,7 @@
               </p:nvSpPr>
               <p:spPr bwMode="auto">
                 <a:xfrm>
-                  <a:off x="6783618" y="760609"/>
+                  <a:off x="6783617" y="760608"/>
                   <a:ext cx="1718638" cy="379656"/>
                 </a:xfrm>
                 <a:prstGeom prst="rect">
@@ -10420,8 +11135,8 @@
               </p:nvSpPr>
               <p:spPr bwMode="auto">
                 <a:xfrm flipH="0" flipV="0">
-                  <a:off x="2580032" y="0"/>
-                  <a:ext cx="3429888" cy="655679"/>
+                  <a:off x="2580031" y="0"/>
+                  <a:ext cx="3438527" cy="678539"/>
                 </a:xfrm>
                 <a:prstGeom prst="rect">
                   <a:avLst/>
@@ -10438,20 +11153,16 @@
                     <a:defRPr/>
                   </a:pPr>
                   <a:r>
-                    <a:rPr lang="en-GB" sz="1850" b="1" u="sng">
+                    <a:rPr lang="en-GB" sz="2000" b="1" u="sng">
                       <a:solidFill>
-                        <a:schemeClr val="accent6">
-                          <a:lumMod val="50000"/>
-                        </a:schemeClr>
+                        <a:schemeClr val="tx1"/>
                       </a:solidFill>
                     </a:rPr>
-                    <a:t>My Focus:</a:t>
+                    <a:t>Focus:</a:t>
                   </a:r>
-                  <a:endParaRPr lang="en-GB" sz="1850" b="1" u="sng">
+                  <a:endParaRPr sz="2000" b="1" u="sng">
                     <a:solidFill>
-                      <a:schemeClr val="accent6">
-                        <a:lumMod val="50000"/>
-                      </a:schemeClr>
+                      <a:schemeClr val="tx1"/>
                     </a:solidFill>
                   </a:endParaRPr>
                 </a:p>
@@ -10487,7 +11198,7 @@
               </p:nvSpPr>
               <p:spPr bwMode="auto">
                 <a:xfrm>
-                  <a:off x="5345976" y="1629973"/>
+                  <a:off x="5345975" y="1629972"/>
                   <a:ext cx="1036980" cy="505140"/>
                 </a:xfrm>
                 <a:prstGeom prst="rightArrow">
@@ -10540,7 +11251,7 @@
               </p:nvSpPr>
               <p:spPr bwMode="auto">
                 <a:xfrm>
-                  <a:off x="3134729" y="752569"/>
+                  <a:off x="3134728" y="752568"/>
                   <a:ext cx="2156214" cy="379656"/>
                 </a:xfrm>
                 <a:prstGeom prst="rect">
@@ -10585,7 +11296,7 @@
             </p:blipFill>
             <p:spPr bwMode="auto">
               <a:xfrm>
-                <a:off x="3631744" y="1188641"/>
+                <a:off x="3631743" y="1188640"/>
                 <a:ext cx="1213097" cy="1541864"/>
               </a:xfrm>
               <a:prstGeom prst="rect">
@@ -10602,7 +11313,7 @@
           </p:nvSpPr>
           <p:spPr bwMode="auto">
             <a:xfrm rot="16199969">
-              <a:off x="4047911" y="-3420608"/>
+              <a:off x="4047910" y="-3420607"/>
               <a:ext cx="396385" cy="8170629"/>
             </a:xfrm>
             <a:prstGeom prst="rightBrace">
@@ -10645,7 +11356,7 @@
       </p:grpSp>
       <p:grpSp>
         <p:nvGrpSpPr>
-          <p:cNvPr id="137093188" name="Group 57"/>
+          <p:cNvPr id="2083039538" name="Group 57"/>
           <p:cNvGrpSpPr/>
           <p:nvPr/>
         </p:nvGrpSpPr>
@@ -10795,7 +11506,7 @@
                 <p:spPr bwMode="auto">
                   <a:xfrm>
                     <a:off x="1305424" y="0"/>
-                    <a:ext cx="1162422" cy="813695"/>
+                    <a:ext cx="1162421" cy="813695"/>
                   </a:xfrm>
                   <a:prstGeom prst="rect">
                     <a:avLst/>
@@ -10929,14 +11640,14 @@
       </p:grpSp>
       <p:sp>
         <p:nvSpPr>
-          <p:cNvPr id="1097405442" name="Rectangle 4"/>
+          <p:cNvPr id="37324639" name="Rectangle 4"/>
           <p:cNvSpPr/>
           <p:nvPr/>
         </p:nvSpPr>
         <p:spPr bwMode="auto">
           <a:xfrm>
             <a:off x="561600" y="6274417"/>
-            <a:ext cx="2364480" cy="445815"/>
+            <a:ext cx="2364480" cy="445814"/>
           </a:xfrm>
           <a:prstGeom prst="rect">
             <a:avLst/>
@@ -11029,7 +11740,7 @@
                                           </p:stCondLst>
                                         </p:cTn>
                                         <p:tgtEl>
-                                          <p:spTgt spid="137093188"/>
+                                          <p:spTgt spid="2083039538"/>
                                         </p:tgtEl>
                                         <p:attrNameLst>
                                           <p:attrName>style.visibility</p:attrName>
@@ -11092,7 +11803,7 @@
       </p:grpSpPr>
       <p:sp>
         <p:nvSpPr>
-          <p:cNvPr id="949432297" name="Title 1"/>
+          <p:cNvPr id="151655871" name="Title 1"/>
           <p:cNvSpPr>
             <a:spLocks noGrp="1"/>
           </p:cNvSpPr>
@@ -11129,7 +11840,7 @@
       </p:sp>
       <p:sp>
         <p:nvSpPr>
-          <p:cNvPr id="518043051" name="Content Placeholder 2"/>
+          <p:cNvPr id="1434322282" name="Content Placeholder 2"/>
           <p:cNvSpPr>
             <a:spLocks noGrp="1"/>
           </p:cNvSpPr>
@@ -11139,7 +11850,7 @@
         </p:nvSpPr>
         <p:spPr bwMode="auto">
           <a:xfrm flipH="0" flipV="0">
-            <a:off x="838199" y="1825624"/>
+            <a:off x="838198" y="1825624"/>
             <a:ext cx="7322633" cy="4351338"/>
           </a:xfrm>
         </p:spPr>
@@ -11174,7 +11885,7 @@
             </a:pPr>
             <a:r>
               <a:rPr/>
-              <a:t>Is the data suitable?</a:t>
+              <a:t>Q: Is the data suitable?</a:t>
             </a:r>
             <a:endParaRPr/>
           </a:p>
@@ -11182,13 +11893,39 @@
             <a:pPr lvl="1">
               <a:defRPr/>
             </a:pPr>
+            <a:endParaRPr/>
+          </a:p>
+        </p:txBody>
+      </p:sp>
+      <p:sp>
+        <p:nvSpPr>
+          <p:cNvPr id="381642778" name="Slide Number Placeholder 5"/>
+          <p:cNvSpPr>
+            <a:spLocks noGrp="1"/>
+          </p:cNvSpPr>
+          <p:nvPr>
+            <p:ph type="sldNum" sz="quarter" idx="12"/>
+          </p:nvPr>
+        </p:nvSpPr>
+        <p:spPr bwMode="auto"/>
+        <p:txBody>
+          <a:bodyPr/>
+          <a:lstStyle/>
+          <a:p>
+            <a:pPr>
+              <a:defRPr/>
+            </a:pPr>
+            <a:fld id="{1C509141-60B4-F358-D86B-A991D68B02B9}" type="slidenum">
+              <a:rPr lang="en-GB"/>
+              <a:t/>
+            </a:fld>
             <a:endParaRPr/>
           </a:p>
         </p:txBody>
       </p:sp>
       <p:pic>
         <p:nvPicPr>
-          <p:cNvPr id="1620689946" name=""/>
+          <p:cNvPr id="1160909159" name=""/>
           <p:cNvPicPr>
             <a:picLocks noChangeAspect="1"/>
           </p:cNvPicPr>
@@ -11200,8 +11937,8 @@
         </p:blipFill>
         <p:spPr bwMode="auto">
           <a:xfrm>
-            <a:off x="7672916" y="1690687"/>
-            <a:ext cx="3200400" cy="4648199"/>
+            <a:off x="7778749" y="1929605"/>
+            <a:ext cx="3028950" cy="4143375"/>
           </a:xfrm>
           <a:prstGeom prst="rect">
             <a:avLst/>
@@ -11243,7 +11980,7 @@
       </p:grpSpPr>
       <p:sp>
         <p:nvSpPr>
-          <p:cNvPr id="1900140533" name="Title 1"/>
+          <p:cNvPr id="1323453909" name="Title 1"/>
           <p:cNvSpPr>
             <a:spLocks noGrp="1"/>
           </p:cNvSpPr>
@@ -11263,13 +12000,17 @@
               <a:rPr b="1"/>
               <a:t>EDA:</a:t>
             </a:r>
-            <a:endParaRPr/>
-          </a:p>
-        </p:txBody>
-      </p:sp>
-      <p:sp>
-        <p:nvSpPr>
-          <p:cNvPr id="634156504" name="Content Placeholder 2"/>
+            <a:r>
+              <a:rPr/>
+              <a:t> Quick glance</a:t>
+            </a:r>
+            <a:endParaRPr/>
+          </a:p>
+        </p:txBody>
+      </p:sp>
+      <p:sp>
+        <p:nvSpPr>
+          <p:cNvPr id="452717610" name="Content Placeholder 2"/>
           <p:cNvSpPr>
             <a:spLocks noGrp="1"/>
           </p:cNvSpPr>
@@ -11279,7 +12020,7 @@
         </p:nvSpPr>
         <p:spPr bwMode="auto">
           <a:xfrm>
-            <a:off x="838199" y="1825624"/>
+            <a:off x="838198" y="1825624"/>
             <a:ext cx="5181599" cy="4351338"/>
           </a:xfrm>
         </p:spPr>
@@ -11347,7 +12088,7 @@
       </p:sp>
       <p:sp>
         <p:nvSpPr>
-          <p:cNvPr id="1670729241" name="Content Placeholder 3"/>
+          <p:cNvPr id="70738458" name="Content Placeholder 3"/>
           <p:cNvSpPr>
             <a:spLocks noGrp="1"/>
           </p:cNvSpPr>
@@ -11420,7 +12161,7 @@
       </p:sp>
       <p:pic>
         <p:nvPicPr>
-          <p:cNvPr id="1206752545" name=""/>
+          <p:cNvPr id="1538795127" name=""/>
           <p:cNvPicPr>
             <a:picLocks noChangeAspect="1"/>
           </p:cNvPicPr>
@@ -11432,7 +12173,7 @@
         </p:blipFill>
         <p:spPr bwMode="auto">
           <a:xfrm>
-            <a:off x="7315200" y="4118191"/>
+            <a:off x="7315200" y="4118190"/>
             <a:ext cx="3581399" cy="2524124"/>
           </a:xfrm>
           <a:prstGeom prst="rect">
@@ -11442,7 +12183,7 @@
       </p:pic>
       <p:pic>
         <p:nvPicPr>
-          <p:cNvPr id="1155053710" name=""/>
+          <p:cNvPr id="1948082306" name=""/>
           <p:cNvPicPr>
             <a:picLocks noChangeAspect="1"/>
           </p:cNvPicPr>
@@ -11462,6 +12203,32 @@
           </a:prstGeom>
         </p:spPr>
       </p:pic>
+      <p:sp>
+        <p:nvSpPr>
+          <p:cNvPr id="1957183825" name="Slide Number Placeholder 6"/>
+          <p:cNvSpPr>
+            <a:spLocks noGrp="1"/>
+          </p:cNvSpPr>
+          <p:nvPr>
+            <p:ph type="sldNum" sz="quarter" idx="12"/>
+          </p:nvPr>
+        </p:nvSpPr>
+        <p:spPr bwMode="auto"/>
+        <p:txBody>
+          <a:bodyPr/>
+          <a:lstStyle/>
+          <a:p>
+            <a:pPr>
+              <a:defRPr/>
+            </a:pPr>
+            <a:fld id="{6DC13F23-24CA-D83F-A6B2-38576BD7C4B0}" type="slidenum">
+              <a:rPr lang="en-GB"/>
+              <a:t/>
+            </a:fld>
+            <a:endParaRPr/>
+          </a:p>
+        </p:txBody>
+      </p:sp>
     </p:spTree>
   </p:cSld>
   <p:clrMapOvr>
@@ -11497,7 +12264,7 @@
       </p:grpSpPr>
       <p:sp>
         <p:nvSpPr>
-          <p:cNvPr id="596143092" name="Title 1"/>
+          <p:cNvPr id="1559510370" name="Title 1"/>
           <p:cNvSpPr>
             <a:spLocks noGrp="1"/>
           </p:cNvSpPr>
@@ -11507,7 +12274,7 @@
         </p:nvSpPr>
         <p:spPr bwMode="auto">
           <a:xfrm flipH="0" flipV="0">
-            <a:off x="838199" y="365124"/>
+            <a:off x="838198" y="365124"/>
             <a:ext cx="4576428" cy="1325562"/>
           </a:xfrm>
         </p:spPr>
@@ -11539,7 +12306,7 @@
       </p:sp>
       <p:sp>
         <p:nvSpPr>
-          <p:cNvPr id="1444396761" name="Content Placeholder 2"/>
+          <p:cNvPr id="1659193456" name="Content Placeholder 2"/>
           <p:cNvSpPr>
             <a:spLocks noGrp="1"/>
           </p:cNvSpPr>
@@ -11573,33 +12340,33 @@
               <a:defRPr/>
             </a:pPr>
             <a:r>
+              <a:rPr sz="2000"/>
+              <a:t>Contains missing data (BMI of 0)</a:t>
+            </a:r>
+            <a:r>
               <a:rPr sz="1800"/>
-              <a:t>Contains missing data (BMI of 0)</a:t>
-            </a:r>
-            <a:r>
-              <a:rPr sz="1600"/>
               <a:t> </a:t>
             </a:r>
             <a:r>
-              <a:rPr sz="1600">
+              <a:rPr sz="1800">
                 <a:solidFill>
                   <a:srgbClr val="C00000"/>
                 </a:solidFill>
               </a:rPr>
               <a:t>=&gt; remove!</a:t>
             </a:r>
-            <a:endParaRPr sz="2000"/>
+            <a:endParaRPr sz="2200"/>
           </a:p>
           <a:p>
             <a:pPr lvl="1">
               <a:defRPr/>
             </a:pPr>
             <a:r>
-              <a:rPr sz="1800"/>
+              <a:rPr sz="2000"/>
               <a:t>Underweight (BMI &lt;16) + Morbidly Obese (BMI &gt; 40) present </a:t>
             </a:r>
             <a:r>
-              <a:rPr sz="1600">
+              <a:rPr sz="1800">
                 <a:solidFill>
                   <a:schemeClr val="accent1">
                     <a:lumMod val="75000"/>
@@ -11631,22 +12398,22 @@
               <a:defRPr/>
             </a:pPr>
             <a:r>
-              <a:rPr sz="1800"/>
+              <a:rPr sz="2000"/>
               <a:t>(Very) high cycle lengths (&gt;35 - 145 days) </a:t>
             </a:r>
             <a:br>
-              <a:rPr sz="1800"/>
+              <a:rPr sz="2000"/>
             </a:br>
             <a:r>
-              <a:rPr sz="1800"/>
+              <a:rPr sz="2000"/>
               <a:t>=&gt; users with PCOS*?</a:t>
             </a:r>
             <a:r>
-              <a:rPr/>
+              <a:rPr sz="2200"/>
               <a:t> </a:t>
             </a:r>
             <a:r>
-              <a:rPr sz="1600">
+              <a:rPr sz="1800">
                 <a:solidFill>
                   <a:schemeClr val="accent1">
                     <a:lumMod val="75000"/>
@@ -11681,7 +12448,7 @@
               <a:rPr sz="1200"/>
               <a:t>Country</a:t>
             </a:r>
-            <a:endParaRPr sz="1200"/>
+            <a:endParaRPr sz="1600"/>
           </a:p>
           <a:p>
             <a:pPr lvl="1">
@@ -11691,7 +12458,7 @@
               <a:rPr sz="1200"/>
               <a:t>Been pregnant before</a:t>
             </a:r>
-            <a:endParaRPr sz="1200"/>
+            <a:endParaRPr sz="1600"/>
           </a:p>
           <a:p>
             <a:pPr lvl="1">
@@ -11701,7 +12468,7 @@
               <a:rPr sz="1200"/>
               <a:t>Education</a:t>
             </a:r>
-            <a:endParaRPr sz="1200"/>
+            <a:endParaRPr sz="1600"/>
           </a:p>
           <a:p>
             <a:pPr lvl="1">
@@ -11711,7 +12478,7 @@
               <a:rPr sz="1200"/>
               <a:t>Sleeping Pattern</a:t>
             </a:r>
-            <a:endParaRPr sz="1200"/>
+            <a:endParaRPr sz="1600"/>
           </a:p>
           <a:p>
             <a:pPr lvl="1">
@@ -11721,7 +12488,7 @@
               <a:rPr sz="1200"/>
               <a:t>Cycle regularity</a:t>
             </a:r>
-            <a:endParaRPr sz="1200"/>
+            <a:endParaRPr sz="1600"/>
           </a:p>
           <a:p>
             <a:pPr lvl="1">
@@ -11731,7 +12498,7 @@
               <a:rPr sz="1200"/>
               <a:t>Regular_cycle</a:t>
             </a:r>
-            <a:endParaRPr sz="1800"/>
+            <a:endParaRPr sz="2000"/>
           </a:p>
           <a:p>
             <a:pPr marL="457200" lvl="1" indent="0">
@@ -11740,7 +12507,7 @@
               <a:defRPr/>
             </a:pPr>
             <a:r>
-              <a:rPr sz="1600">
+              <a:rPr sz="1800">
                 <a:solidFill>
                   <a:schemeClr val="accent1">
                     <a:lumMod val="75000"/>
@@ -11751,17 +12518,11 @@
             </a:r>
             <a:endParaRPr sz="1800"/>
           </a:p>
-          <a:p>
-            <a:pPr lvl="2">
-              <a:defRPr/>
-            </a:pPr>
-            <a:endParaRPr/>
-          </a:p>
-        </p:txBody>
-      </p:sp>
-      <p:sp>
-        <p:nvSpPr>
-          <p:cNvPr id="287212932" name=""/>
+        </p:txBody>
+      </p:sp>
+      <p:sp>
+        <p:nvSpPr>
+          <p:cNvPr id="1381577869" name=""/>
           <p:cNvSpPr txBox="1"/>
           <p:nvPr/>
         </p:nvSpPr>
@@ -11815,7 +12576,7 @@
       </p:sp>
       <p:pic>
         <p:nvPicPr>
-          <p:cNvPr id="13509617" name=""/>
+          <p:cNvPr id="1893913845" name=""/>
           <p:cNvPicPr>
             <a:picLocks noChangeAspect="1"/>
           </p:cNvPicPr>
@@ -11827,14 +12588,40 @@
         </p:blipFill>
         <p:spPr bwMode="auto">
           <a:xfrm>
-            <a:off x="7407833" y="0"/>
-            <a:ext cx="4558182" cy="6857999"/>
+            <a:off x="7500675" y="0"/>
+            <a:ext cx="4556647" cy="6857999"/>
           </a:xfrm>
           <a:prstGeom prst="rect">
             <a:avLst/>
           </a:prstGeom>
         </p:spPr>
       </p:pic>
+      <p:sp>
+        <p:nvSpPr>
+          <p:cNvPr id="1273295114" name="Slide Number Placeholder 5"/>
+          <p:cNvSpPr>
+            <a:spLocks noGrp="1"/>
+          </p:cNvSpPr>
+          <p:nvPr>
+            <p:ph type="sldNum" sz="quarter" idx="12"/>
+          </p:nvPr>
+        </p:nvSpPr>
+        <p:spPr bwMode="auto"/>
+        <p:txBody>
+          <a:bodyPr/>
+          <a:lstStyle/>
+          <a:p>
+            <a:pPr>
+              <a:defRPr/>
+            </a:pPr>
+            <a:fld id="{6D78AFD9-E84D-5FB7-5C10-6A19BFC047EB}" type="slidenum">
+              <a:rPr lang="en-GB"/>
+              <a:t/>
+            </a:fld>
+            <a:endParaRPr/>
+          </a:p>
+        </p:txBody>
+      </p:sp>
     </p:spTree>
   </p:cSld>
   <p:clrMapOvr>
@@ -11870,7 +12657,7 @@
       </p:grpSpPr>
       <p:sp>
         <p:nvSpPr>
-          <p:cNvPr id="1952342895" name="Title 1"/>
+          <p:cNvPr id="58366533" name="Title 1"/>
           <p:cNvSpPr>
             <a:spLocks noGrp="1"/>
           </p:cNvSpPr>
@@ -11918,7 +12705,7 @@
       </p:sp>
       <p:sp>
         <p:nvSpPr>
-          <p:cNvPr id="1036760133" name="Content Placeholder 2"/>
+          <p:cNvPr id="1174487783" name="Content Placeholder 2"/>
           <p:cNvSpPr>
             <a:spLocks noGrp="1"/>
           </p:cNvSpPr>
@@ -11928,7 +12715,7 @@
         </p:nvSpPr>
         <p:spPr bwMode="auto">
           <a:xfrm flipH="0" flipV="0">
-            <a:off x="838199" y="1825624"/>
+            <a:off x="838198" y="1825624"/>
             <a:ext cx="11088909" cy="4351338"/>
           </a:xfrm>
         </p:spPr>
@@ -11940,58 +12727,74 @@
               <a:defRPr/>
             </a:pPr>
             <a:r>
-              <a:rPr/>
+              <a:rPr sz="2600"/>
               <a:t>No intercourse, but still pregnant?</a:t>
             </a:r>
-            <a:endParaRPr/>
+            <a:endParaRPr sz="2600"/>
           </a:p>
           <a:p>
             <a:pPr lvl="1">
               <a:defRPr/>
             </a:pPr>
             <a:r>
-              <a:rPr/>
+              <a:rPr sz="2200">
+                <a:solidFill>
+                  <a:srgbClr val="C00000"/>
+                </a:solidFill>
+              </a:rPr>
               <a:t>=&gt; remove samples</a:t>
             </a:r>
-            <a:endParaRPr/>
+            <a:endParaRPr sz="2200"/>
           </a:p>
           <a:p>
             <a:pPr lvl="0">
               <a:defRPr/>
             </a:pPr>
-            <a:endParaRPr/>
-          </a:p>
-          <a:p>
-            <a:pPr>
-              <a:defRPr/>
-            </a:pPr>
-            <a:endParaRPr/>
-          </a:p>
-          <a:p>
-            <a:pPr>
-              <a:defRPr/>
-            </a:pPr>
-            <a:endParaRPr/>
-          </a:p>
-          <a:p>
-            <a:pPr>
-              <a:defRPr/>
-            </a:pPr>
-            <a:r>
-              <a:rPr/>
-              <a:t>“Regular cycle length” when cycles_length &gt; 50 days?</a:t>
-            </a:r>
-            <a:endParaRPr/>
+            <a:endParaRPr sz="2600"/>
+          </a:p>
+          <a:p>
+            <a:pPr>
+              <a:defRPr/>
+            </a:pPr>
+            <a:endParaRPr sz="2600"/>
+          </a:p>
+          <a:p>
+            <a:pPr>
+              <a:defRPr/>
+            </a:pPr>
+            <a:endParaRPr sz="2600"/>
+          </a:p>
+          <a:p>
+            <a:pPr>
+              <a:defRPr/>
+            </a:pPr>
+            <a:r>
+              <a:rPr sz="2600"/>
+              <a:t>cycles_length &gt; 50 days are NOT regular cycles!</a:t>
+            </a:r>
+            <a:endParaRPr sz="2600"/>
           </a:p>
           <a:p>
             <a:pPr lvl="1">
               <a:defRPr/>
             </a:pPr>
             <a:r>
-              <a:rPr/>
-              <a:t>Regularity of cycle is determined by when cycle_length_std (&lt; 5 days)</a:t>
-            </a:r>
-            <a:endParaRPr/>
+              <a:rPr sz="2000">
+                <a:solidFill>
+                  <a:schemeClr val="accent1">
+                    <a:lumMod val="50000"/>
+                  </a:schemeClr>
+                </a:solidFill>
+              </a:rPr>
+              <a:t>=&gt; Regularity of cycle is determined by cycle_length_std (&lt; 5 days)</a:t>
+            </a:r>
+            <a:endParaRPr sz="2000">
+              <a:solidFill>
+                <a:schemeClr val="accent1">
+                  <a:lumMod val="50000"/>
+                </a:schemeClr>
+              </a:solidFill>
+            </a:endParaRPr>
           </a:p>
           <a:p>
             <a:pPr marL="457200" lvl="1" indent="0">
@@ -11999,19 +12802,19 @@
               <a:buNone/>
               <a:defRPr/>
             </a:pPr>
-            <a:endParaRPr/>
+            <a:endParaRPr sz="2200"/>
           </a:p>
           <a:p>
             <a:pPr lvl="2">
               <a:defRPr/>
             </a:pPr>
-            <a:endParaRPr/>
+            <a:endParaRPr sz="1800"/>
           </a:p>
         </p:txBody>
       </p:sp>
       <p:grpSp>
         <p:nvGrpSpPr>
-          <p:cNvPr id="463796734" name=""/>
+          <p:cNvPr id="1979343099" name=""/>
           <p:cNvGrpSpPr/>
           <p:nvPr/>
         </p:nvGrpSpPr>
@@ -12129,7 +12932,7 @@
       </p:grpSp>
       <p:grpSp>
         <p:nvGrpSpPr>
-          <p:cNvPr id="677237270" name=""/>
+          <p:cNvPr id="678373495" name=""/>
           <p:cNvGrpSpPr/>
           <p:nvPr/>
         </p:nvGrpSpPr>
@@ -12204,6 +13007,32 @@
           </p:style>
         </p:sp>
       </p:grpSp>
+      <p:sp>
+        <p:nvSpPr>
+          <p:cNvPr id="206150639" name="Slide Number Placeholder 5"/>
+          <p:cNvSpPr>
+            <a:spLocks noGrp="1"/>
+          </p:cNvSpPr>
+          <p:nvPr>
+            <p:ph type="sldNum" sz="quarter" idx="12"/>
+          </p:nvPr>
+        </p:nvSpPr>
+        <p:spPr bwMode="auto"/>
+        <p:txBody>
+          <a:bodyPr/>
+          <a:lstStyle/>
+          <a:p>
+            <a:pPr>
+              <a:defRPr/>
+            </a:pPr>
+            <a:fld id="{383475CF-2A47-B022-5B8B-9B0E6849FFB9}" type="slidenum">
+              <a:rPr lang="en-GB"/>
+              <a:t/>
+            </a:fld>
+            <a:endParaRPr/>
+          </a:p>
+        </p:txBody>
+      </p:sp>
     </p:spTree>
   </p:cSld>
   <p:clrMapOvr>
@@ -12237,33 +13066,9 @@
           <a:chExt cx="0" cy="0"/>
         </a:xfrm>
       </p:grpSpPr>
-      <p:pic>
-        <p:nvPicPr>
-          <p:cNvPr id="1167184439" name=""/>
-          <p:cNvPicPr>
-            <a:picLocks noChangeAspect="1"/>
-          </p:cNvPicPr>
-          <p:nvPr/>
-        </p:nvPicPr>
-        <p:blipFill>
-          <a:blip r:embed="rId3">
-            <a:alphaModFix amt="99999"/>
-          </a:blip>
-          <a:stretch/>
-        </p:blipFill>
-        <p:spPr bwMode="auto">
-          <a:xfrm flipH="0" flipV="0">
-            <a:off x="6710916" y="1372305"/>
-            <a:ext cx="5428348" cy="5374088"/>
-          </a:xfrm>
-          <a:prstGeom prst="rect">
-            <a:avLst/>
-          </a:prstGeom>
-        </p:spPr>
-      </p:pic>
-      <p:sp>
-        <p:nvSpPr>
-          <p:cNvPr id="775322735" name="Title 1"/>
+      <p:sp>
+        <p:nvSpPr>
+          <p:cNvPr id="1860418640" name="Title 1"/>
           <p:cNvSpPr>
             <a:spLocks noGrp="1"/>
           </p:cNvSpPr>
@@ -12298,20 +13103,42 @@
           </a:p>
         </p:txBody>
       </p:sp>
-      <p:sp>
-        <p:nvSpPr>
-          <p:cNvPr id="237520672" name="Content Placeholder 2"/>
-          <p:cNvSpPr>
-            <a:spLocks noGrp="1"/>
-          </p:cNvSpPr>
-          <p:nvPr>
-            <p:ph idx="1"/>
-          </p:nvPr>
-        </p:nvSpPr>
+      <p:pic>
+        <p:nvPicPr>
+          <p:cNvPr id="932935295" name=""/>
+          <p:cNvPicPr>
+            <a:picLocks noChangeAspect="1"/>
+          </p:cNvPicPr>
+          <p:nvPr/>
+        </p:nvPicPr>
+        <p:blipFill>
+          <a:blip r:embed="rId3"/>
+          <a:stretch/>
+        </p:blipFill>
         <p:spPr bwMode="auto">
           <a:xfrm flipH="0" flipV="0">
-            <a:off x="838199" y="1825624"/>
-            <a:ext cx="7767133" cy="4351338"/>
+            <a:off x="6837429" y="1428750"/>
+            <a:ext cx="5389191" cy="5335323"/>
+          </a:xfrm>
+          <a:prstGeom prst="rect">
+            <a:avLst/>
+          </a:prstGeom>
+        </p:spPr>
+      </p:pic>
+      <p:sp>
+        <p:nvSpPr>
+          <p:cNvPr id="2012093323" name="Content Placeholder 2"/>
+          <p:cNvSpPr>
+            <a:spLocks noGrp="1"/>
+          </p:cNvSpPr>
+          <p:nvPr>
+            <p:ph idx="1"/>
+          </p:nvPr>
+        </p:nvSpPr>
+        <p:spPr bwMode="auto">
+          <a:xfrm flipH="0" flipV="0">
+            <a:off x="657249" y="1825624"/>
+            <a:ext cx="7948083" cy="4351338"/>
           </a:xfrm>
         </p:spPr>
         <p:txBody>
@@ -12381,6 +13208,32 @@
               <a:buNone/>
               <a:defRPr/>
             </a:pPr>
+            <a:endParaRPr/>
+          </a:p>
+        </p:txBody>
+      </p:sp>
+      <p:sp>
+        <p:nvSpPr>
+          <p:cNvPr id="2052712694" name="Slide Number Placeholder 5"/>
+          <p:cNvSpPr>
+            <a:spLocks noGrp="1"/>
+          </p:cNvSpPr>
+          <p:nvPr>
+            <p:ph type="sldNum" sz="quarter" idx="12"/>
+          </p:nvPr>
+        </p:nvSpPr>
+        <p:spPr bwMode="auto"/>
+        <p:txBody>
+          <a:bodyPr/>
+          <a:lstStyle/>
+          <a:p>
+            <a:pPr>
+              <a:defRPr/>
+            </a:pPr>
+            <a:fld id="{DC4B2D59-0C4D-A1BA-6E32-BBD9CD9B4C14}" type="slidenum">
+              <a:rPr lang="en-GB"/>
+              <a:t/>
+            </a:fld>
             <a:endParaRPr/>
           </a:p>
         </p:txBody>
@@ -12420,7 +13273,7 @@
       </p:grpSpPr>
       <p:sp>
         <p:nvSpPr>
-          <p:cNvPr id="261757189" name="Title 1"/>
+          <p:cNvPr id="55621816" name="Title 1"/>
           <p:cNvSpPr>
             <a:spLocks noGrp="1"/>
           </p:cNvSpPr>
@@ -12457,7 +13310,7 @@
       </p:sp>
       <p:sp>
         <p:nvSpPr>
-          <p:cNvPr id="1692271731" name="Content Placeholder 2"/>
+          <p:cNvPr id="2076301927" name="Content Placeholder 2"/>
           <p:cNvSpPr>
             <a:spLocks noGrp="1"/>
           </p:cNvSpPr>
@@ -12501,7 +13354,7 @@
             </a:pPr>
             <a:r>
               <a:rPr/>
-              <a:t>Not all variable are useable for modelling</a:t>
+              <a:t>Not all samples + variable are useable for modelling</a:t>
             </a:r>
             <a:endParaRPr/>
           </a:p>
@@ -12529,6 +13382,32 @@
             <a:pPr>
               <a:defRPr/>
             </a:pPr>
+            <a:endParaRPr/>
+          </a:p>
+        </p:txBody>
+      </p:sp>
+      <p:sp>
+        <p:nvSpPr>
+          <p:cNvPr id="183834950" name="Slide Number Placeholder 5"/>
+          <p:cNvSpPr>
+            <a:spLocks noGrp="1"/>
+          </p:cNvSpPr>
+          <p:nvPr>
+            <p:ph type="sldNum" sz="quarter" idx="12"/>
+          </p:nvPr>
+        </p:nvSpPr>
+        <p:spPr bwMode="auto"/>
+        <p:txBody>
+          <a:bodyPr/>
+          <a:lstStyle/>
+          <a:p>
+            <a:pPr>
+              <a:defRPr/>
+            </a:pPr>
+            <a:fld id="{5E27147B-A4A8-6F75-8D83-E78EE1A6BFC5}" type="slidenum">
+              <a:rPr lang="en-GB"/>
+              <a:t/>
+            </a:fld>
             <a:endParaRPr/>
           </a:p>
         </p:txBody>
